--- a/Financial service modernization workshop/preparing-for-poc-design-success.pptx
+++ b/Financial service modernization workshop/preparing-for-poc-design-success.pptx
@@ -3,18 +3,21 @@
 <p:presentation xmlns:a="http://schemas.openxmlformats.org/drawingml/2006/main" xmlns:r="http://schemas.openxmlformats.org/officeDocument/2006/relationships" xmlns:p="http://schemas.openxmlformats.org/presentationml/2006/main" saveSubsetFonts="1">
   <p:sldMasterIdLst>
     <p:sldMasterId id="2147483660" r:id="rId4"/>
-    <p:sldMasterId id="2147483665" r:id="rId5"/>
+    <p:sldMasterId id="2147483696" r:id="rId5"/>
   </p:sldMasterIdLst>
   <p:notesMasterIdLst>
-    <p:notesMasterId r:id="rId12"/>
+    <p:notesMasterId r:id="rId15"/>
   </p:notesMasterIdLst>
   <p:sldIdLst>
-    <p:sldId id="300" r:id="rId6"/>
-    <p:sldId id="341" r:id="rId7"/>
-    <p:sldId id="343" r:id="rId8"/>
-    <p:sldId id="344" r:id="rId9"/>
-    <p:sldId id="345" r:id="rId10"/>
-    <p:sldId id="346" r:id="rId11"/>
+    <p:sldId id="327" r:id="rId6"/>
+    <p:sldId id="317" r:id="rId7"/>
+    <p:sldId id="346" r:id="rId8"/>
+    <p:sldId id="341" r:id="rId9"/>
+    <p:sldId id="347" r:id="rId10"/>
+    <p:sldId id="348" r:id="rId11"/>
+    <p:sldId id="349" r:id="rId12"/>
+    <p:sldId id="339" r:id="rId13"/>
+    <p:sldId id="315" r:id="rId14"/>
   </p:sldIdLst>
   <p:sldSz cx="12192000" cy="6858000"/>
   <p:notesSz cx="6858000" cy="9144000"/>
@@ -114,24 +117,6 @@
     </a:lvl9pPr>
   </p:defaultTextStyle>
   <p:extLst>
-    <p:ext uri="{521415D9-36F7-43E2-AB2F-B90AF26B5E84}">
-      <p14:sectionLst xmlns:p14="http://schemas.microsoft.com/office/powerpoint/2010/main">
-        <p14:section name="Default Section" id="{1871FFC8-A34C-4378-9943-07BD794A9F8C}">
-          <p14:sldIdLst>
-            <p14:sldId id="300"/>
-          </p14:sldIdLst>
-        </p14:section>
-        <p14:section name="Structure &amp; Execute PoC" id="{8D57AF76-163A-44AB-8C7D-1071192B289B}">
-          <p14:sldIdLst>
-            <p14:sldId id="341"/>
-            <p14:sldId id="343"/>
-            <p14:sldId id="344"/>
-            <p14:sldId id="345"/>
-            <p14:sldId id="346"/>
-          </p14:sldIdLst>
-        </p14:section>
-      </p14:sectionLst>
-    </p:ext>
     <p:ext uri="{EFAFB233-063F-42B5-8137-9DF3F51BA10A}">
       <p15:sldGuideLst xmlns:p15="http://schemas.microsoft.com/office/powerpoint/2012/main"/>
     </p:ext>
@@ -139,13 +124,163 @@
 </p:presentation>
 </file>
 
-<file path=ppt/revisionInfo.xml><?xml version="1.0" encoding="utf-8"?>
-<p1510:revInfo xmlns:a="http://schemas.openxmlformats.org/drawingml/2006/main" xmlns:r="http://schemas.openxmlformats.org/officeDocument/2006/relationships" xmlns:p1510="http://schemas.microsoft.com/office/powerpoint/2015/10/main">
-  <p1510:revLst>
-    <p1510:client id="{738DBAC3-60A1-4913-A600-E1113DEB827D}" v="37" dt="2018-05-10T17:30:28.024"/>
-    <p1510:client id="{5F159153-6972-4091-9728-9592CD7B1E22}" v="1" dt="2018-06-29T19:57:36.034"/>
-  </p1510:revLst>
-</p1510:revInfo>
+<file path=ppt/changesInfos/changesInfo1.xml><?xml version="1.0" encoding="utf-8"?>
+<pc:chgInfo xmlns:a="http://schemas.openxmlformats.org/drawingml/2006/main" xmlns:r="http://schemas.openxmlformats.org/officeDocument/2006/relationships" xmlns:ac="http://schemas.microsoft.com/office/drawing/2013/main/command" xmlns:pc="http://schemas.microsoft.com/office/powerpoint/2013/main/command">
+  <pc:docChgLst>
+    <pc:chgData name="Diana Xin" userId="e20bdefd-d2b1-4956-85cd-3ebdc633ccb8" providerId="ADAL" clId="{062E0C98-A513-4698-8FDC-01F54E115CBD}"/>
+    <pc:docChg chg="undo custSel modSld">
+      <pc:chgData name="Diana Xin" userId="e20bdefd-d2b1-4956-85cd-3ebdc633ccb8" providerId="ADAL" clId="{062E0C98-A513-4698-8FDC-01F54E115CBD}" dt="2018-08-28T21:19:14.414" v="32" actId="1076"/>
+      <pc:docMkLst>
+        <pc:docMk/>
+      </pc:docMkLst>
+      <pc:sldChg chg="addSp delSp modSp">
+        <pc:chgData name="Diana Xin" userId="e20bdefd-d2b1-4956-85cd-3ebdc633ccb8" providerId="ADAL" clId="{062E0C98-A513-4698-8FDC-01F54E115CBD}" dt="2018-08-28T21:19:14.414" v="32" actId="1076"/>
+        <pc:sldMkLst>
+          <pc:docMk/>
+          <pc:sldMk cId="3588436288" sldId="317"/>
+        </pc:sldMkLst>
+        <pc:spChg chg="mod">
+          <ac:chgData name="Diana Xin" userId="e20bdefd-d2b1-4956-85cd-3ebdc633ccb8" providerId="ADAL" clId="{062E0C98-A513-4698-8FDC-01F54E115CBD}" dt="2018-08-28T21:12:24.238" v="4" actId="14100"/>
+          <ac:spMkLst>
+            <pc:docMk/>
+            <pc:sldMk cId="3588436288" sldId="317"/>
+            <ac:spMk id="12" creationId="{87FEBA4D-1C35-4109-AC9F-B392EA9004E2}"/>
+          </ac:spMkLst>
+        </pc:spChg>
+        <pc:picChg chg="add del mod">
+          <ac:chgData name="Diana Xin" userId="e20bdefd-d2b1-4956-85cd-3ebdc633ccb8" providerId="ADAL" clId="{062E0C98-A513-4698-8FDC-01F54E115CBD}" dt="2018-08-28T21:19:05.273" v="30" actId="478"/>
+          <ac:picMkLst>
+            <pc:docMk/>
+            <pc:sldMk cId="3588436288" sldId="317"/>
+            <ac:picMk id="4" creationId="{3E3E82E7-7F01-4CC1-9295-D3FC6B13C4F0}"/>
+          </ac:picMkLst>
+        </pc:picChg>
+        <pc:picChg chg="add mod">
+          <ac:chgData name="Diana Xin" userId="e20bdefd-d2b1-4956-85cd-3ebdc633ccb8" providerId="ADAL" clId="{062E0C98-A513-4698-8FDC-01F54E115CBD}" dt="2018-08-28T21:19:14.414" v="32" actId="1076"/>
+          <ac:picMkLst>
+            <pc:docMk/>
+            <pc:sldMk cId="3588436288" sldId="317"/>
+            <ac:picMk id="5" creationId="{BFE81EDC-CDC0-4BEE-A8F2-D0F43FE709A3}"/>
+          </ac:picMkLst>
+        </pc:picChg>
+      </pc:sldChg>
+      <pc:sldChg chg="modSp">
+        <pc:chgData name="Diana Xin" userId="e20bdefd-d2b1-4956-85cd-3ebdc633ccb8" providerId="ADAL" clId="{062E0C98-A513-4698-8FDC-01F54E115CBD}" dt="2018-08-28T21:15:03.762" v="27" actId="1076"/>
+        <pc:sldMkLst>
+          <pc:docMk/>
+          <pc:sldMk cId="560698804" sldId="339"/>
+        </pc:sldMkLst>
+        <pc:spChg chg="mod">
+          <ac:chgData name="Diana Xin" userId="e20bdefd-d2b1-4956-85cd-3ebdc633ccb8" providerId="ADAL" clId="{062E0C98-A513-4698-8FDC-01F54E115CBD}" dt="2018-08-28T21:15:03.762" v="27" actId="1076"/>
+          <ac:spMkLst>
+            <pc:docMk/>
+            <pc:sldMk cId="560698804" sldId="339"/>
+            <ac:spMk id="28" creationId="{1DAF789C-CB8E-47E1-9D1D-4511579F2AD9}"/>
+          </ac:spMkLst>
+        </pc:spChg>
+        <pc:spChg chg="mod">
+          <ac:chgData name="Diana Xin" userId="e20bdefd-d2b1-4956-85cd-3ebdc633ccb8" providerId="ADAL" clId="{062E0C98-A513-4698-8FDC-01F54E115CBD}" dt="2018-08-28T21:14:57.630" v="26" actId="1076"/>
+          <ac:spMkLst>
+            <pc:docMk/>
+            <pc:sldMk cId="560698804" sldId="339"/>
+            <ac:spMk id="30" creationId="{CCC2FAA6-677E-4534-9D6F-8379391B5D76}"/>
+          </ac:spMkLst>
+        </pc:spChg>
+      </pc:sldChg>
+      <pc:sldChg chg="modSp">
+        <pc:chgData name="Diana Xin" userId="e20bdefd-d2b1-4956-85cd-3ebdc633ccb8" providerId="ADAL" clId="{062E0C98-A513-4698-8FDC-01F54E115CBD}" dt="2018-08-28T21:13:06.945" v="8" actId="2711"/>
+        <pc:sldMkLst>
+          <pc:docMk/>
+          <pc:sldMk cId="1127642745" sldId="341"/>
+        </pc:sldMkLst>
+        <pc:spChg chg="mod">
+          <ac:chgData name="Diana Xin" userId="e20bdefd-d2b1-4956-85cd-3ebdc633ccb8" providerId="ADAL" clId="{062E0C98-A513-4698-8FDC-01F54E115CBD}" dt="2018-08-28T21:12:49.550" v="6" actId="2711"/>
+          <ac:spMkLst>
+            <pc:docMk/>
+            <pc:sldMk cId="1127642745" sldId="341"/>
+            <ac:spMk id="54" creationId="{00000000-0000-0000-0000-000000000000}"/>
+          </ac:spMkLst>
+        </pc:spChg>
+        <pc:spChg chg="mod">
+          <ac:chgData name="Diana Xin" userId="e20bdefd-d2b1-4956-85cd-3ebdc633ccb8" providerId="ADAL" clId="{062E0C98-A513-4698-8FDC-01F54E115CBD}" dt="2018-08-28T21:12:56.448" v="7" actId="2711"/>
+          <ac:spMkLst>
+            <pc:docMk/>
+            <pc:sldMk cId="1127642745" sldId="341"/>
+            <ac:spMk id="55" creationId="{00000000-0000-0000-0000-000000000000}"/>
+          </ac:spMkLst>
+        </pc:spChg>
+        <pc:spChg chg="mod">
+          <ac:chgData name="Diana Xin" userId="e20bdefd-d2b1-4956-85cd-3ebdc633ccb8" providerId="ADAL" clId="{062E0C98-A513-4698-8FDC-01F54E115CBD}" dt="2018-08-28T21:13:06.945" v="8" actId="2711"/>
+          <ac:spMkLst>
+            <pc:docMk/>
+            <pc:sldMk cId="1127642745" sldId="341"/>
+            <ac:spMk id="56" creationId="{00000000-0000-0000-0000-000000000000}"/>
+          </ac:spMkLst>
+        </pc:spChg>
+      </pc:sldChg>
+      <pc:sldChg chg="modSp">
+        <pc:chgData name="Diana Xin" userId="e20bdefd-d2b1-4956-85cd-3ebdc633ccb8" providerId="ADAL" clId="{062E0C98-A513-4698-8FDC-01F54E115CBD}" dt="2018-08-28T21:12:37.417" v="5" actId="2711"/>
+        <pc:sldMkLst>
+          <pc:docMk/>
+          <pc:sldMk cId="3467383157" sldId="346"/>
+        </pc:sldMkLst>
+        <pc:spChg chg="mod">
+          <ac:chgData name="Diana Xin" userId="e20bdefd-d2b1-4956-85cd-3ebdc633ccb8" providerId="ADAL" clId="{062E0C98-A513-4698-8FDC-01F54E115CBD}" dt="2018-08-28T21:12:37.417" v="5" actId="2711"/>
+          <ac:spMkLst>
+            <pc:docMk/>
+            <pc:sldMk cId="3467383157" sldId="346"/>
+            <ac:spMk id="12" creationId="{87FEBA4D-1C35-4109-AC9F-B392EA9004E2}"/>
+          </ac:spMkLst>
+        </pc:spChg>
+      </pc:sldChg>
+      <pc:sldChg chg="modSp">
+        <pc:chgData name="Diana Xin" userId="e20bdefd-d2b1-4956-85cd-3ebdc633ccb8" providerId="ADAL" clId="{062E0C98-A513-4698-8FDC-01F54E115CBD}" dt="2018-08-28T21:13:33.466" v="10" actId="179"/>
+        <pc:sldMkLst>
+          <pc:docMk/>
+          <pc:sldMk cId="1930487689" sldId="347"/>
+        </pc:sldMkLst>
+        <pc:spChg chg="mod">
+          <ac:chgData name="Diana Xin" userId="e20bdefd-d2b1-4956-85cd-3ebdc633ccb8" providerId="ADAL" clId="{062E0C98-A513-4698-8FDC-01F54E115CBD}" dt="2018-08-28T21:13:33.466" v="10" actId="179"/>
+          <ac:spMkLst>
+            <pc:docMk/>
+            <pc:sldMk cId="1930487689" sldId="347"/>
+            <ac:spMk id="12" creationId="{87FEBA4D-1C35-4109-AC9F-B392EA9004E2}"/>
+          </ac:spMkLst>
+        </pc:spChg>
+      </pc:sldChg>
+      <pc:sldChg chg="modSp">
+        <pc:chgData name="Diana Xin" userId="e20bdefd-d2b1-4956-85cd-3ebdc633ccb8" providerId="ADAL" clId="{062E0C98-A513-4698-8FDC-01F54E115CBD}" dt="2018-08-28T21:14:04.354" v="15" actId="14100"/>
+        <pc:sldMkLst>
+          <pc:docMk/>
+          <pc:sldMk cId="2048995905" sldId="348"/>
+        </pc:sldMkLst>
+        <pc:spChg chg="mod">
+          <ac:chgData name="Diana Xin" userId="e20bdefd-d2b1-4956-85cd-3ebdc633ccb8" providerId="ADAL" clId="{062E0C98-A513-4698-8FDC-01F54E115CBD}" dt="2018-08-28T21:14:04.354" v="15" actId="14100"/>
+          <ac:spMkLst>
+            <pc:docMk/>
+            <pc:sldMk cId="2048995905" sldId="348"/>
+            <ac:spMk id="12" creationId="{87FEBA4D-1C35-4109-AC9F-B392EA9004E2}"/>
+          </ac:spMkLst>
+        </pc:spChg>
+      </pc:sldChg>
+      <pc:sldChg chg="modSp">
+        <pc:chgData name="Diana Xin" userId="e20bdefd-d2b1-4956-85cd-3ebdc633ccb8" providerId="ADAL" clId="{062E0C98-A513-4698-8FDC-01F54E115CBD}" dt="2018-08-28T21:14:31.123" v="20" actId="20577"/>
+        <pc:sldMkLst>
+          <pc:docMk/>
+          <pc:sldMk cId="707311269" sldId="349"/>
+        </pc:sldMkLst>
+        <pc:spChg chg="mod">
+          <ac:chgData name="Diana Xin" userId="e20bdefd-d2b1-4956-85cd-3ebdc633ccb8" providerId="ADAL" clId="{062E0C98-A513-4698-8FDC-01F54E115CBD}" dt="2018-08-28T21:14:31.123" v="20" actId="20577"/>
+          <ac:spMkLst>
+            <pc:docMk/>
+            <pc:sldMk cId="707311269" sldId="349"/>
+            <ac:spMk id="12" creationId="{87FEBA4D-1C35-4109-AC9F-B392EA9004E2}"/>
+          </ac:spMkLst>
+        </pc:spChg>
+      </pc:sldChg>
+    </pc:docChg>
+  </pc:docChgLst>
+</pc:chgInfo>
 </file>
 
 <file path=ppt/notesMasters/notesMaster1.xml><?xml version="1.0" encoding="utf-8"?>
@@ -230,7 +365,7 @@
           <a:p>
             <a:fld id="{52A13B17-C506-4D51-BB37-16B365906619}" type="datetimeFigureOut">
               <a:rPr lang="en-US" smtClean="0"/>
-              <a:t>8/26/2018</a:t>
+              <a:t>8/28/2018</a:t>
             </a:fld>
             <a:endParaRPr lang="en-US"/>
           </a:p>
@@ -560,70 +695,24 @@
           <a:bodyPr/>
           <a:lstStyle/>
           <a:p>
-            <a:pPr marL="0" marR="0" lvl="0" indent="0" algn="r" defTabSz="914400" rtl="0" eaLnBrk="1" fontAlgn="auto" latinLnBrk="0" hangingPunct="1">
-              <a:lnSpc>
-                <a:spcPct val="100000"/>
-              </a:lnSpc>
-              <a:spcBef>
-                <a:spcPts val="0"/>
-              </a:spcBef>
-              <a:spcAft>
-                <a:spcPts val="0"/>
-              </a:spcAft>
-              <a:buClrTx/>
-              <a:buSzTx/>
-              <a:buFontTx/>
-              <a:buNone/>
-              <a:tabLst/>
+            <a:pPr>
               <a:defRPr/>
             </a:pPr>
             <a:fld id="{F5194323-46EB-47FD-802B-1151F9FD2B5B}" type="slidenum">
-              <a:rPr kumimoji="0" lang="en-US" sz="1200" b="0" i="0" u="none" strike="noStrike" kern="1200" cap="none" spc="0" normalizeH="0" baseline="0" noProof="0" smtClean="0">
-                <a:ln>
-                  <a:noFill/>
-                </a:ln>
+              <a:rPr lang="en-US" smtClean="0">
                 <a:solidFill>
                   <a:prstClr val="black"/>
                 </a:solidFill>
-                <a:effectLst/>
-                <a:uLnTx/>
-                <a:uFillTx/>
-                <a:latin typeface="Calibri" panose="020F0502020204030204"/>
-                <a:ea typeface="+mn-ea"/>
-                <a:cs typeface="+mn-cs"/>
               </a:rPr>
-              <a:pPr marL="0" marR="0" lvl="0" indent="0" algn="r" defTabSz="914400" rtl="0" eaLnBrk="1" fontAlgn="auto" latinLnBrk="0" hangingPunct="1">
-                <a:lnSpc>
-                  <a:spcPct val="100000"/>
-                </a:lnSpc>
-                <a:spcBef>
-                  <a:spcPts val="0"/>
-                </a:spcBef>
-                <a:spcAft>
-                  <a:spcPts val="0"/>
-                </a:spcAft>
-                <a:buClrTx/>
-                <a:buSzTx/>
-                <a:buFontTx/>
-                <a:buNone/>
-                <a:tabLst/>
+              <a:pPr>
                 <a:defRPr/>
               </a:pPr>
               <a:t>1</a:t>
             </a:fld>
-            <a:endParaRPr kumimoji="0" lang="en-US" sz="1200" b="0" i="0" u="none" strike="noStrike" kern="1200" cap="none" spc="0" normalizeH="0" baseline="0" noProof="0">
-              <a:ln>
-                <a:noFill/>
-              </a:ln>
+            <a:endParaRPr lang="en-US">
               <a:solidFill>
                 <a:prstClr val="black"/>
               </a:solidFill>
-              <a:effectLst/>
-              <a:uLnTx/>
-              <a:uFillTx/>
-              <a:latin typeface="Calibri" panose="020F0502020204030204"/>
-              <a:ea typeface="+mn-ea"/>
-              <a:cs typeface="+mn-cs"/>
             </a:endParaRPr>
           </a:p>
         </p:txBody>
@@ -631,7 +720,7 @@
     </p:spTree>
     <p:extLst>
       <p:ext uri="{BB962C8B-B14F-4D97-AF65-F5344CB8AC3E}">
-        <p14:creationId xmlns:p14="http://schemas.microsoft.com/office/powerpoint/2010/main" val="2035278058"/>
+        <p14:creationId xmlns:p14="http://schemas.microsoft.com/office/powerpoint/2010/main" val="1298151482"/>
       </p:ext>
     </p:extLst>
   </p:cSld>
@@ -685,6 +774,58 @@
           <a:bodyPr/>
           <a:lstStyle/>
           <a:p>
+            <a:pPr marL="0" marR="0" lvl="0" indent="0" algn="l" defTabSz="914400" rtl="0" eaLnBrk="1" fontAlgn="auto" latinLnBrk="0" hangingPunct="1">
+              <a:lnSpc>
+                <a:spcPct val="100000"/>
+              </a:lnSpc>
+              <a:spcBef>
+                <a:spcPts val="0"/>
+              </a:spcBef>
+              <a:spcAft>
+                <a:spcPts val="0"/>
+              </a:spcAft>
+              <a:buClrTx/>
+              <a:buSzTx/>
+              <a:buFontTx/>
+              <a:buNone/>
+              <a:tabLst/>
+              <a:defRPr/>
+            </a:pPr>
+            <a:r>
+              <a:rPr lang="en-US" sz="1200" kern="1200" dirty="0">
+                <a:solidFill>
+                  <a:schemeClr val="tx1"/>
+                </a:solidFill>
+                <a:latin typeface="+mn-lt"/>
+                <a:ea typeface="+mn-ea"/>
+                <a:cs typeface="+mn-cs"/>
+              </a:rPr>
+              <a:t>A </a:t>
+            </a:r>
+            <a:r>
+              <a:rPr lang="en-US" sz="1200" b="1" kern="1200" dirty="0">
+                <a:solidFill>
+                  <a:srgbClr val="107BD4"/>
+                </a:solidFill>
+                <a:latin typeface="+mn-lt"/>
+                <a:ea typeface="+mn-ea"/>
+                <a:cs typeface="+mn-cs"/>
+              </a:rPr>
+              <a:t>proof of concept </a:t>
+            </a:r>
+            <a:r>
+              <a:rPr lang="en-US" sz="1200" kern="1200" dirty="0">
+                <a:solidFill>
+                  <a:schemeClr val="tx1"/>
+                </a:solidFill>
+                <a:latin typeface="+mn-lt"/>
+                <a:ea typeface="+mn-ea"/>
+                <a:cs typeface="+mn-cs"/>
+              </a:rPr>
+              <a:t>is meant to overcome customer objections by demonstrating the solution will solve the problem for which it is designed. Treat a POC as a continuous learning and improvement process for the solution. A rapid execution tempo of the POC helps validate the customer’s requirements, while giving them confidence in your ability to deliver on your promises. A successful POC can serve as evidence that your practice can use for future engagements with your customer or new ones. In fact, many times the output of a POC can be added to your practice’s intellectual property list for demonstrations, or used to accelerate future solutions.</a:t>
+            </a:r>
+          </a:p>
+          <a:p>
             <a:endParaRPr lang="en-US" dirty="0"/>
           </a:p>
         </p:txBody>
@@ -704,7 +845,7 @@
           <a:bodyPr/>
           <a:lstStyle/>
           <a:p>
-            <a:fld id="{D9EB630B-BF71-A34E-9F10-CD6A3DB979CB}" type="slidenum">
+            <a:fld id="{0998D5BB-B127-481F-BC0A-2F77C576BB34}" type="slidenum">
               <a:rPr lang="en-US" smtClean="0"/>
               <a:t>2</a:t>
             </a:fld>
@@ -715,7 +856,7 @@
     </p:spTree>
     <p:extLst>
       <p:ext uri="{BB962C8B-B14F-4D97-AF65-F5344CB8AC3E}">
-        <p14:creationId xmlns:p14="http://schemas.microsoft.com/office/powerpoint/2010/main" val="2485391194"/>
+        <p14:creationId xmlns:p14="http://schemas.microsoft.com/office/powerpoint/2010/main" val="491601147"/>
       </p:ext>
     </p:extLst>
   </p:cSld>
@@ -769,6 +910,58 @@
           <a:bodyPr/>
           <a:lstStyle/>
           <a:p>
+            <a:pPr marL="0" marR="0" lvl="0" indent="0" algn="l" defTabSz="914400" rtl="0" eaLnBrk="1" fontAlgn="auto" latinLnBrk="0" hangingPunct="1">
+              <a:lnSpc>
+                <a:spcPct val="100000"/>
+              </a:lnSpc>
+              <a:spcBef>
+                <a:spcPts val="0"/>
+              </a:spcBef>
+              <a:spcAft>
+                <a:spcPts val="0"/>
+              </a:spcAft>
+              <a:buClrTx/>
+              <a:buSzTx/>
+              <a:buFontTx/>
+              <a:buNone/>
+              <a:tabLst/>
+              <a:defRPr/>
+            </a:pPr>
+            <a:r>
+              <a:rPr lang="en-US" sz="1200" kern="1200" dirty="0">
+                <a:solidFill>
+                  <a:schemeClr val="tx1"/>
+                </a:solidFill>
+                <a:latin typeface="+mn-lt"/>
+                <a:ea typeface="+mn-ea"/>
+                <a:cs typeface="+mn-cs"/>
+              </a:rPr>
+              <a:t>A </a:t>
+            </a:r>
+            <a:r>
+              <a:rPr lang="en-US" sz="1200" b="1" kern="1200" dirty="0">
+                <a:solidFill>
+                  <a:srgbClr val="107BD4"/>
+                </a:solidFill>
+                <a:latin typeface="+mn-lt"/>
+                <a:ea typeface="+mn-ea"/>
+                <a:cs typeface="+mn-cs"/>
+              </a:rPr>
+              <a:t>proof of concept </a:t>
+            </a:r>
+            <a:r>
+              <a:rPr lang="en-US" sz="1200" kern="1200" dirty="0">
+                <a:solidFill>
+                  <a:schemeClr val="tx1"/>
+                </a:solidFill>
+                <a:latin typeface="+mn-lt"/>
+                <a:ea typeface="+mn-ea"/>
+                <a:cs typeface="+mn-cs"/>
+              </a:rPr>
+              <a:t>is meant to overcome customer objections by demonstrating the solution will solve the problem for which it is designed. Treat a POC as a continuous learning and improvement process for the solution. A rapid execution tempo of the POC helps validate the customer’s requirements, while giving them confidence in your ability to deliver on your promises. A successful POC can serve as evidence that your practice can use for future engagements with your customer or new ones. In fact, many times the output of a POC can be added to your practice’s intellectual property list for demonstrations, or used to accelerate future solutions.</a:t>
+            </a:r>
+          </a:p>
+          <a:p>
             <a:endParaRPr lang="en-US" dirty="0"/>
           </a:p>
         </p:txBody>
@@ -788,7 +981,7 @@
           <a:bodyPr/>
           <a:lstStyle/>
           <a:p>
-            <a:fld id="{D9EB630B-BF71-A34E-9F10-CD6A3DB979CB}" type="slidenum">
+            <a:fld id="{0998D5BB-B127-481F-BC0A-2F77C576BB34}" type="slidenum">
               <a:rPr lang="en-US" smtClean="0"/>
               <a:t>3</a:t>
             </a:fld>
@@ -799,7 +992,7 @@
     </p:spTree>
     <p:extLst>
       <p:ext uri="{BB962C8B-B14F-4D97-AF65-F5344CB8AC3E}">
-        <p14:creationId xmlns:p14="http://schemas.microsoft.com/office/powerpoint/2010/main" val="1566328013"/>
+        <p14:creationId xmlns:p14="http://schemas.microsoft.com/office/powerpoint/2010/main" val="835000521"/>
       </p:ext>
     </p:extLst>
   </p:cSld>
@@ -853,6 +1046,149 @@
           <a:bodyPr/>
           <a:lstStyle/>
           <a:p>
+            <a:pPr>
+              <a:lnSpc>
+                <a:spcPct val="90000"/>
+              </a:lnSpc>
+              <a:spcAft>
+                <a:spcPts val="600"/>
+              </a:spcAft>
+            </a:pPr>
+            <a:r>
+              <a:rPr lang="en-US" sz="1200" kern="1200" dirty="0">
+                <a:solidFill>
+                  <a:schemeClr val="tx1"/>
+                </a:solidFill>
+                <a:latin typeface="+mn-lt"/>
+                <a:ea typeface="+mn-ea"/>
+                <a:cs typeface="+mn-cs"/>
+              </a:rPr>
+              <a:t>A typical POC undergoes the following phases:</a:t>
+            </a:r>
+          </a:p>
+          <a:p>
+            <a:pPr>
+              <a:lnSpc>
+                <a:spcPct val="90000"/>
+              </a:lnSpc>
+              <a:spcAft>
+                <a:spcPts val="600"/>
+              </a:spcAft>
+            </a:pPr>
+            <a:endParaRPr lang="en-US" sz="1200" dirty="0"/>
+          </a:p>
+          <a:p>
+            <a:pPr marL="342900" indent="-342900">
+              <a:lnSpc>
+                <a:spcPct val="90000"/>
+              </a:lnSpc>
+              <a:spcAft>
+                <a:spcPts val="600"/>
+              </a:spcAft>
+              <a:buClr>
+                <a:srgbClr val="107BD4"/>
+              </a:buClr>
+              <a:buFont typeface="Arial" panose="020B0604020202020204" pitchFamily="34" charset="0"/>
+              <a:buChar char="•"/>
+            </a:pPr>
+            <a:r>
+              <a:rPr lang="en-US" sz="1200" b="1" kern="1200" dirty="0">
+                <a:solidFill>
+                  <a:schemeClr val="tx1"/>
+                </a:solidFill>
+                <a:latin typeface="+mn-lt"/>
+                <a:ea typeface="+mn-ea"/>
+                <a:cs typeface="+mn-cs"/>
+              </a:rPr>
+              <a:t>Define scope: </a:t>
+            </a:r>
+            <a:r>
+              <a:rPr lang="en-US" sz="1200" kern="1200" dirty="0">
+                <a:solidFill>
+                  <a:schemeClr val="tx1"/>
+                </a:solidFill>
+                <a:latin typeface="+mn-lt"/>
+                <a:ea typeface="+mn-ea"/>
+                <a:cs typeface="+mn-cs"/>
+              </a:rPr>
+              <a:t>Scoping typically occurs during an ADS</a:t>
+            </a:r>
+          </a:p>
+          <a:p>
+            <a:pPr marL="342900" indent="-342900">
+              <a:lnSpc>
+                <a:spcPct val="90000"/>
+              </a:lnSpc>
+              <a:spcAft>
+                <a:spcPts val="600"/>
+              </a:spcAft>
+              <a:buClr>
+                <a:srgbClr val="107BD4"/>
+              </a:buClr>
+              <a:buFont typeface="Arial" panose="020B0604020202020204" pitchFamily="34" charset="0"/>
+              <a:buChar char="•"/>
+            </a:pPr>
+            <a:r>
+              <a:rPr lang="en-US" sz="1200" b="1" kern="1200" dirty="0">
+                <a:solidFill>
+                  <a:schemeClr val="tx1"/>
+                </a:solidFill>
+                <a:latin typeface="+mn-lt"/>
+                <a:ea typeface="+mn-ea"/>
+                <a:cs typeface="+mn-cs"/>
+              </a:rPr>
+              <a:t>Execute implementation: </a:t>
+            </a:r>
+            <a:r>
+              <a:rPr lang="en-US" sz="1200" kern="1200" dirty="0">
+                <a:solidFill>
+                  <a:schemeClr val="tx1"/>
+                </a:solidFill>
+                <a:latin typeface="+mn-lt"/>
+                <a:ea typeface="+mn-ea"/>
+                <a:cs typeface="+mn-cs"/>
+              </a:rPr>
+              <a:t>Create, test, refine, repeat</a:t>
+            </a:r>
+          </a:p>
+          <a:p>
+            <a:pPr marL="342900" indent="-342900">
+              <a:lnSpc>
+                <a:spcPct val="90000"/>
+              </a:lnSpc>
+              <a:spcAft>
+                <a:spcPts val="600"/>
+              </a:spcAft>
+              <a:buClr>
+                <a:srgbClr val="107BD4"/>
+              </a:buClr>
+              <a:buFont typeface="Arial" panose="020B0604020202020204" pitchFamily="34" charset="0"/>
+              <a:buChar char="•"/>
+            </a:pPr>
+            <a:r>
+              <a:rPr lang="en-US" sz="1200" b="1" kern="1200" dirty="0">
+                <a:solidFill>
+                  <a:schemeClr val="tx1"/>
+                </a:solidFill>
+                <a:latin typeface="+mn-lt"/>
+                <a:ea typeface="+mn-ea"/>
+                <a:cs typeface="+mn-cs"/>
+              </a:rPr>
+              <a:t>Conclude: </a:t>
+            </a:r>
+            <a:r>
+              <a:rPr lang="en-US" sz="1200" kern="1200" dirty="0">
+                <a:solidFill>
+                  <a:schemeClr val="tx1"/>
+                </a:solidFill>
+                <a:latin typeface="+mn-lt"/>
+                <a:ea typeface="+mn-ea"/>
+                <a:cs typeface="+mn-cs"/>
+              </a:rPr>
+              <a:t>Lessons learned, validation, production development begins</a:t>
+            </a:r>
+          </a:p>
+          <a:p>
             <a:endParaRPr lang="en-US" dirty="0"/>
           </a:p>
         </p:txBody>
@@ -872,7 +1208,7 @@
           <a:bodyPr/>
           <a:lstStyle/>
           <a:p>
-            <a:fld id="{D9EB630B-BF71-A34E-9F10-CD6A3DB979CB}" type="slidenum">
+            <a:fld id="{0998D5BB-B127-481F-BC0A-2F77C576BB34}" type="slidenum">
               <a:rPr lang="en-US" smtClean="0"/>
               <a:t>4</a:t>
             </a:fld>
@@ -883,7 +1219,7 @@
     </p:spTree>
     <p:extLst>
       <p:ext uri="{BB962C8B-B14F-4D97-AF65-F5344CB8AC3E}">
-        <p14:creationId xmlns:p14="http://schemas.microsoft.com/office/powerpoint/2010/main" val="1713873747"/>
+        <p14:creationId xmlns:p14="http://schemas.microsoft.com/office/powerpoint/2010/main" val="1775124099"/>
       </p:ext>
     </p:extLst>
   </p:cSld>
@@ -956,7 +1292,7 @@
           <a:bodyPr/>
           <a:lstStyle/>
           <a:p>
-            <a:fld id="{D9EB630B-BF71-A34E-9F10-CD6A3DB979CB}" type="slidenum">
+            <a:fld id="{0998D5BB-B127-481F-BC0A-2F77C576BB34}" type="slidenum">
               <a:rPr lang="en-US" smtClean="0"/>
               <a:t>5</a:t>
             </a:fld>
@@ -967,7 +1303,781 @@
     </p:spTree>
     <p:extLst>
       <p:ext uri="{BB962C8B-B14F-4D97-AF65-F5344CB8AC3E}">
-        <p14:creationId xmlns:p14="http://schemas.microsoft.com/office/powerpoint/2010/main" val="1134149270"/>
+        <p14:creationId xmlns:p14="http://schemas.microsoft.com/office/powerpoint/2010/main" val="4261329791"/>
+      </p:ext>
+    </p:extLst>
+  </p:cSld>
+  <p:clrMapOvr>
+    <a:masterClrMapping/>
+  </p:clrMapOvr>
+</p:notes>
+</file>
+
+<file path=ppt/notesSlides/notesSlide6.xml><?xml version="1.0" encoding="utf-8"?>
+<p:notes xmlns:a="http://schemas.openxmlformats.org/drawingml/2006/main" xmlns:r="http://schemas.openxmlformats.org/officeDocument/2006/relationships" xmlns:p="http://schemas.openxmlformats.org/presentationml/2006/main">
+  <p:cSld>
+    <p:spTree>
+      <p:nvGrpSpPr>
+        <p:cNvPr id="1" name=""/>
+        <p:cNvGrpSpPr/>
+        <p:nvPr/>
+      </p:nvGrpSpPr>
+      <p:grpSpPr>
+        <a:xfrm>
+          <a:off x="0" y="0"/>
+          <a:ext cx="0" cy="0"/>
+          <a:chOff x="0" y="0"/>
+          <a:chExt cx="0" cy="0"/>
+        </a:xfrm>
+      </p:grpSpPr>
+      <p:sp>
+        <p:nvSpPr>
+          <p:cNvPr id="2" name="Slide Image Placeholder 1"/>
+          <p:cNvSpPr>
+            <a:spLocks noGrp="1" noRot="1" noChangeAspect="1"/>
+          </p:cNvSpPr>
+          <p:nvPr>
+            <p:ph type="sldImg"/>
+          </p:nvPr>
+        </p:nvSpPr>
+        <p:spPr/>
+      </p:sp>
+      <p:sp>
+        <p:nvSpPr>
+          <p:cNvPr id="3" name="Notes Placeholder 2"/>
+          <p:cNvSpPr>
+            <a:spLocks noGrp="1"/>
+          </p:cNvSpPr>
+          <p:nvPr>
+            <p:ph type="body" idx="1"/>
+          </p:nvPr>
+        </p:nvSpPr>
+        <p:spPr/>
+        <p:txBody>
+          <a:bodyPr/>
+          <a:lstStyle/>
+          <a:p>
+            <a:endParaRPr lang="en-US" dirty="0"/>
+          </a:p>
+        </p:txBody>
+      </p:sp>
+      <p:sp>
+        <p:nvSpPr>
+          <p:cNvPr id="4" name="Slide Number Placeholder 3"/>
+          <p:cNvSpPr>
+            <a:spLocks noGrp="1"/>
+          </p:cNvSpPr>
+          <p:nvPr>
+            <p:ph type="sldNum" sz="quarter" idx="10"/>
+          </p:nvPr>
+        </p:nvSpPr>
+        <p:spPr/>
+        <p:txBody>
+          <a:bodyPr/>
+          <a:lstStyle/>
+          <a:p>
+            <a:fld id="{0998D5BB-B127-481F-BC0A-2F77C576BB34}" type="slidenum">
+              <a:rPr lang="en-US" smtClean="0"/>
+              <a:t>6</a:t>
+            </a:fld>
+            <a:endParaRPr lang="en-US"/>
+          </a:p>
+        </p:txBody>
+      </p:sp>
+    </p:spTree>
+    <p:extLst>
+      <p:ext uri="{BB962C8B-B14F-4D97-AF65-F5344CB8AC3E}">
+        <p14:creationId xmlns:p14="http://schemas.microsoft.com/office/powerpoint/2010/main" val="3851525808"/>
+      </p:ext>
+    </p:extLst>
+  </p:cSld>
+  <p:clrMapOvr>
+    <a:masterClrMapping/>
+  </p:clrMapOvr>
+</p:notes>
+</file>
+
+<file path=ppt/notesSlides/notesSlide7.xml><?xml version="1.0" encoding="utf-8"?>
+<p:notes xmlns:a="http://schemas.openxmlformats.org/drawingml/2006/main" xmlns:r="http://schemas.openxmlformats.org/officeDocument/2006/relationships" xmlns:p="http://schemas.openxmlformats.org/presentationml/2006/main">
+  <p:cSld>
+    <p:spTree>
+      <p:nvGrpSpPr>
+        <p:cNvPr id="1" name=""/>
+        <p:cNvGrpSpPr/>
+        <p:nvPr/>
+      </p:nvGrpSpPr>
+      <p:grpSpPr>
+        <a:xfrm>
+          <a:off x="0" y="0"/>
+          <a:ext cx="0" cy="0"/>
+          <a:chOff x="0" y="0"/>
+          <a:chExt cx="0" cy="0"/>
+        </a:xfrm>
+      </p:grpSpPr>
+      <p:sp>
+        <p:nvSpPr>
+          <p:cNvPr id="2" name="Slide Image Placeholder 1"/>
+          <p:cNvSpPr>
+            <a:spLocks noGrp="1" noRot="1" noChangeAspect="1"/>
+          </p:cNvSpPr>
+          <p:nvPr>
+            <p:ph type="sldImg"/>
+          </p:nvPr>
+        </p:nvSpPr>
+        <p:spPr/>
+      </p:sp>
+      <p:sp>
+        <p:nvSpPr>
+          <p:cNvPr id="3" name="Notes Placeholder 2"/>
+          <p:cNvSpPr>
+            <a:spLocks noGrp="1"/>
+          </p:cNvSpPr>
+          <p:nvPr>
+            <p:ph type="body" idx="1"/>
+          </p:nvPr>
+        </p:nvSpPr>
+        <p:spPr/>
+        <p:txBody>
+          <a:bodyPr/>
+          <a:lstStyle/>
+          <a:p>
+            <a:endParaRPr lang="en-US" dirty="0"/>
+          </a:p>
+        </p:txBody>
+      </p:sp>
+      <p:sp>
+        <p:nvSpPr>
+          <p:cNvPr id="4" name="Slide Number Placeholder 3"/>
+          <p:cNvSpPr>
+            <a:spLocks noGrp="1"/>
+          </p:cNvSpPr>
+          <p:nvPr>
+            <p:ph type="sldNum" sz="quarter" idx="10"/>
+          </p:nvPr>
+        </p:nvSpPr>
+        <p:spPr/>
+        <p:txBody>
+          <a:bodyPr/>
+          <a:lstStyle/>
+          <a:p>
+            <a:fld id="{0998D5BB-B127-481F-BC0A-2F77C576BB34}" type="slidenum">
+              <a:rPr lang="en-US" smtClean="0"/>
+              <a:t>7</a:t>
+            </a:fld>
+            <a:endParaRPr lang="en-US"/>
+          </a:p>
+        </p:txBody>
+      </p:sp>
+    </p:spTree>
+    <p:extLst>
+      <p:ext uri="{BB962C8B-B14F-4D97-AF65-F5344CB8AC3E}">
+        <p14:creationId xmlns:p14="http://schemas.microsoft.com/office/powerpoint/2010/main" val="1088606618"/>
+      </p:ext>
+    </p:extLst>
+  </p:cSld>
+  <p:clrMapOvr>
+    <a:masterClrMapping/>
+  </p:clrMapOvr>
+</p:notes>
+</file>
+
+<file path=ppt/notesSlides/notesSlide8.xml><?xml version="1.0" encoding="utf-8"?>
+<p:notes xmlns:a="http://schemas.openxmlformats.org/drawingml/2006/main" xmlns:r="http://schemas.openxmlformats.org/officeDocument/2006/relationships" xmlns:p="http://schemas.openxmlformats.org/presentationml/2006/main">
+  <p:cSld>
+    <p:spTree>
+      <p:nvGrpSpPr>
+        <p:cNvPr id="1" name=""/>
+        <p:cNvGrpSpPr/>
+        <p:nvPr/>
+      </p:nvGrpSpPr>
+      <p:grpSpPr>
+        <a:xfrm>
+          <a:off x="0" y="0"/>
+          <a:ext cx="0" cy="0"/>
+          <a:chOff x="0" y="0"/>
+          <a:chExt cx="0" cy="0"/>
+        </a:xfrm>
+      </p:grpSpPr>
+      <p:sp>
+        <p:nvSpPr>
+          <p:cNvPr id="2" name="Slide Image Placeholder 1"/>
+          <p:cNvSpPr>
+            <a:spLocks noGrp="1" noRot="1" noChangeAspect="1"/>
+          </p:cNvSpPr>
+          <p:nvPr>
+            <p:ph type="sldImg"/>
+          </p:nvPr>
+        </p:nvSpPr>
+        <p:spPr/>
+      </p:sp>
+      <p:sp>
+        <p:nvSpPr>
+          <p:cNvPr id="3" name="Notes Placeholder 2"/>
+          <p:cNvSpPr>
+            <a:spLocks noGrp="1"/>
+          </p:cNvSpPr>
+          <p:nvPr>
+            <p:ph type="body" idx="1"/>
+          </p:nvPr>
+        </p:nvSpPr>
+        <p:spPr/>
+        <p:txBody>
+          <a:bodyPr/>
+          <a:lstStyle/>
+          <a:p>
+            <a:r>
+              <a:rPr lang="en-US" dirty="0"/>
+              <a:t>You have limited time</a:t>
+            </a:r>
+          </a:p>
+          <a:p>
+            <a:pPr lvl="1"/>
+            <a:r>
+              <a:rPr lang="en-US" dirty="0"/>
+              <a:t>About 6 hours</a:t>
+            </a:r>
+          </a:p>
+          <a:p>
+            <a:pPr lvl="1"/>
+            <a:r>
+              <a:rPr lang="en-US" dirty="0"/>
+              <a:t>Design your scope so that you can complete it and show value</a:t>
+            </a:r>
+          </a:p>
+          <a:p>
+            <a:r>
+              <a:rPr lang="en-US" dirty="0"/>
+              <a:t>You can leverage previously built artifacts to accelerate your effort</a:t>
+            </a:r>
+          </a:p>
+          <a:p>
+            <a:pPr lvl="1"/>
+            <a:r>
+              <a:rPr lang="en-US" dirty="0"/>
+              <a:t>We will provide a set of starter artifacts</a:t>
+            </a:r>
+          </a:p>
+          <a:p>
+            <a:pPr lvl="1"/>
+            <a:r>
+              <a:rPr lang="en-US" dirty="0"/>
+              <a:t>You may have some you’ve built</a:t>
+            </a:r>
+          </a:p>
+          <a:p>
+            <a:pPr lvl="1"/>
+            <a:r>
+              <a:rPr lang="en-US" dirty="0"/>
+              <a:t>Use whatever helps shorten your delivery time</a:t>
+            </a:r>
+          </a:p>
+          <a:p>
+            <a:pPr lvl="1"/>
+            <a:r>
+              <a:rPr lang="en-US" dirty="0"/>
+              <a:t>You are not required to use any starters, but keep the time limits in mind</a:t>
+            </a:r>
+          </a:p>
+          <a:p>
+            <a:endParaRPr lang="en-US" dirty="0"/>
+          </a:p>
+        </p:txBody>
+      </p:sp>
+      <p:sp>
+        <p:nvSpPr>
+          <p:cNvPr id="4" name="Header Placeholder 3"/>
+          <p:cNvSpPr>
+            <a:spLocks noGrp="1"/>
+          </p:cNvSpPr>
+          <p:nvPr>
+            <p:ph type="hdr" sz="quarter" idx="10"/>
+          </p:nvPr>
+        </p:nvSpPr>
+        <p:spPr/>
+        <p:txBody>
+          <a:bodyPr/>
+          <a:lstStyle/>
+          <a:p>
+            <a:pPr marL="0" marR="0" lvl="0" indent="0" algn="l" defTabSz="914400" rtl="0" eaLnBrk="1" fontAlgn="auto" latinLnBrk="0" hangingPunct="1">
+              <a:lnSpc>
+                <a:spcPct val="100000"/>
+              </a:lnSpc>
+              <a:spcBef>
+                <a:spcPts val="0"/>
+              </a:spcBef>
+              <a:spcAft>
+                <a:spcPts val="0"/>
+              </a:spcAft>
+              <a:buClrTx/>
+              <a:buSzTx/>
+              <a:buFontTx/>
+              <a:buNone/>
+              <a:tabLst/>
+              <a:defRPr/>
+            </a:pPr>
+            <a:endParaRPr kumimoji="0" lang="en-US" sz="1200" b="0" i="0" u="none" strike="noStrike" kern="1200" cap="none" spc="0" normalizeH="0" baseline="0" noProof="0">
+              <a:ln>
+                <a:noFill/>
+              </a:ln>
+              <a:solidFill>
+                <a:prstClr val="black"/>
+              </a:solidFill>
+              <a:effectLst/>
+              <a:uLnTx/>
+              <a:uFillTx/>
+              <a:latin typeface="Calibri" panose="020F0502020204030204"/>
+              <a:ea typeface="+mn-ea"/>
+              <a:cs typeface="+mn-cs"/>
+            </a:endParaRPr>
+          </a:p>
+        </p:txBody>
+      </p:sp>
+      <p:sp>
+        <p:nvSpPr>
+          <p:cNvPr id="5" name="Footer Placeholder 4"/>
+          <p:cNvSpPr>
+            <a:spLocks noGrp="1"/>
+          </p:cNvSpPr>
+          <p:nvPr>
+            <p:ph type="ftr" sz="quarter" idx="11"/>
+          </p:nvPr>
+        </p:nvSpPr>
+        <p:spPr/>
+        <p:txBody>
+          <a:bodyPr/>
+          <a:lstStyle/>
+          <a:p>
+            <a:pPr marL="0" marR="0" lvl="0" indent="0" algn="l" defTabSz="914099" rtl="0" eaLnBrk="0" fontAlgn="auto" latinLnBrk="0" hangingPunct="0">
+              <a:lnSpc>
+                <a:spcPct val="100000"/>
+              </a:lnSpc>
+              <a:spcBef>
+                <a:spcPts val="0"/>
+              </a:spcBef>
+              <a:spcAft>
+                <a:spcPts val="0"/>
+              </a:spcAft>
+              <a:buClrTx/>
+              <a:buSzTx/>
+              <a:buFontTx/>
+              <a:buNone/>
+              <a:tabLst/>
+              <a:defRPr/>
+            </a:pPr>
+            <a:r>
+              <a:rPr kumimoji="0" lang="en-US" sz="400" b="0" i="0" u="none" strike="noStrike" kern="1200" cap="none" spc="0" normalizeH="0" baseline="0" noProof="0">
+                <a:ln>
+                  <a:noFill/>
+                </a:ln>
+                <a:gradFill>
+                  <a:gsLst>
+                    <a:gs pos="0">
+                      <a:prstClr val="black"/>
+                    </a:gs>
+                    <a:gs pos="100000">
+                      <a:prstClr val="black"/>
+                    </a:gs>
+                  </a:gsLst>
+                  <a:lin ang="5400000" scaled="0"/>
+                </a:gradFill>
+                <a:effectLst/>
+                <a:uLnTx/>
+                <a:uFillTx/>
+                <a:latin typeface="Segoe UI" pitchFamily="34" charset="0"/>
+                <a:ea typeface="Segoe UI" pitchFamily="34" charset="0"/>
+                <a:cs typeface="Segoe UI" pitchFamily="34" charset="0"/>
+              </a:rPr>
+              <a:t>© Microsoft Corporation. All rights reserved. MICROSOFT MAKES NO WARRANTIES, EXPRESS, IMPLIED OR STATUTORY, AS TO THE INFORMATION IN THIS PRESENTATION.</a:t>
+            </a:r>
+          </a:p>
+        </p:txBody>
+      </p:sp>
+      <p:sp>
+        <p:nvSpPr>
+          <p:cNvPr id="6" name="Date Placeholder 5"/>
+          <p:cNvSpPr>
+            <a:spLocks noGrp="1"/>
+          </p:cNvSpPr>
+          <p:nvPr>
+            <p:ph type="dt" idx="12"/>
+          </p:nvPr>
+        </p:nvSpPr>
+        <p:spPr/>
+        <p:txBody>
+          <a:bodyPr/>
+          <a:lstStyle/>
+          <a:p>
+            <a:pPr marL="0" marR="0" lvl="0" indent="0" algn="r" defTabSz="914400" rtl="0" eaLnBrk="1" fontAlgn="auto" latinLnBrk="0" hangingPunct="1">
+              <a:lnSpc>
+                <a:spcPct val="100000"/>
+              </a:lnSpc>
+              <a:spcBef>
+                <a:spcPts val="0"/>
+              </a:spcBef>
+              <a:spcAft>
+                <a:spcPts val="0"/>
+              </a:spcAft>
+              <a:buClrTx/>
+              <a:buSzTx/>
+              <a:buFontTx/>
+              <a:buNone/>
+              <a:tabLst/>
+              <a:defRPr/>
+            </a:pPr>
+            <a:fld id="{3DB280BB-FA32-4084-9641-78F2658C2247}" type="datetime8">
+              <a:rPr kumimoji="0" lang="en-US" sz="1200" b="0" i="0" u="none" strike="noStrike" kern="1200" cap="none" spc="0" normalizeH="0" baseline="0" noProof="0" smtClean="0">
+                <a:ln>
+                  <a:noFill/>
+                </a:ln>
+                <a:solidFill>
+                  <a:prstClr val="black"/>
+                </a:solidFill>
+                <a:effectLst/>
+                <a:uLnTx/>
+                <a:uFillTx/>
+                <a:latin typeface="Calibri" panose="020F0502020204030204"/>
+                <a:ea typeface="+mn-ea"/>
+                <a:cs typeface="+mn-cs"/>
+              </a:rPr>
+              <a:pPr marL="0" marR="0" lvl="0" indent="0" algn="r" defTabSz="914400" rtl="0" eaLnBrk="1" fontAlgn="auto" latinLnBrk="0" hangingPunct="1">
+                <a:lnSpc>
+                  <a:spcPct val="100000"/>
+                </a:lnSpc>
+                <a:spcBef>
+                  <a:spcPts val="0"/>
+                </a:spcBef>
+                <a:spcAft>
+                  <a:spcPts val="0"/>
+                </a:spcAft>
+                <a:buClrTx/>
+                <a:buSzTx/>
+                <a:buFontTx/>
+                <a:buNone/>
+                <a:tabLst/>
+                <a:defRPr/>
+              </a:pPr>
+              <a:t>8/28/2018 5:11 PM</a:t>
+            </a:fld>
+            <a:endParaRPr kumimoji="0" lang="en-US" sz="1200" b="0" i="0" u="none" strike="noStrike" kern="1200" cap="none" spc="0" normalizeH="0" baseline="0" noProof="0">
+              <a:ln>
+                <a:noFill/>
+              </a:ln>
+              <a:solidFill>
+                <a:prstClr val="black"/>
+              </a:solidFill>
+              <a:effectLst/>
+              <a:uLnTx/>
+              <a:uFillTx/>
+              <a:latin typeface="Calibri" panose="020F0502020204030204"/>
+              <a:ea typeface="+mn-ea"/>
+              <a:cs typeface="+mn-cs"/>
+            </a:endParaRPr>
+          </a:p>
+        </p:txBody>
+      </p:sp>
+      <p:sp>
+        <p:nvSpPr>
+          <p:cNvPr id="7" name="Slide Number Placeholder 6"/>
+          <p:cNvSpPr>
+            <a:spLocks noGrp="1"/>
+          </p:cNvSpPr>
+          <p:nvPr>
+            <p:ph type="sldNum" sz="quarter" idx="13"/>
+          </p:nvPr>
+        </p:nvSpPr>
+        <p:spPr/>
+        <p:txBody>
+          <a:bodyPr/>
+          <a:lstStyle/>
+          <a:p>
+            <a:pPr marL="0" marR="0" lvl="0" indent="0" algn="r" defTabSz="914400" rtl="0" eaLnBrk="1" fontAlgn="auto" latinLnBrk="0" hangingPunct="1">
+              <a:lnSpc>
+                <a:spcPct val="100000"/>
+              </a:lnSpc>
+              <a:spcBef>
+                <a:spcPts val="0"/>
+              </a:spcBef>
+              <a:spcAft>
+                <a:spcPts val="0"/>
+              </a:spcAft>
+              <a:buClrTx/>
+              <a:buSzTx/>
+              <a:buFontTx/>
+              <a:buNone/>
+              <a:tabLst/>
+              <a:defRPr/>
+            </a:pPr>
+            <a:fld id="{B4008EB6-D09E-4580-8CD6-DDB14511944F}" type="slidenum">
+              <a:rPr kumimoji="0" lang="en-US" sz="1200" b="0" i="0" u="none" strike="noStrike" kern="1200" cap="none" spc="0" normalizeH="0" baseline="0" noProof="0" smtClean="0">
+                <a:ln>
+                  <a:noFill/>
+                </a:ln>
+                <a:solidFill>
+                  <a:prstClr val="black"/>
+                </a:solidFill>
+                <a:effectLst/>
+                <a:uLnTx/>
+                <a:uFillTx/>
+                <a:latin typeface="Calibri" panose="020F0502020204030204"/>
+                <a:ea typeface="+mn-ea"/>
+                <a:cs typeface="+mn-cs"/>
+              </a:rPr>
+              <a:pPr marL="0" marR="0" lvl="0" indent="0" algn="r" defTabSz="914400" rtl="0" eaLnBrk="1" fontAlgn="auto" latinLnBrk="0" hangingPunct="1">
+                <a:lnSpc>
+                  <a:spcPct val="100000"/>
+                </a:lnSpc>
+                <a:spcBef>
+                  <a:spcPts val="0"/>
+                </a:spcBef>
+                <a:spcAft>
+                  <a:spcPts val="0"/>
+                </a:spcAft>
+                <a:buClrTx/>
+                <a:buSzTx/>
+                <a:buFontTx/>
+                <a:buNone/>
+                <a:tabLst/>
+                <a:defRPr/>
+              </a:pPr>
+              <a:t>8</a:t>
+            </a:fld>
+            <a:endParaRPr kumimoji="0" lang="en-US" sz="1200" b="0" i="0" u="none" strike="noStrike" kern="1200" cap="none" spc="0" normalizeH="0" baseline="0" noProof="0">
+              <a:ln>
+                <a:noFill/>
+              </a:ln>
+              <a:solidFill>
+                <a:prstClr val="black"/>
+              </a:solidFill>
+              <a:effectLst/>
+              <a:uLnTx/>
+              <a:uFillTx/>
+              <a:latin typeface="Calibri" panose="020F0502020204030204"/>
+              <a:ea typeface="+mn-ea"/>
+              <a:cs typeface="+mn-cs"/>
+            </a:endParaRPr>
+          </a:p>
+        </p:txBody>
+      </p:sp>
+    </p:spTree>
+    <p:extLst>
+      <p:ext uri="{BB962C8B-B14F-4D97-AF65-F5344CB8AC3E}">
+        <p14:creationId xmlns:p14="http://schemas.microsoft.com/office/powerpoint/2010/main" val="506555792"/>
+      </p:ext>
+    </p:extLst>
+  </p:cSld>
+  <p:clrMapOvr>
+    <a:masterClrMapping/>
+  </p:clrMapOvr>
+</p:notes>
+</file>
+
+<file path=ppt/notesSlides/notesSlide9.xml><?xml version="1.0" encoding="utf-8"?>
+<p:notes xmlns:a="http://schemas.openxmlformats.org/drawingml/2006/main" xmlns:r="http://schemas.openxmlformats.org/officeDocument/2006/relationships" xmlns:p="http://schemas.openxmlformats.org/presentationml/2006/main">
+  <p:cSld>
+    <p:spTree>
+      <p:nvGrpSpPr>
+        <p:cNvPr id="1" name=""/>
+        <p:cNvGrpSpPr/>
+        <p:nvPr/>
+      </p:nvGrpSpPr>
+      <p:grpSpPr>
+        <a:xfrm>
+          <a:off x="0" y="0"/>
+          <a:ext cx="0" cy="0"/>
+          <a:chOff x="0" y="0"/>
+          <a:chExt cx="0" cy="0"/>
+        </a:xfrm>
+      </p:grpSpPr>
+      <p:sp>
+        <p:nvSpPr>
+          <p:cNvPr id="2" name="Slide Image Placeholder 1"/>
+          <p:cNvSpPr>
+            <a:spLocks noGrp="1" noRot="1" noChangeAspect="1"/>
+          </p:cNvSpPr>
+          <p:nvPr>
+            <p:ph type="sldImg"/>
+          </p:nvPr>
+        </p:nvSpPr>
+        <p:spPr>
+          <a:xfrm>
+            <a:off x="381000" y="685800"/>
+            <a:ext cx="6096000" cy="3429000"/>
+          </a:xfrm>
+        </p:spPr>
+      </p:sp>
+      <p:sp>
+        <p:nvSpPr>
+          <p:cNvPr id="3" name="Notes Placeholder 2"/>
+          <p:cNvSpPr>
+            <a:spLocks noGrp="1"/>
+          </p:cNvSpPr>
+          <p:nvPr>
+            <p:ph type="body" idx="1"/>
+          </p:nvPr>
+        </p:nvSpPr>
+        <p:spPr/>
+        <p:txBody>
+          <a:bodyPr>
+            <a:normAutofit/>
+          </a:bodyPr>
+          <a:lstStyle/>
+          <a:p>
+            <a:endParaRPr lang="en-US" dirty="0"/>
+          </a:p>
+        </p:txBody>
+      </p:sp>
+      <p:sp>
+        <p:nvSpPr>
+          <p:cNvPr id="4" name="Header Placeholder 3"/>
+          <p:cNvSpPr>
+            <a:spLocks noGrp="1"/>
+          </p:cNvSpPr>
+          <p:nvPr>
+            <p:ph type="hdr" sz="quarter" idx="10"/>
+          </p:nvPr>
+        </p:nvSpPr>
+        <p:spPr>
+          <a:xfrm>
+            <a:off x="0" y="0"/>
+            <a:ext cx="2971800" cy="457200"/>
+          </a:xfrm>
+          <a:prstGeom prst="rect">
+            <a:avLst/>
+          </a:prstGeom>
+        </p:spPr>
+        <p:txBody>
+          <a:bodyPr/>
+          <a:lstStyle/>
+          <a:p>
+            <a:endParaRPr lang="en-US" dirty="0">
+              <a:solidFill>
+                <a:prstClr val="black"/>
+              </a:solidFill>
+            </a:endParaRPr>
+          </a:p>
+        </p:txBody>
+      </p:sp>
+      <p:sp>
+        <p:nvSpPr>
+          <p:cNvPr id="5" name="Date Placeholder 4"/>
+          <p:cNvSpPr>
+            <a:spLocks noGrp="1"/>
+          </p:cNvSpPr>
+          <p:nvPr>
+            <p:ph type="dt" idx="11"/>
+          </p:nvPr>
+        </p:nvSpPr>
+        <p:spPr/>
+        <p:txBody>
+          <a:bodyPr/>
+          <a:lstStyle/>
+          <a:p>
+            <a:fld id="{8AB9A6D4-FB34-4BDB-BA1E-7271914431FC}" type="datetime8">
+              <a:rPr lang="en-US" smtClean="0">
+                <a:solidFill>
+                  <a:prstClr val="black"/>
+                </a:solidFill>
+              </a:rPr>
+              <a:t>8/28/2018 5:11 PM</a:t>
+            </a:fld>
+            <a:endParaRPr lang="en-US" dirty="0">
+              <a:solidFill>
+                <a:prstClr val="black"/>
+              </a:solidFill>
+            </a:endParaRPr>
+          </a:p>
+        </p:txBody>
+      </p:sp>
+      <p:sp>
+        <p:nvSpPr>
+          <p:cNvPr id="7" name="Slide Number Placeholder 6"/>
+          <p:cNvSpPr>
+            <a:spLocks noGrp="1"/>
+          </p:cNvSpPr>
+          <p:nvPr>
+            <p:ph type="sldNum" sz="quarter" idx="13"/>
+          </p:nvPr>
+        </p:nvSpPr>
+        <p:spPr/>
+        <p:txBody>
+          <a:bodyPr/>
+          <a:lstStyle/>
+          <a:p>
+            <a:fld id="{EC87E0CF-87F6-4B58-B8B8-DCAB2DAAF3CA}" type="slidenum">
+              <a:rPr lang="en-US" smtClean="0">
+                <a:solidFill>
+                  <a:prstClr val="black"/>
+                </a:solidFill>
+              </a:rPr>
+              <a:pPr/>
+              <a:t>9</a:t>
+            </a:fld>
+            <a:endParaRPr lang="en-US" dirty="0">
+              <a:solidFill>
+                <a:prstClr val="black"/>
+              </a:solidFill>
+            </a:endParaRPr>
+          </a:p>
+        </p:txBody>
+      </p:sp>
+      <p:sp>
+        <p:nvSpPr>
+          <p:cNvPr id="6" name="Footer Placeholder 5"/>
+          <p:cNvSpPr>
+            <a:spLocks noGrp="1"/>
+          </p:cNvSpPr>
+          <p:nvPr>
+            <p:ph type="ftr" sz="quarter" idx="14"/>
+          </p:nvPr>
+        </p:nvSpPr>
+        <p:spPr/>
+        <p:txBody>
+          <a:bodyPr/>
+          <a:lstStyle/>
+          <a:p>
+            <a:pPr defTabSz="914099" eaLnBrk="0" hangingPunct="0"/>
+            <a:r>
+              <a:rPr lang="en-US" sz="400">
+                <a:gradFill>
+                  <a:gsLst>
+                    <a:gs pos="0">
+                      <a:prstClr val="black"/>
+                    </a:gs>
+                    <a:gs pos="100000">
+                      <a:prstClr val="black"/>
+                    </a:gs>
+                  </a:gsLst>
+                  <a:lin ang="5400000" scaled="0"/>
+                </a:gradFill>
+                <a:latin typeface="Segoe UI" pitchFamily="34" charset="0"/>
+                <a:ea typeface="Segoe UI" pitchFamily="34" charset="0"/>
+                <a:cs typeface="Segoe UI" pitchFamily="34" charset="0"/>
+              </a:rPr>
+              <a:t>© Microsoft Corporation. All rights reserved. MICROSOFT MAKES NO WARRANTIES, EXPRESS, IMPLIED OR STATUTORY, AS TO THE INFORMATION IN THIS PRESENTATION.</a:t>
+            </a:r>
+            <a:endParaRPr lang="en-US" sz="400" dirty="0">
+              <a:gradFill>
+                <a:gsLst>
+                  <a:gs pos="0">
+                    <a:prstClr val="black"/>
+                  </a:gs>
+                  <a:gs pos="100000">
+                    <a:prstClr val="black"/>
+                  </a:gs>
+                </a:gsLst>
+                <a:lin ang="5400000" scaled="0"/>
+              </a:gradFill>
+              <a:latin typeface="Segoe UI" pitchFamily="34" charset="0"/>
+              <a:ea typeface="Segoe UI" pitchFamily="34" charset="0"/>
+              <a:cs typeface="Segoe UI" pitchFamily="34" charset="0"/>
+            </a:endParaRPr>
+          </a:p>
+        </p:txBody>
+      </p:sp>
+    </p:spTree>
+    <p:extLst>
+      <p:ext uri="{BB962C8B-B14F-4D97-AF65-F5344CB8AC3E}">
+        <p14:creationId xmlns:p14="http://schemas.microsoft.com/office/powerpoint/2010/main" val="4011344012"/>
       </p:ext>
     </p:extLst>
   </p:cSld>
@@ -1263,290 +2373,11 @@
 
 <file path=ppt/slideLayouts/slideLayout10.xml><?xml version="1.0" encoding="utf-8"?>
 <p:sldLayout xmlns:a="http://schemas.openxmlformats.org/drawingml/2006/main" xmlns:r="http://schemas.openxmlformats.org/officeDocument/2006/relationships" xmlns:p="http://schemas.openxmlformats.org/presentationml/2006/main" userDrawn="1">
-  <p:cSld name="Developer Code Layout">
-    <p:spTree>
-      <p:nvGrpSpPr>
-        <p:cNvPr id="1" name=""/>
-        <p:cNvGrpSpPr/>
-        <p:nvPr/>
-      </p:nvGrpSpPr>
-      <p:grpSpPr>
-        <a:xfrm>
-          <a:off x="0" y="0"/>
-          <a:ext cx="0" cy="0"/>
-          <a:chOff x="0" y="0"/>
-          <a:chExt cx="0" cy="0"/>
-        </a:xfrm>
-      </p:grpSpPr>
-      <p:sp>
-        <p:nvSpPr>
-          <p:cNvPr id="2" name="Title 1"/>
-          <p:cNvSpPr>
-            <a:spLocks noGrp="1"/>
-          </p:cNvSpPr>
-          <p:nvPr>
-            <p:ph type="title" hasCustomPrompt="1"/>
-          </p:nvPr>
-        </p:nvSpPr>
-        <p:spPr/>
-        <p:txBody>
-          <a:bodyPr/>
-          <a:lstStyle>
-            <a:lvl1pPr>
-              <a:defRPr baseline="0"/>
-            </a:lvl1pPr>
-          </a:lstStyle>
-          <a:p>
-            <a:r>
-              <a:rPr lang="en-US" dirty="0"/>
-              <a:t>Slide for developer code</a:t>
-            </a:r>
-          </a:p>
-        </p:txBody>
-      </p:sp>
-      <p:sp>
-        <p:nvSpPr>
-          <p:cNvPr id="3" name="Rectangle 2"/>
-          <p:cNvSpPr/>
-          <p:nvPr userDrawn="1"/>
-        </p:nvSpPr>
-        <p:spPr bwMode="hidden">
-          <a:xfrm>
-            <a:off x="1" y="1189176"/>
-            <a:ext cx="12192000" cy="5668824"/>
-          </a:xfrm>
-          <a:prstGeom prst="rect">
-            <a:avLst/>
-          </a:prstGeom>
-          <a:solidFill>
-            <a:srgbClr val="FFFFFF"/>
-          </a:solidFill>
-          <a:ln>
-            <a:noFill/>
-            <a:headEnd type="none" w="med" len="med"/>
-            <a:tailEnd type="none" w="med" len="med"/>
-          </a:ln>
-          <a:effectLst/>
-        </p:spPr>
-        <p:style>
-          <a:lnRef idx="1">
-            <a:schemeClr val="accent2"/>
-          </a:lnRef>
-          <a:fillRef idx="3">
-            <a:schemeClr val="accent2"/>
-          </a:fillRef>
-          <a:effectRef idx="2">
-            <a:schemeClr val="accent2"/>
-          </a:effectRef>
-          <a:fontRef idx="minor">
-            <a:schemeClr val="lt1"/>
-          </a:fontRef>
-        </p:style>
-        <p:txBody>
-          <a:bodyPr rot="0" spcFirstLastPara="0" vertOverflow="overflow" horzOverflow="overflow" vert="horz" wrap="square" lIns="45722" tIns="45722" rIns="45722" bIns="45722" numCol="1" spcCol="0" rtlCol="0" fromWordArt="0" anchor="ctr" anchorCtr="0" forceAA="0" compatLnSpc="1">
-            <a:prstTxWarp prst="textNoShape">
-              <a:avLst/>
-            </a:prstTxWarp>
-            <a:noAutofit/>
-          </a:bodyPr>
-          <a:lstStyle/>
-          <a:p>
-            <a:pPr algn="ctr" defTabSz="914102" fontAlgn="base">
-              <a:spcBef>
-                <a:spcPct val="0"/>
-              </a:spcBef>
-              <a:spcAft>
-                <a:spcPct val="0"/>
-              </a:spcAft>
-            </a:pPr>
-            <a:endParaRPr lang="en-US" sz="1765" dirty="0">
-              <a:gradFill>
-                <a:gsLst>
-                  <a:gs pos="0">
-                    <a:srgbClr val="FFFFFF"/>
-                  </a:gs>
-                  <a:gs pos="100000">
-                    <a:srgbClr val="FFFFFF"/>
-                  </a:gs>
-                </a:gsLst>
-                <a:lin ang="5400000" scaled="0"/>
-              </a:gradFill>
-              <a:ea typeface="Segoe UI" pitchFamily="34" charset="0"/>
-              <a:cs typeface="Segoe UI" pitchFamily="34" charset="0"/>
-            </a:endParaRPr>
-          </a:p>
-        </p:txBody>
-      </p:sp>
-      <p:sp>
-        <p:nvSpPr>
-          <p:cNvPr id="5" name="Text Placeholder 4"/>
-          <p:cNvSpPr>
-            <a:spLocks noGrp="1"/>
-          </p:cNvSpPr>
-          <p:nvPr>
-            <p:ph type="body" sz="quarter" idx="10"/>
-          </p:nvPr>
-        </p:nvSpPr>
-        <p:spPr>
-          <a:xfrm>
-            <a:off x="269239" y="1197322"/>
-            <a:ext cx="11653522" cy="1956973"/>
-          </a:xfrm>
-        </p:spPr>
-        <p:txBody>
-          <a:bodyPr/>
-          <a:lstStyle>
-            <a:lvl1pPr marL="0" indent="0">
-              <a:buNone/>
-              <a:defRPr sz="3235">
-                <a:gradFill>
-                  <a:gsLst>
-                    <a:gs pos="8718">
-                      <a:srgbClr val="353535"/>
-                    </a:gs>
-                    <a:gs pos="34000">
-                      <a:srgbClr val="353535"/>
-                    </a:gs>
-                  </a:gsLst>
-                  <a:lin ang="5400000" scaled="0"/>
-                </a:gradFill>
-                <a:latin typeface="Consolas" panose="020B0609020204030204" pitchFamily="49" charset="0"/>
-                <a:cs typeface="Consolas" panose="020B0609020204030204" pitchFamily="49" charset="0"/>
-              </a:defRPr>
-            </a:lvl1pPr>
-            <a:lvl2pPr marL="339726" indent="0">
-              <a:buNone/>
-              <a:defRPr>
-                <a:gradFill>
-                  <a:gsLst>
-                    <a:gs pos="8718">
-                      <a:srgbClr val="353535"/>
-                    </a:gs>
-                    <a:gs pos="34000">
-                      <a:srgbClr val="353535"/>
-                    </a:gs>
-                  </a:gsLst>
-                  <a:lin ang="5400000" scaled="0"/>
-                </a:gradFill>
-                <a:latin typeface="Consolas" panose="020B0609020204030204" pitchFamily="49" charset="0"/>
-                <a:cs typeface="Consolas" panose="020B0609020204030204" pitchFamily="49" charset="0"/>
-              </a:defRPr>
-            </a:lvl2pPr>
-            <a:lvl3pPr marL="573090" indent="0">
-              <a:buNone/>
-              <a:defRPr>
-                <a:gradFill>
-                  <a:gsLst>
-                    <a:gs pos="8718">
-                      <a:srgbClr val="353535"/>
-                    </a:gs>
-                    <a:gs pos="34000">
-                      <a:srgbClr val="353535"/>
-                    </a:gs>
-                  </a:gsLst>
-                  <a:lin ang="5400000" scaled="0"/>
-                </a:gradFill>
-                <a:latin typeface="Consolas" panose="020B0609020204030204" pitchFamily="49" charset="0"/>
-                <a:cs typeface="Consolas" panose="020B0609020204030204" pitchFamily="49" charset="0"/>
-              </a:defRPr>
-            </a:lvl3pPr>
-            <a:lvl4pPr marL="798516" indent="0">
-              <a:buNone/>
-              <a:defRPr>
-                <a:gradFill>
-                  <a:gsLst>
-                    <a:gs pos="8718">
-                      <a:srgbClr val="353535"/>
-                    </a:gs>
-                    <a:gs pos="34000">
-                      <a:srgbClr val="353535"/>
-                    </a:gs>
-                  </a:gsLst>
-                  <a:lin ang="5400000" scaled="0"/>
-                </a:gradFill>
-                <a:latin typeface="Consolas" panose="020B0609020204030204" pitchFamily="49" charset="0"/>
-                <a:cs typeface="Consolas" panose="020B0609020204030204" pitchFamily="49" charset="0"/>
-              </a:defRPr>
-            </a:lvl4pPr>
-            <a:lvl5pPr marL="1030292" indent="0">
-              <a:buNone/>
-              <a:defRPr>
-                <a:gradFill>
-                  <a:gsLst>
-                    <a:gs pos="8718">
-                      <a:srgbClr val="353535"/>
-                    </a:gs>
-                    <a:gs pos="34000">
-                      <a:srgbClr val="353535"/>
-                    </a:gs>
-                  </a:gsLst>
-                  <a:lin ang="5400000" scaled="0"/>
-                </a:gradFill>
-                <a:latin typeface="Consolas" panose="020B0609020204030204" pitchFamily="49" charset="0"/>
-                <a:cs typeface="Consolas" panose="020B0609020204030204" pitchFamily="49" charset="0"/>
-              </a:defRPr>
-            </a:lvl5pPr>
-          </a:lstStyle>
-          <a:p>
-            <a:pPr lvl="0"/>
-            <a:r>
-              <a:rPr lang="en-US" dirty="0"/>
-              <a:t>Click to edit Master text styles</a:t>
-            </a:r>
-          </a:p>
-          <a:p>
-            <a:pPr lvl="1"/>
-            <a:r>
-              <a:rPr lang="en-US" dirty="0"/>
-              <a:t>Second level</a:t>
-            </a:r>
-          </a:p>
-          <a:p>
-            <a:pPr lvl="2"/>
-            <a:r>
-              <a:rPr lang="en-US" dirty="0"/>
-              <a:t>Third level</a:t>
-            </a:r>
-          </a:p>
-          <a:p>
-            <a:pPr lvl="3"/>
-            <a:r>
-              <a:rPr lang="en-US" dirty="0"/>
-              <a:t>Fourth level</a:t>
-            </a:r>
-          </a:p>
-          <a:p>
-            <a:pPr lvl="4"/>
-            <a:r>
-              <a:rPr lang="en-US" dirty="0"/>
-              <a:t>Fifth level</a:t>
-            </a:r>
-          </a:p>
-        </p:txBody>
-      </p:sp>
-    </p:spTree>
-    <p:extLst>
-      <p:ext uri="{BB962C8B-B14F-4D97-AF65-F5344CB8AC3E}">
-        <p14:creationId xmlns:p14="http://schemas.microsoft.com/office/powerpoint/2010/main" val="3222835809"/>
-      </p:ext>
-    </p:extLst>
-  </p:cSld>
-  <p:clrMapOvr>
-    <a:masterClrMapping/>
-  </p:clrMapOvr>
-  <p:transition>
-    <p:fade/>
-  </p:transition>
-</p:sldLayout>
-</file>
-
-<file path=ppt/slideLayouts/slideLayout11.xml><?xml version="1.0" encoding="utf-8"?>
-<p:sldLayout xmlns:a="http://schemas.openxmlformats.org/drawingml/2006/main" xmlns:r="http://schemas.openxmlformats.org/officeDocument/2006/relationships" xmlns:p="http://schemas.openxmlformats.org/presentationml/2006/main" userDrawn="1">
-  <p:cSld name="Closing logo slide">
+  <p:cSld name="2_Title Slide">
     <p:bg>
       <p:bgPr>
         <a:solidFill>
-          <a:schemeClr val="accent1"/>
+          <a:schemeClr val="bg2"/>
         </a:solidFill>
         <a:effectLst/>
       </p:bgPr>
@@ -1565,9 +2396,105 @@
           <a:chExt cx="0" cy="0"/>
         </a:xfrm>
       </p:grpSpPr>
+      <p:sp>
+        <p:nvSpPr>
+          <p:cNvPr id="9" name="Title 1"/>
+          <p:cNvSpPr>
+            <a:spLocks noGrp="1"/>
+          </p:cNvSpPr>
+          <p:nvPr>
+            <p:ph type="title" hasCustomPrompt="1"/>
+          </p:nvPr>
+        </p:nvSpPr>
+        <p:spPr>
+          <a:xfrm>
+            <a:off x="269302" y="2084187"/>
+            <a:ext cx="8964185" cy="1793090"/>
+          </a:xfrm>
+          <a:noFill/>
+        </p:spPr>
+        <p:txBody>
+          <a:bodyPr lIns="146304" tIns="91440" rIns="146304" bIns="91440" anchor="t" anchorCtr="0"/>
+          <a:lstStyle>
+            <a:lvl1pPr>
+              <a:defRPr sz="5294" spc="-98" baseline="0">
+                <a:gradFill>
+                  <a:gsLst>
+                    <a:gs pos="62564">
+                      <a:schemeClr val="tx1"/>
+                    </a:gs>
+                    <a:gs pos="55000">
+                      <a:schemeClr val="tx1"/>
+                    </a:gs>
+                  </a:gsLst>
+                  <a:lin ang="5400000" scaled="0"/>
+                </a:gradFill>
+              </a:defRPr>
+            </a:lvl1pPr>
+          </a:lstStyle>
+          <a:p>
+            <a:r>
+              <a:rPr lang="en-US" dirty="0"/>
+              <a:t>Presentation title</a:t>
+            </a:r>
+          </a:p>
+        </p:txBody>
+      </p:sp>
+      <p:sp>
+        <p:nvSpPr>
+          <p:cNvPr id="5" name="Text Placeholder 4"/>
+          <p:cNvSpPr>
+            <a:spLocks noGrp="1"/>
+          </p:cNvSpPr>
+          <p:nvPr>
+            <p:ph type="body" sz="quarter" idx="12" hasCustomPrompt="1"/>
+          </p:nvPr>
+        </p:nvSpPr>
+        <p:spPr>
+          <a:xfrm>
+            <a:off x="269301" y="3878574"/>
+            <a:ext cx="7171337" cy="1792326"/>
+          </a:xfrm>
+          <a:noFill/>
+        </p:spPr>
+        <p:txBody>
+          <a:bodyPr lIns="164592" tIns="109728" rIns="164592" bIns="109728">
+            <a:noAutofit/>
+          </a:bodyPr>
+          <a:lstStyle>
+            <a:lvl1pPr marL="0" indent="0">
+              <a:spcBef>
+                <a:spcPts val="0"/>
+              </a:spcBef>
+              <a:buNone/>
+              <a:defRPr sz="3137" spc="0" baseline="0">
+                <a:gradFill>
+                  <a:gsLst>
+                    <a:gs pos="91000">
+                      <a:schemeClr val="tx1"/>
+                    </a:gs>
+                    <a:gs pos="0">
+                      <a:schemeClr val="tx1"/>
+                    </a:gs>
+                  </a:gsLst>
+                  <a:lin ang="5400000" scaled="0"/>
+                </a:gradFill>
+                <a:latin typeface="+mj-lt"/>
+              </a:defRPr>
+            </a:lvl1pPr>
+          </a:lstStyle>
+          <a:p>
+            <a:pPr lvl="0"/>
+            <a:r>
+              <a:rPr lang="en-US" dirty="0"/>
+              <a:t>Speaker name</a:t>
+            </a:r>
+          </a:p>
+        </p:txBody>
+      </p:sp>
       <p:grpSp>
         <p:nvGrpSpPr>
-          <p:cNvPr id="5" name="Group 4"/>
+          <p:cNvPr id="7" name="Group 6"/>
           <p:cNvGrpSpPr>
             <a:grpSpLocks noChangeAspect="1"/>
           </p:cNvGrpSpPr>
@@ -1583,7 +2510,7 @@
         </p:grpSpPr>
         <p:pic>
           <p:nvPicPr>
-            <p:cNvPr id="6" name="Picture 5"/>
+            <p:cNvPr id="8" name="Picture 7"/>
             <p:cNvPicPr>
               <a:picLocks noChangeAspect="1"/>
             </p:cNvPicPr>
@@ -1607,7 +2534,7 @@
         </p:pic>
         <p:sp>
           <p:nvSpPr>
-            <p:cNvPr id="7" name="Freeform 12"/>
+            <p:cNvPr id="10" name="Freeform 12"/>
             <p:cNvSpPr>
               <a:spLocks noEditPoints="1"/>
             </p:cNvSpPr>
@@ -2879,57 +3806,509 @@
           </p:txBody>
         </p:sp>
       </p:grpSp>
+    </p:spTree>
+    <p:extLst>
+      <p:ext uri="{BB962C8B-B14F-4D97-AF65-F5344CB8AC3E}">
+        <p14:creationId xmlns:p14="http://schemas.microsoft.com/office/powerpoint/2010/main" val="755971264"/>
+      </p:ext>
+    </p:extLst>
+  </p:cSld>
+  <p:clrMapOvr>
+    <a:masterClrMapping/>
+  </p:clrMapOvr>
+  <mc:AlternateContent xmlns:mc="http://schemas.openxmlformats.org/markup-compatibility/2006" xmlns:p14="http://schemas.microsoft.com/office/powerpoint/2010/main">
+    <mc:Choice Requires="p14">
+      <p:transition spd="slow" p14:dur="3400">
+        <p14:reveal/>
+      </p:transition>
+    </mc:Choice>
+    <mc:Fallback xmlns="">
+      <p:transition spd="slow">
+        <p:fade/>
+      </p:transition>
+    </mc:Fallback>
+  </mc:AlternateContent>
+</p:sldLayout>
+</file>
+
+<file path=ppt/slideLayouts/slideLayout11.xml><?xml version="1.0" encoding="utf-8"?>
+<p:sldLayout xmlns:a="http://schemas.openxmlformats.org/drawingml/2006/main" xmlns:r="http://schemas.openxmlformats.org/officeDocument/2006/relationships" xmlns:p="http://schemas.openxmlformats.org/presentationml/2006/main" userDrawn="1">
+  <p:cSld name="50-50 Right Photo Layout">
+    <p:spTree>
+      <p:nvGrpSpPr>
+        <p:cNvPr id="1" name=""/>
+        <p:cNvGrpSpPr/>
+        <p:nvPr/>
+      </p:nvGrpSpPr>
+      <p:grpSpPr>
+        <a:xfrm>
+          <a:off x="0" y="0"/>
+          <a:ext cx="0" cy="0"/>
+          <a:chOff x="0" y="0"/>
+          <a:chExt cx="0" cy="0"/>
+        </a:xfrm>
+      </p:grpSpPr>
       <p:sp>
         <p:nvSpPr>
-          <p:cNvPr id="8" name="Text Box 3"/>
-          <p:cNvSpPr txBox="1">
-            <a:spLocks noChangeArrowheads="1"/>
+          <p:cNvPr id="2" name="Title 1"/>
+          <p:cNvSpPr>
+            <a:spLocks noGrp="1"/>
           </p:cNvSpPr>
-          <p:nvPr userDrawn="1"/>
+          <p:nvPr>
+            <p:ph type="title" hasCustomPrompt="1"/>
+          </p:nvPr>
         </p:nvSpPr>
-        <p:spPr bwMode="blackWhite">
+        <p:spPr>
           <a:xfrm>
-            <a:off x="269240" y="6099190"/>
-            <a:ext cx="4482124" cy="467742"/>
+            <a:off x="269241" y="3012559"/>
+            <a:ext cx="5378548" cy="832882"/>
           </a:xfrm>
-          <a:prstGeom prst="rect">
-            <a:avLst/>
-          </a:prstGeom>
-          <a:noFill/>
-          <a:ln w="12700">
-            <a:noFill/>
-            <a:miter lim="800000"/>
-            <a:headEnd type="none" w="sm" len="sm"/>
-            <a:tailEnd type="none" w="sm" len="sm"/>
-          </a:ln>
-          <a:effectLst/>
         </p:spPr>
         <p:txBody>
-          <a:bodyPr vert="horz" wrap="square" lIns="179285" tIns="179285" rIns="179285" bIns="179285" numCol="1" anchor="t" anchorCtr="0" compatLnSpc="1">
-            <a:prstTxWarp prst="textNoShape">
-              <a:avLst/>
-            </a:prstTxWarp>
+          <a:bodyPr anchor="ctr">
             <a:spAutoFit/>
           </a:bodyPr>
-          <a:lstStyle/>
-          <a:p>
-            <a:pPr defTabSz="913924" eaLnBrk="0" hangingPunct="0"/>
-            <a:r>
-              <a:rPr lang="en-US" sz="686" dirty="0">
-                <a:solidFill>
-                  <a:schemeClr val="bg1"/>
-                </a:solidFill>
-                <a:cs typeface="Segoe UI" pitchFamily="34" charset="0"/>
-              </a:rPr>
-              <a:t>© Copyright Microsoft Corporation. All rights reserved. </a:t>
-            </a:r>
+          <a:lstStyle>
+            <a:lvl1pPr>
+              <a:defRPr sz="4705" baseline="0">
+                <a:gradFill>
+                  <a:gsLst>
+                    <a:gs pos="1250">
+                      <a:schemeClr val="tx1"/>
+                    </a:gs>
+                    <a:gs pos="100000">
+                      <a:schemeClr val="tx1"/>
+                    </a:gs>
+                  </a:gsLst>
+                  <a:lin ang="5400000" scaled="0"/>
+                </a:gradFill>
+              </a:defRPr>
+            </a:lvl1pPr>
+          </a:lstStyle>
+          <a:p>
+            <a:r>
+              <a:rPr lang="en-US" dirty="0"/>
+              <a:t>50/50 photo layout</a:t>
+            </a:r>
+          </a:p>
+        </p:txBody>
+      </p:sp>
+      <p:sp>
+        <p:nvSpPr>
+          <p:cNvPr id="5" name="Picture Placeholder 4"/>
+          <p:cNvSpPr>
+            <a:spLocks noGrp="1"/>
+          </p:cNvSpPr>
+          <p:nvPr>
+            <p:ph type="pic" sz="quarter" idx="10"/>
+          </p:nvPr>
+        </p:nvSpPr>
+        <p:spPr bwMode="ltGray">
+          <a:xfrm>
+            <a:off x="6097556" y="0"/>
+            <a:ext cx="6094444" cy="6856100"/>
+          </a:xfrm>
+          <a:blipFill>
+            <a:blip r:embed="rId2"/>
+            <a:stretch>
+              <a:fillRect/>
+            </a:stretch>
+          </a:blipFill>
+        </p:spPr>
+        <p:txBody>
+          <a:bodyPr tIns="548640" anchor="ctr" anchorCtr="0">
+            <a:noAutofit/>
+          </a:bodyPr>
+          <a:lstStyle>
+            <a:lvl1pPr marL="0" indent="0" algn="ctr">
+              <a:buNone/>
+              <a:defRPr sz="1568" b="1" cap="none" baseline="0">
+                <a:gradFill>
+                  <a:gsLst>
+                    <a:gs pos="0">
+                      <a:srgbClr val="FFFFFF"/>
+                    </a:gs>
+                    <a:gs pos="27000">
+                      <a:srgbClr val="FFFFFF"/>
+                    </a:gs>
+                  </a:gsLst>
+                  <a:lin ang="5400000" scaled="0"/>
+                </a:gradFill>
+                <a:latin typeface="+mn-lt"/>
+              </a:defRPr>
+            </a:lvl1pPr>
+          </a:lstStyle>
+          <a:p>
+            <a:r>
+              <a:rPr lang="en-US"/>
+              <a:t>Click icon to add picture</a:t>
+            </a:r>
+            <a:endParaRPr lang="en-US" dirty="0"/>
           </a:p>
         </p:txBody>
       </p:sp>
     </p:spTree>
     <p:extLst>
       <p:ext uri="{BB962C8B-B14F-4D97-AF65-F5344CB8AC3E}">
-        <p14:creationId xmlns:p14="http://schemas.microsoft.com/office/powerpoint/2010/main" val="2349258608"/>
+        <p14:creationId xmlns:p14="http://schemas.microsoft.com/office/powerpoint/2010/main" val="1095778396"/>
+      </p:ext>
+    </p:extLst>
+  </p:cSld>
+  <p:clrMapOvr>
+    <a:masterClrMapping/>
+  </p:clrMapOvr>
+  <p:transition>
+    <p:fade/>
+  </p:transition>
+  <p:extLst mod="1">
+    <p:ext uri="{DCECCB84-F9BA-43D5-87BE-67443E8EF086}">
+      <p15:sldGuideLst xmlns:p15="http://schemas.microsoft.com/office/powerpoint/2012/main">
+        <p15:guide id="1" pos="3917">
+          <p15:clr>
+            <a:srgbClr val="FBAE40"/>
+          </p15:clr>
+        </p15:guide>
+      </p15:sldGuideLst>
+    </p:ext>
+  </p:extLst>
+</p:sldLayout>
+</file>
+
+<file path=ppt/slideLayouts/slideLayout12.xml><?xml version="1.0" encoding="utf-8"?>
+<p:sldLayout xmlns:a="http://schemas.openxmlformats.org/drawingml/2006/main" xmlns:r="http://schemas.openxmlformats.org/officeDocument/2006/relationships" xmlns:p="http://schemas.openxmlformats.org/presentationml/2006/main" userDrawn="1">
+  <p:cSld name="Projects of 4">
+    <p:spTree>
+      <p:nvGrpSpPr>
+        <p:cNvPr id="1" name=""/>
+        <p:cNvGrpSpPr/>
+        <p:nvPr/>
+      </p:nvGrpSpPr>
+      <p:grpSpPr>
+        <a:xfrm>
+          <a:off x="0" y="0"/>
+          <a:ext cx="0" cy="0"/>
+          <a:chOff x="0" y="0"/>
+          <a:chExt cx="0" cy="0"/>
+        </a:xfrm>
+      </p:grpSpPr>
+      <p:sp>
+        <p:nvSpPr>
+          <p:cNvPr id="12" name="Picture Placeholder 13"/>
+          <p:cNvSpPr>
+            <a:spLocks noGrp="1"/>
+          </p:cNvSpPr>
+          <p:nvPr>
+            <p:ph type="pic" sz="quarter" idx="14"/>
+          </p:nvPr>
+        </p:nvSpPr>
+        <p:spPr>
+          <a:xfrm>
+            <a:off x="9722980" y="4622275"/>
+            <a:ext cx="2469020" cy="2235726"/>
+          </a:xfrm>
+          <a:prstGeom prst="rect">
+            <a:avLst/>
+          </a:prstGeom>
+          <a:effectLst/>
+        </p:spPr>
+        <p:txBody>
+          <a:bodyPr>
+            <a:normAutofit/>
+          </a:bodyPr>
+          <a:lstStyle>
+            <a:lvl1pPr marL="0" indent="0">
+              <a:buNone/>
+              <a:defRPr sz="1300" b="0" i="0">
+                <a:ln>
+                  <a:noFill/>
+                </a:ln>
+                <a:solidFill>
+                  <a:schemeClr val="bg1">
+                    <a:lumMod val="85000"/>
+                  </a:schemeClr>
+                </a:solidFill>
+                <a:latin typeface="Poppins Light" charset="0"/>
+                <a:ea typeface="Poppins Light" charset="0"/>
+                <a:cs typeface="Poppins Light" charset="0"/>
+              </a:defRPr>
+            </a:lvl1pPr>
+          </a:lstStyle>
+          <a:p>
+            <a:endParaRPr lang="en-US" dirty="0"/>
+          </a:p>
+        </p:txBody>
+      </p:sp>
+      <p:sp>
+        <p:nvSpPr>
+          <p:cNvPr id="13" name="Picture Placeholder 13"/>
+          <p:cNvSpPr>
+            <a:spLocks noGrp="1"/>
+          </p:cNvSpPr>
+          <p:nvPr>
+            <p:ph type="pic" sz="quarter" idx="15"/>
+          </p:nvPr>
+        </p:nvSpPr>
+        <p:spPr>
+          <a:xfrm>
+            <a:off x="2431592" y="2386549"/>
+            <a:ext cx="2431604" cy="2235726"/>
+          </a:xfrm>
+          <a:prstGeom prst="rect">
+            <a:avLst/>
+          </a:prstGeom>
+          <a:effectLst/>
+        </p:spPr>
+        <p:txBody>
+          <a:bodyPr>
+            <a:normAutofit/>
+          </a:bodyPr>
+          <a:lstStyle>
+            <a:lvl1pPr marL="0" indent="0">
+              <a:buNone/>
+              <a:defRPr sz="1300" b="0" i="0">
+                <a:ln>
+                  <a:noFill/>
+                </a:ln>
+                <a:solidFill>
+                  <a:schemeClr val="bg1">
+                    <a:lumMod val="85000"/>
+                  </a:schemeClr>
+                </a:solidFill>
+                <a:latin typeface="Poppins Light" charset="0"/>
+                <a:ea typeface="Poppins Light" charset="0"/>
+                <a:cs typeface="Poppins Light" charset="0"/>
+              </a:defRPr>
+            </a:lvl1pPr>
+          </a:lstStyle>
+          <a:p>
+            <a:endParaRPr lang="en-US" dirty="0"/>
+          </a:p>
+        </p:txBody>
+      </p:sp>
+      <p:sp>
+        <p:nvSpPr>
+          <p:cNvPr id="14" name="Picture Placeholder 13"/>
+          <p:cNvSpPr>
+            <a:spLocks noGrp="1"/>
+          </p:cNvSpPr>
+          <p:nvPr>
+            <p:ph type="pic" sz="quarter" idx="17"/>
+          </p:nvPr>
+        </p:nvSpPr>
+        <p:spPr>
+          <a:xfrm>
+            <a:off x="0" y="4622275"/>
+            <a:ext cx="2431604" cy="2235726"/>
+          </a:xfrm>
+          <a:prstGeom prst="rect">
+            <a:avLst/>
+          </a:prstGeom>
+          <a:effectLst/>
+        </p:spPr>
+        <p:txBody>
+          <a:bodyPr>
+            <a:normAutofit/>
+          </a:bodyPr>
+          <a:lstStyle>
+            <a:lvl1pPr marL="0" indent="0">
+              <a:buNone/>
+              <a:defRPr sz="1300" b="0" i="0">
+                <a:ln>
+                  <a:noFill/>
+                </a:ln>
+                <a:solidFill>
+                  <a:schemeClr val="bg1">
+                    <a:lumMod val="85000"/>
+                  </a:schemeClr>
+                </a:solidFill>
+                <a:latin typeface="Poppins Light" charset="0"/>
+                <a:ea typeface="Poppins Light" charset="0"/>
+                <a:cs typeface="Poppins Light" charset="0"/>
+              </a:defRPr>
+            </a:lvl1pPr>
+          </a:lstStyle>
+          <a:p>
+            <a:endParaRPr lang="en-US" dirty="0"/>
+          </a:p>
+        </p:txBody>
+      </p:sp>
+      <p:sp>
+        <p:nvSpPr>
+          <p:cNvPr id="15" name="Picture Placeholder 13"/>
+          <p:cNvSpPr>
+            <a:spLocks noGrp="1"/>
+          </p:cNvSpPr>
+          <p:nvPr>
+            <p:ph type="pic" sz="quarter" idx="18"/>
+          </p:nvPr>
+        </p:nvSpPr>
+        <p:spPr>
+          <a:xfrm>
+            <a:off x="7293088" y="2386549"/>
+            <a:ext cx="2431604" cy="2235726"/>
+          </a:xfrm>
+          <a:prstGeom prst="rect">
+            <a:avLst/>
+          </a:prstGeom>
+          <a:effectLst/>
+        </p:spPr>
+        <p:txBody>
+          <a:bodyPr>
+            <a:normAutofit/>
+          </a:bodyPr>
+          <a:lstStyle>
+            <a:lvl1pPr marL="0" indent="0">
+              <a:buNone/>
+              <a:defRPr sz="1300" b="0" i="0">
+                <a:ln>
+                  <a:noFill/>
+                </a:ln>
+                <a:solidFill>
+                  <a:schemeClr val="bg1">
+                    <a:lumMod val="85000"/>
+                  </a:schemeClr>
+                </a:solidFill>
+                <a:latin typeface="Poppins Light" charset="0"/>
+                <a:ea typeface="Poppins Light" charset="0"/>
+                <a:cs typeface="Poppins Light" charset="0"/>
+              </a:defRPr>
+            </a:lvl1pPr>
+          </a:lstStyle>
+          <a:p>
+            <a:endParaRPr lang="en-US" dirty="0"/>
+          </a:p>
+        </p:txBody>
+      </p:sp>
+      <p:sp>
+        <p:nvSpPr>
+          <p:cNvPr id="16" name="Picture Placeholder 13"/>
+          <p:cNvSpPr>
+            <a:spLocks noGrp="1"/>
+          </p:cNvSpPr>
+          <p:nvPr>
+            <p:ph type="pic" sz="quarter" idx="19"/>
+          </p:nvPr>
+        </p:nvSpPr>
+        <p:spPr>
+          <a:xfrm>
+            <a:off x="4863197" y="4622275"/>
+            <a:ext cx="2431604" cy="2235726"/>
+          </a:xfrm>
+          <a:prstGeom prst="rect">
+            <a:avLst/>
+          </a:prstGeom>
+          <a:effectLst/>
+        </p:spPr>
+        <p:txBody>
+          <a:bodyPr>
+            <a:normAutofit/>
+          </a:bodyPr>
+          <a:lstStyle>
+            <a:lvl1pPr marL="0" indent="0">
+              <a:buNone/>
+              <a:defRPr sz="1300" b="0" i="0">
+                <a:ln>
+                  <a:noFill/>
+                </a:ln>
+                <a:solidFill>
+                  <a:schemeClr val="bg1">
+                    <a:lumMod val="85000"/>
+                  </a:schemeClr>
+                </a:solidFill>
+                <a:latin typeface="Poppins Light" charset="0"/>
+                <a:ea typeface="Poppins Light" charset="0"/>
+                <a:cs typeface="Poppins Light" charset="0"/>
+              </a:defRPr>
+            </a:lvl1pPr>
+          </a:lstStyle>
+          <a:p>
+            <a:endParaRPr lang="en-US" dirty="0"/>
+          </a:p>
+        </p:txBody>
+      </p:sp>
+    </p:spTree>
+    <p:extLst>
+      <p:ext uri="{BB962C8B-B14F-4D97-AF65-F5344CB8AC3E}">
+        <p14:creationId xmlns:p14="http://schemas.microsoft.com/office/powerpoint/2010/main" val="1081865075"/>
+      </p:ext>
+    </p:extLst>
+  </p:cSld>
+  <p:clrMapOvr>
+    <a:masterClrMapping/>
+  </p:clrMapOvr>
+  <p:transition/>
+</p:sldLayout>
+</file>
+
+<file path=ppt/slideLayouts/slideLayout13.xml><?xml version="1.0" encoding="utf-8"?>
+<p:sldLayout xmlns:a="http://schemas.openxmlformats.org/drawingml/2006/main" xmlns:r="http://schemas.openxmlformats.org/officeDocument/2006/relationships" xmlns:p="http://schemas.openxmlformats.org/presentationml/2006/main" userDrawn="1">
+  <p:cSld name="Text Layout">
+    <p:spTree>
+      <p:nvGrpSpPr>
+        <p:cNvPr id="1" name=""/>
+        <p:cNvGrpSpPr/>
+        <p:nvPr/>
+      </p:nvGrpSpPr>
+      <p:grpSpPr>
+        <a:xfrm>
+          <a:off x="0" y="0"/>
+          <a:ext cx="0" cy="0"/>
+          <a:chOff x="0" y="0"/>
+          <a:chExt cx="0" cy="0"/>
+        </a:xfrm>
+      </p:grpSpPr>
+      <p:sp>
+        <p:nvSpPr>
+          <p:cNvPr id="2" name="Title 1"/>
+          <p:cNvSpPr>
+            <a:spLocks noGrp="1"/>
+          </p:cNvSpPr>
+          <p:nvPr>
+            <p:ph type="title" hasCustomPrompt="1"/>
+          </p:nvPr>
+        </p:nvSpPr>
+        <p:spPr>
+          <a:xfrm>
+            <a:off x="455995" y="620428"/>
+            <a:ext cx="11306469" cy="403137"/>
+          </a:xfrm>
+        </p:spPr>
+        <p:txBody>
+          <a:bodyPr wrap="square" lIns="0" tIns="0" rIns="0" bIns="0">
+            <a:spAutoFit/>
+          </a:bodyPr>
+          <a:lstStyle>
+            <a:lvl1pPr>
+              <a:lnSpc>
+                <a:spcPts val="3137"/>
+              </a:lnSpc>
+              <a:defRPr sz="2745">
+                <a:solidFill>
+                  <a:schemeClr val="tx1"/>
+                </a:solidFill>
+              </a:defRPr>
+            </a:lvl1pPr>
+          </a:lstStyle>
+          <a:p>
+            <a:r>
+              <a:rPr lang="en-US" dirty="0"/>
+              <a:t>Heading Segoe UI </a:t>
+            </a:r>
+            <a:r>
+              <a:rPr lang="en-US" dirty="0" err="1"/>
+              <a:t>Semibold</a:t>
+            </a:r>
+            <a:r>
+              <a:rPr lang="en-US" dirty="0"/>
+              <a:t> 28/32</a:t>
+            </a:r>
+          </a:p>
+        </p:txBody>
+      </p:sp>
+    </p:spTree>
+    <p:extLst>
+      <p:ext uri="{BB962C8B-B14F-4D97-AF65-F5344CB8AC3E}">
+        <p14:creationId xmlns:p14="http://schemas.microsoft.com/office/powerpoint/2010/main" val="1447064497"/>
       </p:ext>
     </p:extLst>
   </p:cSld>
@@ -2942,7 +4321,86 @@
 </p:sldLayout>
 </file>
 
-<file path=ppt/slideLayouts/slideLayout12.xml><?xml version="1.0" encoding="utf-8"?>
+<file path=ppt/slideLayouts/slideLayout14.xml><?xml version="1.0" encoding="utf-8"?>
+<p:sldLayout xmlns:a="http://schemas.openxmlformats.org/drawingml/2006/main" xmlns:r="http://schemas.openxmlformats.org/officeDocument/2006/relationships" xmlns:p="http://schemas.openxmlformats.org/presentationml/2006/main">
+  <p:cSld name="Title Slide">
+    <p:spTree>
+      <p:nvGrpSpPr>
+        <p:cNvPr id="1" name=""/>
+        <p:cNvGrpSpPr/>
+        <p:nvPr/>
+      </p:nvGrpSpPr>
+      <p:grpSpPr>
+        <a:xfrm>
+          <a:off x="0" y="0"/>
+          <a:ext cx="0" cy="0"/>
+          <a:chOff x="0" y="0"/>
+          <a:chExt cx="0" cy="0"/>
+        </a:xfrm>
+      </p:grpSpPr>
+      <p:sp>
+        <p:nvSpPr>
+          <p:cNvPr id="3" name="Title Placeholder 1">
+            <a:extLst>
+              <a:ext uri="{FF2B5EF4-FFF2-40B4-BE49-F238E27FC236}">
+                <a16:creationId xmlns:a16="http://schemas.microsoft.com/office/drawing/2014/main" id="{BDBC305C-A9C3-4278-AFC0-C99DFD80A68A}"/>
+              </a:ext>
+            </a:extLst>
+          </p:cNvPr>
+          <p:cNvSpPr>
+            <a:spLocks noGrp="1"/>
+          </p:cNvSpPr>
+          <p:nvPr>
+            <p:ph type="title" hasCustomPrompt="1"/>
+          </p:nvPr>
+        </p:nvSpPr>
+        <p:spPr>
+          <a:xfrm>
+            <a:off x="426424" y="440495"/>
+            <a:ext cx="11336039" cy="758022"/>
+          </a:xfrm>
+          <a:prstGeom prst="rect">
+            <a:avLst/>
+          </a:prstGeom>
+        </p:spPr>
+        <p:txBody>
+          <a:bodyPr vert="horz" wrap="square" lIns="0" tIns="164592" rIns="0" bIns="0" rtlCol="0" anchor="t">
+            <a:noAutofit/>
+          </a:bodyPr>
+          <a:lstStyle>
+            <a:lvl1pPr>
+              <a:defRPr>
+                <a:solidFill>
+                  <a:srgbClr val="000000"/>
+                </a:solidFill>
+              </a:defRPr>
+            </a:lvl1pPr>
+          </a:lstStyle>
+          <a:p>
+            <a:r>
+              <a:rPr lang="en-US" dirty="0"/>
+              <a:t>Title</a:t>
+            </a:r>
+          </a:p>
+        </p:txBody>
+      </p:sp>
+    </p:spTree>
+    <p:extLst>
+      <p:ext uri="{BB962C8B-B14F-4D97-AF65-F5344CB8AC3E}">
+        <p14:creationId xmlns:p14="http://schemas.microsoft.com/office/powerpoint/2010/main" val="964942805"/>
+      </p:ext>
+    </p:extLst>
+  </p:cSld>
+  <p:clrMapOvr>
+    <a:masterClrMapping/>
+  </p:clrMapOvr>
+  <p:transition>
+    <p:fade/>
+  </p:transition>
+</p:sldLayout>
+</file>
+
+<file path=ppt/slideLayouts/slideLayout15.xml><?xml version="1.0" encoding="utf-8"?>
 <p:sldLayout xmlns:a="http://schemas.openxmlformats.org/drawingml/2006/main" xmlns:r="http://schemas.openxmlformats.org/officeDocument/2006/relationships" xmlns:p="http://schemas.openxmlformats.org/presentationml/2006/main" preserve="1" userDrawn="1">
   <p:cSld name="3_Title Microsoft Cloud Workshop">
     <p:bg>
@@ -3000,16 +4458,14 @@
               </a:lnSpc>
             </a:pPr>
             <a:r>
-              <a:rPr lang="en-US" sz="4800" b="1" kern="1200" cap="none" spc="-98" baseline="0" dirty="0">
+              <a:rPr lang="en-US" sz="4800" b="1" spc="-98" dirty="0">
                 <a:ln w="3175">
                   <a:noFill/>
                 </a:ln>
                 <a:solidFill>
-                  <a:schemeClr val="tx1"/>
+                  <a:srgbClr val="FFFFFF"/>
                 </a:solidFill>
-                <a:effectLst/>
                 <a:latin typeface="Segoe UI" panose="020B0502040204020203" pitchFamily="34" charset="0"/>
-                <a:ea typeface="+mn-ea"/>
                 <a:cs typeface="Segoe UI" panose="020B0502040204020203" pitchFamily="34" charset="0"/>
               </a:rPr>
               <a:t>Microsoft Cloud Workshop</a:t>
@@ -4087,7 +5543,11 @@
           </a:bodyPr>
           <a:lstStyle/>
           <a:p>
-            <a:endParaRPr lang="en-US"/>
+            <a:endParaRPr lang="en-US">
+              <a:solidFill>
+                <a:srgbClr val="FFFFFF"/>
+              </a:solidFill>
+            </a:endParaRPr>
           </a:p>
         </p:txBody>
       </p:sp>
@@ -5496,7 +6956,11 @@
             </a:bodyPr>
             <a:lstStyle/>
             <a:p>
-              <a:endParaRPr lang="en-US" sz="1765"/>
+              <a:endParaRPr lang="en-US" sz="1765">
+                <a:solidFill>
+                  <a:srgbClr val="FFFFFF"/>
+                </a:solidFill>
+              </a:endParaRPr>
             </a:p>
           </p:txBody>
         </p:sp>
@@ -5538,11 +7002,7 @@
         </p:spPr>
       </p:pic>
     </p:spTree>
-    <p:extLst>
-      <p:ext uri="{BB962C8B-B14F-4D97-AF65-F5344CB8AC3E}">
-        <p14:creationId xmlns:p14="http://schemas.microsoft.com/office/powerpoint/2010/main" val="1788554963"/>
-      </p:ext>
-    </p:extLst>
+    <p:extLst/>
   </p:cSld>
   <p:clrMapOvr>
     <a:masterClrMapping/>
@@ -5562,7 +7022,7 @@
 </p:sldLayout>
 </file>
 
-<file path=ppt/slideLayouts/slideLayout13.xml><?xml version="1.0" encoding="utf-8"?>
+<file path=ppt/slideLayouts/slideLayout16.xml><?xml version="1.0" encoding="utf-8"?>
 <p:sldLayout xmlns:a="http://schemas.openxmlformats.org/drawingml/2006/main" xmlns:r="http://schemas.openxmlformats.org/officeDocument/2006/relationships" xmlns:p="http://schemas.openxmlformats.org/presentationml/2006/main" preserve="1" userDrawn="1">
   <p:cSld name="2_Title Slide">
     <p:bg>
@@ -6992,17 +8452,17 @@
             </a:bodyPr>
             <a:lstStyle/>
             <a:p>
-              <a:endParaRPr lang="en-US" sz="1765"/>
+              <a:endParaRPr lang="en-US" sz="1765">
+                <a:solidFill>
+                  <a:srgbClr val="FFFFFF"/>
+                </a:solidFill>
+              </a:endParaRPr>
             </a:p>
           </p:txBody>
         </p:sp>
       </p:grpSp>
     </p:spTree>
-    <p:extLst>
-      <p:ext uri="{BB962C8B-B14F-4D97-AF65-F5344CB8AC3E}">
-        <p14:creationId xmlns:p14="http://schemas.microsoft.com/office/powerpoint/2010/main" val="1122173409"/>
-      </p:ext>
-    </p:extLst>
+    <p:extLst/>
   </p:cSld>
   <p:clrMapOvr>
     <a:masterClrMapping/>
@@ -7022,7 +8482,7 @@
 </p:sldLayout>
 </file>
 
-<file path=ppt/slideLayouts/slideLayout14.xml><?xml version="1.0" encoding="utf-8"?>
+<file path=ppt/slideLayouts/slideLayout17.xml><?xml version="1.0" encoding="utf-8"?>
 <p:sldLayout xmlns:a="http://schemas.openxmlformats.org/drawingml/2006/main" xmlns:r="http://schemas.openxmlformats.org/officeDocument/2006/relationships" xmlns:p="http://schemas.openxmlformats.org/presentationml/2006/main" preserve="1" userDrawn="1">
   <p:cSld name="Title &amp; Non-bulleted text">
     <p:spTree>
@@ -7153,11 +8613,7 @@
         </p:txBody>
       </p:sp>
     </p:spTree>
-    <p:extLst>
-      <p:ext uri="{BB962C8B-B14F-4D97-AF65-F5344CB8AC3E}">
-        <p14:creationId xmlns:p14="http://schemas.microsoft.com/office/powerpoint/2010/main" val="2953391160"/>
-      </p:ext>
-    </p:extLst>
+    <p:extLst/>
   </p:cSld>
   <p:clrMapOvr>
     <a:masterClrMapping/>
@@ -7168,7 +8624,7 @@
 </p:sldLayout>
 </file>
 
-<file path=ppt/slideLayouts/slideLayout15.xml><?xml version="1.0" encoding="utf-8"?>
+<file path=ppt/slideLayouts/slideLayout18.xml><?xml version="1.0" encoding="utf-8"?>
 <p:sldLayout xmlns:a="http://schemas.openxmlformats.org/drawingml/2006/main" xmlns:r="http://schemas.openxmlformats.org/officeDocument/2006/relationships" xmlns:p="http://schemas.openxmlformats.org/presentationml/2006/main" preserve="1" userDrawn="1">
   <p:cSld name="Title and Content">
     <p:spTree>
@@ -7270,11 +8726,7 @@
         </p:txBody>
       </p:sp>
     </p:spTree>
-    <p:extLst>
-      <p:ext uri="{BB962C8B-B14F-4D97-AF65-F5344CB8AC3E}">
-        <p14:creationId xmlns:p14="http://schemas.microsoft.com/office/powerpoint/2010/main" val="2818576603"/>
-      </p:ext>
-    </p:extLst>
+    <p:extLst/>
   </p:cSld>
   <p:clrMapOvr>
     <a:masterClrMapping/>
@@ -7285,7 +8737,7 @@
 </p:sldLayout>
 </file>
 
-<file path=ppt/slideLayouts/slideLayout16.xml><?xml version="1.0" encoding="utf-8"?>
+<file path=ppt/slideLayouts/slideLayout19.xml><?xml version="1.0" encoding="utf-8"?>
 <p:sldLayout xmlns:a="http://schemas.openxmlformats.org/drawingml/2006/main" xmlns:r="http://schemas.openxmlformats.org/officeDocument/2006/relationships" xmlns:p="http://schemas.openxmlformats.org/presentationml/2006/main" preserve="1" userDrawn="1">
   <p:cSld name="Two Column Non-bulleted text">
     <p:spTree>
@@ -7502,9 +8954,46 @@
         </p:txBody>
       </p:sp>
     </p:spTree>
+    <p:extLst/>
+  </p:cSld>
+  <p:clrMapOvr>
+    <a:masterClrMapping/>
+  </p:clrMapOvr>
+  <p:transition>
+    <p:fade/>
+  </p:transition>
+</p:sldLayout>
+</file>
+
+<file path=ppt/slideLayouts/slideLayout2.xml><?xml version="1.0" encoding="utf-8"?>
+<p:sldLayout xmlns:a="http://schemas.openxmlformats.org/drawingml/2006/main" xmlns:r="http://schemas.openxmlformats.org/officeDocument/2006/relationships" xmlns:p="http://schemas.openxmlformats.org/presentationml/2006/main" preserve="1" userDrawn="1">
+  <p:cSld name="Blank Blue">
+    <p:bg bwMode="ltGray">
+      <p:bgPr>
+        <a:solidFill>
+          <a:schemeClr val="accent1"/>
+        </a:solidFill>
+        <a:effectLst/>
+      </p:bgPr>
+    </p:bg>
+    <p:spTree>
+      <p:nvGrpSpPr>
+        <p:cNvPr id="1" name=""/>
+        <p:cNvGrpSpPr/>
+        <p:nvPr/>
+      </p:nvGrpSpPr>
+      <p:grpSpPr>
+        <a:xfrm>
+          <a:off x="0" y="0"/>
+          <a:ext cx="0" cy="0"/>
+          <a:chOff x="0" y="0"/>
+          <a:chExt cx="0" cy="0"/>
+        </a:xfrm>
+      </p:grpSpPr>
+    </p:spTree>
     <p:extLst>
       <p:ext uri="{BB962C8B-B14F-4D97-AF65-F5344CB8AC3E}">
-        <p14:creationId xmlns:p14="http://schemas.microsoft.com/office/powerpoint/2010/main" val="628879157"/>
+        <p14:creationId xmlns:p14="http://schemas.microsoft.com/office/powerpoint/2010/main" val="456722354"/>
       </p:ext>
     </p:extLst>
   </p:cSld>
@@ -7517,7 +9006,7 @@
 </p:sldLayout>
 </file>
 
-<file path=ppt/slideLayouts/slideLayout17.xml><?xml version="1.0" encoding="utf-8"?>
+<file path=ppt/slideLayouts/slideLayout20.xml><?xml version="1.0" encoding="utf-8"?>
 <p:sldLayout xmlns:a="http://schemas.openxmlformats.org/drawingml/2006/main" xmlns:r="http://schemas.openxmlformats.org/officeDocument/2006/relationships" xmlns:p="http://schemas.openxmlformats.org/presentationml/2006/main" preserve="1" userDrawn="1">
   <p:cSld name="Two Column Bullet text">
     <p:spTree>
@@ -7726,11 +9215,7 @@
         </p:txBody>
       </p:sp>
     </p:spTree>
-    <p:extLst>
-      <p:ext uri="{BB962C8B-B14F-4D97-AF65-F5344CB8AC3E}">
-        <p14:creationId xmlns:p14="http://schemas.microsoft.com/office/powerpoint/2010/main" val="2610195946"/>
-      </p:ext>
-    </p:extLst>
+    <p:extLst/>
   </p:cSld>
   <p:clrMapOvr>
     <a:masterClrMapping/>
@@ -7741,7 +9226,7 @@
 </p:sldLayout>
 </file>
 
-<file path=ppt/slideLayouts/slideLayout18.xml><?xml version="1.0" encoding="utf-8"?>
+<file path=ppt/slideLayouts/slideLayout21.xml><?xml version="1.0" encoding="utf-8"?>
 <p:sldLayout xmlns:a="http://schemas.openxmlformats.org/drawingml/2006/main" xmlns:r="http://schemas.openxmlformats.org/officeDocument/2006/relationships" xmlns:p="http://schemas.openxmlformats.org/presentationml/2006/main" preserve="1" userDrawn="1">
   <p:cSld name="Title Only">
     <p:spTree>
@@ -7781,11 +9266,7 @@
         </p:txBody>
       </p:sp>
     </p:spTree>
-    <p:extLst>
-      <p:ext uri="{BB962C8B-B14F-4D97-AF65-F5344CB8AC3E}">
-        <p14:creationId xmlns:p14="http://schemas.microsoft.com/office/powerpoint/2010/main" val="4236199967"/>
-      </p:ext>
-    </p:extLst>
+    <p:extLst/>
   </p:cSld>
   <p:clrMapOvr>
     <a:masterClrMapping/>
@@ -7796,7 +9277,7 @@
 </p:sldLayout>
 </file>
 
-<file path=ppt/slideLayouts/slideLayout19.xml><?xml version="1.0" encoding="utf-8"?>
+<file path=ppt/slideLayouts/slideLayout22.xml><?xml version="1.0" encoding="utf-8"?>
 <p:sldLayout xmlns:a="http://schemas.openxmlformats.org/drawingml/2006/main" xmlns:r="http://schemas.openxmlformats.org/officeDocument/2006/relationships" xmlns:p="http://schemas.openxmlformats.org/presentationml/2006/main" preserve="1" userDrawn="1">
   <p:cSld name="Demo slide">
     <p:bg>
@@ -7920,11 +9401,7 @@
         </p:txBody>
       </p:sp>
     </p:spTree>
-    <p:extLst>
-      <p:ext uri="{BB962C8B-B14F-4D97-AF65-F5344CB8AC3E}">
-        <p14:creationId xmlns:p14="http://schemas.microsoft.com/office/powerpoint/2010/main" val="2875692455"/>
-      </p:ext>
-    </p:extLst>
+    <p:extLst/>
   </p:cSld>
   <p:clrMapOvr>
     <a:masterClrMapping/>
@@ -7944,48 +9421,7 @@
 </p:sldLayout>
 </file>
 
-<file path=ppt/slideLayouts/slideLayout2.xml><?xml version="1.0" encoding="utf-8"?>
-<p:sldLayout xmlns:a="http://schemas.openxmlformats.org/drawingml/2006/main" xmlns:r="http://schemas.openxmlformats.org/officeDocument/2006/relationships" xmlns:p="http://schemas.openxmlformats.org/presentationml/2006/main" preserve="1" userDrawn="1">
-  <p:cSld name="Blank Blue">
-    <p:bg bwMode="ltGray">
-      <p:bgPr>
-        <a:solidFill>
-          <a:schemeClr val="accent1"/>
-        </a:solidFill>
-        <a:effectLst/>
-      </p:bgPr>
-    </p:bg>
-    <p:spTree>
-      <p:nvGrpSpPr>
-        <p:cNvPr id="1" name=""/>
-        <p:cNvGrpSpPr/>
-        <p:nvPr/>
-      </p:nvGrpSpPr>
-      <p:grpSpPr>
-        <a:xfrm>
-          <a:off x="0" y="0"/>
-          <a:ext cx="0" cy="0"/>
-          <a:chOff x="0" y="0"/>
-          <a:chExt cx="0" cy="0"/>
-        </a:xfrm>
-      </p:grpSpPr>
-    </p:spTree>
-    <p:extLst>
-      <p:ext uri="{BB962C8B-B14F-4D97-AF65-F5344CB8AC3E}">
-        <p14:creationId xmlns:p14="http://schemas.microsoft.com/office/powerpoint/2010/main" val="456722354"/>
-      </p:ext>
-    </p:extLst>
-  </p:cSld>
-  <p:clrMapOvr>
-    <a:masterClrMapping/>
-  </p:clrMapOvr>
-  <p:transition>
-    <p:fade/>
-  </p:transition>
-</p:sldLayout>
-</file>
-
-<file path=ppt/slideLayouts/slideLayout20.xml><?xml version="1.0" encoding="utf-8"?>
+<file path=ppt/slideLayouts/slideLayout23.xml><?xml version="1.0" encoding="utf-8"?>
 <p:sldLayout xmlns:a="http://schemas.openxmlformats.org/drawingml/2006/main" xmlns:r="http://schemas.openxmlformats.org/officeDocument/2006/relationships" xmlns:p="http://schemas.openxmlformats.org/presentationml/2006/main" preserve="1" userDrawn="1">
   <p:cSld name="Video slide">
     <p:bg>
@@ -8064,11 +9500,7 @@
         </p:txBody>
       </p:sp>
     </p:spTree>
-    <p:extLst>
-      <p:ext uri="{BB962C8B-B14F-4D97-AF65-F5344CB8AC3E}">
-        <p14:creationId xmlns:p14="http://schemas.microsoft.com/office/powerpoint/2010/main" val="3710251443"/>
-      </p:ext>
-    </p:extLst>
+    <p:extLst/>
   </p:cSld>
   <p:clrMapOvr>
     <a:overrideClrMapping bg1="dk1" tx1="lt1" bg2="dk2" tx2="lt2" accent1="accent1" accent2="accent2" accent3="accent3" accent4="accent4" accent5="accent5" accent6="accent6" hlink="hlink" folHlink="folHlink"/>
@@ -8088,7 +9520,7 @@
 </p:sldLayout>
 </file>
 
-<file path=ppt/slideLayouts/slideLayout21.xml><?xml version="1.0" encoding="utf-8"?>
+<file path=ppt/slideLayouts/slideLayout24.xml><?xml version="1.0" encoding="utf-8"?>
 <p:sldLayout xmlns:a="http://schemas.openxmlformats.org/drawingml/2006/main" xmlns:r="http://schemas.openxmlformats.org/officeDocument/2006/relationships" xmlns:p="http://schemas.openxmlformats.org/presentationml/2006/main" preserve="1" userDrawn="1">
   <p:cSld name="Section Title">
     <p:bg>
@@ -8160,11 +9592,7 @@
         </p:txBody>
       </p:sp>
     </p:spTree>
-    <p:extLst>
-      <p:ext uri="{BB962C8B-B14F-4D97-AF65-F5344CB8AC3E}">
-        <p14:creationId xmlns:p14="http://schemas.microsoft.com/office/powerpoint/2010/main" val="2151778730"/>
-      </p:ext>
-    </p:extLst>
+    <p:extLst/>
   </p:cSld>
   <p:clrMapOvr>
     <a:masterClrMapping/>
@@ -8175,7 +9603,7 @@
 </p:sldLayout>
 </file>
 
-<file path=ppt/slideLayouts/slideLayout22.xml><?xml version="1.0" encoding="utf-8"?>
+<file path=ppt/slideLayouts/slideLayout25.xml><?xml version="1.0" encoding="utf-8"?>
 <p:sldLayout xmlns:a="http://schemas.openxmlformats.org/drawingml/2006/main" xmlns:r="http://schemas.openxmlformats.org/officeDocument/2006/relationships" xmlns:p="http://schemas.openxmlformats.org/presentationml/2006/main" preserve="1" userDrawn="1">
   <p:cSld name="Section Title Accent Color 1">
     <p:bg>
@@ -8247,11 +9675,7 @@
         </p:txBody>
       </p:sp>
     </p:spTree>
-    <p:extLst>
-      <p:ext uri="{BB962C8B-B14F-4D97-AF65-F5344CB8AC3E}">
-        <p14:creationId xmlns:p14="http://schemas.microsoft.com/office/powerpoint/2010/main" val="833366522"/>
-      </p:ext>
-    </p:extLst>
+    <p:extLst/>
   </p:cSld>
   <p:clrMapOvr>
     <a:masterClrMapping/>
@@ -8262,7 +9686,7 @@
 </p:sldLayout>
 </file>
 
-<file path=ppt/slideLayouts/slideLayout23.xml><?xml version="1.0" encoding="utf-8"?>
+<file path=ppt/slideLayouts/slideLayout26.xml><?xml version="1.0" encoding="utf-8"?>
 <p:sldLayout xmlns:a="http://schemas.openxmlformats.org/drawingml/2006/main" xmlns:r="http://schemas.openxmlformats.org/officeDocument/2006/relationships" xmlns:p="http://schemas.openxmlformats.org/presentationml/2006/main" preserve="1" userDrawn="1">
   <p:cSld name="50-50 Right Photo Layout">
     <p:spTree>
@@ -8379,11 +9803,7 @@
         </p:txBody>
       </p:sp>
     </p:spTree>
-    <p:extLst>
-      <p:ext uri="{BB962C8B-B14F-4D97-AF65-F5344CB8AC3E}">
-        <p14:creationId xmlns:p14="http://schemas.microsoft.com/office/powerpoint/2010/main" val="3138466848"/>
-      </p:ext>
-    </p:extLst>
+    <p:extLst/>
   </p:cSld>
   <p:clrMapOvr>
     <a:masterClrMapping/>
@@ -8405,7 +9825,7 @@
 </p:sldLayout>
 </file>
 
-<file path=ppt/slideLayouts/slideLayout24.xml><?xml version="1.0" encoding="utf-8"?>
+<file path=ppt/slideLayouts/slideLayout27.xml><?xml version="1.0" encoding="utf-8"?>
 <p:sldLayout xmlns:a="http://schemas.openxmlformats.org/drawingml/2006/main" xmlns:r="http://schemas.openxmlformats.org/officeDocument/2006/relationships" xmlns:p="http://schemas.openxmlformats.org/presentationml/2006/main" preserve="1" userDrawn="1">
   <p:cSld name="Square Right Photo Layout">
     <p:spTree>
@@ -8553,11 +9973,7 @@
         </p:spPr>
       </p:pic>
     </p:spTree>
-    <p:extLst>
-      <p:ext uri="{BB962C8B-B14F-4D97-AF65-F5344CB8AC3E}">
-        <p14:creationId xmlns:p14="http://schemas.microsoft.com/office/powerpoint/2010/main" val="1984904738"/>
-      </p:ext>
-    </p:extLst>
+    <p:extLst/>
   </p:cSld>
   <p:clrMapOvr>
     <a:masterClrMapping/>
@@ -8579,7 +9995,7 @@
 </p:sldLayout>
 </file>
 
-<file path=ppt/slideLayouts/slideLayout25.xml><?xml version="1.0" encoding="utf-8"?>
+<file path=ppt/slideLayouts/slideLayout28.xml><?xml version="1.0" encoding="utf-8"?>
 <p:sldLayout xmlns:a="http://schemas.openxmlformats.org/drawingml/2006/main" xmlns:r="http://schemas.openxmlformats.org/officeDocument/2006/relationships" xmlns:p="http://schemas.openxmlformats.org/presentationml/2006/main" preserve="1" userDrawn="1">
   <p:cSld name="Blank">
     <p:spTree>
@@ -8597,11 +10013,7 @@
         </a:xfrm>
       </p:grpSpPr>
     </p:spTree>
-    <p:extLst>
-      <p:ext uri="{BB962C8B-B14F-4D97-AF65-F5344CB8AC3E}">
-        <p14:creationId xmlns:p14="http://schemas.microsoft.com/office/powerpoint/2010/main" val="3695117626"/>
-      </p:ext>
-    </p:extLst>
+    <p:extLst/>
   </p:cSld>
   <p:clrMapOvr>
     <a:masterClrMapping/>
@@ -8612,7 +10024,7 @@
 </p:sldLayout>
 </file>
 
-<file path=ppt/slideLayouts/slideLayout26.xml><?xml version="1.0" encoding="utf-8"?>
+<file path=ppt/slideLayouts/slideLayout29.xml><?xml version="1.0" encoding="utf-8"?>
 <p:sldLayout xmlns:a="http://schemas.openxmlformats.org/drawingml/2006/main" xmlns:r="http://schemas.openxmlformats.org/officeDocument/2006/relationships" xmlns:p="http://schemas.openxmlformats.org/presentationml/2006/main" preserve="1" userDrawn="1">
   <p:cSld name="Blank Accent Color 1">
     <p:bg>
@@ -8638,9 +10050,122 @@
         </a:xfrm>
       </p:grpSpPr>
     </p:spTree>
+    <p:extLst/>
+  </p:cSld>
+  <p:clrMapOvr>
+    <a:masterClrMapping/>
+  </p:clrMapOvr>
+  <p:transition>
+    <p:fade/>
+  </p:transition>
+</p:sldLayout>
+</file>
+
+<file path=ppt/slideLayouts/slideLayout3.xml><?xml version="1.0" encoding="utf-8"?>
+<p:sldLayout xmlns:a="http://schemas.openxmlformats.org/drawingml/2006/main" xmlns:r="http://schemas.openxmlformats.org/officeDocument/2006/relationships" xmlns:p="http://schemas.openxmlformats.org/presentationml/2006/main" userDrawn="1">
+  <p:cSld name="Title and Content">
+    <p:spTree>
+      <p:nvGrpSpPr>
+        <p:cNvPr id="1" name=""/>
+        <p:cNvGrpSpPr/>
+        <p:nvPr/>
+      </p:nvGrpSpPr>
+      <p:grpSpPr>
+        <a:xfrm>
+          <a:off x="0" y="0"/>
+          <a:ext cx="0" cy="0"/>
+          <a:chOff x="0" y="0"/>
+          <a:chExt cx="0" cy="0"/>
+        </a:xfrm>
+      </p:grpSpPr>
+      <p:sp>
+        <p:nvSpPr>
+          <p:cNvPr id="4" name="Text Placeholder 3"/>
+          <p:cNvSpPr>
+            <a:spLocks noGrp="1"/>
+          </p:cNvSpPr>
+          <p:nvPr>
+            <p:ph type="body" sz="quarter" idx="10"/>
+          </p:nvPr>
+        </p:nvSpPr>
+        <p:spPr>
+          <a:xfrm>
+            <a:off x="269239" y="1189177"/>
+            <a:ext cx="11653523" cy="2052030"/>
+          </a:xfrm>
+        </p:spPr>
+        <p:txBody>
+          <a:bodyPr>
+            <a:spAutoFit/>
+          </a:bodyPr>
+          <a:lstStyle>
+            <a:lvl1pPr>
+              <a:defRPr sz="3921"/>
+            </a:lvl1pPr>
+          </a:lstStyle>
+          <a:p>
+            <a:pPr lvl="0"/>
+            <a:r>
+              <a:rPr lang="en-US" dirty="0"/>
+              <a:t>Click to edit Master text styles</a:t>
+            </a:r>
+          </a:p>
+          <a:p>
+            <a:pPr lvl="1"/>
+            <a:r>
+              <a:rPr lang="en-US" dirty="0"/>
+              <a:t>Second level</a:t>
+            </a:r>
+          </a:p>
+          <a:p>
+            <a:pPr lvl="2"/>
+            <a:r>
+              <a:rPr lang="en-US" dirty="0"/>
+              <a:t>Third level</a:t>
+            </a:r>
+          </a:p>
+          <a:p>
+            <a:pPr lvl="3"/>
+            <a:r>
+              <a:rPr lang="en-US" dirty="0"/>
+              <a:t>Fourth level</a:t>
+            </a:r>
+          </a:p>
+          <a:p>
+            <a:pPr lvl="4"/>
+            <a:r>
+              <a:rPr lang="en-US" dirty="0"/>
+              <a:t>Fifth level</a:t>
+            </a:r>
+          </a:p>
+        </p:txBody>
+      </p:sp>
+      <p:sp>
+        <p:nvSpPr>
+          <p:cNvPr id="6" name="Title 5"/>
+          <p:cNvSpPr>
+            <a:spLocks noGrp="1"/>
+          </p:cNvSpPr>
+          <p:nvPr>
+            <p:ph type="title"/>
+          </p:nvPr>
+        </p:nvSpPr>
+        <p:spPr/>
+        <p:txBody>
+          <a:bodyPr/>
+          <a:lstStyle/>
+          <a:p>
+            <a:r>
+              <a:rPr lang="en-US"/>
+              <a:t>Click to edit Master title style</a:t>
+            </a:r>
+          </a:p>
+        </p:txBody>
+      </p:sp>
+    </p:spTree>
     <p:extLst>
       <p:ext uri="{BB962C8B-B14F-4D97-AF65-F5344CB8AC3E}">
-        <p14:creationId xmlns:p14="http://schemas.microsoft.com/office/powerpoint/2010/main" val="2818419668"/>
+        <p14:creationId xmlns:p14="http://schemas.microsoft.com/office/powerpoint/2010/main" val="1573655177"/>
       </p:ext>
     </p:extLst>
   </p:cSld>
@@ -8653,7 +10178,7 @@
 </p:sldLayout>
 </file>
 
-<file path=ppt/slideLayouts/slideLayout27.xml><?xml version="1.0" encoding="utf-8"?>
+<file path=ppt/slideLayouts/slideLayout30.xml><?xml version="1.0" encoding="utf-8"?>
 <p:sldLayout xmlns:a="http://schemas.openxmlformats.org/drawingml/2006/main" xmlns:r="http://schemas.openxmlformats.org/officeDocument/2006/relationships" xmlns:p="http://schemas.openxmlformats.org/presentationml/2006/main" preserve="1" userDrawn="1">
   <p:cSld name="Developer Code Layout">
     <p:spTree>
@@ -8917,11 +10442,7 @@
         </p:txBody>
       </p:sp>
     </p:spTree>
-    <p:extLst>
-      <p:ext uri="{BB962C8B-B14F-4D97-AF65-F5344CB8AC3E}">
-        <p14:creationId xmlns:p14="http://schemas.microsoft.com/office/powerpoint/2010/main" val="3994195682"/>
-      </p:ext>
-    </p:extLst>
+    <p:extLst/>
   </p:cSld>
   <p:clrMapOvr>
     <a:masterClrMapping/>
@@ -8932,7 +10453,7 @@
 </p:sldLayout>
 </file>
 
-<file path=ppt/slideLayouts/slideLayout28.xml><?xml version="1.0" encoding="utf-8"?>
+<file path=ppt/slideLayouts/slideLayout31.xml><?xml version="1.0" encoding="utf-8"?>
 <p:sldLayout xmlns:a="http://schemas.openxmlformats.org/drawingml/2006/main" xmlns:r="http://schemas.openxmlformats.org/officeDocument/2006/relationships" xmlns:p="http://schemas.openxmlformats.org/presentationml/2006/main" preserve="1" userDrawn="1">
   <p:cSld name="Closing logo slide">
     <p:bg>
@@ -10266,7 +11787,11 @@
             </a:bodyPr>
             <a:lstStyle/>
             <a:p>
-              <a:endParaRPr lang="en-US" sz="1765"/>
+              <a:endParaRPr lang="en-US" sz="1765">
+                <a:solidFill>
+                  <a:srgbClr val="FFFFFF"/>
+                </a:solidFill>
+              </a:endParaRPr>
             </a:p>
           </p:txBody>
         </p:sp>
@@ -10311,10 +11836,10 @@
                 <a:gradFill>
                   <a:gsLst>
                     <a:gs pos="0">
-                      <a:schemeClr val="tx1"/>
+                      <a:srgbClr val="FFFFFF"/>
                     </a:gs>
                     <a:gs pos="100000">
-                      <a:schemeClr val="tx1"/>
+                      <a:srgbClr val="FFFFFF"/>
                     </a:gs>
                   </a:gsLst>
                   <a:lin ang="5400000" scaled="0"/>
@@ -10327,11 +11852,7 @@
         </p:txBody>
       </p:sp>
     </p:spTree>
-    <p:extLst>
-      <p:ext uri="{BB962C8B-B14F-4D97-AF65-F5344CB8AC3E}">
-        <p14:creationId xmlns:p14="http://schemas.microsoft.com/office/powerpoint/2010/main" val="3322113066"/>
-      </p:ext>
-    </p:extLst>
+    <p:extLst/>
   </p:cSld>
   <p:clrMapOvr>
     <a:masterClrMapping/>
@@ -10342,7 +11863,7 @@
 </p:sldLayout>
 </file>
 
-<file path=ppt/slideLayouts/slideLayout29.xml><?xml version="1.0" encoding="utf-8"?>
+<file path=ppt/slideLayouts/slideLayout32.xml><?xml version="1.0" encoding="utf-8"?>
 <p:sldLayout xmlns:a="http://schemas.openxmlformats.org/drawingml/2006/main" xmlns:r="http://schemas.openxmlformats.org/officeDocument/2006/relationships" xmlns:p="http://schemas.openxmlformats.org/presentationml/2006/main" preserve="1" userDrawn="1">
   <p:cSld name="Black Notes slide Layout">
     <p:bg bwMode="black">
@@ -10648,182 +12169,7 @@
         </p:txBody>
       </p:sp>
     </p:spTree>
-    <p:extLst>
-      <p:ext uri="{BB962C8B-B14F-4D97-AF65-F5344CB8AC3E}">
-        <p14:creationId xmlns:p14="http://schemas.microsoft.com/office/powerpoint/2010/main" val="697390822"/>
-      </p:ext>
-    </p:extLst>
-  </p:cSld>
-  <p:clrMapOvr>
-    <a:masterClrMapping/>
-  </p:clrMapOvr>
-  <p:transition>
-    <p:fade/>
-  </p:transition>
-</p:sldLayout>
-</file>
-
-<file path=ppt/slideLayouts/slideLayout3.xml><?xml version="1.0" encoding="utf-8"?>
-<p:sldLayout xmlns:a="http://schemas.openxmlformats.org/drawingml/2006/main" xmlns:r="http://schemas.openxmlformats.org/officeDocument/2006/relationships" xmlns:p="http://schemas.openxmlformats.org/presentationml/2006/main" userDrawn="1">
-  <p:cSld name="Title &amp; Content Bulleted Text">
-    <p:bg bwMode="ltGray">
-      <p:bgPr>
-        <a:solidFill>
-          <a:schemeClr val="accent1"/>
-        </a:solidFill>
-        <a:effectLst/>
-      </p:bgPr>
-    </p:bg>
-    <p:spTree>
-      <p:nvGrpSpPr>
-        <p:cNvPr id="1" name=""/>
-        <p:cNvGrpSpPr/>
-        <p:nvPr/>
-      </p:nvGrpSpPr>
-      <p:grpSpPr>
-        <a:xfrm>
-          <a:off x="0" y="0"/>
-          <a:ext cx="0" cy="0"/>
-          <a:chOff x="0" y="0"/>
-          <a:chExt cx="0" cy="0"/>
-        </a:xfrm>
-      </p:grpSpPr>
-      <p:sp>
-        <p:nvSpPr>
-          <p:cNvPr id="2" name="Title 1"/>
-          <p:cNvSpPr>
-            <a:spLocks noGrp="1"/>
-          </p:cNvSpPr>
-          <p:nvPr>
-            <p:ph type="title"/>
-          </p:nvPr>
-        </p:nvSpPr>
-        <p:spPr>
-          <a:xfrm>
-            <a:off x="268934" y="291112"/>
-            <a:ext cx="11494682" cy="896518"/>
-          </a:xfrm>
-        </p:spPr>
-        <p:txBody>
-          <a:bodyPr/>
-          <a:lstStyle>
-            <a:lvl1pPr>
-              <a:defRPr sz="4264">
-                <a:gradFill>
-                  <a:gsLst>
-                    <a:gs pos="6195">
-                      <a:schemeClr val="tx1"/>
-                    </a:gs>
-                    <a:gs pos="26000">
-                      <a:schemeClr val="tx1"/>
-                    </a:gs>
-                  </a:gsLst>
-                  <a:lin ang="5400000" scaled="0"/>
-                </a:gradFill>
-              </a:defRPr>
-            </a:lvl1pPr>
-          </a:lstStyle>
-          <a:p>
-            <a:r>
-              <a:rPr lang="en-US"/>
-              <a:t>Click to edit Master title style</a:t>
-            </a:r>
-            <a:endParaRPr lang="en-US" dirty="0"/>
-          </a:p>
-        </p:txBody>
-      </p:sp>
-      <p:sp>
-        <p:nvSpPr>
-          <p:cNvPr id="4" name="Content Placeholder 3"/>
-          <p:cNvSpPr>
-            <a:spLocks noGrp="1"/>
-          </p:cNvSpPr>
-          <p:nvPr>
-            <p:ph sz="quarter" idx="10"/>
-          </p:nvPr>
-        </p:nvSpPr>
-        <p:spPr>
-          <a:xfrm>
-            <a:off x="269239" y="1663948"/>
-            <a:ext cx="10757098" cy="1441702"/>
-          </a:xfrm>
-        </p:spPr>
-        <p:txBody>
-          <a:bodyPr/>
-          <a:lstStyle>
-            <a:lvl1pPr>
-              <a:defRPr sz="1912">
-                <a:gradFill>
-                  <a:gsLst>
-                    <a:gs pos="1250">
-                      <a:schemeClr val="tx1"/>
-                    </a:gs>
-                    <a:gs pos="100000">
-                      <a:schemeClr val="tx1"/>
-                    </a:gs>
-                  </a:gsLst>
-                  <a:lin ang="5400000" scaled="0"/>
-                </a:gradFill>
-                <a:latin typeface="+mn-lt"/>
-              </a:defRPr>
-            </a:lvl1pPr>
-            <a:lvl2pPr>
-              <a:defRPr sz="1765"/>
-            </a:lvl2pPr>
-            <a:lvl3pPr>
-              <a:defRPr sz="1471"/>
-            </a:lvl3pPr>
-            <a:lvl4pPr>
-              <a:defRPr sz="1324"/>
-            </a:lvl4pPr>
-            <a:lvl5pPr>
-              <a:defRPr sz="1324"/>
-            </a:lvl5pPr>
-          </a:lstStyle>
-          <a:p>
-            <a:pPr lvl="0"/>
-            <a:r>
-              <a:rPr lang="en-US"/>
-              <a:t>Click to edit Master text styles</a:t>
-            </a:r>
-          </a:p>
-          <a:p>
-            <a:pPr lvl="1"/>
-            <a:r>
-              <a:rPr lang="en-US"/>
-              <a:t>Second level</a:t>
-            </a:r>
-          </a:p>
-          <a:p>
-            <a:pPr lvl="2"/>
-            <a:r>
-              <a:rPr lang="en-US"/>
-              <a:t>Third level</a:t>
-            </a:r>
-          </a:p>
-          <a:p>
-            <a:pPr lvl="3"/>
-            <a:r>
-              <a:rPr lang="en-US"/>
-              <a:t>Fourth level</a:t>
-            </a:r>
-          </a:p>
-          <a:p>
-            <a:pPr lvl="4"/>
-            <a:r>
-              <a:rPr lang="en-US"/>
-              <a:t>Fifth level</a:t>
-            </a:r>
-            <a:endParaRPr lang="en-US" dirty="0"/>
-          </a:p>
-        </p:txBody>
-      </p:sp>
-    </p:spTree>
-    <p:extLst>
-      <p:ext uri="{BB962C8B-B14F-4D97-AF65-F5344CB8AC3E}">
-        <p14:creationId xmlns:p14="http://schemas.microsoft.com/office/powerpoint/2010/main" val="2060864498"/>
-      </p:ext>
-    </p:extLst>
+    <p:extLst/>
   </p:cSld>
   <p:clrMapOvr>
     <a:masterClrMapping/>
@@ -10835,154 +12181,8 @@
 </file>
 
 <file path=ppt/slideLayouts/slideLayout4.xml><?xml version="1.0" encoding="utf-8"?>
-<p:sldLayout xmlns:a="http://schemas.openxmlformats.org/drawingml/2006/main" xmlns:r="http://schemas.openxmlformats.org/officeDocument/2006/relationships" xmlns:p="http://schemas.openxmlformats.org/presentationml/2006/main" userDrawn="1">
-  <p:cSld name="Title &amp; Non-bulleted text">
-    <p:spTree>
-      <p:nvGrpSpPr>
-        <p:cNvPr id="1" name=""/>
-        <p:cNvGrpSpPr/>
-        <p:nvPr/>
-      </p:nvGrpSpPr>
-      <p:grpSpPr>
-        <a:xfrm>
-          <a:off x="0" y="0"/>
-          <a:ext cx="0" cy="0"/>
-          <a:chOff x="0" y="0"/>
-          <a:chExt cx="0" cy="0"/>
-        </a:xfrm>
-      </p:grpSpPr>
-      <p:sp>
-        <p:nvSpPr>
-          <p:cNvPr id="2" name="Title 1"/>
-          <p:cNvSpPr>
-            <a:spLocks noGrp="1"/>
-          </p:cNvSpPr>
-          <p:nvPr>
-            <p:ph type="title"/>
-          </p:nvPr>
-        </p:nvSpPr>
-        <p:spPr/>
-        <p:txBody>
-          <a:bodyPr/>
-          <a:lstStyle/>
-          <a:p>
-            <a:r>
-              <a:rPr lang="en-US"/>
-              <a:t>Click to edit Master title style</a:t>
-            </a:r>
-            <a:endParaRPr lang="en-US" dirty="0"/>
-          </a:p>
-        </p:txBody>
-      </p:sp>
-      <p:sp>
-        <p:nvSpPr>
-          <p:cNvPr id="6" name="Text Placeholder 5"/>
-          <p:cNvSpPr>
-            <a:spLocks noGrp="1"/>
-          </p:cNvSpPr>
-          <p:nvPr>
-            <p:ph type="body" sz="quarter" idx="10"/>
-          </p:nvPr>
-        </p:nvSpPr>
-        <p:spPr>
-          <a:xfrm>
-            <a:off x="269239" y="1189177"/>
-            <a:ext cx="11653523" cy="1985641"/>
-          </a:xfrm>
-        </p:spPr>
-        <p:txBody>
-          <a:bodyPr/>
-          <a:lstStyle>
-            <a:lvl1pPr marL="0" indent="0">
-              <a:buNone/>
-              <a:defRPr>
-                <a:gradFill>
-                  <a:gsLst>
-                    <a:gs pos="1250">
-                      <a:schemeClr val="tx1"/>
-                    </a:gs>
-                    <a:gs pos="99000">
-                      <a:schemeClr val="tx1"/>
-                    </a:gs>
-                  </a:gsLst>
-                  <a:lin ang="5400000" scaled="0"/>
-                </a:gradFill>
-              </a:defRPr>
-            </a:lvl1pPr>
-            <a:lvl2pPr marL="0" indent="0">
-              <a:buFontTx/>
-              <a:buNone/>
-              <a:defRPr sz="1961"/>
-            </a:lvl2pPr>
-            <a:lvl3pPr marL="224097" indent="0">
-              <a:buNone/>
-              <a:defRPr/>
-            </a:lvl3pPr>
-            <a:lvl4pPr marL="448193" indent="0">
-              <a:buNone/>
-              <a:defRPr/>
-            </a:lvl4pPr>
-            <a:lvl5pPr marL="672290" indent="0">
-              <a:buNone/>
-              <a:defRPr/>
-            </a:lvl5pPr>
-          </a:lstStyle>
-          <a:p>
-            <a:pPr lvl="0"/>
-            <a:r>
-              <a:rPr lang="en-US" dirty="0"/>
-              <a:t>Click to edit Master text styles</a:t>
-            </a:r>
-          </a:p>
-          <a:p>
-            <a:pPr lvl="1"/>
-            <a:r>
-              <a:rPr lang="en-US" dirty="0"/>
-              <a:t>Second level</a:t>
-            </a:r>
-          </a:p>
-          <a:p>
-            <a:pPr lvl="2"/>
-            <a:r>
-              <a:rPr lang="en-US" dirty="0"/>
-              <a:t>Third level</a:t>
-            </a:r>
-          </a:p>
-          <a:p>
-            <a:pPr lvl="3"/>
-            <a:r>
-              <a:rPr lang="en-US" dirty="0"/>
-              <a:t>Fourth level</a:t>
-            </a:r>
-          </a:p>
-          <a:p>
-            <a:pPr lvl="4"/>
-            <a:r>
-              <a:rPr lang="en-US" dirty="0"/>
-              <a:t>Fifth level</a:t>
-            </a:r>
-          </a:p>
-        </p:txBody>
-      </p:sp>
-    </p:spTree>
-    <p:extLst>
-      <p:ext uri="{BB962C8B-B14F-4D97-AF65-F5344CB8AC3E}">
-        <p14:creationId xmlns:p14="http://schemas.microsoft.com/office/powerpoint/2010/main" val="2475926818"/>
-      </p:ext>
-    </p:extLst>
-  </p:cSld>
-  <p:clrMapOvr>
-    <a:masterClrMapping/>
-  </p:clrMapOvr>
-  <p:transition>
-    <p:fade/>
-  </p:transition>
-</p:sldLayout>
-</file>
-
-<file path=ppt/slideLayouts/slideLayout5.xml><?xml version="1.0" encoding="utf-8"?>
-<p:sldLayout xmlns:a="http://schemas.openxmlformats.org/drawingml/2006/main" xmlns:r="http://schemas.openxmlformats.org/officeDocument/2006/relationships" xmlns:p="http://schemas.openxmlformats.org/presentationml/2006/main" userDrawn="1">
-  <p:cSld name="Title and Content">
+<p:sldLayout xmlns:a="http://schemas.openxmlformats.org/drawingml/2006/main" xmlns:r="http://schemas.openxmlformats.org/officeDocument/2006/relationships" xmlns:p="http://schemas.openxmlformats.org/presentationml/2006/main" preserve="1" userDrawn="1">
+  <p:cSld name="1_Title and Content">
     <p:spTree>
       <p:nvGrpSpPr>
         <p:cNvPr id="1" name=""/>
@@ -11009,52 +12209,54 @@
         </p:nvSpPr>
         <p:spPr>
           <a:xfrm>
-            <a:off x="269239" y="1189177"/>
-            <a:ext cx="11653523" cy="2052030"/>
+            <a:off x="269239" y="2040515"/>
+            <a:ext cx="5452870" cy="430887"/>
           </a:xfrm>
         </p:spPr>
         <p:txBody>
-          <a:bodyPr>
+          <a:bodyPr wrap="square">
             <a:spAutoFit/>
           </a:bodyPr>
           <a:lstStyle>
-            <a:lvl1pPr>
-              <a:defRPr sz="3921"/>
+            <a:lvl1pPr marL="0" indent="0">
+              <a:lnSpc>
+                <a:spcPct val="100000"/>
+              </a:lnSpc>
+              <a:buNone/>
+              <a:defRPr sz="1600">
+                <a:latin typeface="+mn-lt"/>
+              </a:defRPr>
             </a:lvl1pPr>
+            <a:lvl2pPr marL="252079" indent="0">
+              <a:buNone/>
+              <a:defRPr sz="1600">
+                <a:latin typeface="+mn-lt"/>
+              </a:defRPr>
+            </a:lvl2pPr>
+            <a:lvl3pPr marL="420129" indent="0">
+              <a:buNone/>
+              <a:defRPr sz="1600">
+                <a:latin typeface="+mn-lt"/>
+              </a:defRPr>
+            </a:lvl3pPr>
+            <a:lvl4pPr marL="588182" indent="0">
+              <a:buNone/>
+              <a:defRPr sz="1600">
+                <a:latin typeface="+mn-lt"/>
+              </a:defRPr>
+            </a:lvl4pPr>
+            <a:lvl5pPr marL="756235" indent="0">
+              <a:buNone/>
+              <a:defRPr sz="1600">
+                <a:latin typeface="+mn-lt"/>
+              </a:defRPr>
+            </a:lvl5pPr>
           </a:lstStyle>
           <a:p>
             <a:pPr lvl="0"/>
             <a:r>
               <a:rPr lang="en-US" dirty="0"/>
               <a:t>Click to edit Master text styles</a:t>
-            </a:r>
-          </a:p>
-          <a:p>
-            <a:pPr lvl="1"/>
-            <a:r>
-              <a:rPr lang="en-US" dirty="0"/>
-              <a:t>Second level</a:t>
-            </a:r>
-          </a:p>
-          <a:p>
-            <a:pPr lvl="2"/>
-            <a:r>
-              <a:rPr lang="en-US" dirty="0"/>
-              <a:t>Third level</a:t>
-            </a:r>
-          </a:p>
-          <a:p>
-            <a:pPr lvl="3"/>
-            <a:r>
-              <a:rPr lang="en-US" dirty="0"/>
-              <a:t>Fourth level</a:t>
-            </a:r>
-          </a:p>
-          <a:p>
-            <a:pPr lvl="4"/>
-            <a:r>
-              <a:rPr lang="en-US" dirty="0"/>
-              <a:t>Fifth level</a:t>
             </a:r>
           </a:p>
         </p:txBody>
@@ -11069,7 +12271,12 @@
             <p:ph type="title"/>
           </p:nvPr>
         </p:nvSpPr>
-        <p:spPr/>
+        <p:spPr>
+          <a:xfrm>
+            <a:off x="268929" y="291114"/>
+            <a:ext cx="5453954" cy="899665"/>
+          </a:xfrm>
+        </p:spPr>
         <p:txBody>
           <a:bodyPr/>
           <a:lstStyle/>
@@ -11081,12 +12288,62 @@
           </a:p>
         </p:txBody>
       </p:sp>
+      <p:sp>
+        <p:nvSpPr>
+          <p:cNvPr id="5" name="Picture Placeholder 4"/>
+          <p:cNvSpPr>
+            <a:spLocks noGrp="1"/>
+          </p:cNvSpPr>
+          <p:nvPr>
+            <p:ph type="pic" sz="quarter" idx="11"/>
+          </p:nvPr>
+        </p:nvSpPr>
+        <p:spPr bwMode="ltGray">
+          <a:xfrm>
+            <a:off x="6097556" y="0"/>
+            <a:ext cx="6094444" cy="6856100"/>
+          </a:xfrm>
+          <a:blipFill>
+            <a:blip r:embed="rId2"/>
+            <a:stretch>
+              <a:fillRect/>
+            </a:stretch>
+          </a:blipFill>
+        </p:spPr>
+        <p:txBody>
+          <a:bodyPr tIns="548640" anchor="ctr" anchorCtr="0">
+            <a:noAutofit/>
+          </a:bodyPr>
+          <a:lstStyle>
+            <a:lvl1pPr marL="0" indent="0" algn="ctr">
+              <a:buNone/>
+              <a:defRPr sz="1568" b="1" cap="none" baseline="0">
+                <a:gradFill>
+                  <a:gsLst>
+                    <a:gs pos="0">
+                      <a:srgbClr val="FFFFFF"/>
+                    </a:gs>
+                    <a:gs pos="27000">
+                      <a:srgbClr val="FFFFFF"/>
+                    </a:gs>
+                  </a:gsLst>
+                  <a:lin ang="5400000" scaled="0"/>
+                </a:gradFill>
+                <a:latin typeface="+mn-lt"/>
+              </a:defRPr>
+            </a:lvl1pPr>
+          </a:lstStyle>
+          <a:p>
+            <a:r>
+              <a:rPr lang="en-US"/>
+              <a:t>Click icon to add picture</a:t>
+            </a:r>
+            <a:endParaRPr lang="en-US" dirty="0"/>
+          </a:p>
+        </p:txBody>
+      </p:sp>
     </p:spTree>
-    <p:extLst>
-      <p:ext uri="{BB962C8B-B14F-4D97-AF65-F5344CB8AC3E}">
-        <p14:creationId xmlns:p14="http://schemas.microsoft.com/office/powerpoint/2010/main" val="1573655177"/>
-      </p:ext>
-    </p:extLst>
+    <p:extLst/>
   </p:cSld>
   <p:clrMapOvr>
     <a:masterClrMapping/>
@@ -11097,7 +12354,7 @@
 </p:sldLayout>
 </file>
 
-<file path=ppt/slideLayouts/slideLayout6.xml><?xml version="1.0" encoding="utf-8"?>
+<file path=ppt/slideLayouts/slideLayout5.xml><?xml version="1.0" encoding="utf-8"?>
 <p:sldLayout xmlns:a="http://schemas.openxmlformats.org/drawingml/2006/main" xmlns:r="http://schemas.openxmlformats.org/officeDocument/2006/relationships" xmlns:p="http://schemas.openxmlformats.org/presentationml/2006/main" userDrawn="1">
   <p:cSld name="Square Right Photo Layout">
     <p:spTree>
@@ -11271,7 +12528,7 @@
 </p:sldLayout>
 </file>
 
-<file path=ppt/slideLayouts/slideLayout7.xml><?xml version="1.0" encoding="utf-8"?>
+<file path=ppt/slideLayouts/slideLayout6.xml><?xml version="1.0" encoding="utf-8"?>
 <p:sldLayout xmlns:a="http://schemas.openxmlformats.org/drawingml/2006/main" xmlns:r="http://schemas.openxmlformats.org/officeDocument/2006/relationships" xmlns:p="http://schemas.openxmlformats.org/presentationml/2006/main" userDrawn="1">
   <p:cSld name="Demo slide">
     <p:bg>
@@ -11419,110 +12676,7 @@
 </p:sldLayout>
 </file>
 
-<file path=ppt/slideLayouts/slideLayout8.xml><?xml version="1.0" encoding="utf-8"?>
-<p:sldLayout xmlns:a="http://schemas.openxmlformats.org/drawingml/2006/main" xmlns:r="http://schemas.openxmlformats.org/officeDocument/2006/relationships" xmlns:p="http://schemas.openxmlformats.org/presentationml/2006/main" userDrawn="1">
-  <p:cSld name="Video slide">
-    <p:bg>
-      <p:bgPr>
-        <a:solidFill>
-          <a:schemeClr val="accent1"/>
-        </a:solidFill>
-        <a:effectLst/>
-      </p:bgPr>
-    </p:bg>
-    <p:spTree>
-      <p:nvGrpSpPr>
-        <p:cNvPr id="1" name=""/>
-        <p:cNvGrpSpPr/>
-        <p:nvPr/>
-      </p:nvGrpSpPr>
-      <p:grpSpPr>
-        <a:xfrm>
-          <a:off x="0" y="0"/>
-          <a:ext cx="0" cy="0"/>
-          <a:chOff x="0" y="0"/>
-          <a:chExt cx="0" cy="0"/>
-        </a:xfrm>
-      </p:grpSpPr>
-      <p:sp>
-        <p:nvSpPr>
-          <p:cNvPr id="2" name="Title 1"/>
-          <p:cNvSpPr>
-            <a:spLocks noGrp="1"/>
-          </p:cNvSpPr>
-          <p:nvPr>
-            <p:ph type="title" hasCustomPrompt="1"/>
-          </p:nvPr>
-        </p:nvSpPr>
-        <p:spPr>
-          <a:xfrm>
-            <a:off x="269240" y="2084186"/>
-            <a:ext cx="9859116" cy="1158793"/>
-          </a:xfrm>
-          <a:noFill/>
-        </p:spPr>
-        <p:txBody>
-          <a:bodyPr tIns="91440" bIns="91440" anchor="t" anchorCtr="0">
-            <a:spAutoFit/>
-          </a:bodyPr>
-          <a:lstStyle>
-            <a:lvl1pPr>
-              <a:defRPr lang="en-US" sz="7058" b="0" kern="1200" cap="none" spc="-98" baseline="0" dirty="0">
-                <a:ln w="3175">
-                  <a:noFill/>
-                </a:ln>
-                <a:gradFill>
-                  <a:gsLst>
-                    <a:gs pos="0">
-                      <a:schemeClr val="tx1"/>
-                    </a:gs>
-                    <a:gs pos="100000">
-                      <a:schemeClr val="tx1"/>
-                    </a:gs>
-                  </a:gsLst>
-                  <a:lin ang="5400000" scaled="0"/>
-                </a:gradFill>
-                <a:effectLst/>
-                <a:latin typeface="+mj-lt"/>
-                <a:ea typeface="+mn-ea"/>
-                <a:cs typeface="Segoe UI" pitchFamily="34" charset="0"/>
-              </a:defRPr>
-            </a:lvl1pPr>
-          </a:lstStyle>
-          <a:p>
-            <a:r>
-              <a:rPr lang="en-US" dirty="0"/>
-              <a:t>Video title</a:t>
-            </a:r>
-          </a:p>
-        </p:txBody>
-      </p:sp>
-    </p:spTree>
-    <p:extLst>
-      <p:ext uri="{BB962C8B-B14F-4D97-AF65-F5344CB8AC3E}">
-        <p14:creationId xmlns:p14="http://schemas.microsoft.com/office/powerpoint/2010/main" val="3248886419"/>
-      </p:ext>
-    </p:extLst>
-  </p:cSld>
-  <p:clrMapOvr>
-    <a:overrideClrMapping bg1="dk1" tx1="lt1" bg2="dk2" tx2="lt2" accent1="accent1" accent2="accent2" accent3="accent3" accent4="accent4" accent5="accent5" accent6="accent6" hlink="hlink" folHlink="folHlink"/>
-  </p:clrMapOvr>
-  <mc:AlternateContent xmlns:mc="http://schemas.openxmlformats.org/markup-compatibility/2006" xmlns:p14="http://schemas.microsoft.com/office/powerpoint/2010/main">
-    <mc:Choice Requires="p14">
-      <p:transition spd="slow" p14:dur="3400">
-        <p14:reveal/>
-      </p:transition>
-    </mc:Choice>
-    <mc:Fallback xmlns="">
-      <p:transition spd="slow">
-        <p:fade/>
-      </p:transition>
-    </mc:Fallback>
-  </mc:AlternateContent>
-</p:sldLayout>
-</file>
-
-<file path=ppt/slideLayouts/slideLayout9.xml><?xml version="1.0" encoding="utf-8"?>
+<file path=ppt/slideLayouts/slideLayout7.xml><?xml version="1.0" encoding="utf-8"?>
 <p:sldLayout xmlns:a="http://schemas.openxmlformats.org/drawingml/2006/main" xmlns:r="http://schemas.openxmlformats.org/officeDocument/2006/relationships" xmlns:p="http://schemas.openxmlformats.org/presentationml/2006/main" userDrawn="1">
   <p:cSld name="Section Title Accent Color 1">
     <p:bg>
@@ -11609,6 +12763,1687 @@
 </p:sldLayout>
 </file>
 
+<file path=ppt/slideLayouts/slideLayout8.xml><?xml version="1.0" encoding="utf-8"?>
+<p:sldLayout xmlns:a="http://schemas.openxmlformats.org/drawingml/2006/main" xmlns:r="http://schemas.openxmlformats.org/officeDocument/2006/relationships" xmlns:p="http://schemas.openxmlformats.org/presentationml/2006/main" userDrawn="1">
+  <p:cSld name="Developer Code Layout">
+    <p:spTree>
+      <p:nvGrpSpPr>
+        <p:cNvPr id="1" name=""/>
+        <p:cNvGrpSpPr/>
+        <p:nvPr/>
+      </p:nvGrpSpPr>
+      <p:grpSpPr>
+        <a:xfrm>
+          <a:off x="0" y="0"/>
+          <a:ext cx="0" cy="0"/>
+          <a:chOff x="0" y="0"/>
+          <a:chExt cx="0" cy="0"/>
+        </a:xfrm>
+      </p:grpSpPr>
+      <p:sp>
+        <p:nvSpPr>
+          <p:cNvPr id="2" name="Title 1"/>
+          <p:cNvSpPr>
+            <a:spLocks noGrp="1"/>
+          </p:cNvSpPr>
+          <p:nvPr>
+            <p:ph type="title" hasCustomPrompt="1"/>
+          </p:nvPr>
+        </p:nvSpPr>
+        <p:spPr/>
+        <p:txBody>
+          <a:bodyPr/>
+          <a:lstStyle>
+            <a:lvl1pPr>
+              <a:defRPr baseline="0"/>
+            </a:lvl1pPr>
+          </a:lstStyle>
+          <a:p>
+            <a:r>
+              <a:rPr lang="en-US" dirty="0"/>
+              <a:t>Slide for developer code</a:t>
+            </a:r>
+          </a:p>
+        </p:txBody>
+      </p:sp>
+      <p:sp>
+        <p:nvSpPr>
+          <p:cNvPr id="3" name="Rectangle 2"/>
+          <p:cNvSpPr/>
+          <p:nvPr userDrawn="1"/>
+        </p:nvSpPr>
+        <p:spPr bwMode="hidden">
+          <a:xfrm>
+            <a:off x="1" y="1189176"/>
+            <a:ext cx="12192000" cy="5668824"/>
+          </a:xfrm>
+          <a:prstGeom prst="rect">
+            <a:avLst/>
+          </a:prstGeom>
+          <a:solidFill>
+            <a:srgbClr val="FFFFFF"/>
+          </a:solidFill>
+          <a:ln>
+            <a:noFill/>
+            <a:headEnd type="none" w="med" len="med"/>
+            <a:tailEnd type="none" w="med" len="med"/>
+          </a:ln>
+          <a:effectLst/>
+        </p:spPr>
+        <p:style>
+          <a:lnRef idx="1">
+            <a:schemeClr val="accent2"/>
+          </a:lnRef>
+          <a:fillRef idx="3">
+            <a:schemeClr val="accent2"/>
+          </a:fillRef>
+          <a:effectRef idx="2">
+            <a:schemeClr val="accent2"/>
+          </a:effectRef>
+          <a:fontRef idx="minor">
+            <a:schemeClr val="lt1"/>
+          </a:fontRef>
+        </p:style>
+        <p:txBody>
+          <a:bodyPr rot="0" spcFirstLastPara="0" vertOverflow="overflow" horzOverflow="overflow" vert="horz" wrap="square" lIns="45722" tIns="45722" rIns="45722" bIns="45722" numCol="1" spcCol="0" rtlCol="0" fromWordArt="0" anchor="ctr" anchorCtr="0" forceAA="0" compatLnSpc="1">
+            <a:prstTxWarp prst="textNoShape">
+              <a:avLst/>
+            </a:prstTxWarp>
+            <a:noAutofit/>
+          </a:bodyPr>
+          <a:lstStyle/>
+          <a:p>
+            <a:pPr algn="ctr" defTabSz="914102" fontAlgn="base">
+              <a:spcBef>
+                <a:spcPct val="0"/>
+              </a:spcBef>
+              <a:spcAft>
+                <a:spcPct val="0"/>
+              </a:spcAft>
+            </a:pPr>
+            <a:endParaRPr lang="en-US" sz="1765" dirty="0">
+              <a:gradFill>
+                <a:gsLst>
+                  <a:gs pos="0">
+                    <a:srgbClr val="FFFFFF"/>
+                  </a:gs>
+                  <a:gs pos="100000">
+                    <a:srgbClr val="FFFFFF"/>
+                  </a:gs>
+                </a:gsLst>
+                <a:lin ang="5400000" scaled="0"/>
+              </a:gradFill>
+              <a:ea typeface="Segoe UI" pitchFamily="34" charset="0"/>
+              <a:cs typeface="Segoe UI" pitchFamily="34" charset="0"/>
+            </a:endParaRPr>
+          </a:p>
+        </p:txBody>
+      </p:sp>
+      <p:sp>
+        <p:nvSpPr>
+          <p:cNvPr id="5" name="Text Placeholder 4"/>
+          <p:cNvSpPr>
+            <a:spLocks noGrp="1"/>
+          </p:cNvSpPr>
+          <p:nvPr>
+            <p:ph type="body" sz="quarter" idx="10"/>
+          </p:nvPr>
+        </p:nvSpPr>
+        <p:spPr>
+          <a:xfrm>
+            <a:off x="269239" y="1197322"/>
+            <a:ext cx="11653522" cy="1956973"/>
+          </a:xfrm>
+        </p:spPr>
+        <p:txBody>
+          <a:bodyPr/>
+          <a:lstStyle>
+            <a:lvl1pPr marL="0" indent="0">
+              <a:buNone/>
+              <a:defRPr sz="3235">
+                <a:gradFill>
+                  <a:gsLst>
+                    <a:gs pos="8718">
+                      <a:srgbClr val="353535"/>
+                    </a:gs>
+                    <a:gs pos="34000">
+                      <a:srgbClr val="353535"/>
+                    </a:gs>
+                  </a:gsLst>
+                  <a:lin ang="5400000" scaled="0"/>
+                </a:gradFill>
+                <a:latin typeface="Consolas" panose="020B0609020204030204" pitchFamily="49" charset="0"/>
+                <a:cs typeface="Consolas" panose="020B0609020204030204" pitchFamily="49" charset="0"/>
+              </a:defRPr>
+            </a:lvl1pPr>
+            <a:lvl2pPr marL="339726" indent="0">
+              <a:buNone/>
+              <a:defRPr>
+                <a:gradFill>
+                  <a:gsLst>
+                    <a:gs pos="8718">
+                      <a:srgbClr val="353535"/>
+                    </a:gs>
+                    <a:gs pos="34000">
+                      <a:srgbClr val="353535"/>
+                    </a:gs>
+                  </a:gsLst>
+                  <a:lin ang="5400000" scaled="0"/>
+                </a:gradFill>
+                <a:latin typeface="Consolas" panose="020B0609020204030204" pitchFamily="49" charset="0"/>
+                <a:cs typeface="Consolas" panose="020B0609020204030204" pitchFamily="49" charset="0"/>
+              </a:defRPr>
+            </a:lvl2pPr>
+            <a:lvl3pPr marL="573090" indent="0">
+              <a:buNone/>
+              <a:defRPr>
+                <a:gradFill>
+                  <a:gsLst>
+                    <a:gs pos="8718">
+                      <a:srgbClr val="353535"/>
+                    </a:gs>
+                    <a:gs pos="34000">
+                      <a:srgbClr val="353535"/>
+                    </a:gs>
+                  </a:gsLst>
+                  <a:lin ang="5400000" scaled="0"/>
+                </a:gradFill>
+                <a:latin typeface="Consolas" panose="020B0609020204030204" pitchFamily="49" charset="0"/>
+                <a:cs typeface="Consolas" panose="020B0609020204030204" pitchFamily="49" charset="0"/>
+              </a:defRPr>
+            </a:lvl3pPr>
+            <a:lvl4pPr marL="798516" indent="0">
+              <a:buNone/>
+              <a:defRPr>
+                <a:gradFill>
+                  <a:gsLst>
+                    <a:gs pos="8718">
+                      <a:srgbClr val="353535"/>
+                    </a:gs>
+                    <a:gs pos="34000">
+                      <a:srgbClr val="353535"/>
+                    </a:gs>
+                  </a:gsLst>
+                  <a:lin ang="5400000" scaled="0"/>
+                </a:gradFill>
+                <a:latin typeface="Consolas" panose="020B0609020204030204" pitchFamily="49" charset="0"/>
+                <a:cs typeface="Consolas" panose="020B0609020204030204" pitchFamily="49" charset="0"/>
+              </a:defRPr>
+            </a:lvl4pPr>
+            <a:lvl5pPr marL="1030292" indent="0">
+              <a:buNone/>
+              <a:defRPr>
+                <a:gradFill>
+                  <a:gsLst>
+                    <a:gs pos="8718">
+                      <a:srgbClr val="353535"/>
+                    </a:gs>
+                    <a:gs pos="34000">
+                      <a:srgbClr val="353535"/>
+                    </a:gs>
+                  </a:gsLst>
+                  <a:lin ang="5400000" scaled="0"/>
+                </a:gradFill>
+                <a:latin typeface="Consolas" panose="020B0609020204030204" pitchFamily="49" charset="0"/>
+                <a:cs typeface="Consolas" panose="020B0609020204030204" pitchFamily="49" charset="0"/>
+              </a:defRPr>
+            </a:lvl5pPr>
+          </a:lstStyle>
+          <a:p>
+            <a:pPr lvl="0"/>
+            <a:r>
+              <a:rPr lang="en-US" dirty="0"/>
+              <a:t>Click to edit Master text styles</a:t>
+            </a:r>
+          </a:p>
+          <a:p>
+            <a:pPr lvl="1"/>
+            <a:r>
+              <a:rPr lang="en-US" dirty="0"/>
+              <a:t>Second level</a:t>
+            </a:r>
+          </a:p>
+          <a:p>
+            <a:pPr lvl="2"/>
+            <a:r>
+              <a:rPr lang="en-US" dirty="0"/>
+              <a:t>Third level</a:t>
+            </a:r>
+          </a:p>
+          <a:p>
+            <a:pPr lvl="3"/>
+            <a:r>
+              <a:rPr lang="en-US" dirty="0"/>
+              <a:t>Fourth level</a:t>
+            </a:r>
+          </a:p>
+          <a:p>
+            <a:pPr lvl="4"/>
+            <a:r>
+              <a:rPr lang="en-US" dirty="0"/>
+              <a:t>Fifth level</a:t>
+            </a:r>
+          </a:p>
+        </p:txBody>
+      </p:sp>
+    </p:spTree>
+    <p:extLst>
+      <p:ext uri="{BB962C8B-B14F-4D97-AF65-F5344CB8AC3E}">
+        <p14:creationId xmlns:p14="http://schemas.microsoft.com/office/powerpoint/2010/main" val="3222835809"/>
+      </p:ext>
+    </p:extLst>
+  </p:cSld>
+  <p:clrMapOvr>
+    <a:masterClrMapping/>
+  </p:clrMapOvr>
+  <p:transition>
+    <p:fade/>
+  </p:transition>
+</p:sldLayout>
+</file>
+
+<file path=ppt/slideLayouts/slideLayout9.xml><?xml version="1.0" encoding="utf-8"?>
+<p:sldLayout xmlns:a="http://schemas.openxmlformats.org/drawingml/2006/main" xmlns:r="http://schemas.openxmlformats.org/officeDocument/2006/relationships" xmlns:p="http://schemas.openxmlformats.org/presentationml/2006/main" userDrawn="1">
+  <p:cSld name="Closing logo slide">
+    <p:bg>
+      <p:bgPr>
+        <a:solidFill>
+          <a:schemeClr val="accent1"/>
+        </a:solidFill>
+        <a:effectLst/>
+      </p:bgPr>
+    </p:bg>
+    <p:spTree>
+      <p:nvGrpSpPr>
+        <p:cNvPr id="1" name=""/>
+        <p:cNvGrpSpPr/>
+        <p:nvPr/>
+      </p:nvGrpSpPr>
+      <p:grpSpPr>
+        <a:xfrm>
+          <a:off x="0" y="0"/>
+          <a:ext cx="0" cy="0"/>
+          <a:chOff x="0" y="0"/>
+          <a:chExt cx="0" cy="0"/>
+        </a:xfrm>
+      </p:grpSpPr>
+      <p:grpSp>
+        <p:nvGrpSpPr>
+          <p:cNvPr id="5" name="Group 4"/>
+          <p:cNvGrpSpPr>
+            <a:grpSpLocks noChangeAspect="1"/>
+          </p:cNvGrpSpPr>
+          <p:nvPr userDrawn="1"/>
+        </p:nvGrpSpPr>
+        <p:grpSpPr bwMode="black">
+          <a:xfrm>
+            <a:off x="459102" y="470067"/>
+            <a:ext cx="1419662" cy="304828"/>
+            <a:chOff x="457200" y="1643393"/>
+            <a:chExt cx="4492753" cy="964540"/>
+          </a:xfrm>
+        </p:grpSpPr>
+        <p:pic>
+          <p:nvPicPr>
+            <p:cNvPr id="6" name="Picture 5"/>
+            <p:cNvPicPr>
+              <a:picLocks noChangeAspect="1"/>
+            </p:cNvPicPr>
+            <p:nvPr/>
+          </p:nvPicPr>
+          <p:blipFill>
+            <a:blip r:embed="rId2"/>
+            <a:stretch>
+              <a:fillRect/>
+            </a:stretch>
+          </p:blipFill>
+          <p:spPr bwMode="black">
+            <a:xfrm>
+              <a:off x="457200" y="1643393"/>
+              <a:ext cx="964540" cy="964540"/>
+            </a:xfrm>
+            <a:prstGeom prst="rect">
+              <a:avLst/>
+            </a:prstGeom>
+          </p:spPr>
+        </p:pic>
+        <p:sp>
+          <p:nvSpPr>
+            <p:cNvPr id="7" name="Freeform 12"/>
+            <p:cNvSpPr>
+              <a:spLocks noEditPoints="1"/>
+            </p:cNvSpPr>
+            <p:nvPr/>
+          </p:nvSpPr>
+          <p:spPr bwMode="black">
+            <a:xfrm>
+              <a:off x="1703514" y="1792710"/>
+              <a:ext cx="3246439" cy="635329"/>
+            </a:xfrm>
+            <a:custGeom>
+              <a:avLst/>
+              <a:gdLst>
+                <a:gd name="T0" fmla="*/ 218 w 1139"/>
+                <a:gd name="T1" fmla="*/ 217 h 220"/>
+                <a:gd name="T2" fmla="*/ 185 w 1139"/>
+                <a:gd name="T3" fmla="*/ 52 h 220"/>
+                <a:gd name="T4" fmla="*/ 120 w 1139"/>
+                <a:gd name="T5" fmla="*/ 217 h 220"/>
+                <a:gd name="T6" fmla="*/ 32 w 1139"/>
+                <a:gd name="T7" fmla="*/ 52 h 220"/>
+                <a:gd name="T8" fmla="*/ 33 w 1139"/>
+                <a:gd name="T9" fmla="*/ 93 h 220"/>
+                <a:gd name="T10" fmla="*/ 0 w 1139"/>
+                <a:gd name="T11" fmla="*/ 15 h 220"/>
+                <a:gd name="T12" fmla="*/ 109 w 1139"/>
+                <a:gd name="T13" fmla="*/ 168 h 220"/>
+                <a:gd name="T14" fmla="*/ 171 w 1139"/>
+                <a:gd name="T15" fmla="*/ 15 h 220"/>
+                <a:gd name="T16" fmla="*/ 285 w 1139"/>
+                <a:gd name="T17" fmla="*/ 72 h 220"/>
+                <a:gd name="T18" fmla="*/ 269 w 1139"/>
+                <a:gd name="T19" fmla="*/ 11 h 220"/>
+                <a:gd name="T20" fmla="*/ 254 w 1139"/>
+                <a:gd name="T21" fmla="*/ 45 h 220"/>
+                <a:gd name="T22" fmla="*/ 289 w 1139"/>
+                <a:gd name="T23" fmla="*/ 31 h 220"/>
+                <a:gd name="T24" fmla="*/ 405 w 1139"/>
+                <a:gd name="T25" fmla="*/ 71 h 220"/>
+                <a:gd name="T26" fmla="*/ 318 w 1139"/>
+                <a:gd name="T27" fmla="*/ 107 h 220"/>
+                <a:gd name="T28" fmla="*/ 343 w 1139"/>
+                <a:gd name="T29" fmla="*/ 211 h 220"/>
+                <a:gd name="T30" fmla="*/ 422 w 1139"/>
+                <a:gd name="T31" fmla="*/ 210 h 220"/>
+                <a:gd name="T32" fmla="*/ 404 w 1139"/>
+                <a:gd name="T33" fmla="*/ 189 h 220"/>
+                <a:gd name="T34" fmla="*/ 344 w 1139"/>
+                <a:gd name="T35" fmla="*/ 145 h 220"/>
+                <a:gd name="T36" fmla="*/ 420 w 1139"/>
+                <a:gd name="T37" fmla="*/ 108 h 220"/>
+                <a:gd name="T38" fmla="*/ 421 w 1139"/>
+                <a:gd name="T39" fmla="*/ 76 h 220"/>
+                <a:gd name="T40" fmla="*/ 495 w 1139"/>
+                <a:gd name="T41" fmla="*/ 78 h 220"/>
+                <a:gd name="T42" fmla="*/ 481 w 1139"/>
+                <a:gd name="T43" fmla="*/ 72 h 220"/>
+                <a:gd name="T44" fmla="*/ 481 w 1139"/>
+                <a:gd name="T45" fmla="*/ 217 h 220"/>
+                <a:gd name="T46" fmla="*/ 512 w 1139"/>
+                <a:gd name="T47" fmla="*/ 100 h 220"/>
+                <a:gd name="T48" fmla="*/ 531 w 1139"/>
+                <a:gd name="T49" fmla="*/ 106 h 220"/>
+                <a:gd name="T50" fmla="*/ 517 w 1139"/>
+                <a:gd name="T51" fmla="*/ 70 h 220"/>
+                <a:gd name="T52" fmla="*/ 661 w 1139"/>
+                <a:gd name="T53" fmla="*/ 199 h 220"/>
+                <a:gd name="T54" fmla="*/ 533 w 1139"/>
+                <a:gd name="T55" fmla="*/ 146 h 220"/>
+                <a:gd name="T56" fmla="*/ 663 w 1139"/>
+                <a:gd name="T57" fmla="*/ 89 h 220"/>
+                <a:gd name="T58" fmla="*/ 608 w 1139"/>
+                <a:gd name="T59" fmla="*/ 97 h 220"/>
+                <a:gd name="T60" fmla="*/ 579 w 1139"/>
+                <a:gd name="T61" fmla="*/ 180 h 220"/>
+                <a:gd name="T62" fmla="*/ 646 w 1139"/>
+                <a:gd name="T63" fmla="*/ 144 h 220"/>
+                <a:gd name="T64" fmla="*/ 732 w 1139"/>
+                <a:gd name="T65" fmla="*/ 110 h 220"/>
+                <a:gd name="T66" fmla="*/ 770 w 1139"/>
+                <a:gd name="T67" fmla="*/ 98 h 220"/>
+                <a:gd name="T68" fmla="*/ 786 w 1139"/>
+                <a:gd name="T69" fmla="*/ 75 h 220"/>
+                <a:gd name="T70" fmla="*/ 753 w 1139"/>
+                <a:gd name="T71" fmla="*/ 69 h 220"/>
+                <a:gd name="T72" fmla="*/ 701 w 1139"/>
+                <a:gd name="T73" fmla="*/ 131 h 220"/>
+                <a:gd name="T74" fmla="*/ 750 w 1139"/>
+                <a:gd name="T75" fmla="*/ 164 h 220"/>
+                <a:gd name="T76" fmla="*/ 738 w 1139"/>
+                <a:gd name="T77" fmla="*/ 193 h 220"/>
+                <a:gd name="T78" fmla="*/ 698 w 1139"/>
+                <a:gd name="T79" fmla="*/ 179 h 220"/>
+                <a:gd name="T80" fmla="*/ 717 w 1139"/>
+                <a:gd name="T81" fmla="*/ 218 h 220"/>
+                <a:gd name="T82" fmla="*/ 794 w 1139"/>
+                <a:gd name="T83" fmla="*/ 175 h 220"/>
+                <a:gd name="T84" fmla="*/ 938 w 1139"/>
+                <a:gd name="T85" fmla="*/ 89 h 220"/>
+                <a:gd name="T86" fmla="*/ 882 w 1139"/>
+                <a:gd name="T87" fmla="*/ 220 h 220"/>
+                <a:gd name="T88" fmla="*/ 829 w 1139"/>
+                <a:gd name="T89" fmla="*/ 89 h 220"/>
+                <a:gd name="T90" fmla="*/ 922 w 1139"/>
+                <a:gd name="T91" fmla="*/ 144 h 220"/>
+                <a:gd name="T92" fmla="*/ 855 w 1139"/>
+                <a:gd name="T93" fmla="*/ 109 h 220"/>
+                <a:gd name="T94" fmla="*/ 884 w 1139"/>
+                <a:gd name="T95" fmla="*/ 192 h 220"/>
+                <a:gd name="T96" fmla="*/ 1139 w 1139"/>
+                <a:gd name="T97" fmla="*/ 100 h 220"/>
+                <a:gd name="T98" fmla="*/ 1104 w 1139"/>
+                <a:gd name="T99" fmla="*/ 29 h 220"/>
+                <a:gd name="T100" fmla="*/ 1070 w 1139"/>
+                <a:gd name="T101" fmla="*/ 40 h 220"/>
+                <a:gd name="T102" fmla="*/ 1019 w 1139"/>
+                <a:gd name="T103" fmla="*/ 54 h 220"/>
+                <a:gd name="T104" fmla="*/ 1055 w 1139"/>
+                <a:gd name="T105" fmla="*/ 32 h 220"/>
+                <a:gd name="T106" fmla="*/ 1056 w 1139"/>
+                <a:gd name="T107" fmla="*/ 3 h 220"/>
+                <a:gd name="T108" fmla="*/ 991 w 1139"/>
+                <a:gd name="T109" fmla="*/ 25 h 220"/>
+                <a:gd name="T110" fmla="*/ 961 w 1139"/>
+                <a:gd name="T111" fmla="*/ 72 h 220"/>
+                <a:gd name="T112" fmla="*/ 985 w 1139"/>
+                <a:gd name="T113" fmla="*/ 217 h 220"/>
+                <a:gd name="T114" fmla="*/ 1070 w 1139"/>
+                <a:gd name="T115" fmla="*/ 100 h 220"/>
+                <a:gd name="T116" fmla="*/ 1127 w 1139"/>
+                <a:gd name="T117" fmla="*/ 219 h 220"/>
+                <a:gd name="T118" fmla="*/ 1139 w 1139"/>
+                <a:gd name="T119" fmla="*/ 187 h 220"/>
+                <a:gd name="T120" fmla="*/ 1123 w 1139"/>
+                <a:gd name="T121" fmla="*/ 192 h 220"/>
+                <a:gd name="T122" fmla="*/ 1104 w 1139"/>
+                <a:gd name="T123" fmla="*/ 100 h 220"/>
+              </a:gdLst>
+              <a:ahLst/>
+              <a:cxnLst>
+                <a:cxn ang="0">
+                  <a:pos x="T0" y="T1"/>
+                </a:cxn>
+                <a:cxn ang="0">
+                  <a:pos x="T2" y="T3"/>
+                </a:cxn>
+                <a:cxn ang="0">
+                  <a:pos x="T4" y="T5"/>
+                </a:cxn>
+                <a:cxn ang="0">
+                  <a:pos x="T6" y="T7"/>
+                </a:cxn>
+                <a:cxn ang="0">
+                  <a:pos x="T8" y="T9"/>
+                </a:cxn>
+                <a:cxn ang="0">
+                  <a:pos x="T10" y="T11"/>
+                </a:cxn>
+                <a:cxn ang="0">
+                  <a:pos x="T12" y="T13"/>
+                </a:cxn>
+                <a:cxn ang="0">
+                  <a:pos x="T14" y="T15"/>
+                </a:cxn>
+                <a:cxn ang="0">
+                  <a:pos x="T16" y="T17"/>
+                </a:cxn>
+                <a:cxn ang="0">
+                  <a:pos x="T18" y="T19"/>
+                </a:cxn>
+                <a:cxn ang="0">
+                  <a:pos x="T20" y="T21"/>
+                </a:cxn>
+                <a:cxn ang="0">
+                  <a:pos x="T22" y="T23"/>
+                </a:cxn>
+                <a:cxn ang="0">
+                  <a:pos x="T24" y="T25"/>
+                </a:cxn>
+                <a:cxn ang="0">
+                  <a:pos x="T26" y="T27"/>
+                </a:cxn>
+                <a:cxn ang="0">
+                  <a:pos x="T28" y="T29"/>
+                </a:cxn>
+                <a:cxn ang="0">
+                  <a:pos x="T30" y="T31"/>
+                </a:cxn>
+                <a:cxn ang="0">
+                  <a:pos x="T32" y="T33"/>
+                </a:cxn>
+                <a:cxn ang="0">
+                  <a:pos x="T34" y="T35"/>
+                </a:cxn>
+                <a:cxn ang="0">
+                  <a:pos x="T36" y="T37"/>
+                </a:cxn>
+                <a:cxn ang="0">
+                  <a:pos x="T38" y="T39"/>
+                </a:cxn>
+                <a:cxn ang="0">
+                  <a:pos x="T40" y="T41"/>
+                </a:cxn>
+                <a:cxn ang="0">
+                  <a:pos x="T42" y="T43"/>
+                </a:cxn>
+                <a:cxn ang="0">
+                  <a:pos x="T44" y="T45"/>
+                </a:cxn>
+                <a:cxn ang="0">
+                  <a:pos x="T46" y="T47"/>
+                </a:cxn>
+                <a:cxn ang="0">
+                  <a:pos x="T48" y="T49"/>
+                </a:cxn>
+                <a:cxn ang="0">
+                  <a:pos x="T50" y="T51"/>
+                </a:cxn>
+                <a:cxn ang="0">
+                  <a:pos x="T52" y="T53"/>
+                </a:cxn>
+                <a:cxn ang="0">
+                  <a:pos x="T54" y="T55"/>
+                </a:cxn>
+                <a:cxn ang="0">
+                  <a:pos x="T56" y="T57"/>
+                </a:cxn>
+                <a:cxn ang="0">
+                  <a:pos x="T58" y="T59"/>
+                </a:cxn>
+                <a:cxn ang="0">
+                  <a:pos x="T60" y="T61"/>
+                </a:cxn>
+                <a:cxn ang="0">
+                  <a:pos x="T62" y="T63"/>
+                </a:cxn>
+                <a:cxn ang="0">
+                  <a:pos x="T64" y="T65"/>
+                </a:cxn>
+                <a:cxn ang="0">
+                  <a:pos x="T66" y="T67"/>
+                </a:cxn>
+                <a:cxn ang="0">
+                  <a:pos x="T68" y="T69"/>
+                </a:cxn>
+                <a:cxn ang="0">
+                  <a:pos x="T70" y="T71"/>
+                </a:cxn>
+                <a:cxn ang="0">
+                  <a:pos x="T72" y="T73"/>
+                </a:cxn>
+                <a:cxn ang="0">
+                  <a:pos x="T74" y="T75"/>
+                </a:cxn>
+                <a:cxn ang="0">
+                  <a:pos x="T76" y="T77"/>
+                </a:cxn>
+                <a:cxn ang="0">
+                  <a:pos x="T78" y="T79"/>
+                </a:cxn>
+                <a:cxn ang="0">
+                  <a:pos x="T80" y="T81"/>
+                </a:cxn>
+                <a:cxn ang="0">
+                  <a:pos x="T82" y="T83"/>
+                </a:cxn>
+                <a:cxn ang="0">
+                  <a:pos x="T84" y="T85"/>
+                </a:cxn>
+                <a:cxn ang="0">
+                  <a:pos x="T86" y="T87"/>
+                </a:cxn>
+                <a:cxn ang="0">
+                  <a:pos x="T88" y="T89"/>
+                </a:cxn>
+                <a:cxn ang="0">
+                  <a:pos x="T90" y="T91"/>
+                </a:cxn>
+                <a:cxn ang="0">
+                  <a:pos x="T92" y="T93"/>
+                </a:cxn>
+                <a:cxn ang="0">
+                  <a:pos x="T94" y="T95"/>
+                </a:cxn>
+                <a:cxn ang="0">
+                  <a:pos x="T96" y="T97"/>
+                </a:cxn>
+                <a:cxn ang="0">
+                  <a:pos x="T98" y="T99"/>
+                </a:cxn>
+                <a:cxn ang="0">
+                  <a:pos x="T100" y="T101"/>
+                </a:cxn>
+                <a:cxn ang="0">
+                  <a:pos x="T102" y="T103"/>
+                </a:cxn>
+                <a:cxn ang="0">
+                  <a:pos x="T104" y="T105"/>
+                </a:cxn>
+                <a:cxn ang="0">
+                  <a:pos x="T106" y="T107"/>
+                </a:cxn>
+                <a:cxn ang="0">
+                  <a:pos x="T108" y="T109"/>
+                </a:cxn>
+                <a:cxn ang="0">
+                  <a:pos x="T110" y="T111"/>
+                </a:cxn>
+                <a:cxn ang="0">
+                  <a:pos x="T112" y="T113"/>
+                </a:cxn>
+                <a:cxn ang="0">
+                  <a:pos x="T114" y="T115"/>
+                </a:cxn>
+                <a:cxn ang="0">
+                  <a:pos x="T116" y="T117"/>
+                </a:cxn>
+                <a:cxn ang="0">
+                  <a:pos x="T118" y="T119"/>
+                </a:cxn>
+                <a:cxn ang="0">
+                  <a:pos x="T120" y="T121"/>
+                </a:cxn>
+                <a:cxn ang="0">
+                  <a:pos x="T122" y="T123"/>
+                </a:cxn>
+              </a:cxnLst>
+              <a:rect l="0" t="0" r="r" b="b"/>
+              <a:pathLst>
+                <a:path w="1139" h="220">
+                  <a:moveTo>
+                    <a:pt x="171" y="15"/>
+                  </a:moveTo>
+                  <a:cubicBezTo>
+                    <a:pt x="218" y="15"/>
+                    <a:pt x="218" y="15"/>
+                    <a:pt x="218" y="15"/>
+                  </a:cubicBezTo>
+                  <a:cubicBezTo>
+                    <a:pt x="218" y="217"/>
+                    <a:pt x="218" y="217"/>
+                    <a:pt x="218" y="217"/>
+                  </a:cubicBezTo>
+                  <a:cubicBezTo>
+                    <a:pt x="184" y="217"/>
+                    <a:pt x="184" y="217"/>
+                    <a:pt x="184" y="217"/>
+                  </a:cubicBezTo>
+                  <a:cubicBezTo>
+                    <a:pt x="184" y="89"/>
+                    <a:pt x="184" y="89"/>
+                    <a:pt x="184" y="89"/>
+                  </a:cubicBezTo>
+                  <a:cubicBezTo>
+                    <a:pt x="184" y="80"/>
+                    <a:pt x="184" y="67"/>
+                    <a:pt x="185" y="52"/>
+                  </a:cubicBezTo>
+                  <a:cubicBezTo>
+                    <a:pt x="185" y="52"/>
+                    <a:pt x="185" y="52"/>
+                    <a:pt x="185" y="52"/>
+                  </a:cubicBezTo>
+                  <a:cubicBezTo>
+                    <a:pt x="183" y="58"/>
+                    <a:pt x="182" y="65"/>
+                    <a:pt x="180" y="68"/>
+                  </a:cubicBezTo>
+                  <a:cubicBezTo>
+                    <a:pt x="120" y="217"/>
+                    <a:pt x="120" y="217"/>
+                    <a:pt x="120" y="217"/>
+                  </a:cubicBezTo>
+                  <a:cubicBezTo>
+                    <a:pt x="97" y="217"/>
+                    <a:pt x="97" y="217"/>
+                    <a:pt x="97" y="217"/>
+                  </a:cubicBezTo>
+                  <a:cubicBezTo>
+                    <a:pt x="37" y="70"/>
+                    <a:pt x="37" y="70"/>
+                    <a:pt x="37" y="70"/>
+                  </a:cubicBezTo>
+                  <a:cubicBezTo>
+                    <a:pt x="36" y="66"/>
+                    <a:pt x="34" y="60"/>
+                    <a:pt x="32" y="52"/>
+                  </a:cubicBezTo>
+                  <a:cubicBezTo>
+                    <a:pt x="31" y="52"/>
+                    <a:pt x="31" y="52"/>
+                    <a:pt x="31" y="52"/>
+                  </a:cubicBezTo>
+                  <a:cubicBezTo>
+                    <a:pt x="32" y="56"/>
+                    <a:pt x="32" y="60"/>
+                    <a:pt x="32" y="65"/>
+                  </a:cubicBezTo>
+                  <a:cubicBezTo>
+                    <a:pt x="33" y="76"/>
+                    <a:pt x="33" y="85"/>
+                    <a:pt x="33" y="93"/>
+                  </a:cubicBezTo>
+                  <a:cubicBezTo>
+                    <a:pt x="33" y="217"/>
+                    <a:pt x="33" y="217"/>
+                    <a:pt x="33" y="217"/>
+                  </a:cubicBezTo>
+                  <a:cubicBezTo>
+                    <a:pt x="0" y="217"/>
+                    <a:pt x="0" y="217"/>
+                    <a:pt x="0" y="217"/>
+                  </a:cubicBezTo>
+                  <a:cubicBezTo>
+                    <a:pt x="0" y="15"/>
+                    <a:pt x="0" y="15"/>
+                    <a:pt x="0" y="15"/>
+                  </a:cubicBezTo>
+                  <a:cubicBezTo>
+                    <a:pt x="50" y="15"/>
+                    <a:pt x="50" y="15"/>
+                    <a:pt x="50" y="15"/>
+                  </a:cubicBezTo>
+                  <a:cubicBezTo>
+                    <a:pt x="100" y="142"/>
+                    <a:pt x="100" y="142"/>
+                    <a:pt x="100" y="142"/>
+                  </a:cubicBezTo>
+                  <a:cubicBezTo>
+                    <a:pt x="105" y="153"/>
+                    <a:pt x="108" y="162"/>
+                    <a:pt x="109" y="168"/>
+                  </a:cubicBezTo>
+                  <a:cubicBezTo>
+                    <a:pt x="110" y="168"/>
+                    <a:pt x="110" y="168"/>
+                    <a:pt x="110" y="168"/>
+                  </a:cubicBezTo>
+                  <a:cubicBezTo>
+                    <a:pt x="119" y="142"/>
+                    <a:pt x="119" y="142"/>
+                    <a:pt x="119" y="142"/>
+                  </a:cubicBezTo>
+                  <a:lnTo>
+                    <a:pt x="171" y="15"/>
+                  </a:lnTo>
+                  <a:close/>
+                  <a:moveTo>
+                    <a:pt x="251" y="217"/>
+                  </a:moveTo>
+                  <a:cubicBezTo>
+                    <a:pt x="285" y="217"/>
+                    <a:pt x="285" y="217"/>
+                    <a:pt x="285" y="217"/>
+                  </a:cubicBezTo>
+                  <a:cubicBezTo>
+                    <a:pt x="285" y="72"/>
+                    <a:pt x="285" y="72"/>
+                    <a:pt x="285" y="72"/>
+                  </a:cubicBezTo>
+                  <a:cubicBezTo>
+                    <a:pt x="251" y="72"/>
+                    <a:pt x="251" y="72"/>
+                    <a:pt x="251" y="72"/>
+                  </a:cubicBezTo>
+                  <a:lnTo>
+                    <a:pt x="251" y="217"/>
+                  </a:lnTo>
+                  <a:close/>
+                  <a:moveTo>
+                    <a:pt x="269" y="11"/>
+                  </a:moveTo>
+                  <a:cubicBezTo>
+                    <a:pt x="263" y="11"/>
+                    <a:pt x="258" y="13"/>
+                    <a:pt x="254" y="17"/>
+                  </a:cubicBezTo>
+                  <a:cubicBezTo>
+                    <a:pt x="250" y="20"/>
+                    <a:pt x="248" y="25"/>
+                    <a:pt x="248" y="31"/>
+                  </a:cubicBezTo>
+                  <a:cubicBezTo>
+                    <a:pt x="248" y="36"/>
+                    <a:pt x="250" y="41"/>
+                    <a:pt x="254" y="45"/>
+                  </a:cubicBezTo>
+                  <a:cubicBezTo>
+                    <a:pt x="258" y="48"/>
+                    <a:pt x="263" y="50"/>
+                    <a:pt x="269" y="50"/>
+                  </a:cubicBezTo>
+                  <a:cubicBezTo>
+                    <a:pt x="274" y="50"/>
+                    <a:pt x="279" y="48"/>
+                    <a:pt x="283" y="45"/>
+                  </a:cubicBezTo>
+                  <a:cubicBezTo>
+                    <a:pt x="287" y="41"/>
+                    <a:pt x="289" y="36"/>
+                    <a:pt x="289" y="31"/>
+                  </a:cubicBezTo>
+                  <a:cubicBezTo>
+                    <a:pt x="289" y="25"/>
+                    <a:pt x="287" y="21"/>
+                    <a:pt x="283" y="17"/>
+                  </a:cubicBezTo>
+                  <a:cubicBezTo>
+                    <a:pt x="279" y="13"/>
+                    <a:pt x="274" y="11"/>
+                    <a:pt x="269" y="11"/>
+                  </a:cubicBezTo>
+                  <a:close/>
+                  <a:moveTo>
+                    <a:pt x="405" y="71"/>
+                  </a:moveTo>
+                  <a:cubicBezTo>
+                    <a:pt x="399" y="69"/>
+                    <a:pt x="393" y="69"/>
+                    <a:pt x="386" y="69"/>
+                  </a:cubicBezTo>
+                  <a:cubicBezTo>
+                    <a:pt x="371" y="69"/>
+                    <a:pt x="357" y="72"/>
+                    <a:pt x="345" y="79"/>
+                  </a:cubicBezTo>
+                  <a:cubicBezTo>
+                    <a:pt x="333" y="85"/>
+                    <a:pt x="324" y="95"/>
+                    <a:pt x="318" y="107"/>
+                  </a:cubicBezTo>
+                  <a:cubicBezTo>
+                    <a:pt x="312" y="119"/>
+                    <a:pt x="309" y="133"/>
+                    <a:pt x="309" y="148"/>
+                  </a:cubicBezTo>
+                  <a:cubicBezTo>
+                    <a:pt x="309" y="162"/>
+                    <a:pt x="312" y="174"/>
+                    <a:pt x="318" y="185"/>
+                  </a:cubicBezTo>
+                  <a:cubicBezTo>
+                    <a:pt x="324" y="196"/>
+                    <a:pt x="332" y="205"/>
+                    <a:pt x="343" y="211"/>
+                  </a:cubicBezTo>
+                  <a:cubicBezTo>
+                    <a:pt x="354" y="217"/>
+                    <a:pt x="366" y="220"/>
+                    <a:pt x="380" y="220"/>
+                  </a:cubicBezTo>
+                  <a:cubicBezTo>
+                    <a:pt x="396" y="220"/>
+                    <a:pt x="410" y="217"/>
+                    <a:pt x="421" y="211"/>
+                  </a:cubicBezTo>
+                  <a:cubicBezTo>
+                    <a:pt x="422" y="210"/>
+                    <a:pt x="422" y="210"/>
+                    <a:pt x="422" y="210"/>
+                  </a:cubicBezTo>
+                  <a:cubicBezTo>
+                    <a:pt x="422" y="179"/>
+                    <a:pt x="422" y="179"/>
+                    <a:pt x="422" y="179"/>
+                  </a:cubicBezTo>
+                  <a:cubicBezTo>
+                    <a:pt x="420" y="180"/>
+                    <a:pt x="420" y="180"/>
+                    <a:pt x="420" y="180"/>
+                  </a:cubicBezTo>
+                  <a:cubicBezTo>
+                    <a:pt x="415" y="184"/>
+                    <a:pt x="410" y="187"/>
+                    <a:pt x="404" y="189"/>
+                  </a:cubicBezTo>
+                  <a:cubicBezTo>
+                    <a:pt x="398" y="191"/>
+                    <a:pt x="392" y="192"/>
+                    <a:pt x="387" y="192"/>
+                  </a:cubicBezTo>
+                  <a:cubicBezTo>
+                    <a:pt x="374" y="192"/>
+                    <a:pt x="363" y="188"/>
+                    <a:pt x="355" y="180"/>
+                  </a:cubicBezTo>
+                  <a:cubicBezTo>
+                    <a:pt x="348" y="171"/>
+                    <a:pt x="344" y="160"/>
+                    <a:pt x="344" y="145"/>
+                  </a:cubicBezTo>
+                  <a:cubicBezTo>
+                    <a:pt x="344" y="131"/>
+                    <a:pt x="348" y="119"/>
+                    <a:pt x="356" y="110"/>
+                  </a:cubicBezTo>
+                  <a:cubicBezTo>
+                    <a:pt x="364" y="101"/>
+                    <a:pt x="375" y="97"/>
+                    <a:pt x="388" y="97"/>
+                  </a:cubicBezTo>
+                  <a:cubicBezTo>
+                    <a:pt x="399" y="97"/>
+                    <a:pt x="410" y="101"/>
+                    <a:pt x="420" y="108"/>
+                  </a:cubicBezTo>
+                  <a:cubicBezTo>
+                    <a:pt x="422" y="109"/>
+                    <a:pt x="422" y="109"/>
+                    <a:pt x="422" y="109"/>
+                  </a:cubicBezTo>
+                  <a:cubicBezTo>
+                    <a:pt x="422" y="76"/>
+                    <a:pt x="422" y="76"/>
+                    <a:pt x="422" y="76"/>
+                  </a:cubicBezTo>
+                  <a:cubicBezTo>
+                    <a:pt x="421" y="76"/>
+                    <a:pt x="421" y="76"/>
+                    <a:pt x="421" y="76"/>
+                  </a:cubicBezTo>
+                  <a:cubicBezTo>
+                    <a:pt x="417" y="74"/>
+                    <a:pt x="412" y="72"/>
+                    <a:pt x="405" y="71"/>
+                  </a:cubicBezTo>
+                  <a:close/>
+                  <a:moveTo>
+                    <a:pt x="517" y="70"/>
+                  </a:moveTo>
+                  <a:cubicBezTo>
+                    <a:pt x="509" y="70"/>
+                    <a:pt x="501" y="72"/>
+                    <a:pt x="495" y="78"/>
+                  </a:cubicBezTo>
+                  <a:cubicBezTo>
+                    <a:pt x="489" y="83"/>
+                    <a:pt x="485" y="89"/>
+                    <a:pt x="482" y="97"/>
+                  </a:cubicBezTo>
+                  <a:cubicBezTo>
+                    <a:pt x="481" y="97"/>
+                    <a:pt x="481" y="97"/>
+                    <a:pt x="481" y="97"/>
+                  </a:cubicBezTo>
+                  <a:cubicBezTo>
+                    <a:pt x="481" y="72"/>
+                    <a:pt x="481" y="72"/>
+                    <a:pt x="481" y="72"/>
+                  </a:cubicBezTo>
+                  <a:cubicBezTo>
+                    <a:pt x="447" y="72"/>
+                    <a:pt x="447" y="72"/>
+                    <a:pt x="447" y="72"/>
+                  </a:cubicBezTo>
+                  <a:cubicBezTo>
+                    <a:pt x="447" y="217"/>
+                    <a:pt x="447" y="217"/>
+                    <a:pt x="447" y="217"/>
+                  </a:cubicBezTo>
+                  <a:cubicBezTo>
+                    <a:pt x="481" y="217"/>
+                    <a:pt x="481" y="217"/>
+                    <a:pt x="481" y="217"/>
+                  </a:cubicBezTo>
+                  <a:cubicBezTo>
+                    <a:pt x="481" y="143"/>
+                    <a:pt x="481" y="143"/>
+                    <a:pt x="481" y="143"/>
+                  </a:cubicBezTo>
+                  <a:cubicBezTo>
+                    <a:pt x="481" y="130"/>
+                    <a:pt x="484" y="120"/>
+                    <a:pt x="490" y="112"/>
+                  </a:cubicBezTo>
+                  <a:cubicBezTo>
+                    <a:pt x="495" y="104"/>
+                    <a:pt x="503" y="100"/>
+                    <a:pt x="512" y="100"/>
+                  </a:cubicBezTo>
+                  <a:cubicBezTo>
+                    <a:pt x="515" y="100"/>
+                    <a:pt x="518" y="101"/>
+                    <a:pt x="522" y="102"/>
+                  </a:cubicBezTo>
+                  <a:cubicBezTo>
+                    <a:pt x="526" y="103"/>
+                    <a:pt x="528" y="104"/>
+                    <a:pt x="530" y="105"/>
+                  </a:cubicBezTo>
+                  <a:cubicBezTo>
+                    <a:pt x="531" y="106"/>
+                    <a:pt x="531" y="106"/>
+                    <a:pt x="531" y="106"/>
+                  </a:cubicBezTo>
+                  <a:cubicBezTo>
+                    <a:pt x="531" y="72"/>
+                    <a:pt x="531" y="72"/>
+                    <a:pt x="531" y="72"/>
+                  </a:cubicBezTo>
+                  <a:cubicBezTo>
+                    <a:pt x="531" y="72"/>
+                    <a:pt x="531" y="72"/>
+                    <a:pt x="531" y="72"/>
+                  </a:cubicBezTo>
+                  <a:cubicBezTo>
+                    <a:pt x="528" y="70"/>
+                    <a:pt x="523" y="70"/>
+                    <a:pt x="517" y="70"/>
+                  </a:cubicBezTo>
+                  <a:close/>
+                  <a:moveTo>
+                    <a:pt x="663" y="89"/>
+                  </a:moveTo>
+                  <a:cubicBezTo>
+                    <a:pt x="675" y="102"/>
+                    <a:pt x="682" y="120"/>
+                    <a:pt x="682" y="143"/>
+                  </a:cubicBezTo>
+                  <a:cubicBezTo>
+                    <a:pt x="682" y="166"/>
+                    <a:pt x="675" y="185"/>
+                    <a:pt x="661" y="199"/>
+                  </a:cubicBezTo>
+                  <a:cubicBezTo>
+                    <a:pt x="648" y="213"/>
+                    <a:pt x="629" y="220"/>
+                    <a:pt x="606" y="220"/>
+                  </a:cubicBezTo>
+                  <a:cubicBezTo>
+                    <a:pt x="584" y="220"/>
+                    <a:pt x="566" y="213"/>
+                    <a:pt x="553" y="200"/>
+                  </a:cubicBezTo>
+                  <a:cubicBezTo>
+                    <a:pt x="540" y="187"/>
+                    <a:pt x="533" y="169"/>
+                    <a:pt x="533" y="146"/>
+                  </a:cubicBezTo>
+                  <a:cubicBezTo>
+                    <a:pt x="533" y="122"/>
+                    <a:pt x="540" y="103"/>
+                    <a:pt x="553" y="89"/>
+                  </a:cubicBezTo>
+                  <a:cubicBezTo>
+                    <a:pt x="567" y="76"/>
+                    <a:pt x="586" y="69"/>
+                    <a:pt x="610" y="69"/>
+                  </a:cubicBezTo>
+                  <a:cubicBezTo>
+                    <a:pt x="632" y="69"/>
+                    <a:pt x="650" y="75"/>
+                    <a:pt x="663" y="89"/>
+                  </a:cubicBezTo>
+                  <a:close/>
+                  <a:moveTo>
+                    <a:pt x="646" y="144"/>
+                  </a:moveTo>
+                  <a:cubicBezTo>
+                    <a:pt x="646" y="129"/>
+                    <a:pt x="643" y="117"/>
+                    <a:pt x="636" y="109"/>
+                  </a:cubicBezTo>
+                  <a:cubicBezTo>
+                    <a:pt x="629" y="101"/>
+                    <a:pt x="620" y="97"/>
+                    <a:pt x="608" y="97"/>
+                  </a:cubicBezTo>
+                  <a:cubicBezTo>
+                    <a:pt x="596" y="97"/>
+                    <a:pt x="586" y="101"/>
+                    <a:pt x="579" y="109"/>
+                  </a:cubicBezTo>
+                  <a:cubicBezTo>
+                    <a:pt x="572" y="118"/>
+                    <a:pt x="568" y="130"/>
+                    <a:pt x="568" y="145"/>
+                  </a:cubicBezTo>
+                  <a:cubicBezTo>
+                    <a:pt x="568" y="160"/>
+                    <a:pt x="572" y="172"/>
+                    <a:pt x="579" y="180"/>
+                  </a:cubicBezTo>
+                  <a:cubicBezTo>
+                    <a:pt x="586" y="188"/>
+                    <a:pt x="596" y="192"/>
+                    <a:pt x="608" y="192"/>
+                  </a:cubicBezTo>
+                  <a:cubicBezTo>
+                    <a:pt x="621" y="192"/>
+                    <a:pt x="630" y="188"/>
+                    <a:pt x="637" y="180"/>
+                  </a:cubicBezTo>
+                  <a:cubicBezTo>
+                    <a:pt x="643" y="172"/>
+                    <a:pt x="646" y="160"/>
+                    <a:pt x="646" y="144"/>
+                  </a:cubicBezTo>
+                  <a:close/>
+                  <a:moveTo>
+                    <a:pt x="757" y="132"/>
+                  </a:moveTo>
+                  <a:cubicBezTo>
+                    <a:pt x="746" y="128"/>
+                    <a:pt x="739" y="124"/>
+                    <a:pt x="737" y="121"/>
+                  </a:cubicBezTo>
+                  <a:cubicBezTo>
+                    <a:pt x="734" y="119"/>
+                    <a:pt x="732" y="115"/>
+                    <a:pt x="732" y="110"/>
+                  </a:cubicBezTo>
+                  <a:cubicBezTo>
+                    <a:pt x="732" y="106"/>
+                    <a:pt x="734" y="103"/>
+                    <a:pt x="738" y="100"/>
+                  </a:cubicBezTo>
+                  <a:cubicBezTo>
+                    <a:pt x="741" y="97"/>
+                    <a:pt x="746" y="96"/>
+                    <a:pt x="752" y="96"/>
+                  </a:cubicBezTo>
+                  <a:cubicBezTo>
+                    <a:pt x="758" y="96"/>
+                    <a:pt x="764" y="97"/>
+                    <a:pt x="770" y="98"/>
+                  </a:cubicBezTo>
+                  <a:cubicBezTo>
+                    <a:pt x="776" y="100"/>
+                    <a:pt x="781" y="103"/>
+                    <a:pt x="785" y="105"/>
+                  </a:cubicBezTo>
+                  <a:cubicBezTo>
+                    <a:pt x="786" y="106"/>
+                    <a:pt x="786" y="106"/>
+                    <a:pt x="786" y="106"/>
+                  </a:cubicBezTo>
+                  <a:cubicBezTo>
+                    <a:pt x="786" y="75"/>
+                    <a:pt x="786" y="75"/>
+                    <a:pt x="786" y="75"/>
+                  </a:cubicBezTo>
+                  <a:cubicBezTo>
+                    <a:pt x="786" y="75"/>
+                    <a:pt x="786" y="75"/>
+                    <a:pt x="786" y="75"/>
+                  </a:cubicBezTo>
+                  <a:cubicBezTo>
+                    <a:pt x="782" y="73"/>
+                    <a:pt x="777" y="72"/>
+                    <a:pt x="770" y="70"/>
+                  </a:cubicBezTo>
+                  <a:cubicBezTo>
+                    <a:pt x="764" y="69"/>
+                    <a:pt x="758" y="69"/>
+                    <a:pt x="753" y="69"/>
+                  </a:cubicBezTo>
+                  <a:cubicBezTo>
+                    <a:pt x="737" y="69"/>
+                    <a:pt x="724" y="73"/>
+                    <a:pt x="714" y="81"/>
+                  </a:cubicBezTo>
+                  <a:cubicBezTo>
+                    <a:pt x="703" y="89"/>
+                    <a:pt x="698" y="100"/>
+                    <a:pt x="698" y="113"/>
+                  </a:cubicBezTo>
+                  <a:cubicBezTo>
+                    <a:pt x="698" y="120"/>
+                    <a:pt x="699" y="126"/>
+                    <a:pt x="701" y="131"/>
+                  </a:cubicBezTo>
+                  <a:cubicBezTo>
+                    <a:pt x="704" y="136"/>
+                    <a:pt x="707" y="141"/>
+                    <a:pt x="712" y="144"/>
+                  </a:cubicBezTo>
+                  <a:cubicBezTo>
+                    <a:pt x="716" y="148"/>
+                    <a:pt x="723" y="152"/>
+                    <a:pt x="733" y="156"/>
+                  </a:cubicBezTo>
+                  <a:cubicBezTo>
+                    <a:pt x="740" y="159"/>
+                    <a:pt x="746" y="162"/>
+                    <a:pt x="750" y="164"/>
+                  </a:cubicBezTo>
+                  <a:cubicBezTo>
+                    <a:pt x="754" y="166"/>
+                    <a:pt x="756" y="168"/>
+                    <a:pt x="758" y="171"/>
+                  </a:cubicBezTo>
+                  <a:cubicBezTo>
+                    <a:pt x="759" y="173"/>
+                    <a:pt x="760" y="175"/>
+                    <a:pt x="760" y="179"/>
+                  </a:cubicBezTo>
+                  <a:cubicBezTo>
+                    <a:pt x="760" y="188"/>
+                    <a:pt x="753" y="193"/>
+                    <a:pt x="738" y="193"/>
+                  </a:cubicBezTo>
+                  <a:cubicBezTo>
+                    <a:pt x="732" y="193"/>
+                    <a:pt x="726" y="192"/>
+                    <a:pt x="719" y="190"/>
+                  </a:cubicBezTo>
+                  <a:cubicBezTo>
+                    <a:pt x="712" y="187"/>
+                    <a:pt x="705" y="184"/>
+                    <a:pt x="700" y="180"/>
+                  </a:cubicBezTo>
+                  <a:cubicBezTo>
+                    <a:pt x="698" y="179"/>
+                    <a:pt x="698" y="179"/>
+                    <a:pt x="698" y="179"/>
+                  </a:cubicBezTo>
+                  <a:cubicBezTo>
+                    <a:pt x="698" y="212"/>
+                    <a:pt x="698" y="212"/>
+                    <a:pt x="698" y="212"/>
+                  </a:cubicBezTo>
+                  <a:cubicBezTo>
+                    <a:pt x="699" y="212"/>
+                    <a:pt x="699" y="212"/>
+                    <a:pt x="699" y="212"/>
+                  </a:cubicBezTo>
+                  <a:cubicBezTo>
+                    <a:pt x="703" y="215"/>
+                    <a:pt x="710" y="216"/>
+                    <a:pt x="717" y="218"/>
+                  </a:cubicBezTo>
+                  <a:cubicBezTo>
+                    <a:pt x="724" y="219"/>
+                    <a:pt x="731" y="220"/>
+                    <a:pt x="736" y="220"/>
+                  </a:cubicBezTo>
+                  <a:cubicBezTo>
+                    <a:pt x="754" y="220"/>
+                    <a:pt x="768" y="216"/>
+                    <a:pt x="778" y="208"/>
+                  </a:cubicBezTo>
+                  <a:cubicBezTo>
+                    <a:pt x="789" y="199"/>
+                    <a:pt x="794" y="188"/>
+                    <a:pt x="794" y="175"/>
+                  </a:cubicBezTo>
+                  <a:cubicBezTo>
+                    <a:pt x="794" y="165"/>
+                    <a:pt x="791" y="157"/>
+                    <a:pt x="786" y="150"/>
+                  </a:cubicBezTo>
+                  <a:cubicBezTo>
+                    <a:pt x="780" y="143"/>
+                    <a:pt x="770" y="137"/>
+                    <a:pt x="757" y="132"/>
+                  </a:cubicBezTo>
+                  <a:close/>
+                  <a:moveTo>
+                    <a:pt x="938" y="89"/>
+                  </a:moveTo>
+                  <a:cubicBezTo>
+                    <a:pt x="951" y="102"/>
+                    <a:pt x="957" y="120"/>
+                    <a:pt x="957" y="143"/>
+                  </a:cubicBezTo>
+                  <a:cubicBezTo>
+                    <a:pt x="957" y="166"/>
+                    <a:pt x="951" y="185"/>
+                    <a:pt x="937" y="199"/>
+                  </a:cubicBezTo>
+                  <a:cubicBezTo>
+                    <a:pt x="924" y="213"/>
+                    <a:pt x="905" y="220"/>
+                    <a:pt x="882" y="220"/>
+                  </a:cubicBezTo>
+                  <a:cubicBezTo>
+                    <a:pt x="860" y="220"/>
+                    <a:pt x="842" y="213"/>
+                    <a:pt x="829" y="200"/>
+                  </a:cubicBezTo>
+                  <a:cubicBezTo>
+                    <a:pt x="816" y="187"/>
+                    <a:pt x="809" y="169"/>
+                    <a:pt x="809" y="146"/>
+                  </a:cubicBezTo>
+                  <a:cubicBezTo>
+                    <a:pt x="809" y="122"/>
+                    <a:pt x="816" y="103"/>
+                    <a:pt x="829" y="89"/>
+                  </a:cubicBezTo>
+                  <a:cubicBezTo>
+                    <a:pt x="843" y="76"/>
+                    <a:pt x="862" y="69"/>
+                    <a:pt x="885" y="69"/>
+                  </a:cubicBezTo>
+                  <a:cubicBezTo>
+                    <a:pt x="908" y="69"/>
+                    <a:pt x="926" y="75"/>
+                    <a:pt x="938" y="89"/>
+                  </a:cubicBezTo>
+                  <a:close/>
+                  <a:moveTo>
+                    <a:pt x="922" y="144"/>
+                  </a:moveTo>
+                  <a:cubicBezTo>
+                    <a:pt x="922" y="129"/>
+                    <a:pt x="919" y="117"/>
+                    <a:pt x="912" y="109"/>
+                  </a:cubicBezTo>
+                  <a:cubicBezTo>
+                    <a:pt x="905" y="101"/>
+                    <a:pt x="896" y="97"/>
+                    <a:pt x="884" y="97"/>
+                  </a:cubicBezTo>
+                  <a:cubicBezTo>
+                    <a:pt x="871" y="97"/>
+                    <a:pt x="862" y="101"/>
+                    <a:pt x="855" y="109"/>
+                  </a:cubicBezTo>
+                  <a:cubicBezTo>
+                    <a:pt x="848" y="118"/>
+                    <a:pt x="844" y="130"/>
+                    <a:pt x="844" y="145"/>
+                  </a:cubicBezTo>
+                  <a:cubicBezTo>
+                    <a:pt x="844" y="160"/>
+                    <a:pt x="848" y="172"/>
+                    <a:pt x="855" y="180"/>
+                  </a:cubicBezTo>
+                  <a:cubicBezTo>
+                    <a:pt x="862" y="188"/>
+                    <a:pt x="871" y="192"/>
+                    <a:pt x="884" y="192"/>
+                  </a:cubicBezTo>
+                  <a:cubicBezTo>
+                    <a:pt x="896" y="192"/>
+                    <a:pt x="906" y="188"/>
+                    <a:pt x="912" y="180"/>
+                  </a:cubicBezTo>
+                  <a:cubicBezTo>
+                    <a:pt x="919" y="172"/>
+                    <a:pt x="922" y="160"/>
+                    <a:pt x="922" y="144"/>
+                  </a:cubicBezTo>
+                  <a:close/>
+                  <a:moveTo>
+                    <a:pt x="1139" y="100"/>
+                  </a:moveTo>
+                  <a:cubicBezTo>
+                    <a:pt x="1139" y="72"/>
+                    <a:pt x="1139" y="72"/>
+                    <a:pt x="1139" y="72"/>
+                  </a:cubicBezTo>
+                  <a:cubicBezTo>
+                    <a:pt x="1104" y="72"/>
+                    <a:pt x="1104" y="72"/>
+                    <a:pt x="1104" y="72"/>
+                  </a:cubicBezTo>
+                  <a:cubicBezTo>
+                    <a:pt x="1104" y="29"/>
+                    <a:pt x="1104" y="29"/>
+                    <a:pt x="1104" y="29"/>
+                  </a:cubicBezTo>
+                  <a:cubicBezTo>
+                    <a:pt x="1103" y="29"/>
+                    <a:pt x="1103" y="29"/>
+                    <a:pt x="1103" y="29"/>
+                  </a:cubicBezTo>
+                  <a:cubicBezTo>
+                    <a:pt x="1071" y="39"/>
+                    <a:pt x="1071" y="39"/>
+                    <a:pt x="1071" y="39"/>
+                  </a:cubicBezTo>
+                  <a:cubicBezTo>
+                    <a:pt x="1070" y="40"/>
+                    <a:pt x="1070" y="40"/>
+                    <a:pt x="1070" y="40"/>
+                  </a:cubicBezTo>
+                  <a:cubicBezTo>
+                    <a:pt x="1070" y="72"/>
+                    <a:pt x="1070" y="72"/>
+                    <a:pt x="1070" y="72"/>
+                  </a:cubicBezTo>
+                  <a:cubicBezTo>
+                    <a:pt x="1019" y="72"/>
+                    <a:pt x="1019" y="72"/>
+                    <a:pt x="1019" y="72"/>
+                  </a:cubicBezTo>
+                  <a:cubicBezTo>
+                    <a:pt x="1019" y="54"/>
+                    <a:pt x="1019" y="54"/>
+                    <a:pt x="1019" y="54"/>
+                  </a:cubicBezTo>
+                  <a:cubicBezTo>
+                    <a:pt x="1019" y="46"/>
+                    <a:pt x="1021" y="39"/>
+                    <a:pt x="1025" y="35"/>
+                  </a:cubicBezTo>
+                  <a:cubicBezTo>
+                    <a:pt x="1028" y="30"/>
+                    <a:pt x="1034" y="28"/>
+                    <a:pt x="1040" y="28"/>
+                  </a:cubicBezTo>
+                  <a:cubicBezTo>
+                    <a:pt x="1045" y="28"/>
+                    <a:pt x="1050" y="29"/>
+                    <a:pt x="1055" y="32"/>
+                  </a:cubicBezTo>
+                  <a:cubicBezTo>
+                    <a:pt x="1057" y="32"/>
+                    <a:pt x="1057" y="32"/>
+                    <a:pt x="1057" y="32"/>
+                  </a:cubicBezTo>
+                  <a:cubicBezTo>
+                    <a:pt x="1057" y="3"/>
+                    <a:pt x="1057" y="3"/>
+                    <a:pt x="1057" y="3"/>
+                  </a:cubicBezTo>
+                  <a:cubicBezTo>
+                    <a:pt x="1056" y="3"/>
+                    <a:pt x="1056" y="3"/>
+                    <a:pt x="1056" y="3"/>
+                  </a:cubicBezTo>
+                  <a:cubicBezTo>
+                    <a:pt x="1051" y="1"/>
+                    <a:pt x="1045" y="0"/>
+                    <a:pt x="1037" y="0"/>
+                  </a:cubicBezTo>
+                  <a:cubicBezTo>
+                    <a:pt x="1027" y="0"/>
+                    <a:pt x="1018" y="3"/>
+                    <a:pt x="1010" y="7"/>
+                  </a:cubicBezTo>
+                  <a:cubicBezTo>
+                    <a:pt x="1002" y="11"/>
+                    <a:pt x="996" y="17"/>
+                    <a:pt x="991" y="25"/>
+                  </a:cubicBezTo>
+                  <a:cubicBezTo>
+                    <a:pt x="987" y="33"/>
+                    <a:pt x="985" y="42"/>
+                    <a:pt x="985" y="52"/>
+                  </a:cubicBezTo>
+                  <a:cubicBezTo>
+                    <a:pt x="985" y="72"/>
+                    <a:pt x="985" y="72"/>
+                    <a:pt x="985" y="72"/>
+                  </a:cubicBezTo>
+                  <a:cubicBezTo>
+                    <a:pt x="961" y="72"/>
+                    <a:pt x="961" y="72"/>
+                    <a:pt x="961" y="72"/>
+                  </a:cubicBezTo>
+                  <a:cubicBezTo>
+                    <a:pt x="961" y="100"/>
+                    <a:pt x="961" y="100"/>
+                    <a:pt x="961" y="100"/>
+                  </a:cubicBezTo>
+                  <a:cubicBezTo>
+                    <a:pt x="985" y="100"/>
+                    <a:pt x="985" y="100"/>
+                    <a:pt x="985" y="100"/>
+                  </a:cubicBezTo>
+                  <a:cubicBezTo>
+                    <a:pt x="985" y="217"/>
+                    <a:pt x="985" y="217"/>
+                    <a:pt x="985" y="217"/>
+                  </a:cubicBezTo>
+                  <a:cubicBezTo>
+                    <a:pt x="1019" y="217"/>
+                    <a:pt x="1019" y="217"/>
+                    <a:pt x="1019" y="217"/>
+                  </a:cubicBezTo>
+                  <a:cubicBezTo>
+                    <a:pt x="1019" y="100"/>
+                    <a:pt x="1019" y="100"/>
+                    <a:pt x="1019" y="100"/>
+                  </a:cubicBezTo>
+                  <a:cubicBezTo>
+                    <a:pt x="1070" y="100"/>
+                    <a:pt x="1070" y="100"/>
+                    <a:pt x="1070" y="100"/>
+                  </a:cubicBezTo>
+                  <a:cubicBezTo>
+                    <a:pt x="1070" y="174"/>
+                    <a:pt x="1070" y="174"/>
+                    <a:pt x="1070" y="174"/>
+                  </a:cubicBezTo>
+                  <a:cubicBezTo>
+                    <a:pt x="1070" y="205"/>
+                    <a:pt x="1084" y="220"/>
+                    <a:pt x="1113" y="220"/>
+                  </a:cubicBezTo>
+                  <a:cubicBezTo>
+                    <a:pt x="1118" y="220"/>
+                    <a:pt x="1122" y="220"/>
+                    <a:pt x="1127" y="219"/>
+                  </a:cubicBezTo>
+                  <a:cubicBezTo>
+                    <a:pt x="1133" y="217"/>
+                    <a:pt x="1136" y="216"/>
+                    <a:pt x="1138" y="215"/>
+                  </a:cubicBezTo>
+                  <a:cubicBezTo>
+                    <a:pt x="1139" y="215"/>
+                    <a:pt x="1139" y="215"/>
+                    <a:pt x="1139" y="215"/>
+                  </a:cubicBezTo>
+                  <a:cubicBezTo>
+                    <a:pt x="1139" y="187"/>
+                    <a:pt x="1139" y="187"/>
+                    <a:pt x="1139" y="187"/>
+                  </a:cubicBezTo>
+                  <a:cubicBezTo>
+                    <a:pt x="1137" y="188"/>
+                    <a:pt x="1137" y="188"/>
+                    <a:pt x="1137" y="188"/>
+                  </a:cubicBezTo>
+                  <a:cubicBezTo>
+                    <a:pt x="1135" y="189"/>
+                    <a:pt x="1133" y="190"/>
+                    <a:pt x="1130" y="191"/>
+                  </a:cubicBezTo>
+                  <a:cubicBezTo>
+                    <a:pt x="1127" y="192"/>
+                    <a:pt x="1125" y="192"/>
+                    <a:pt x="1123" y="192"/>
+                  </a:cubicBezTo>
+                  <a:cubicBezTo>
+                    <a:pt x="1117" y="192"/>
+                    <a:pt x="1112" y="190"/>
+                    <a:pt x="1109" y="187"/>
+                  </a:cubicBezTo>
+                  <a:cubicBezTo>
+                    <a:pt x="1106" y="183"/>
+                    <a:pt x="1104" y="177"/>
+                    <a:pt x="1104" y="168"/>
+                  </a:cubicBezTo>
+                  <a:cubicBezTo>
+                    <a:pt x="1104" y="100"/>
+                    <a:pt x="1104" y="100"/>
+                    <a:pt x="1104" y="100"/>
+                  </a:cubicBezTo>
+                  <a:lnTo>
+                    <a:pt x="1139" y="100"/>
+                  </a:lnTo>
+                  <a:close/>
+                </a:path>
+              </a:pathLst>
+            </a:custGeom>
+            <a:solidFill>
+              <a:srgbClr val="FFFFFF"/>
+            </a:solidFill>
+            <a:ln>
+              <a:noFill/>
+            </a:ln>
+          </p:spPr>
+          <p:txBody>
+            <a:bodyPr vert="horz" wrap="square" lIns="91440" tIns="45720" rIns="91440" bIns="45720" numCol="1" anchor="t" anchorCtr="0" compatLnSpc="1">
+              <a:prstTxWarp prst="textNoShape">
+                <a:avLst/>
+              </a:prstTxWarp>
+            </a:bodyPr>
+            <a:lstStyle/>
+            <a:p>
+              <a:endParaRPr lang="en-US" sz="1765"/>
+            </a:p>
+          </p:txBody>
+        </p:sp>
+      </p:grpSp>
+      <p:sp>
+        <p:nvSpPr>
+          <p:cNvPr id="8" name="Text Box 3"/>
+          <p:cNvSpPr txBox="1">
+            <a:spLocks noChangeArrowheads="1"/>
+          </p:cNvSpPr>
+          <p:nvPr userDrawn="1"/>
+        </p:nvSpPr>
+        <p:spPr bwMode="blackWhite">
+          <a:xfrm>
+            <a:off x="269240" y="6099190"/>
+            <a:ext cx="4482124" cy="467742"/>
+          </a:xfrm>
+          <a:prstGeom prst="rect">
+            <a:avLst/>
+          </a:prstGeom>
+          <a:noFill/>
+          <a:ln w="12700">
+            <a:noFill/>
+            <a:miter lim="800000"/>
+            <a:headEnd type="none" w="sm" len="sm"/>
+            <a:tailEnd type="none" w="sm" len="sm"/>
+          </a:ln>
+          <a:effectLst/>
+        </p:spPr>
+        <p:txBody>
+          <a:bodyPr vert="horz" wrap="square" lIns="179285" tIns="179285" rIns="179285" bIns="179285" numCol="1" anchor="t" anchorCtr="0" compatLnSpc="1">
+            <a:prstTxWarp prst="textNoShape">
+              <a:avLst/>
+            </a:prstTxWarp>
+            <a:spAutoFit/>
+          </a:bodyPr>
+          <a:lstStyle/>
+          <a:p>
+            <a:pPr defTabSz="913924" eaLnBrk="0" hangingPunct="0"/>
+            <a:r>
+              <a:rPr lang="en-US" sz="686" dirty="0">
+                <a:solidFill>
+                  <a:schemeClr val="bg1"/>
+                </a:solidFill>
+                <a:cs typeface="Segoe UI" pitchFamily="34" charset="0"/>
+              </a:rPr>
+              <a:t>© Copyright Microsoft Corporation. All rights reserved. </a:t>
+            </a:r>
+          </a:p>
+        </p:txBody>
+      </p:sp>
+    </p:spTree>
+    <p:extLst>
+      <p:ext uri="{BB962C8B-B14F-4D97-AF65-F5344CB8AC3E}">
+        <p14:creationId xmlns:p14="http://schemas.microsoft.com/office/powerpoint/2010/main" val="2349258608"/>
+      </p:ext>
+    </p:extLst>
+  </p:cSld>
+  <p:clrMapOvr>
+    <a:masterClrMapping/>
+  </p:clrMapOvr>
+  <p:transition>
+    <p:fade/>
+  </p:transition>
+</p:sldLayout>
+</file>
+
 <file path=ppt/slideMasters/slideMaster1.xml><?xml version="1.0" encoding="utf-8"?>
 <p:sldMaster xmlns:a="http://schemas.openxmlformats.org/drawingml/2006/main" xmlns:r="http://schemas.openxmlformats.org/officeDocument/2006/relationships" xmlns:p="http://schemas.openxmlformats.org/presentationml/2006/main" preserve="1">
   <p:cSld>
@@ -11874,15 +14709,18 @@
   <p:sldLayoutIdLst>
     <p:sldLayoutId id="2147483661" r:id="rId1"/>
     <p:sldLayoutId id="2147483662" r:id="rId2"/>
-    <p:sldLayoutId id="2147483663" r:id="rId3"/>
-    <p:sldLayoutId id="2147483684" r:id="rId4"/>
-    <p:sldLayoutId id="2147483685" r:id="rId5"/>
-    <p:sldLayoutId id="2147483686" r:id="rId6"/>
-    <p:sldLayoutId id="2147483687" r:id="rId7"/>
-    <p:sldLayoutId id="2147483688" r:id="rId8"/>
-    <p:sldLayoutId id="2147483689" r:id="rId9"/>
-    <p:sldLayoutId id="2147483690" r:id="rId10"/>
-    <p:sldLayoutId id="2147483692" r:id="rId11"/>
+    <p:sldLayoutId id="2147483685" r:id="rId3"/>
+    <p:sldLayoutId id="2147483695" r:id="rId4"/>
+    <p:sldLayoutId id="2147483686" r:id="rId5"/>
+    <p:sldLayoutId id="2147483687" r:id="rId6"/>
+    <p:sldLayoutId id="2147483689" r:id="rId7"/>
+    <p:sldLayoutId id="2147483690" r:id="rId8"/>
+    <p:sldLayoutId id="2147483692" r:id="rId9"/>
+    <p:sldLayoutId id="2147483693" r:id="rId10"/>
+    <p:sldLayoutId id="2147483694" r:id="rId11"/>
+    <p:sldLayoutId id="2147483715" r:id="rId12"/>
+    <p:sldLayoutId id="2147483716" r:id="rId13"/>
+    <p:sldLayoutId id="2147483718" r:id="rId14"/>
   </p:sldLayoutIdLst>
   <p:transition>
     <p:fade/>
@@ -12475,30 +15313,30 @@
     </p:spTree>
     <p:extLst>
       <p:ext uri="{BB962C8B-B14F-4D97-AF65-F5344CB8AC3E}">
-        <p14:creationId xmlns:p14="http://schemas.microsoft.com/office/powerpoint/2010/main" val="3648742257"/>
+        <p14:creationId xmlns:p14="http://schemas.microsoft.com/office/powerpoint/2010/main" val="28837961"/>
       </p:ext>
     </p:extLst>
   </p:cSld>
   <p:clrMap bg1="dk1" tx1="lt1" bg2="dk2" tx2="lt2" accent1="accent1" accent2="accent2" accent3="accent3" accent4="accent4" accent5="accent5" accent6="accent6" hlink="hlink" folHlink="folHlink"/>
   <p:sldLayoutIdLst>
-    <p:sldLayoutId id="2147483666" r:id="rId1"/>
-    <p:sldLayoutId id="2147483667" r:id="rId2"/>
-    <p:sldLayoutId id="2147483668" r:id="rId3"/>
-    <p:sldLayoutId id="2147483669" r:id="rId4"/>
-    <p:sldLayoutId id="2147483670" r:id="rId5"/>
-    <p:sldLayoutId id="2147483671" r:id="rId6"/>
-    <p:sldLayoutId id="2147483672" r:id="rId7"/>
-    <p:sldLayoutId id="2147483673" r:id="rId8"/>
-    <p:sldLayoutId id="2147483674" r:id="rId9"/>
-    <p:sldLayoutId id="2147483675" r:id="rId10"/>
-    <p:sldLayoutId id="2147483676" r:id="rId11"/>
-    <p:sldLayoutId id="2147483677" r:id="rId12"/>
-    <p:sldLayoutId id="2147483678" r:id="rId13"/>
-    <p:sldLayoutId id="2147483679" r:id="rId14"/>
-    <p:sldLayoutId id="2147483680" r:id="rId15"/>
-    <p:sldLayoutId id="2147483681" r:id="rId16"/>
-    <p:sldLayoutId id="2147483682" r:id="rId17"/>
-    <p:sldLayoutId id="2147483683" r:id="rId18"/>
+    <p:sldLayoutId id="2147483697" r:id="rId1"/>
+    <p:sldLayoutId id="2147483698" r:id="rId2"/>
+    <p:sldLayoutId id="2147483699" r:id="rId3"/>
+    <p:sldLayoutId id="2147483700" r:id="rId4"/>
+    <p:sldLayoutId id="2147483701" r:id="rId5"/>
+    <p:sldLayoutId id="2147483702" r:id="rId6"/>
+    <p:sldLayoutId id="2147483703" r:id="rId7"/>
+    <p:sldLayoutId id="2147483704" r:id="rId8"/>
+    <p:sldLayoutId id="2147483705" r:id="rId9"/>
+    <p:sldLayoutId id="2147483706" r:id="rId10"/>
+    <p:sldLayoutId id="2147483707" r:id="rId11"/>
+    <p:sldLayoutId id="2147483708" r:id="rId12"/>
+    <p:sldLayoutId id="2147483709" r:id="rId13"/>
+    <p:sldLayoutId id="2147483710" r:id="rId14"/>
+    <p:sldLayoutId id="2147483711" r:id="rId15"/>
+    <p:sldLayoutId id="2147483712" r:id="rId16"/>
+    <p:sldLayoutId id="2147483713" r:id="rId17"/>
+    <p:sldLayoutId id="2147483714" r:id="rId18"/>
   </p:sldLayoutIdLst>
   <p:transition>
     <p:fade/>
@@ -13036,7 +15874,7 @@
         <p:spPr>
           <a:xfrm>
             <a:off x="269302" y="2084187"/>
-            <a:ext cx="7171335" cy="899336"/>
+            <a:ext cx="10837062" cy="1793090"/>
           </a:xfrm>
         </p:spPr>
         <p:txBody>
@@ -13058,10 +15896,38 @@
           </a:p>
         </p:txBody>
       </p:sp>
+      <p:sp>
+        <p:nvSpPr>
+          <p:cNvPr id="4" name="Text Placeholder 3">
+            <a:extLst>
+              <a:ext uri="{FF2B5EF4-FFF2-40B4-BE49-F238E27FC236}">
+                <a16:creationId xmlns:a16="http://schemas.microsoft.com/office/drawing/2014/main" id="{33AAC83A-270B-4FB2-938B-65157A00E0D7}"/>
+              </a:ext>
+            </a:extLst>
+          </p:cNvPr>
+          <p:cNvSpPr>
+            <a:spLocks noGrp="1"/>
+          </p:cNvSpPr>
+          <p:nvPr>
+            <p:ph type="body" sz="quarter" idx="12"/>
+          </p:nvPr>
+        </p:nvSpPr>
+        <p:spPr/>
+        <p:txBody>
+          <a:bodyPr/>
+          <a:lstStyle/>
+          <a:p>
+            <a:r>
+              <a:rPr lang="en-US" dirty="0"/>
+              <a:t>Zoiner Tejada</a:t>
+            </a:r>
+          </a:p>
+        </p:txBody>
+      </p:sp>
     </p:spTree>
     <p:extLst>
       <p:ext uri="{BB962C8B-B14F-4D97-AF65-F5344CB8AC3E}">
-        <p14:creationId xmlns:p14="http://schemas.microsoft.com/office/powerpoint/2010/main" val="137967904"/>
+        <p14:creationId xmlns:p14="http://schemas.microsoft.com/office/powerpoint/2010/main" val="1495789952"/>
       </p:ext>
     </p:extLst>
   </p:cSld>
@@ -13102,7 +15968,13 @@
       </p:grpSpPr>
       <p:sp>
         <p:nvSpPr>
-          <p:cNvPr id="2" name="Title 1"/>
+          <p:cNvPr id="8" name="Title 16">
+            <a:extLst>
+              <a:ext uri="{FF2B5EF4-FFF2-40B4-BE49-F238E27FC236}">
+                <a16:creationId xmlns:a16="http://schemas.microsoft.com/office/drawing/2014/main" id="{0ECFF0C9-E3D4-4ADA-8A80-1E5189FD3D01}"/>
+              </a:ext>
+            </a:extLst>
+          </p:cNvPr>
           <p:cNvSpPr>
             <a:spLocks noGrp="1"/>
           </p:cNvSpPr>
@@ -13116,23 +15988,28 @@
           <a:lstStyle/>
           <a:p>
             <a:r>
-              <a:rPr lang="en-US"/>
+              <a:rPr lang="en-US" dirty="0"/>
               <a:t>Benefits of creating a POC</a:t>
             </a:r>
-            <a:endParaRPr lang="en-US" dirty="0"/>
           </a:p>
         </p:txBody>
       </p:sp>
       <p:sp>
         <p:nvSpPr>
-          <p:cNvPr id="11" name="TextBox 10"/>
+          <p:cNvPr id="12" name="TextBox 11">
+            <a:extLst>
+              <a:ext uri="{FF2B5EF4-FFF2-40B4-BE49-F238E27FC236}">
+                <a16:creationId xmlns:a16="http://schemas.microsoft.com/office/drawing/2014/main" id="{87FEBA4D-1C35-4109-AC9F-B392EA9004E2}"/>
+              </a:ext>
+            </a:extLst>
+          </p:cNvPr>
           <p:cNvSpPr txBox="1"/>
           <p:nvPr/>
         </p:nvSpPr>
         <p:spPr>
           <a:xfrm>
-            <a:off x="1768243" y="1382038"/>
-            <a:ext cx="9851570" cy="2040559"/>
+            <a:off x="340887" y="1326282"/>
+            <a:ext cx="6123413" cy="5112169"/>
           </a:xfrm>
           <a:prstGeom prst="rect">
             <a:avLst/>
@@ -13154,35 +16031,22 @@
               </a:spcAft>
             </a:pPr>
             <a:r>
-              <a:rPr lang="en-US" dirty="0">
-                <a:latin typeface="+mj-lt"/>
+              <a:rPr lang="en-US" sz="2000" dirty="0"/>
+              <a:t>A </a:t>
+            </a:r>
+            <a:r>
+              <a:rPr lang="en-US" sz="2000" b="1" dirty="0">
+                <a:solidFill>
+                  <a:srgbClr val="107BD4"/>
+                </a:solidFill>
               </a:rPr>
-              <a:t>A proof of concept is meant to overcome customer objections by demonstrating the solution will solve the problem for which it is designed. Treat a POC as a continuous learning and improvement process for the solution. A rapid execution tempo of the POC helps validate the customer’s requirements, while giving them confidence in your ability to deliver on your promises. A successful POC can serve as evidence that your practice can use for future engagements with your customer or new ones. In fact, many times the output of a POC can be added to your practice’s intellectual property list for demonstrations, or used to accelerate future solutions.</a:t>
-            </a:r>
-          </a:p>
-        </p:txBody>
-      </p:sp>
-      <p:sp>
-        <p:nvSpPr>
-          <p:cNvPr id="15" name="TextBox 14"/>
-          <p:cNvSpPr txBox="1"/>
-          <p:nvPr/>
-        </p:nvSpPr>
-        <p:spPr>
-          <a:xfrm>
-            <a:off x="1768243" y="3411777"/>
-            <a:ext cx="7475911" cy="544765"/>
-          </a:xfrm>
-          <a:prstGeom prst="rect">
-            <a:avLst/>
-          </a:prstGeom>
-          <a:noFill/>
-        </p:spPr>
-        <p:txBody>
-          <a:bodyPr wrap="square" lIns="182880" tIns="146304" rIns="182880" bIns="146304" rtlCol="0">
-            <a:spAutoFit/>
-          </a:bodyPr>
-          <a:lstStyle/>
+              <a:t>proof of concept (POC) </a:t>
+            </a:r>
+            <a:r>
+              <a:rPr lang="en-US" sz="2000" dirty="0"/>
+              <a:t>is meant to overcome customer objections by demonstrating the solution will solve the problem for which it is designed. </a:t>
+            </a:r>
+          </a:p>
           <a:p>
             <a:pPr>
               <a:lnSpc>
@@ -13192,183 +16056,133 @@
                 <a:spcPts val="600"/>
               </a:spcAft>
             </a:pPr>
-            <a:r>
-              <a:rPr lang="en-US" dirty="0">
-                <a:latin typeface="+mj-lt"/>
-              </a:rPr>
-              <a:t>A typical POC undergoes the following phases:</a:t>
-            </a:r>
-          </a:p>
-        </p:txBody>
-      </p:sp>
-      <p:sp>
-        <p:nvSpPr>
-          <p:cNvPr id="6" name="Rectangle 5"/>
-          <p:cNvSpPr/>
-          <p:nvPr/>
-        </p:nvSpPr>
-        <p:spPr>
-          <a:xfrm>
-            <a:off x="2130572" y="4115670"/>
-            <a:ext cx="6096000" cy="1243417"/>
-          </a:xfrm>
-          <a:prstGeom prst="rect">
-            <a:avLst/>
-          </a:prstGeom>
-        </p:spPr>
-        <p:txBody>
-          <a:bodyPr>
-            <a:spAutoFit/>
-          </a:bodyPr>
-          <a:lstStyle/>
-          <a:p>
-            <a:pPr marL="285750" indent="-285750">
+            <a:endParaRPr lang="en-US" sz="2000" dirty="0"/>
+          </a:p>
+          <a:p>
+            <a:pPr marL="342900" indent="-342900">
               <a:lnSpc>
                 <a:spcPct val="90000"/>
               </a:lnSpc>
               <a:spcAft>
                 <a:spcPts val="600"/>
               </a:spcAft>
+              <a:buClr>
+                <a:srgbClr val="107BD4"/>
+              </a:buClr>
               <a:buFont typeface="Arial" panose="020B0604020202020204" pitchFamily="34" charset="0"/>
               <a:buChar char="•"/>
             </a:pPr>
             <a:r>
-              <a:rPr lang="en-US" dirty="0"/>
-              <a:t>Define scope – scoping typically occurs during an ADS</a:t>
-            </a:r>
-          </a:p>
-          <a:p>
-            <a:pPr marL="285750" indent="-285750">
+              <a:rPr lang="en-US" sz="2000" dirty="0"/>
+              <a:t>A continuous learning and improvement process for the solution. </a:t>
+            </a:r>
+          </a:p>
+          <a:p>
+            <a:pPr marL="342900" indent="-342900">
               <a:lnSpc>
                 <a:spcPct val="90000"/>
               </a:lnSpc>
               <a:spcAft>
                 <a:spcPts val="600"/>
               </a:spcAft>
+              <a:buClr>
+                <a:srgbClr val="107BD4"/>
+              </a:buClr>
               <a:buFont typeface="Arial" panose="020B0604020202020204" pitchFamily="34" charset="0"/>
               <a:buChar char="•"/>
             </a:pPr>
             <a:r>
-              <a:rPr lang="en-US" dirty="0"/>
-              <a:t>Execute implementation – create, test, refine, repeat</a:t>
-            </a:r>
-          </a:p>
-          <a:p>
-            <a:pPr marL="285750" indent="-285750">
+              <a:rPr lang="en-US" sz="2000" dirty="0"/>
+              <a:t>Rapid execution tempo that helps validate the customer’s requirements, while giving them confidence in your ability to deliver on your promises. </a:t>
+            </a:r>
+          </a:p>
+          <a:p>
+            <a:pPr marL="342900" indent="-342900">
               <a:lnSpc>
                 <a:spcPct val="90000"/>
               </a:lnSpc>
               <a:spcAft>
                 <a:spcPts val="600"/>
               </a:spcAft>
+              <a:buClr>
+                <a:srgbClr val="107BD4"/>
+              </a:buClr>
               <a:buFont typeface="Arial" panose="020B0604020202020204" pitchFamily="34" charset="0"/>
               <a:buChar char="•"/>
             </a:pPr>
             <a:r>
-              <a:rPr lang="en-US" dirty="0"/>
-              <a:t>Conclude – lessons learned, validation, production development begins</a:t>
-            </a:r>
-          </a:p>
-        </p:txBody>
-      </p:sp>
-      <p:pic>
-        <p:nvPicPr>
-          <p:cNvPr id="3" name="Picture 2"/>
-          <p:cNvPicPr>
-            <a:picLocks noChangeAspect="1"/>
-          </p:cNvPicPr>
-          <p:nvPr/>
-        </p:nvPicPr>
-        <p:blipFill>
-          <a:blip r:embed="rId3">
-            <a:duotone>
-              <a:schemeClr val="accent1">
-                <a:shade val="45000"/>
-                <a:satMod val="135000"/>
-              </a:schemeClr>
-              <a:prstClr val="white"/>
-            </a:duotone>
-            <a:extLst>
-              <a:ext uri="{BEBA8EAE-BF5A-486C-A8C5-ECC9F3942E4B}">
-                <a14:imgProps xmlns:a14="http://schemas.microsoft.com/office/drawing/2010/main">
-                  <a14:imgLayer r:embed="rId4">
-                    <a14:imgEffect>
-                      <a14:brightnessContrast bright="20000" contrast="40000"/>
-                    </a14:imgEffect>
-                  </a14:imgLayer>
-                </a14:imgProps>
-              </a:ext>
-            </a:extLst>
-          </a:blip>
-          <a:stretch>
-            <a:fillRect/>
-          </a:stretch>
-        </p:blipFill>
-        <p:spPr>
-          <a:xfrm flipH="1">
-            <a:off x="8805905" y="3587304"/>
-            <a:ext cx="2316056" cy="1771783"/>
-          </a:xfrm>
-          <a:prstGeom prst="rect">
-            <a:avLst/>
-          </a:prstGeom>
-        </p:spPr>
-      </p:pic>
-      <p:sp>
-        <p:nvSpPr>
-          <p:cNvPr id="12" name="TextBox 11"/>
-          <p:cNvSpPr txBox="1"/>
-          <p:nvPr/>
-        </p:nvSpPr>
-        <p:spPr>
-          <a:xfrm>
-            <a:off x="1768242" y="5638230"/>
-            <a:ext cx="10047674" cy="1043363"/>
-          </a:xfrm>
-          <a:prstGeom prst="rect">
-            <a:avLst/>
-          </a:prstGeom>
-          <a:noFill/>
-        </p:spPr>
-        <p:txBody>
-          <a:bodyPr wrap="square" lIns="182880" tIns="146304" rIns="182880" bIns="146304" rtlCol="0">
-            <a:spAutoFit/>
-          </a:bodyPr>
-          <a:lstStyle/>
-          <a:p>
-            <a:pPr>
+              <a:rPr lang="en-US" sz="2000" dirty="0"/>
+              <a:t>Serves as evidence that your practice can use for future engagements with your customer or new ones.</a:t>
+            </a:r>
+          </a:p>
+          <a:p>
+            <a:pPr marL="342900" indent="-342900">
               <a:lnSpc>
                 <a:spcPct val="90000"/>
               </a:lnSpc>
               <a:spcAft>
                 <a:spcPts val="600"/>
               </a:spcAft>
+              <a:buClr>
+                <a:srgbClr val="107BD4"/>
+              </a:buClr>
+              <a:buFont typeface="Arial" panose="020B0604020202020204" pitchFamily="34" charset="0"/>
+              <a:buChar char="•"/>
             </a:pPr>
             <a:r>
-              <a:rPr lang="en-US" dirty="0">
-                <a:latin typeface="+mj-lt"/>
-              </a:rPr>
-              <a:t>A POC is </a:t>
-            </a:r>
-            <a:r>
-              <a:rPr lang="en-US" b="1" dirty="0">
-                <a:latin typeface="+mj-lt"/>
-              </a:rPr>
-              <a:t>NOT</a:t>
-            </a:r>
-            <a:r>
-              <a:rPr lang="en-US" dirty="0">
-                <a:latin typeface="+mj-lt"/>
-              </a:rPr>
-              <a:t> meant to be used as, or modified to become, the production solution. It is meant for rapid prototyping only. A POC can also be used as a loss leader to generate sales opportunities, or effectively as a profit center.</a:t>
+              <a:rPr lang="en-US" sz="2000" dirty="0"/>
+              <a:t>Output can be added to your practice’s intellectual property list for demonstrations, or used to accelerate future solutions.</a:t>
             </a:r>
           </a:p>
         </p:txBody>
       </p:sp>
+      <p:pic>
+        <p:nvPicPr>
+          <p:cNvPr id="5" name="Picture 4">
+            <a:extLst>
+              <a:ext uri="{FF2B5EF4-FFF2-40B4-BE49-F238E27FC236}">
+                <a16:creationId xmlns:a16="http://schemas.microsoft.com/office/drawing/2014/main" id="{BFE81EDC-CDC0-4BEE-A8F2-D0F43FE709A3}"/>
+              </a:ext>
+            </a:extLst>
+          </p:cNvPr>
+          <p:cNvPicPr>
+            <a:picLocks noGrp="1" noChangeAspect="1"/>
+          </p:cNvPicPr>
+          <p:nvPr/>
+        </p:nvPicPr>
+        <p:blipFill>
+          <a:blip r:embed="rId3">
+            <a:extLst>
+              <a:ext uri="{28A0092B-C50C-407E-A947-70E740481C1C}">
+                <a14:useLocalDpi xmlns:a14="http://schemas.microsoft.com/office/drawing/2010/main" val="0"/>
+              </a:ext>
+            </a:extLst>
+          </a:blip>
+          <a:srcRect t="12528" b="12528"/>
+          <a:stretch>
+            <a:fillRect/>
+          </a:stretch>
+        </p:blipFill>
+        <p:spPr bwMode="ltGray">
+          <a:xfrm>
+            <a:off x="6642878" y="0"/>
+            <a:ext cx="6094444" cy="6856100"/>
+          </a:xfrm>
+          <a:prstGeom prst="rect">
+            <a:avLst/>
+          </a:prstGeom>
+          <a:blipFill>
+            <a:blip r:embed="rId4"/>
+            <a:stretch>
+              <a:fillRect/>
+            </a:stretch>
+          </a:blipFill>
+        </p:spPr>
+      </p:pic>
     </p:spTree>
     <p:extLst>
       <p:ext uri="{BB962C8B-B14F-4D97-AF65-F5344CB8AC3E}">
-        <p14:creationId xmlns:p14="http://schemas.microsoft.com/office/powerpoint/2010/main" val="1480228449"/>
+        <p14:creationId xmlns:p14="http://schemas.microsoft.com/office/powerpoint/2010/main" val="3588436288"/>
       </p:ext>
     </p:extLst>
   </p:cSld>
@@ -13377,14 +16191,10 @@
   </p:clrMapOvr>
   <mc:AlternateContent xmlns:mc="http://schemas.openxmlformats.org/markup-compatibility/2006" xmlns:p14="http://schemas.microsoft.com/office/powerpoint/2010/main">
     <mc:Choice Requires="p14">
-      <p:transition spd="med" p14:dur="700">
-        <p:fade/>
-      </p:transition>
+      <p:transition p14:dur="0"/>
     </mc:Choice>
     <mc:Fallback xmlns="">
-      <p:transition spd="med">
-        <p:fade/>
-      </p:transition>
+      <p:transition/>
     </mc:Fallback>
   </mc:AlternateContent>
 </p:sld>
@@ -13409,7 +16219,13 @@
       </p:grpSpPr>
       <p:sp>
         <p:nvSpPr>
-          <p:cNvPr id="2" name="Title 1"/>
+          <p:cNvPr id="8" name="Title 16">
+            <a:extLst>
+              <a:ext uri="{FF2B5EF4-FFF2-40B4-BE49-F238E27FC236}">
+                <a16:creationId xmlns:a16="http://schemas.microsoft.com/office/drawing/2014/main" id="{0ECFF0C9-E3D4-4ADA-8A80-1E5189FD3D01}"/>
+              </a:ext>
+            </a:extLst>
+          </p:cNvPr>
           <p:cNvSpPr>
             <a:spLocks noGrp="1"/>
           </p:cNvSpPr>
@@ -13423,23 +16239,28 @@
           <a:lstStyle/>
           <a:p>
             <a:r>
-              <a:rPr lang="en-US"/>
-              <a:t>Define POC Scope Checklist</a:t>
-            </a:r>
-            <a:endParaRPr lang="en-US" dirty="0"/>
+              <a:rPr lang="en-US" dirty="0"/>
+              <a:t>Benefits of creating a POC</a:t>
+            </a:r>
           </a:p>
         </p:txBody>
       </p:sp>
       <p:sp>
         <p:nvSpPr>
-          <p:cNvPr id="11" name="TextBox 10"/>
+          <p:cNvPr id="12" name="TextBox 11">
+            <a:extLst>
+              <a:ext uri="{FF2B5EF4-FFF2-40B4-BE49-F238E27FC236}">
+                <a16:creationId xmlns:a16="http://schemas.microsoft.com/office/drawing/2014/main" id="{87FEBA4D-1C35-4109-AC9F-B392EA9004E2}"/>
+              </a:ext>
+            </a:extLst>
+          </p:cNvPr>
           <p:cNvSpPr txBox="1"/>
           <p:nvPr/>
         </p:nvSpPr>
         <p:spPr>
           <a:xfrm>
-            <a:off x="2198194" y="1817396"/>
-            <a:ext cx="8129681" cy="1043363"/>
+            <a:off x="340887" y="1326282"/>
+            <a:ext cx="8780812" cy="2289858"/>
           </a:xfrm>
           <a:prstGeom prst="rect">
             <a:avLst/>
@@ -13461,223 +16282,98 @@
               </a:spcAft>
             </a:pPr>
             <a:r>
-              <a:rPr lang="en-US" dirty="0">
-                <a:latin typeface="+mj-lt"/>
+              <a:rPr lang="en-US" sz="2400" dirty="0"/>
+              <a:t>A </a:t>
+            </a:r>
+            <a:r>
+              <a:rPr lang="en-US" sz="2400" b="1" dirty="0">
+                <a:solidFill>
+                  <a:srgbClr val="107BD4"/>
+                </a:solidFill>
               </a:rPr>
-              <a:t>Always establish a clear and concrete scope before starting work on a POC. Work with your group to review and whiteboard POC requirements based on data gathered from the ADS. Be sure to do the following:</a:t>
-            </a:r>
-          </a:p>
-        </p:txBody>
-      </p:sp>
-      <p:sp>
-        <p:nvSpPr>
-          <p:cNvPr id="6" name="Rectangle 5"/>
-          <p:cNvSpPr/>
-          <p:nvPr/>
-        </p:nvSpPr>
-        <p:spPr>
-          <a:xfrm>
-            <a:off x="2661450" y="3030026"/>
-            <a:ext cx="8494230" cy="2299091"/>
-          </a:xfrm>
-          <a:prstGeom prst="rect">
-            <a:avLst/>
-          </a:prstGeom>
-        </p:spPr>
-        <p:txBody>
-          <a:bodyPr wrap="square">
-            <a:spAutoFit/>
-          </a:bodyPr>
-          <a:lstStyle/>
-          <a:p>
-            <a:pPr marL="285750" indent="-285750">
-              <a:lnSpc>
-                <a:spcPct val="90000"/>
-              </a:lnSpc>
-              <a:spcAft>
-                <a:spcPts val="600"/>
-              </a:spcAft>
-              <a:buFont typeface="Wingdings" charset="2"/>
-              <a:buChar char="q"/>
-            </a:pPr>
-            <a:r>
-              <a:rPr lang="en-US" dirty="0"/>
-              <a:t>Go over established business and technical requirements from the ADS</a:t>
-            </a:r>
-          </a:p>
-          <a:p>
-            <a:pPr marL="285750" indent="-285750">
-              <a:lnSpc>
-                <a:spcPct val="90000"/>
-              </a:lnSpc>
-              <a:spcAft>
-                <a:spcPts val="600"/>
-              </a:spcAft>
-              <a:buFont typeface="Wingdings" charset="2"/>
-              <a:buChar char="q"/>
-            </a:pPr>
-            <a:r>
-              <a:rPr lang="en-US" dirty="0"/>
-              <a:t>Condense full set of requirements down to workloads and features of the POC</a:t>
-            </a:r>
-          </a:p>
-          <a:p>
-            <a:pPr marL="742950" lvl="1" indent="-285750">
-              <a:lnSpc>
-                <a:spcPct val="90000"/>
-              </a:lnSpc>
-              <a:spcAft>
-                <a:spcPts val="600"/>
-              </a:spcAft>
-              <a:buFont typeface="Wingdings" charset="2"/>
-              <a:buChar char="q"/>
-            </a:pPr>
-            <a:r>
-              <a:rPr lang="en-US" dirty="0"/>
-              <a:t>Select proof points and address objections to overcome</a:t>
-            </a:r>
-          </a:p>
-          <a:p>
-            <a:pPr marL="742950" lvl="1" indent="-285750">
-              <a:lnSpc>
-                <a:spcPct val="90000"/>
-              </a:lnSpc>
-              <a:spcAft>
-                <a:spcPts val="600"/>
-              </a:spcAft>
-              <a:buFont typeface="Wingdings" charset="2"/>
-              <a:buChar char="q"/>
-            </a:pPr>
-            <a:r>
-              <a:rPr lang="en-US" dirty="0"/>
-              <a:t>Be able to answer </a:t>
-            </a:r>
-            <a:r>
-              <a:rPr lang="mr-IN" dirty="0"/>
-              <a:t>–</a:t>
-            </a:r>
-            <a:r>
-              <a:rPr lang="en-US" dirty="0"/>
-              <a:t> what are you trying prove with the POC?</a:t>
-            </a:r>
-          </a:p>
-          <a:p>
-            <a:pPr marL="285750" indent="-285750">
-              <a:lnSpc>
-                <a:spcPct val="90000"/>
-              </a:lnSpc>
-              <a:spcAft>
-                <a:spcPts val="600"/>
-              </a:spcAft>
-              <a:buFont typeface="Wingdings" charset="2"/>
-              <a:buChar char="q"/>
-            </a:pPr>
-            <a:r>
-              <a:rPr lang="en-US" dirty="0"/>
-              <a:t>Establish team responsibilities and organization</a:t>
-            </a:r>
-          </a:p>
-          <a:p>
-            <a:pPr marL="285750" indent="-285750">
-              <a:lnSpc>
-                <a:spcPct val="90000"/>
-              </a:lnSpc>
-              <a:spcAft>
-                <a:spcPts val="600"/>
-              </a:spcAft>
-              <a:buFont typeface="Wingdings" charset="2"/>
-              <a:buChar char="q"/>
-            </a:pPr>
-            <a:r>
-              <a:rPr lang="en-US" dirty="0"/>
-              <a:t>Perform Azure cost estimates</a:t>
-            </a:r>
-          </a:p>
-          <a:p>
-            <a:pPr marL="285750" indent="-285750">
-              <a:lnSpc>
-                <a:spcPct val="90000"/>
-              </a:lnSpc>
-              <a:spcAft>
-                <a:spcPts val="600"/>
-              </a:spcAft>
-              <a:buFont typeface="Wingdings" charset="2"/>
-              <a:buChar char="q"/>
-            </a:pPr>
-            <a:r>
-              <a:rPr lang="en-US" dirty="0"/>
-              <a:t>Outline next steps after the success criteria is met</a:t>
+              <a:t>proof of concept (POC) </a:t>
+            </a:r>
+            <a:r>
+              <a:rPr lang="en-US" sz="2400" dirty="0"/>
+              <a:t>is </a:t>
+            </a:r>
+            <a:r>
+              <a:rPr lang="en-US" sz="2400" u="sng" dirty="0"/>
+              <a:t>not</a:t>
+            </a:r>
+            <a:r>
+              <a:rPr lang="en-US" sz="2400" dirty="0"/>
+              <a:t> meant to be used as, </a:t>
+            </a:r>
+            <a:br>
+              <a:rPr lang="en-US" sz="2400" dirty="0"/>
+            </a:br>
+            <a:r>
+              <a:rPr lang="en-US" sz="2400" dirty="0"/>
+              <a:t>or modified to become, the production solution. </a:t>
+            </a:r>
+            <a:br>
+              <a:rPr lang="en-US" sz="2400" dirty="0"/>
+            </a:br>
+            <a:r>
+              <a:rPr lang="en-US" sz="2400" dirty="0"/>
+              <a:t>It is meant for rapid prototyping only. </a:t>
+            </a:r>
+            <a:br>
+              <a:rPr lang="en-US" sz="2400" dirty="0"/>
+            </a:br>
+            <a:br>
+              <a:rPr lang="en-US" sz="2400" dirty="0"/>
+            </a:br>
+            <a:r>
+              <a:rPr lang="en-US" sz="2400" dirty="0"/>
+              <a:t>A POC can also be used as a loss leader to generate sales opportunities, or effectively as a profit center.</a:t>
             </a:r>
           </a:p>
         </p:txBody>
       </p:sp>
       <p:pic>
         <p:nvPicPr>
-          <p:cNvPr id="4" name="Picture 3"/>
+          <p:cNvPr id="2" name="Picture 1">
+            <a:extLst>
+              <a:ext uri="{FF2B5EF4-FFF2-40B4-BE49-F238E27FC236}">
+                <a16:creationId xmlns:a16="http://schemas.microsoft.com/office/drawing/2014/main" id="{01F01CA6-D900-4AD5-85D2-DF136D8D52D5}"/>
+              </a:ext>
+            </a:extLst>
+          </p:cNvPr>
           <p:cNvPicPr>
             <a:picLocks noChangeAspect="1"/>
           </p:cNvPicPr>
           <p:nvPr/>
         </p:nvPicPr>
         <p:blipFill>
-          <a:blip r:embed="rId3"/>
+          <a:blip r:embed="rId3">
+            <a:duotone>
+              <a:prstClr val="black"/>
+              <a:schemeClr val="accent1">
+                <a:tint val="45000"/>
+                <a:satMod val="400000"/>
+              </a:schemeClr>
+            </a:duotone>
+          </a:blip>
           <a:stretch>
             <a:fillRect/>
           </a:stretch>
         </p:blipFill>
         <p:spPr>
           <a:xfrm>
-            <a:off x="-139279" y="2228625"/>
-            <a:ext cx="3115422" cy="3115422"/>
+            <a:off x="7798115" y="3716050"/>
+            <a:ext cx="3712943" cy="2850835"/>
           </a:xfrm>
           <a:prstGeom prst="rect">
             <a:avLst/>
           </a:prstGeom>
         </p:spPr>
       </p:pic>
-      <p:sp>
-        <p:nvSpPr>
-          <p:cNvPr id="10" name="TextBox 9"/>
-          <p:cNvSpPr txBox="1"/>
-          <p:nvPr/>
-        </p:nvSpPr>
-        <p:spPr>
-          <a:xfrm>
-            <a:off x="2198193" y="5344047"/>
-            <a:ext cx="8129681" cy="794064"/>
-          </a:xfrm>
-          <a:prstGeom prst="rect">
-            <a:avLst/>
-          </a:prstGeom>
-          <a:noFill/>
-        </p:spPr>
-        <p:txBody>
-          <a:bodyPr wrap="square" lIns="182880" tIns="146304" rIns="182880" bIns="146304" rtlCol="0">
-            <a:spAutoFit/>
-          </a:bodyPr>
-          <a:lstStyle/>
-          <a:p>
-            <a:pPr>
-              <a:lnSpc>
-                <a:spcPct val="90000"/>
-              </a:lnSpc>
-              <a:spcAft>
-                <a:spcPts val="600"/>
-              </a:spcAft>
-            </a:pPr>
-            <a:r>
-              <a:rPr lang="en-US" dirty="0">
-                <a:latin typeface="+mj-lt"/>
-              </a:rPr>
-              <a:t>Remember, plan your POC development strategy with speed of execution in mind, not durability and longevity. This is not to become the production solution.</a:t>
-            </a:r>
-          </a:p>
-        </p:txBody>
-      </p:sp>
     </p:spTree>
     <p:extLst>
       <p:ext uri="{BB962C8B-B14F-4D97-AF65-F5344CB8AC3E}">
-        <p14:creationId xmlns:p14="http://schemas.microsoft.com/office/powerpoint/2010/main" val="3329247954"/>
+        <p14:creationId xmlns:p14="http://schemas.microsoft.com/office/powerpoint/2010/main" val="3467383157"/>
       </p:ext>
     </p:extLst>
   </p:cSld>
@@ -13686,14 +16382,10 @@
   </p:clrMapOvr>
   <mc:AlternateContent xmlns:mc="http://schemas.openxmlformats.org/markup-compatibility/2006" xmlns:p14="http://schemas.microsoft.com/office/powerpoint/2010/main">
     <mc:Choice Requires="p14">
-      <p:transition spd="med" p14:dur="700">
-        <p:fade/>
-      </p:transition>
+      <p:transition p14:dur="0"/>
     </mc:Choice>
     <mc:Fallback xmlns="">
-      <p:transition spd="med">
-        <p:fade/>
-      </p:transition>
+      <p:transition/>
     </mc:Fallback>
   </mc:AlternateContent>
 </p:sld>
@@ -13718,7 +16410,83 @@
       </p:grpSpPr>
       <p:sp>
         <p:nvSpPr>
-          <p:cNvPr id="2" name="Title 1"/>
+          <p:cNvPr id="57" name="Rectangle 56"/>
+          <p:cNvSpPr/>
+          <p:nvPr/>
+        </p:nvSpPr>
+        <p:spPr bwMode="auto">
+          <a:xfrm>
+            <a:off x="0" y="0"/>
+            <a:ext cx="5809129" cy="6858000"/>
+          </a:xfrm>
+          <a:prstGeom prst="rect">
+            <a:avLst/>
+          </a:prstGeom>
+          <a:solidFill>
+            <a:srgbClr val="107BD4"/>
+          </a:solidFill>
+          <a:ln>
+            <a:noFill/>
+            <a:headEnd type="none" w="med" len="med"/>
+            <a:tailEnd type="none" w="med" len="med"/>
+          </a:ln>
+          <a:effectLst/>
+        </p:spPr>
+        <p:style>
+          <a:lnRef idx="1">
+            <a:schemeClr val="accent2"/>
+          </a:lnRef>
+          <a:fillRef idx="3">
+            <a:schemeClr val="accent2"/>
+          </a:fillRef>
+          <a:effectRef idx="2">
+            <a:schemeClr val="accent2"/>
+          </a:effectRef>
+          <a:fontRef idx="minor">
+            <a:schemeClr val="lt1"/>
+          </a:fontRef>
+        </p:style>
+        <p:txBody>
+          <a:bodyPr rot="0" spcFirstLastPara="0" vertOverflow="overflow" horzOverflow="overflow" vert="horz" wrap="square" lIns="182880" tIns="146304" rIns="182880" bIns="146304" numCol="1" spcCol="0" rtlCol="0" fromWordArt="0" anchor="t" anchorCtr="0" forceAA="0" compatLnSpc="1">
+            <a:prstTxWarp prst="textNoShape">
+              <a:avLst/>
+            </a:prstTxWarp>
+            <a:noAutofit/>
+          </a:bodyPr>
+          <a:lstStyle/>
+          <a:p>
+            <a:pPr algn="ctr" defTabSz="932472" fontAlgn="base">
+              <a:lnSpc>
+                <a:spcPct val="90000"/>
+              </a:lnSpc>
+              <a:spcBef>
+                <a:spcPct val="0"/>
+              </a:spcBef>
+              <a:spcAft>
+                <a:spcPct val="0"/>
+              </a:spcAft>
+            </a:pPr>
+            <a:endParaRPr lang="en-US" sz="2400" dirty="0" err="1">
+              <a:gradFill>
+                <a:gsLst>
+                  <a:gs pos="0">
+                    <a:srgbClr val="FFFFFF"/>
+                  </a:gs>
+                  <a:gs pos="100000">
+                    <a:srgbClr val="FFFFFF"/>
+                  </a:gs>
+                </a:gsLst>
+                <a:lin ang="5400000" scaled="0"/>
+              </a:gradFill>
+              <a:ea typeface="Segoe UI" pitchFamily="34" charset="0"/>
+              <a:cs typeface="Segoe UI" pitchFamily="34" charset="0"/>
+            </a:endParaRPr>
+          </a:p>
+        </p:txBody>
+      </p:sp>
+      <p:sp>
+        <p:nvSpPr>
+          <p:cNvPr id="58" name="Title 57"/>
           <p:cNvSpPr>
             <a:spLocks noGrp="1"/>
           </p:cNvSpPr>
@@ -13726,224 +16494,1503 @@
             <p:ph type="title"/>
           </p:nvPr>
         </p:nvSpPr>
-        <p:spPr/>
+        <p:spPr>
+          <a:xfrm>
+            <a:off x="268929" y="291114"/>
+            <a:ext cx="5230918" cy="899665"/>
+          </a:xfrm>
+        </p:spPr>
         <p:txBody>
           <a:bodyPr/>
           <a:lstStyle/>
           <a:p>
             <a:r>
-              <a:rPr lang="en-US"/>
-              <a:t>Execute POC Implementation Checklist</a:t>
-            </a:r>
-            <a:endParaRPr lang="en-US" dirty="0"/>
+              <a:rPr lang="en-US" dirty="0">
+                <a:solidFill>
+                  <a:schemeClr val="bg1"/>
+                </a:solidFill>
+              </a:rPr>
+              <a:t>Phases of a POC</a:t>
+            </a:r>
           </a:p>
         </p:txBody>
       </p:sp>
       <p:sp>
         <p:nvSpPr>
-          <p:cNvPr id="11" name="TextBox 10"/>
-          <p:cNvSpPr txBox="1"/>
+          <p:cNvPr id="54" name="Text Placeholder 6"/>
+          <p:cNvSpPr txBox="1">
+            <a:spLocks/>
+          </p:cNvSpPr>
           <p:nvPr/>
         </p:nvSpPr>
         <p:spPr>
           <a:xfrm>
-            <a:off x="2198194" y="1817396"/>
-            <a:ext cx="8129681" cy="794064"/>
-          </a:xfrm>
-          <a:prstGeom prst="rect">
-            <a:avLst/>
-          </a:prstGeom>
-          <a:noFill/>
-        </p:spPr>
-        <p:txBody>
-          <a:bodyPr wrap="square" lIns="182880" tIns="146304" rIns="182880" bIns="146304" rtlCol="0">
-            <a:spAutoFit/>
-          </a:bodyPr>
-          <a:lstStyle/>
-          <a:p>
-            <a:pPr>
-              <a:lnSpc>
-                <a:spcPct val="90000"/>
-              </a:lnSpc>
-              <a:spcAft>
-                <a:spcPts val="600"/>
-              </a:spcAft>
-            </a:pPr>
-            <a:r>
-              <a:rPr lang="en-US" dirty="0">
-                <a:latin typeface="+mj-lt"/>
-              </a:rPr>
-              <a:t>Work with your group to draw out the POC architecture, components, technical resources, and success criteria. Be sure to do the following:</a:t>
-            </a:r>
-          </a:p>
-        </p:txBody>
-      </p:sp>
-      <p:sp>
-        <p:nvSpPr>
-          <p:cNvPr id="6" name="Rectangle 5"/>
-          <p:cNvSpPr/>
-          <p:nvPr/>
-        </p:nvSpPr>
-        <p:spPr>
-          <a:xfrm>
-            <a:off x="2661450" y="3030026"/>
-            <a:ext cx="8494230" cy="2720745"/>
+            <a:off x="7249546" y="658186"/>
+            <a:ext cx="4328371" cy="1064907"/>
           </a:xfrm>
           <a:prstGeom prst="rect">
             <a:avLst/>
           </a:prstGeom>
         </p:spPr>
         <p:txBody>
-          <a:bodyPr wrap="square">
+          <a:bodyPr vert="horz" wrap="square" lIns="146304" tIns="91440" rIns="146304" bIns="91440" rtlCol="0">
             <a:spAutoFit/>
           </a:bodyPr>
-          <a:lstStyle/>
-          <a:p>
-            <a:pPr marL="285750" indent="-285750">
+          <a:lstStyle>
+            <a:lvl1pPr marL="0" marR="0" indent="0" algn="l" defTabSz="932742" rtl="0" eaLnBrk="1" fontAlgn="auto" latinLnBrk="0" hangingPunct="1">
               <a:lnSpc>
                 <a:spcPct val="90000"/>
               </a:lnSpc>
+              <a:spcBef>
+                <a:spcPts val="0"/>
+              </a:spcBef>
               <a:spcAft>
                 <a:spcPts val="600"/>
               </a:spcAft>
-              <a:buFont typeface="Wingdings" charset="2"/>
-              <a:buChar char="q"/>
-            </a:pPr>
-            <a:r>
-              <a:rPr lang="en-US" dirty="0"/>
-              <a:t>List all required technical resources</a:t>
-            </a:r>
-          </a:p>
-          <a:p>
-            <a:pPr marL="285750" indent="-285750">
+              <a:buClrTx/>
+              <a:buSzPct val="90000"/>
+              <a:buFont typeface="Arial" pitchFamily="34" charset="0"/>
+              <a:buNone/>
+              <a:tabLst/>
+              <a:defRPr lang="en-US" sz="1200" kern="1200" spc="0" baseline="0" dirty="0" smtClean="0">
+                <a:solidFill>
+                  <a:schemeClr val="tx1"/>
+                </a:solidFill>
+                <a:latin typeface="+mn-lt"/>
+                <a:ea typeface="+mn-ea"/>
+                <a:cs typeface="+mn-cs"/>
+              </a:defRPr>
+            </a:lvl1pPr>
+            <a:lvl2pPr marL="584200" marR="0" indent="-241300" algn="l" defTabSz="932742" rtl="0" eaLnBrk="1" fontAlgn="auto" latinLnBrk="0" hangingPunct="1">
               <a:lnSpc>
                 <a:spcPct val="90000"/>
               </a:lnSpc>
+              <a:spcBef>
+                <a:spcPct val="20000"/>
+              </a:spcBef>
               <a:spcAft>
-                <a:spcPts val="600"/>
+                <a:spcPts val="0"/>
               </a:spcAft>
-              <a:buFont typeface="Wingdings" charset="2"/>
-              <a:buChar char="q"/>
-            </a:pPr>
-            <a:r>
-              <a:rPr lang="en-US" dirty="0"/>
-              <a:t>Identify existing templates that can be used to jump-start POC development, such as ARM templates and Visual Studio project templates</a:t>
-            </a:r>
-          </a:p>
-          <a:p>
-            <a:pPr marL="285750" indent="-285750">
+              <a:buClrTx/>
+              <a:buSzPct val="90000"/>
+              <a:buFont typeface="Arial" pitchFamily="34" charset="0"/>
+              <a:buChar char="•"/>
+              <a:tabLst/>
+              <a:defRPr sz="2400" kern="1200" spc="0" baseline="0">
+                <a:gradFill>
+                  <a:gsLst>
+                    <a:gs pos="1250">
+                      <a:schemeClr val="tx1"/>
+                    </a:gs>
+                    <a:gs pos="100000">
+                      <a:schemeClr val="tx1"/>
+                    </a:gs>
+                  </a:gsLst>
+                  <a:lin ang="5400000" scaled="0"/>
+                </a:gradFill>
+                <a:latin typeface="+mn-lt"/>
+                <a:ea typeface="+mn-ea"/>
+                <a:cs typeface="+mn-cs"/>
+              </a:defRPr>
+            </a:lvl2pPr>
+            <a:lvl3pPr marL="800100" marR="0" indent="-228600" algn="l" defTabSz="932742" rtl="0" eaLnBrk="1" fontAlgn="auto" latinLnBrk="0" hangingPunct="1">
               <a:lnSpc>
                 <a:spcPct val="90000"/>
               </a:lnSpc>
+              <a:spcBef>
+                <a:spcPct val="20000"/>
+              </a:spcBef>
               <a:spcAft>
-                <a:spcPts val="600"/>
+                <a:spcPts val="0"/>
               </a:spcAft>
-              <a:buFont typeface="Wingdings" charset="2"/>
-              <a:buChar char="q"/>
-            </a:pPr>
-            <a:r>
-              <a:rPr lang="en-US" dirty="0"/>
-              <a:t>List PaaS services that will be used</a:t>
-            </a:r>
-          </a:p>
-          <a:p>
-            <a:pPr marL="285750" indent="-285750">
+              <a:buClrTx/>
+              <a:buSzPct val="90000"/>
+              <a:buFont typeface="Arial" pitchFamily="34" charset="0"/>
+              <a:buChar char="•"/>
+              <a:tabLst/>
+              <a:defRPr sz="2000" kern="1200" spc="0" baseline="0">
+                <a:gradFill>
+                  <a:gsLst>
+                    <a:gs pos="1250">
+                      <a:schemeClr val="tx1"/>
+                    </a:gs>
+                    <a:gs pos="100000">
+                      <a:schemeClr val="tx1"/>
+                    </a:gs>
+                  </a:gsLst>
+                  <a:lin ang="5400000" scaled="0"/>
+                </a:gradFill>
+                <a:latin typeface="+mn-lt"/>
+                <a:ea typeface="+mn-ea"/>
+                <a:cs typeface="+mn-cs"/>
+              </a:defRPr>
+            </a:lvl3pPr>
+            <a:lvl4pPr marL="1028700" marR="0" indent="-228600" algn="l" defTabSz="932742" rtl="0" eaLnBrk="1" fontAlgn="auto" latinLnBrk="0" hangingPunct="1">
               <a:lnSpc>
                 <a:spcPct val="90000"/>
               </a:lnSpc>
+              <a:spcBef>
+                <a:spcPct val="20000"/>
+              </a:spcBef>
               <a:spcAft>
-                <a:spcPts val="600"/>
+                <a:spcPts val="0"/>
               </a:spcAft>
-              <a:buFont typeface="Wingdings" charset="2"/>
-              <a:buChar char="q"/>
-            </a:pPr>
-            <a:r>
-              <a:rPr lang="en-US" dirty="0"/>
-              <a:t>Figure out which functionality should be implemented, and which should be stubbed out for reference only</a:t>
-            </a:r>
-          </a:p>
-          <a:p>
-            <a:pPr marL="285750" indent="-285750">
+              <a:buClrTx/>
+              <a:buSzPct val="90000"/>
+              <a:buFont typeface="Arial" pitchFamily="34" charset="0"/>
+              <a:buChar char="•"/>
+              <a:tabLst/>
+              <a:defRPr sz="1800" kern="1200" spc="0" baseline="0">
+                <a:gradFill>
+                  <a:gsLst>
+                    <a:gs pos="1250">
+                      <a:schemeClr val="tx1"/>
+                    </a:gs>
+                    <a:gs pos="100000">
+                      <a:schemeClr val="tx1"/>
+                    </a:gs>
+                  </a:gsLst>
+                  <a:lin ang="5400000" scaled="0"/>
+                </a:gradFill>
+                <a:latin typeface="+mn-lt"/>
+                <a:ea typeface="+mn-ea"/>
+                <a:cs typeface="+mn-cs"/>
+              </a:defRPr>
+            </a:lvl4pPr>
+            <a:lvl5pPr marL="1257300" marR="0" indent="-228600" algn="l" defTabSz="932742" rtl="0" eaLnBrk="1" fontAlgn="auto" latinLnBrk="0" hangingPunct="1">
               <a:lnSpc>
                 <a:spcPct val="90000"/>
               </a:lnSpc>
+              <a:spcBef>
+                <a:spcPct val="20000"/>
+              </a:spcBef>
               <a:spcAft>
-                <a:spcPts val="600"/>
+                <a:spcPts val="0"/>
               </a:spcAft>
-              <a:buFont typeface="Wingdings" charset="2"/>
-              <a:buChar char="q"/>
+              <a:buClrTx/>
+              <a:buSzPct val="90000"/>
+              <a:buFont typeface="Arial" pitchFamily="34" charset="0"/>
+              <a:buChar char="•"/>
+              <a:tabLst/>
+              <a:defRPr sz="1800" kern="1200" spc="0" baseline="0">
+                <a:gradFill>
+                  <a:gsLst>
+                    <a:gs pos="1250">
+                      <a:schemeClr val="tx1"/>
+                    </a:gs>
+                    <a:gs pos="100000">
+                      <a:schemeClr val="tx1"/>
+                    </a:gs>
+                  </a:gsLst>
+                  <a:lin ang="5400000" scaled="0"/>
+                </a:gradFill>
+                <a:latin typeface="+mn-lt"/>
+                <a:ea typeface="+mn-ea"/>
+                <a:cs typeface="+mn-cs"/>
+              </a:defRPr>
+            </a:lvl5pPr>
+            <a:lvl6pPr marL="2565040" indent="-233186" algn="l" defTabSz="932742" rtl="0" eaLnBrk="1" latinLnBrk="0" hangingPunct="1">
+              <a:spcBef>
+                <a:spcPct val="20000"/>
+              </a:spcBef>
+              <a:buFont typeface="Arial" pitchFamily="34" charset="0"/>
+              <a:buChar char="•"/>
+              <a:defRPr sz="2000" kern="1200">
+                <a:solidFill>
+                  <a:schemeClr val="tx1"/>
+                </a:solidFill>
+                <a:latin typeface="+mn-lt"/>
+                <a:ea typeface="+mn-ea"/>
+                <a:cs typeface="+mn-cs"/>
+              </a:defRPr>
+            </a:lvl6pPr>
+            <a:lvl7pPr marL="3031412" indent="-233186" algn="l" defTabSz="932742" rtl="0" eaLnBrk="1" latinLnBrk="0" hangingPunct="1">
+              <a:spcBef>
+                <a:spcPct val="20000"/>
+              </a:spcBef>
+              <a:buFont typeface="Arial" pitchFamily="34" charset="0"/>
+              <a:buChar char="•"/>
+              <a:defRPr sz="2000" kern="1200">
+                <a:solidFill>
+                  <a:schemeClr val="tx1"/>
+                </a:solidFill>
+                <a:latin typeface="+mn-lt"/>
+                <a:ea typeface="+mn-ea"/>
+                <a:cs typeface="+mn-cs"/>
+              </a:defRPr>
+            </a:lvl7pPr>
+            <a:lvl8pPr marL="3497783" indent="-233186" algn="l" defTabSz="932742" rtl="0" eaLnBrk="1" latinLnBrk="0" hangingPunct="1">
+              <a:spcBef>
+                <a:spcPct val="20000"/>
+              </a:spcBef>
+              <a:buFont typeface="Arial" pitchFamily="34" charset="0"/>
+              <a:buChar char="•"/>
+              <a:defRPr sz="2000" kern="1200">
+                <a:solidFill>
+                  <a:schemeClr val="tx1"/>
+                </a:solidFill>
+                <a:latin typeface="+mn-lt"/>
+                <a:ea typeface="+mn-ea"/>
+                <a:cs typeface="+mn-cs"/>
+              </a:defRPr>
+            </a:lvl8pPr>
+            <a:lvl9pPr marL="3964155" indent="-233186" algn="l" defTabSz="932742" rtl="0" eaLnBrk="1" latinLnBrk="0" hangingPunct="1">
+              <a:spcBef>
+                <a:spcPct val="20000"/>
+              </a:spcBef>
+              <a:buFont typeface="Arial" pitchFamily="34" charset="0"/>
+              <a:buChar char="•"/>
+              <a:defRPr sz="2000" kern="1200">
+                <a:solidFill>
+                  <a:schemeClr val="tx1"/>
+                </a:solidFill>
+                <a:latin typeface="+mn-lt"/>
+                <a:ea typeface="+mn-ea"/>
+                <a:cs typeface="+mn-cs"/>
+              </a:defRPr>
+            </a:lvl9pPr>
+          </a:lstStyle>
+          <a:p>
+            <a:pPr lvl="0" defTabSz="931757" fontAlgn="base">
+              <a:spcBef>
+                <a:spcPct val="0"/>
+              </a:spcBef>
+              <a:spcAft>
+                <a:spcPct val="0"/>
+              </a:spcAft>
+              <a:buSzTx/>
+              <a:defRPr/>
             </a:pPr>
             <a:r>
-              <a:rPr lang="en-US" dirty="0"/>
-              <a:t>Create a testing plan, both automated and acceptance tests</a:t>
-            </a:r>
-          </a:p>
-          <a:p>
-            <a:pPr marL="285750" indent="-285750">
+              <a:rPr lang="en-US" sz="2800" dirty="0">
+                <a:solidFill>
+                  <a:srgbClr val="505050"/>
+                </a:solidFill>
+                <a:latin typeface="+mj-lt"/>
+                <a:ea typeface="Segoe UI" pitchFamily="34" charset="0"/>
+                <a:cs typeface="Segoe UI" pitchFamily="34" charset="0"/>
+              </a:rPr>
+              <a:t>Define scope</a:t>
+            </a:r>
+          </a:p>
+          <a:p>
+            <a:pPr lvl="0" defTabSz="931757" fontAlgn="base">
+              <a:spcBef>
+                <a:spcPts val="588"/>
+              </a:spcBef>
+              <a:spcAft>
+                <a:spcPct val="0"/>
+              </a:spcAft>
+              <a:buSzTx/>
+              <a:defRPr/>
+            </a:pPr>
+            <a:endParaRPr lang="en-US" sz="1000" b="1" dirty="0">
+              <a:solidFill>
+                <a:srgbClr val="505050"/>
+              </a:solidFill>
+              <a:latin typeface="+mj-lt"/>
+              <a:ea typeface="Segoe UI" pitchFamily="34" charset="0"/>
+              <a:cs typeface="Segoe UI" pitchFamily="34" charset="0"/>
+            </a:endParaRPr>
+          </a:p>
+          <a:p>
+            <a:pPr lvl="0" defTabSz="931757" fontAlgn="base">
               <a:lnSpc>
-                <a:spcPct val="90000"/>
+                <a:spcPct val="100000"/>
               </a:lnSpc>
-              <a:spcAft>
-                <a:spcPts val="600"/>
-              </a:spcAft>
-              <a:buFont typeface="Wingdings" charset="2"/>
-              <a:buChar char="q"/>
+              <a:buSzTx/>
+              <a:defRPr/>
             </a:pPr>
             <a:r>
-              <a:rPr lang="en-US" dirty="0"/>
-              <a:t>Discuss how you will involve the customer and/or users in your testing process, to help identify bugs, surface usability issues, and validate business requirements</a:t>
-            </a:r>
+              <a:rPr lang="en-US" sz="1800" dirty="0">
+                <a:solidFill>
+                  <a:srgbClr val="505050"/>
+                </a:solidFill>
+                <a:cs typeface="Segoe UI" panose="020B0502040204020203" pitchFamily="34" charset="0"/>
+              </a:rPr>
+              <a:t>Typically occurs during an ADS. </a:t>
+            </a:r>
+            <a:endParaRPr lang="en-US" sz="1800" b="1" dirty="0">
+              <a:solidFill>
+                <a:srgbClr val="505050"/>
+              </a:solidFill>
+              <a:ea typeface="Segoe UI" pitchFamily="34" charset="0"/>
+              <a:cs typeface="Segoe UI" pitchFamily="34" charset="0"/>
+            </a:endParaRPr>
           </a:p>
         </p:txBody>
       </p:sp>
-      <p:pic>
-        <p:nvPicPr>
-          <p:cNvPr id="3" name="Picture 2"/>
-          <p:cNvPicPr>
-            <a:picLocks noChangeAspect="1"/>
-          </p:cNvPicPr>
+      <p:sp>
+        <p:nvSpPr>
+          <p:cNvPr id="55" name="Text Placeholder 6"/>
+          <p:cNvSpPr txBox="1">
+            <a:spLocks/>
+          </p:cNvSpPr>
           <p:nvPr/>
-        </p:nvPicPr>
-        <p:blipFill>
-          <a:blip r:embed="rId3">
-            <a:biLevel thresh="25000"/>
-          </a:blip>
-          <a:stretch>
-            <a:fillRect/>
-          </a:stretch>
-        </p:blipFill>
+        </p:nvSpPr>
         <p:spPr>
           <a:xfrm>
-            <a:off x="370844" y="3474859"/>
-            <a:ext cx="1787482" cy="1787482"/>
+            <a:off x="7249545" y="2198699"/>
+            <a:ext cx="4328371" cy="2126736"/>
           </a:xfrm>
           <a:prstGeom prst="rect">
             <a:avLst/>
           </a:prstGeom>
         </p:spPr>
-      </p:pic>
+        <p:txBody>
+          <a:bodyPr vert="horz" wrap="square" lIns="146304" tIns="91440" rIns="146304" bIns="91440" rtlCol="0">
+            <a:spAutoFit/>
+          </a:bodyPr>
+          <a:lstStyle>
+            <a:lvl1pPr marL="0" marR="0" indent="0" algn="l" defTabSz="932742" rtl="0" eaLnBrk="1" fontAlgn="auto" latinLnBrk="0" hangingPunct="1">
+              <a:lnSpc>
+                <a:spcPct val="90000"/>
+              </a:lnSpc>
+              <a:spcBef>
+                <a:spcPts val="0"/>
+              </a:spcBef>
+              <a:spcAft>
+                <a:spcPts val="600"/>
+              </a:spcAft>
+              <a:buClrTx/>
+              <a:buSzPct val="90000"/>
+              <a:buFont typeface="Arial" pitchFamily="34" charset="0"/>
+              <a:buNone/>
+              <a:tabLst/>
+              <a:defRPr lang="en-US" sz="1200" kern="1200" spc="0" baseline="0" dirty="0" smtClean="0">
+                <a:solidFill>
+                  <a:schemeClr val="tx1"/>
+                </a:solidFill>
+                <a:latin typeface="+mn-lt"/>
+                <a:ea typeface="+mn-ea"/>
+                <a:cs typeface="+mn-cs"/>
+              </a:defRPr>
+            </a:lvl1pPr>
+            <a:lvl2pPr marL="584200" marR="0" indent="-241300" algn="l" defTabSz="932742" rtl="0" eaLnBrk="1" fontAlgn="auto" latinLnBrk="0" hangingPunct="1">
+              <a:lnSpc>
+                <a:spcPct val="90000"/>
+              </a:lnSpc>
+              <a:spcBef>
+                <a:spcPct val="20000"/>
+              </a:spcBef>
+              <a:spcAft>
+                <a:spcPts val="0"/>
+              </a:spcAft>
+              <a:buClrTx/>
+              <a:buSzPct val="90000"/>
+              <a:buFont typeface="Arial" pitchFamily="34" charset="0"/>
+              <a:buChar char="•"/>
+              <a:tabLst/>
+              <a:defRPr sz="2400" kern="1200" spc="0" baseline="0">
+                <a:gradFill>
+                  <a:gsLst>
+                    <a:gs pos="1250">
+                      <a:schemeClr val="tx1"/>
+                    </a:gs>
+                    <a:gs pos="100000">
+                      <a:schemeClr val="tx1"/>
+                    </a:gs>
+                  </a:gsLst>
+                  <a:lin ang="5400000" scaled="0"/>
+                </a:gradFill>
+                <a:latin typeface="+mn-lt"/>
+                <a:ea typeface="+mn-ea"/>
+                <a:cs typeface="+mn-cs"/>
+              </a:defRPr>
+            </a:lvl2pPr>
+            <a:lvl3pPr marL="800100" marR="0" indent="-228600" algn="l" defTabSz="932742" rtl="0" eaLnBrk="1" fontAlgn="auto" latinLnBrk="0" hangingPunct="1">
+              <a:lnSpc>
+                <a:spcPct val="90000"/>
+              </a:lnSpc>
+              <a:spcBef>
+                <a:spcPct val="20000"/>
+              </a:spcBef>
+              <a:spcAft>
+                <a:spcPts val="0"/>
+              </a:spcAft>
+              <a:buClrTx/>
+              <a:buSzPct val="90000"/>
+              <a:buFont typeface="Arial" pitchFamily="34" charset="0"/>
+              <a:buChar char="•"/>
+              <a:tabLst/>
+              <a:defRPr sz="2000" kern="1200" spc="0" baseline="0">
+                <a:gradFill>
+                  <a:gsLst>
+                    <a:gs pos="1250">
+                      <a:schemeClr val="tx1"/>
+                    </a:gs>
+                    <a:gs pos="100000">
+                      <a:schemeClr val="tx1"/>
+                    </a:gs>
+                  </a:gsLst>
+                  <a:lin ang="5400000" scaled="0"/>
+                </a:gradFill>
+                <a:latin typeface="+mn-lt"/>
+                <a:ea typeface="+mn-ea"/>
+                <a:cs typeface="+mn-cs"/>
+              </a:defRPr>
+            </a:lvl3pPr>
+            <a:lvl4pPr marL="1028700" marR="0" indent="-228600" algn="l" defTabSz="932742" rtl="0" eaLnBrk="1" fontAlgn="auto" latinLnBrk="0" hangingPunct="1">
+              <a:lnSpc>
+                <a:spcPct val="90000"/>
+              </a:lnSpc>
+              <a:spcBef>
+                <a:spcPct val="20000"/>
+              </a:spcBef>
+              <a:spcAft>
+                <a:spcPts val="0"/>
+              </a:spcAft>
+              <a:buClrTx/>
+              <a:buSzPct val="90000"/>
+              <a:buFont typeface="Arial" pitchFamily="34" charset="0"/>
+              <a:buChar char="•"/>
+              <a:tabLst/>
+              <a:defRPr sz="1800" kern="1200" spc="0" baseline="0">
+                <a:gradFill>
+                  <a:gsLst>
+                    <a:gs pos="1250">
+                      <a:schemeClr val="tx1"/>
+                    </a:gs>
+                    <a:gs pos="100000">
+                      <a:schemeClr val="tx1"/>
+                    </a:gs>
+                  </a:gsLst>
+                  <a:lin ang="5400000" scaled="0"/>
+                </a:gradFill>
+                <a:latin typeface="+mn-lt"/>
+                <a:ea typeface="+mn-ea"/>
+                <a:cs typeface="+mn-cs"/>
+              </a:defRPr>
+            </a:lvl4pPr>
+            <a:lvl5pPr marL="1257300" marR="0" indent="-228600" algn="l" defTabSz="932742" rtl="0" eaLnBrk="1" fontAlgn="auto" latinLnBrk="0" hangingPunct="1">
+              <a:lnSpc>
+                <a:spcPct val="90000"/>
+              </a:lnSpc>
+              <a:spcBef>
+                <a:spcPct val="20000"/>
+              </a:spcBef>
+              <a:spcAft>
+                <a:spcPts val="0"/>
+              </a:spcAft>
+              <a:buClrTx/>
+              <a:buSzPct val="90000"/>
+              <a:buFont typeface="Arial" pitchFamily="34" charset="0"/>
+              <a:buChar char="•"/>
+              <a:tabLst/>
+              <a:defRPr sz="1800" kern="1200" spc="0" baseline="0">
+                <a:gradFill>
+                  <a:gsLst>
+                    <a:gs pos="1250">
+                      <a:schemeClr val="tx1"/>
+                    </a:gs>
+                    <a:gs pos="100000">
+                      <a:schemeClr val="tx1"/>
+                    </a:gs>
+                  </a:gsLst>
+                  <a:lin ang="5400000" scaled="0"/>
+                </a:gradFill>
+                <a:latin typeface="+mn-lt"/>
+                <a:ea typeface="+mn-ea"/>
+                <a:cs typeface="+mn-cs"/>
+              </a:defRPr>
+            </a:lvl5pPr>
+            <a:lvl6pPr marL="2565040" indent="-233186" algn="l" defTabSz="932742" rtl="0" eaLnBrk="1" latinLnBrk="0" hangingPunct="1">
+              <a:spcBef>
+                <a:spcPct val="20000"/>
+              </a:spcBef>
+              <a:buFont typeface="Arial" pitchFamily="34" charset="0"/>
+              <a:buChar char="•"/>
+              <a:defRPr sz="2000" kern="1200">
+                <a:solidFill>
+                  <a:schemeClr val="tx1"/>
+                </a:solidFill>
+                <a:latin typeface="+mn-lt"/>
+                <a:ea typeface="+mn-ea"/>
+                <a:cs typeface="+mn-cs"/>
+              </a:defRPr>
+            </a:lvl6pPr>
+            <a:lvl7pPr marL="3031412" indent="-233186" algn="l" defTabSz="932742" rtl="0" eaLnBrk="1" latinLnBrk="0" hangingPunct="1">
+              <a:spcBef>
+                <a:spcPct val="20000"/>
+              </a:spcBef>
+              <a:buFont typeface="Arial" pitchFamily="34" charset="0"/>
+              <a:buChar char="•"/>
+              <a:defRPr sz="2000" kern="1200">
+                <a:solidFill>
+                  <a:schemeClr val="tx1"/>
+                </a:solidFill>
+                <a:latin typeface="+mn-lt"/>
+                <a:ea typeface="+mn-ea"/>
+                <a:cs typeface="+mn-cs"/>
+              </a:defRPr>
+            </a:lvl7pPr>
+            <a:lvl8pPr marL="3497783" indent="-233186" algn="l" defTabSz="932742" rtl="0" eaLnBrk="1" latinLnBrk="0" hangingPunct="1">
+              <a:spcBef>
+                <a:spcPct val="20000"/>
+              </a:spcBef>
+              <a:buFont typeface="Arial" pitchFamily="34" charset="0"/>
+              <a:buChar char="•"/>
+              <a:defRPr sz="2000" kern="1200">
+                <a:solidFill>
+                  <a:schemeClr val="tx1"/>
+                </a:solidFill>
+                <a:latin typeface="+mn-lt"/>
+                <a:ea typeface="+mn-ea"/>
+                <a:cs typeface="+mn-cs"/>
+              </a:defRPr>
+            </a:lvl8pPr>
+            <a:lvl9pPr marL="3964155" indent="-233186" algn="l" defTabSz="932742" rtl="0" eaLnBrk="1" latinLnBrk="0" hangingPunct="1">
+              <a:spcBef>
+                <a:spcPct val="20000"/>
+              </a:spcBef>
+              <a:buFont typeface="Arial" pitchFamily="34" charset="0"/>
+              <a:buChar char="•"/>
+              <a:defRPr sz="2000" kern="1200">
+                <a:solidFill>
+                  <a:schemeClr val="tx1"/>
+                </a:solidFill>
+                <a:latin typeface="+mn-lt"/>
+                <a:ea typeface="+mn-ea"/>
+                <a:cs typeface="+mn-cs"/>
+              </a:defRPr>
+            </a:lvl9pPr>
+          </a:lstStyle>
+          <a:p>
+            <a:pPr lvl="0" defTabSz="931757" fontAlgn="base">
+              <a:spcBef>
+                <a:spcPct val="0"/>
+              </a:spcBef>
+              <a:spcAft>
+                <a:spcPct val="0"/>
+              </a:spcAft>
+              <a:buSzTx/>
+              <a:defRPr/>
+            </a:pPr>
+            <a:r>
+              <a:rPr lang="en-US" sz="2800" dirty="0">
+                <a:solidFill>
+                  <a:srgbClr val="505050"/>
+                </a:solidFill>
+                <a:latin typeface="+mj-lt"/>
+                <a:ea typeface="Segoe UI" pitchFamily="34" charset="0"/>
+                <a:cs typeface="Segoe UI" pitchFamily="34" charset="0"/>
+              </a:rPr>
+              <a:t>Execute implementation</a:t>
+            </a:r>
+          </a:p>
+          <a:p>
+            <a:pPr lvl="0" defTabSz="931757" fontAlgn="base">
+              <a:spcBef>
+                <a:spcPts val="588"/>
+              </a:spcBef>
+              <a:spcAft>
+                <a:spcPct val="0"/>
+              </a:spcAft>
+              <a:buSzTx/>
+              <a:defRPr/>
+            </a:pPr>
+            <a:endParaRPr lang="en-US" sz="1000" b="1" dirty="0">
+              <a:solidFill>
+                <a:srgbClr val="505050"/>
+              </a:solidFill>
+              <a:latin typeface="+mj-lt"/>
+              <a:ea typeface="Segoe UI" pitchFamily="34" charset="0"/>
+              <a:cs typeface="Segoe UI" pitchFamily="34" charset="0"/>
+            </a:endParaRPr>
+          </a:p>
+          <a:p>
+            <a:pPr marL="173038" lvl="0" indent="-173038" defTabSz="931757" fontAlgn="base">
+              <a:lnSpc>
+                <a:spcPct val="100000"/>
+              </a:lnSpc>
+              <a:buSzTx/>
+              <a:buFont typeface="Arial" charset="0"/>
+              <a:buChar char="•"/>
+              <a:defRPr/>
+            </a:pPr>
+            <a:r>
+              <a:rPr lang="en-US" sz="1800" dirty="0">
+                <a:solidFill>
+                  <a:srgbClr val="505050"/>
+                </a:solidFill>
+                <a:cs typeface="Segoe UI" panose="020B0502040204020203" pitchFamily="34" charset="0"/>
+              </a:rPr>
+              <a:t>Create</a:t>
+            </a:r>
+          </a:p>
+          <a:p>
+            <a:pPr marL="173038" lvl="0" indent="-173038" defTabSz="931757" fontAlgn="base">
+              <a:lnSpc>
+                <a:spcPct val="100000"/>
+              </a:lnSpc>
+              <a:buSzTx/>
+              <a:buFont typeface="Arial" charset="0"/>
+              <a:buChar char="•"/>
+              <a:defRPr/>
+            </a:pPr>
+            <a:r>
+              <a:rPr lang="en-US" sz="1800" dirty="0">
+                <a:solidFill>
+                  <a:srgbClr val="505050"/>
+                </a:solidFill>
+                <a:cs typeface="Segoe UI" panose="020B0502040204020203" pitchFamily="34" charset="0"/>
+              </a:rPr>
+              <a:t>Test</a:t>
+            </a:r>
+            <a:endParaRPr lang="en-US" sz="1800" b="1" dirty="0">
+              <a:solidFill>
+                <a:srgbClr val="505050"/>
+              </a:solidFill>
+              <a:ea typeface="Segoe UI" pitchFamily="34" charset="0"/>
+              <a:cs typeface="Segoe UI" pitchFamily="34" charset="0"/>
+            </a:endParaRPr>
+          </a:p>
+          <a:p>
+            <a:pPr marL="173038" lvl="0" indent="-173038" defTabSz="931757" fontAlgn="base">
+              <a:lnSpc>
+                <a:spcPct val="100000"/>
+              </a:lnSpc>
+              <a:buSzTx/>
+              <a:buFont typeface="Arial" charset="0"/>
+              <a:buChar char="•"/>
+              <a:defRPr/>
+            </a:pPr>
+            <a:r>
+              <a:rPr lang="en-US" sz="1800" dirty="0">
+                <a:solidFill>
+                  <a:srgbClr val="505050"/>
+                </a:solidFill>
+                <a:cs typeface="Segoe UI" panose="020B0502040204020203" pitchFamily="34" charset="0"/>
+              </a:rPr>
+              <a:t>Refine</a:t>
+            </a:r>
+          </a:p>
+          <a:p>
+            <a:pPr marL="173038" lvl="0" indent="-173038" defTabSz="931757" fontAlgn="base">
+              <a:lnSpc>
+                <a:spcPct val="100000"/>
+              </a:lnSpc>
+              <a:buSzTx/>
+              <a:buFont typeface="Arial" charset="0"/>
+              <a:buChar char="•"/>
+              <a:defRPr/>
+            </a:pPr>
+            <a:r>
+              <a:rPr lang="en-US" sz="1800" dirty="0">
+                <a:solidFill>
+                  <a:srgbClr val="505050"/>
+                </a:solidFill>
+                <a:ea typeface="Segoe UI" pitchFamily="34" charset="0"/>
+                <a:cs typeface="Segoe UI" panose="020B0502040204020203" pitchFamily="34" charset="0"/>
+              </a:rPr>
+              <a:t>Repeat</a:t>
+            </a:r>
+          </a:p>
+        </p:txBody>
+      </p:sp>
+      <p:sp>
+        <p:nvSpPr>
+          <p:cNvPr id="56" name="Text Placeholder 6"/>
+          <p:cNvSpPr txBox="1">
+            <a:spLocks/>
+          </p:cNvSpPr>
+          <p:nvPr/>
+        </p:nvSpPr>
+        <p:spPr>
+          <a:xfrm>
+            <a:off x="7249546" y="4801041"/>
+            <a:ext cx="4328371" cy="1772793"/>
+          </a:xfrm>
+          <a:prstGeom prst="rect">
+            <a:avLst/>
+          </a:prstGeom>
+        </p:spPr>
+        <p:txBody>
+          <a:bodyPr vert="horz" wrap="square" lIns="146304" tIns="91440" rIns="146304" bIns="91440" rtlCol="0">
+            <a:spAutoFit/>
+          </a:bodyPr>
+          <a:lstStyle>
+            <a:lvl1pPr marL="0" marR="0" indent="0" algn="l" defTabSz="932742" rtl="0" eaLnBrk="1" fontAlgn="auto" latinLnBrk="0" hangingPunct="1">
+              <a:lnSpc>
+                <a:spcPct val="90000"/>
+              </a:lnSpc>
+              <a:spcBef>
+                <a:spcPts val="0"/>
+              </a:spcBef>
+              <a:spcAft>
+                <a:spcPts val="600"/>
+              </a:spcAft>
+              <a:buClrTx/>
+              <a:buSzPct val="90000"/>
+              <a:buFont typeface="Arial" pitchFamily="34" charset="0"/>
+              <a:buNone/>
+              <a:tabLst/>
+              <a:defRPr lang="en-US" sz="1200" kern="1200" spc="0" baseline="0" dirty="0" smtClean="0">
+                <a:solidFill>
+                  <a:schemeClr val="tx1"/>
+                </a:solidFill>
+                <a:latin typeface="+mn-lt"/>
+                <a:ea typeface="+mn-ea"/>
+                <a:cs typeface="+mn-cs"/>
+              </a:defRPr>
+            </a:lvl1pPr>
+            <a:lvl2pPr marL="584200" marR="0" indent="-241300" algn="l" defTabSz="932742" rtl="0" eaLnBrk="1" fontAlgn="auto" latinLnBrk="0" hangingPunct="1">
+              <a:lnSpc>
+                <a:spcPct val="90000"/>
+              </a:lnSpc>
+              <a:spcBef>
+                <a:spcPct val="20000"/>
+              </a:spcBef>
+              <a:spcAft>
+                <a:spcPts val="0"/>
+              </a:spcAft>
+              <a:buClrTx/>
+              <a:buSzPct val="90000"/>
+              <a:buFont typeface="Arial" pitchFamily="34" charset="0"/>
+              <a:buChar char="•"/>
+              <a:tabLst/>
+              <a:defRPr sz="2400" kern="1200" spc="0" baseline="0">
+                <a:gradFill>
+                  <a:gsLst>
+                    <a:gs pos="1250">
+                      <a:schemeClr val="tx1"/>
+                    </a:gs>
+                    <a:gs pos="100000">
+                      <a:schemeClr val="tx1"/>
+                    </a:gs>
+                  </a:gsLst>
+                  <a:lin ang="5400000" scaled="0"/>
+                </a:gradFill>
+                <a:latin typeface="+mn-lt"/>
+                <a:ea typeface="+mn-ea"/>
+                <a:cs typeface="+mn-cs"/>
+              </a:defRPr>
+            </a:lvl2pPr>
+            <a:lvl3pPr marL="800100" marR="0" indent="-228600" algn="l" defTabSz="932742" rtl="0" eaLnBrk="1" fontAlgn="auto" latinLnBrk="0" hangingPunct="1">
+              <a:lnSpc>
+                <a:spcPct val="90000"/>
+              </a:lnSpc>
+              <a:spcBef>
+                <a:spcPct val="20000"/>
+              </a:spcBef>
+              <a:spcAft>
+                <a:spcPts val="0"/>
+              </a:spcAft>
+              <a:buClrTx/>
+              <a:buSzPct val="90000"/>
+              <a:buFont typeface="Arial" pitchFamily="34" charset="0"/>
+              <a:buChar char="•"/>
+              <a:tabLst/>
+              <a:defRPr sz="2000" kern="1200" spc="0" baseline="0">
+                <a:gradFill>
+                  <a:gsLst>
+                    <a:gs pos="1250">
+                      <a:schemeClr val="tx1"/>
+                    </a:gs>
+                    <a:gs pos="100000">
+                      <a:schemeClr val="tx1"/>
+                    </a:gs>
+                  </a:gsLst>
+                  <a:lin ang="5400000" scaled="0"/>
+                </a:gradFill>
+                <a:latin typeface="+mn-lt"/>
+                <a:ea typeface="+mn-ea"/>
+                <a:cs typeface="+mn-cs"/>
+              </a:defRPr>
+            </a:lvl3pPr>
+            <a:lvl4pPr marL="1028700" marR="0" indent="-228600" algn="l" defTabSz="932742" rtl="0" eaLnBrk="1" fontAlgn="auto" latinLnBrk="0" hangingPunct="1">
+              <a:lnSpc>
+                <a:spcPct val="90000"/>
+              </a:lnSpc>
+              <a:spcBef>
+                <a:spcPct val="20000"/>
+              </a:spcBef>
+              <a:spcAft>
+                <a:spcPts val="0"/>
+              </a:spcAft>
+              <a:buClrTx/>
+              <a:buSzPct val="90000"/>
+              <a:buFont typeface="Arial" pitchFamily="34" charset="0"/>
+              <a:buChar char="•"/>
+              <a:tabLst/>
+              <a:defRPr sz="1800" kern="1200" spc="0" baseline="0">
+                <a:gradFill>
+                  <a:gsLst>
+                    <a:gs pos="1250">
+                      <a:schemeClr val="tx1"/>
+                    </a:gs>
+                    <a:gs pos="100000">
+                      <a:schemeClr val="tx1"/>
+                    </a:gs>
+                  </a:gsLst>
+                  <a:lin ang="5400000" scaled="0"/>
+                </a:gradFill>
+                <a:latin typeface="+mn-lt"/>
+                <a:ea typeface="+mn-ea"/>
+                <a:cs typeface="+mn-cs"/>
+              </a:defRPr>
+            </a:lvl4pPr>
+            <a:lvl5pPr marL="1257300" marR="0" indent="-228600" algn="l" defTabSz="932742" rtl="0" eaLnBrk="1" fontAlgn="auto" latinLnBrk="0" hangingPunct="1">
+              <a:lnSpc>
+                <a:spcPct val="90000"/>
+              </a:lnSpc>
+              <a:spcBef>
+                <a:spcPct val="20000"/>
+              </a:spcBef>
+              <a:spcAft>
+                <a:spcPts val="0"/>
+              </a:spcAft>
+              <a:buClrTx/>
+              <a:buSzPct val="90000"/>
+              <a:buFont typeface="Arial" pitchFamily="34" charset="0"/>
+              <a:buChar char="•"/>
+              <a:tabLst/>
+              <a:defRPr sz="1800" kern="1200" spc="0" baseline="0">
+                <a:gradFill>
+                  <a:gsLst>
+                    <a:gs pos="1250">
+                      <a:schemeClr val="tx1"/>
+                    </a:gs>
+                    <a:gs pos="100000">
+                      <a:schemeClr val="tx1"/>
+                    </a:gs>
+                  </a:gsLst>
+                  <a:lin ang="5400000" scaled="0"/>
+                </a:gradFill>
+                <a:latin typeface="+mn-lt"/>
+                <a:ea typeface="+mn-ea"/>
+                <a:cs typeface="+mn-cs"/>
+              </a:defRPr>
+            </a:lvl5pPr>
+            <a:lvl6pPr marL="2565040" indent="-233186" algn="l" defTabSz="932742" rtl="0" eaLnBrk="1" latinLnBrk="0" hangingPunct="1">
+              <a:spcBef>
+                <a:spcPct val="20000"/>
+              </a:spcBef>
+              <a:buFont typeface="Arial" pitchFamily="34" charset="0"/>
+              <a:buChar char="•"/>
+              <a:defRPr sz="2000" kern="1200">
+                <a:solidFill>
+                  <a:schemeClr val="tx1"/>
+                </a:solidFill>
+                <a:latin typeface="+mn-lt"/>
+                <a:ea typeface="+mn-ea"/>
+                <a:cs typeface="+mn-cs"/>
+              </a:defRPr>
+            </a:lvl6pPr>
+            <a:lvl7pPr marL="3031412" indent="-233186" algn="l" defTabSz="932742" rtl="0" eaLnBrk="1" latinLnBrk="0" hangingPunct="1">
+              <a:spcBef>
+                <a:spcPct val="20000"/>
+              </a:spcBef>
+              <a:buFont typeface="Arial" pitchFamily="34" charset="0"/>
+              <a:buChar char="•"/>
+              <a:defRPr sz="2000" kern="1200">
+                <a:solidFill>
+                  <a:schemeClr val="tx1"/>
+                </a:solidFill>
+                <a:latin typeface="+mn-lt"/>
+                <a:ea typeface="+mn-ea"/>
+                <a:cs typeface="+mn-cs"/>
+              </a:defRPr>
+            </a:lvl7pPr>
+            <a:lvl8pPr marL="3497783" indent="-233186" algn="l" defTabSz="932742" rtl="0" eaLnBrk="1" latinLnBrk="0" hangingPunct="1">
+              <a:spcBef>
+                <a:spcPct val="20000"/>
+              </a:spcBef>
+              <a:buFont typeface="Arial" pitchFamily="34" charset="0"/>
+              <a:buChar char="•"/>
+              <a:defRPr sz="2000" kern="1200">
+                <a:solidFill>
+                  <a:schemeClr val="tx1"/>
+                </a:solidFill>
+                <a:latin typeface="+mn-lt"/>
+                <a:ea typeface="+mn-ea"/>
+                <a:cs typeface="+mn-cs"/>
+              </a:defRPr>
+            </a:lvl8pPr>
+            <a:lvl9pPr marL="3964155" indent="-233186" algn="l" defTabSz="932742" rtl="0" eaLnBrk="1" latinLnBrk="0" hangingPunct="1">
+              <a:spcBef>
+                <a:spcPct val="20000"/>
+              </a:spcBef>
+              <a:buFont typeface="Arial" pitchFamily="34" charset="0"/>
+              <a:buChar char="•"/>
+              <a:defRPr sz="2000" kern="1200">
+                <a:solidFill>
+                  <a:schemeClr val="tx1"/>
+                </a:solidFill>
+                <a:latin typeface="+mn-lt"/>
+                <a:ea typeface="+mn-ea"/>
+                <a:cs typeface="+mn-cs"/>
+              </a:defRPr>
+            </a:lvl9pPr>
+          </a:lstStyle>
+          <a:p>
+            <a:pPr lvl="0" defTabSz="931757" fontAlgn="base">
+              <a:spcBef>
+                <a:spcPct val="0"/>
+              </a:spcBef>
+              <a:spcAft>
+                <a:spcPct val="0"/>
+              </a:spcAft>
+              <a:buSzTx/>
+              <a:defRPr/>
+            </a:pPr>
+            <a:r>
+              <a:rPr lang="en-US" sz="2800" dirty="0">
+                <a:solidFill>
+                  <a:srgbClr val="505050"/>
+                </a:solidFill>
+                <a:latin typeface="+mj-lt"/>
+                <a:ea typeface="Segoe UI" pitchFamily="34" charset="0"/>
+                <a:cs typeface="Segoe UI" pitchFamily="34" charset="0"/>
+              </a:rPr>
+              <a:t>Conclude</a:t>
+            </a:r>
+          </a:p>
+          <a:p>
+            <a:pPr lvl="0" defTabSz="931757" fontAlgn="base">
+              <a:spcBef>
+                <a:spcPts val="588"/>
+              </a:spcBef>
+              <a:spcAft>
+                <a:spcPct val="0"/>
+              </a:spcAft>
+              <a:buSzTx/>
+              <a:defRPr/>
+            </a:pPr>
+            <a:endParaRPr lang="en-US" sz="1000" b="1" dirty="0">
+              <a:solidFill>
+                <a:srgbClr val="505050"/>
+              </a:solidFill>
+              <a:latin typeface="+mj-lt"/>
+              <a:ea typeface="Segoe UI" pitchFamily="34" charset="0"/>
+              <a:cs typeface="Segoe UI" pitchFamily="34" charset="0"/>
+            </a:endParaRPr>
+          </a:p>
+          <a:p>
+            <a:pPr marL="173038" lvl="0" indent="-173038" defTabSz="931757" fontAlgn="base">
+              <a:lnSpc>
+                <a:spcPct val="100000"/>
+              </a:lnSpc>
+              <a:buSzTx/>
+              <a:buFont typeface="Arial" charset="0"/>
+              <a:buChar char="•"/>
+              <a:defRPr/>
+            </a:pPr>
+            <a:r>
+              <a:rPr lang="en-US" sz="1800" dirty="0">
+                <a:solidFill>
+                  <a:srgbClr val="505050"/>
+                </a:solidFill>
+                <a:cs typeface="Segoe UI" panose="020B0502040204020203" pitchFamily="34" charset="0"/>
+              </a:rPr>
+              <a:t>Lessons learned</a:t>
+            </a:r>
+          </a:p>
+          <a:p>
+            <a:pPr marL="173038" lvl="0" indent="-173038" defTabSz="931757" fontAlgn="base">
+              <a:lnSpc>
+                <a:spcPct val="100000"/>
+              </a:lnSpc>
+              <a:buSzTx/>
+              <a:buFont typeface="Arial" charset="0"/>
+              <a:buChar char="•"/>
+              <a:defRPr/>
+            </a:pPr>
+            <a:r>
+              <a:rPr lang="en-US" sz="1800" dirty="0">
+                <a:solidFill>
+                  <a:srgbClr val="505050"/>
+                </a:solidFill>
+                <a:cs typeface="Segoe UI" panose="020B0502040204020203" pitchFamily="34" charset="0"/>
+              </a:rPr>
+              <a:t>Validation</a:t>
+            </a:r>
+            <a:endParaRPr lang="en-US" sz="1800" b="1" dirty="0">
+              <a:solidFill>
+                <a:srgbClr val="505050"/>
+              </a:solidFill>
+              <a:ea typeface="Segoe UI" pitchFamily="34" charset="0"/>
+              <a:cs typeface="Segoe UI" pitchFamily="34" charset="0"/>
+            </a:endParaRPr>
+          </a:p>
+          <a:p>
+            <a:pPr marL="173038" lvl="0" indent="-173038" defTabSz="931757" fontAlgn="base">
+              <a:lnSpc>
+                <a:spcPct val="100000"/>
+              </a:lnSpc>
+              <a:buSzTx/>
+              <a:buFont typeface="Arial" charset="0"/>
+              <a:buChar char="•"/>
+              <a:defRPr/>
+            </a:pPr>
+            <a:r>
+              <a:rPr lang="en-US" sz="1800" dirty="0">
+                <a:solidFill>
+                  <a:srgbClr val="505050"/>
+                </a:solidFill>
+                <a:ea typeface="Segoe UI" pitchFamily="34" charset="0"/>
+                <a:cs typeface="Segoe UI" panose="020B0502040204020203" pitchFamily="34" charset="0"/>
+              </a:rPr>
+              <a:t>Production development begins</a:t>
+            </a:r>
+            <a:endParaRPr lang="en-US" sz="1400" dirty="0">
+              <a:solidFill>
+                <a:srgbClr val="505050"/>
+              </a:solidFill>
+              <a:ea typeface="Segoe UI" pitchFamily="34" charset="0"/>
+              <a:cs typeface="Segoe UI" pitchFamily="34" charset="0"/>
+            </a:endParaRPr>
+          </a:p>
+        </p:txBody>
+      </p:sp>
+      <p:sp>
+        <p:nvSpPr>
+          <p:cNvPr id="11" name="check 3" title="Icon of a checkmark with a circle around it">
+            <a:extLst>
+              <a:ext uri="{FF2B5EF4-FFF2-40B4-BE49-F238E27FC236}">
+                <a16:creationId xmlns:a16="http://schemas.microsoft.com/office/drawing/2014/main" id="{71D361DD-8E81-4E5A-828E-4CF888F08A80}"/>
+              </a:ext>
+            </a:extLst>
+          </p:cNvPr>
+          <p:cNvSpPr>
+            <a:spLocks noChangeAspect="1" noEditPoints="1"/>
+          </p:cNvSpPr>
+          <p:nvPr/>
+        </p:nvSpPr>
+        <p:spPr bwMode="auto">
+          <a:xfrm>
+            <a:off x="6382873" y="712058"/>
+            <a:ext cx="427419" cy="424941"/>
+          </a:xfrm>
+          <a:custGeom>
+            <a:avLst/>
+            <a:gdLst>
+              <a:gd name="T0" fmla="*/ 250 w 250"/>
+              <a:gd name="T1" fmla="*/ 125 h 250"/>
+              <a:gd name="T2" fmla="*/ 125 w 250"/>
+              <a:gd name="T3" fmla="*/ 250 h 250"/>
+              <a:gd name="T4" fmla="*/ 0 w 250"/>
+              <a:gd name="T5" fmla="*/ 125 h 250"/>
+              <a:gd name="T6" fmla="*/ 125 w 250"/>
+              <a:gd name="T7" fmla="*/ 0 h 250"/>
+              <a:gd name="T8" fmla="*/ 250 w 250"/>
+              <a:gd name="T9" fmla="*/ 125 h 250"/>
+              <a:gd name="T10" fmla="*/ 60 w 250"/>
+              <a:gd name="T11" fmla="*/ 125 h 250"/>
+              <a:gd name="T12" fmla="*/ 100 w 250"/>
+              <a:gd name="T13" fmla="*/ 165 h 250"/>
+              <a:gd name="T14" fmla="*/ 190 w 250"/>
+              <a:gd name="T15" fmla="*/ 74 h 250"/>
+            </a:gdLst>
+            <a:ahLst/>
+            <a:cxnLst>
+              <a:cxn ang="0">
+                <a:pos x="T0" y="T1"/>
+              </a:cxn>
+              <a:cxn ang="0">
+                <a:pos x="T2" y="T3"/>
+              </a:cxn>
+              <a:cxn ang="0">
+                <a:pos x="T4" y="T5"/>
+              </a:cxn>
+              <a:cxn ang="0">
+                <a:pos x="T6" y="T7"/>
+              </a:cxn>
+              <a:cxn ang="0">
+                <a:pos x="T8" y="T9"/>
+              </a:cxn>
+              <a:cxn ang="0">
+                <a:pos x="T10" y="T11"/>
+              </a:cxn>
+              <a:cxn ang="0">
+                <a:pos x="T12" y="T13"/>
+              </a:cxn>
+              <a:cxn ang="0">
+                <a:pos x="T14" y="T15"/>
+              </a:cxn>
+            </a:cxnLst>
+            <a:rect l="0" t="0" r="r" b="b"/>
+            <a:pathLst>
+              <a:path w="250" h="250">
+                <a:moveTo>
+                  <a:pt x="250" y="125"/>
+                </a:moveTo>
+                <a:cubicBezTo>
+                  <a:pt x="250" y="194"/>
+                  <a:pt x="194" y="250"/>
+                  <a:pt x="125" y="250"/>
+                </a:cubicBezTo>
+                <a:cubicBezTo>
+                  <a:pt x="56" y="250"/>
+                  <a:pt x="0" y="194"/>
+                  <a:pt x="0" y="125"/>
+                </a:cubicBezTo>
+                <a:cubicBezTo>
+                  <a:pt x="0" y="56"/>
+                  <a:pt x="56" y="0"/>
+                  <a:pt x="125" y="0"/>
+                </a:cubicBezTo>
+                <a:cubicBezTo>
+                  <a:pt x="194" y="0"/>
+                  <a:pt x="250" y="56"/>
+                  <a:pt x="250" y="125"/>
+                </a:cubicBezTo>
+                <a:close/>
+                <a:moveTo>
+                  <a:pt x="60" y="125"/>
+                </a:moveTo>
+                <a:cubicBezTo>
+                  <a:pt x="100" y="165"/>
+                  <a:pt x="100" y="165"/>
+                  <a:pt x="100" y="165"/>
+                </a:cubicBezTo>
+                <a:cubicBezTo>
+                  <a:pt x="190" y="74"/>
+                  <a:pt x="190" y="74"/>
+                  <a:pt x="190" y="74"/>
+                </a:cubicBezTo>
+              </a:path>
+            </a:pathLst>
+          </a:custGeom>
+          <a:noFill/>
+          <a:ln w="15875" cap="sq">
+            <a:solidFill>
+              <a:schemeClr val="accent1"/>
+            </a:solidFill>
+            <a:prstDash val="solid"/>
+            <a:miter lim="800000"/>
+            <a:headEnd/>
+            <a:tailEnd/>
+          </a:ln>
+          <a:extLst>
+            <a:ext uri="{909E8E84-426E-40DD-AFC4-6F175D3DCCD1}">
+              <a14:hiddenFill xmlns:a14="http://schemas.microsoft.com/office/drawing/2010/main">
+                <a:solidFill>
+                  <a:srgbClr val="FFFFFF"/>
+                </a:solidFill>
+              </a14:hiddenFill>
+            </a:ext>
+          </a:extLst>
+        </p:spPr>
+        <p:txBody>
+          <a:bodyPr vert="horz" wrap="square" lIns="91440" tIns="45720" rIns="91440" bIns="45720" numCol="1" anchor="t" anchorCtr="0" compatLnSpc="1">
+            <a:prstTxWarp prst="textNoShape">
+              <a:avLst/>
+            </a:prstTxWarp>
+          </a:bodyPr>
+          <a:lstStyle/>
+          <a:p>
+            <a:endParaRPr lang="en-US">
+              <a:solidFill>
+                <a:srgbClr val="107BD4"/>
+              </a:solidFill>
+            </a:endParaRPr>
+          </a:p>
+        </p:txBody>
+      </p:sp>
+      <p:sp>
+        <p:nvSpPr>
+          <p:cNvPr id="12" name="check 3" title="Icon of a checkmark with a circle around it">
+            <a:extLst>
+              <a:ext uri="{FF2B5EF4-FFF2-40B4-BE49-F238E27FC236}">
+                <a16:creationId xmlns:a16="http://schemas.microsoft.com/office/drawing/2014/main" id="{EDCF01DE-B44B-47C9-8089-EC84B29DAC8E}"/>
+              </a:ext>
+            </a:extLst>
+          </p:cNvPr>
+          <p:cNvSpPr>
+            <a:spLocks noChangeAspect="1" noEditPoints="1"/>
+          </p:cNvSpPr>
+          <p:nvPr/>
+        </p:nvSpPr>
+        <p:spPr bwMode="auto">
+          <a:xfrm>
+            <a:off x="6382872" y="2245978"/>
+            <a:ext cx="427419" cy="424941"/>
+          </a:xfrm>
+          <a:custGeom>
+            <a:avLst/>
+            <a:gdLst>
+              <a:gd name="T0" fmla="*/ 250 w 250"/>
+              <a:gd name="T1" fmla="*/ 125 h 250"/>
+              <a:gd name="T2" fmla="*/ 125 w 250"/>
+              <a:gd name="T3" fmla="*/ 250 h 250"/>
+              <a:gd name="T4" fmla="*/ 0 w 250"/>
+              <a:gd name="T5" fmla="*/ 125 h 250"/>
+              <a:gd name="T6" fmla="*/ 125 w 250"/>
+              <a:gd name="T7" fmla="*/ 0 h 250"/>
+              <a:gd name="T8" fmla="*/ 250 w 250"/>
+              <a:gd name="T9" fmla="*/ 125 h 250"/>
+              <a:gd name="T10" fmla="*/ 60 w 250"/>
+              <a:gd name="T11" fmla="*/ 125 h 250"/>
+              <a:gd name="T12" fmla="*/ 100 w 250"/>
+              <a:gd name="T13" fmla="*/ 165 h 250"/>
+              <a:gd name="T14" fmla="*/ 190 w 250"/>
+              <a:gd name="T15" fmla="*/ 74 h 250"/>
+            </a:gdLst>
+            <a:ahLst/>
+            <a:cxnLst>
+              <a:cxn ang="0">
+                <a:pos x="T0" y="T1"/>
+              </a:cxn>
+              <a:cxn ang="0">
+                <a:pos x="T2" y="T3"/>
+              </a:cxn>
+              <a:cxn ang="0">
+                <a:pos x="T4" y="T5"/>
+              </a:cxn>
+              <a:cxn ang="0">
+                <a:pos x="T6" y="T7"/>
+              </a:cxn>
+              <a:cxn ang="0">
+                <a:pos x="T8" y="T9"/>
+              </a:cxn>
+              <a:cxn ang="0">
+                <a:pos x="T10" y="T11"/>
+              </a:cxn>
+              <a:cxn ang="0">
+                <a:pos x="T12" y="T13"/>
+              </a:cxn>
+              <a:cxn ang="0">
+                <a:pos x="T14" y="T15"/>
+              </a:cxn>
+            </a:cxnLst>
+            <a:rect l="0" t="0" r="r" b="b"/>
+            <a:pathLst>
+              <a:path w="250" h="250">
+                <a:moveTo>
+                  <a:pt x="250" y="125"/>
+                </a:moveTo>
+                <a:cubicBezTo>
+                  <a:pt x="250" y="194"/>
+                  <a:pt x="194" y="250"/>
+                  <a:pt x="125" y="250"/>
+                </a:cubicBezTo>
+                <a:cubicBezTo>
+                  <a:pt x="56" y="250"/>
+                  <a:pt x="0" y="194"/>
+                  <a:pt x="0" y="125"/>
+                </a:cubicBezTo>
+                <a:cubicBezTo>
+                  <a:pt x="0" y="56"/>
+                  <a:pt x="56" y="0"/>
+                  <a:pt x="125" y="0"/>
+                </a:cubicBezTo>
+                <a:cubicBezTo>
+                  <a:pt x="194" y="0"/>
+                  <a:pt x="250" y="56"/>
+                  <a:pt x="250" y="125"/>
+                </a:cubicBezTo>
+                <a:close/>
+                <a:moveTo>
+                  <a:pt x="60" y="125"/>
+                </a:moveTo>
+                <a:cubicBezTo>
+                  <a:pt x="100" y="165"/>
+                  <a:pt x="100" y="165"/>
+                  <a:pt x="100" y="165"/>
+                </a:cubicBezTo>
+                <a:cubicBezTo>
+                  <a:pt x="190" y="74"/>
+                  <a:pt x="190" y="74"/>
+                  <a:pt x="190" y="74"/>
+                </a:cubicBezTo>
+              </a:path>
+            </a:pathLst>
+          </a:custGeom>
+          <a:noFill/>
+          <a:ln w="15875" cap="sq">
+            <a:solidFill>
+              <a:schemeClr val="accent1"/>
+            </a:solidFill>
+            <a:prstDash val="solid"/>
+            <a:miter lim="800000"/>
+            <a:headEnd/>
+            <a:tailEnd/>
+          </a:ln>
+          <a:extLst>
+            <a:ext uri="{909E8E84-426E-40DD-AFC4-6F175D3DCCD1}">
+              <a14:hiddenFill xmlns:a14="http://schemas.microsoft.com/office/drawing/2010/main">
+                <a:solidFill>
+                  <a:srgbClr val="FFFFFF"/>
+                </a:solidFill>
+              </a14:hiddenFill>
+            </a:ext>
+          </a:extLst>
+        </p:spPr>
+        <p:txBody>
+          <a:bodyPr vert="horz" wrap="square" lIns="91440" tIns="45720" rIns="91440" bIns="45720" numCol="1" anchor="t" anchorCtr="0" compatLnSpc="1">
+            <a:prstTxWarp prst="textNoShape">
+              <a:avLst/>
+            </a:prstTxWarp>
+          </a:bodyPr>
+          <a:lstStyle/>
+          <a:p>
+            <a:endParaRPr lang="en-US">
+              <a:solidFill>
+                <a:srgbClr val="107BD4"/>
+              </a:solidFill>
+            </a:endParaRPr>
+          </a:p>
+        </p:txBody>
+      </p:sp>
+      <p:sp>
+        <p:nvSpPr>
+          <p:cNvPr id="13" name="check 3" title="Icon of a checkmark with a circle around it">
+            <a:extLst>
+              <a:ext uri="{FF2B5EF4-FFF2-40B4-BE49-F238E27FC236}">
+                <a16:creationId xmlns:a16="http://schemas.microsoft.com/office/drawing/2014/main" id="{D1533491-56B4-4AB0-ACEA-4BF24DB2514D}"/>
+              </a:ext>
+            </a:extLst>
+          </p:cNvPr>
+          <p:cNvSpPr>
+            <a:spLocks noChangeAspect="1" noEditPoints="1"/>
+          </p:cNvSpPr>
+          <p:nvPr/>
+        </p:nvSpPr>
+        <p:spPr bwMode="auto">
+          <a:xfrm>
+            <a:off x="6382872" y="4897484"/>
+            <a:ext cx="427419" cy="424941"/>
+          </a:xfrm>
+          <a:custGeom>
+            <a:avLst/>
+            <a:gdLst>
+              <a:gd name="T0" fmla="*/ 250 w 250"/>
+              <a:gd name="T1" fmla="*/ 125 h 250"/>
+              <a:gd name="T2" fmla="*/ 125 w 250"/>
+              <a:gd name="T3" fmla="*/ 250 h 250"/>
+              <a:gd name="T4" fmla="*/ 0 w 250"/>
+              <a:gd name="T5" fmla="*/ 125 h 250"/>
+              <a:gd name="T6" fmla="*/ 125 w 250"/>
+              <a:gd name="T7" fmla="*/ 0 h 250"/>
+              <a:gd name="T8" fmla="*/ 250 w 250"/>
+              <a:gd name="T9" fmla="*/ 125 h 250"/>
+              <a:gd name="T10" fmla="*/ 60 w 250"/>
+              <a:gd name="T11" fmla="*/ 125 h 250"/>
+              <a:gd name="T12" fmla="*/ 100 w 250"/>
+              <a:gd name="T13" fmla="*/ 165 h 250"/>
+              <a:gd name="T14" fmla="*/ 190 w 250"/>
+              <a:gd name="T15" fmla="*/ 74 h 250"/>
+            </a:gdLst>
+            <a:ahLst/>
+            <a:cxnLst>
+              <a:cxn ang="0">
+                <a:pos x="T0" y="T1"/>
+              </a:cxn>
+              <a:cxn ang="0">
+                <a:pos x="T2" y="T3"/>
+              </a:cxn>
+              <a:cxn ang="0">
+                <a:pos x="T4" y="T5"/>
+              </a:cxn>
+              <a:cxn ang="0">
+                <a:pos x="T6" y="T7"/>
+              </a:cxn>
+              <a:cxn ang="0">
+                <a:pos x="T8" y="T9"/>
+              </a:cxn>
+              <a:cxn ang="0">
+                <a:pos x="T10" y="T11"/>
+              </a:cxn>
+              <a:cxn ang="0">
+                <a:pos x="T12" y="T13"/>
+              </a:cxn>
+              <a:cxn ang="0">
+                <a:pos x="T14" y="T15"/>
+              </a:cxn>
+            </a:cxnLst>
+            <a:rect l="0" t="0" r="r" b="b"/>
+            <a:pathLst>
+              <a:path w="250" h="250">
+                <a:moveTo>
+                  <a:pt x="250" y="125"/>
+                </a:moveTo>
+                <a:cubicBezTo>
+                  <a:pt x="250" y="194"/>
+                  <a:pt x="194" y="250"/>
+                  <a:pt x="125" y="250"/>
+                </a:cubicBezTo>
+                <a:cubicBezTo>
+                  <a:pt x="56" y="250"/>
+                  <a:pt x="0" y="194"/>
+                  <a:pt x="0" y="125"/>
+                </a:cubicBezTo>
+                <a:cubicBezTo>
+                  <a:pt x="0" y="56"/>
+                  <a:pt x="56" y="0"/>
+                  <a:pt x="125" y="0"/>
+                </a:cubicBezTo>
+                <a:cubicBezTo>
+                  <a:pt x="194" y="0"/>
+                  <a:pt x="250" y="56"/>
+                  <a:pt x="250" y="125"/>
+                </a:cubicBezTo>
+                <a:close/>
+                <a:moveTo>
+                  <a:pt x="60" y="125"/>
+                </a:moveTo>
+                <a:cubicBezTo>
+                  <a:pt x="100" y="165"/>
+                  <a:pt x="100" y="165"/>
+                  <a:pt x="100" y="165"/>
+                </a:cubicBezTo>
+                <a:cubicBezTo>
+                  <a:pt x="190" y="74"/>
+                  <a:pt x="190" y="74"/>
+                  <a:pt x="190" y="74"/>
+                </a:cubicBezTo>
+              </a:path>
+            </a:pathLst>
+          </a:custGeom>
+          <a:noFill/>
+          <a:ln w="15875" cap="sq">
+            <a:solidFill>
+              <a:schemeClr val="accent1"/>
+            </a:solidFill>
+            <a:prstDash val="solid"/>
+            <a:miter lim="800000"/>
+            <a:headEnd/>
+            <a:tailEnd/>
+          </a:ln>
+          <a:extLst>
+            <a:ext uri="{909E8E84-426E-40DD-AFC4-6F175D3DCCD1}">
+              <a14:hiddenFill xmlns:a14="http://schemas.microsoft.com/office/drawing/2010/main">
+                <a:solidFill>
+                  <a:srgbClr val="FFFFFF"/>
+                </a:solidFill>
+              </a14:hiddenFill>
+            </a:ext>
+          </a:extLst>
+        </p:spPr>
+        <p:txBody>
+          <a:bodyPr vert="horz" wrap="square" lIns="91440" tIns="45720" rIns="91440" bIns="45720" numCol="1" anchor="t" anchorCtr="0" compatLnSpc="1">
+            <a:prstTxWarp prst="textNoShape">
+              <a:avLst/>
+            </a:prstTxWarp>
+          </a:bodyPr>
+          <a:lstStyle/>
+          <a:p>
+            <a:endParaRPr lang="en-US">
+              <a:solidFill>
+                <a:srgbClr val="107BD4"/>
+              </a:solidFill>
+            </a:endParaRPr>
+          </a:p>
+        </p:txBody>
+      </p:sp>
     </p:spTree>
     <p:extLst>
       <p:ext uri="{BB962C8B-B14F-4D97-AF65-F5344CB8AC3E}">
-        <p14:creationId xmlns:p14="http://schemas.microsoft.com/office/powerpoint/2010/main" val="1179139050"/>
+        <p14:creationId xmlns:p14="http://schemas.microsoft.com/office/powerpoint/2010/main" val="1127642745"/>
       </p:ext>
     </p:extLst>
   </p:cSld>
   <p:clrMapOvr>
     <a:masterClrMapping/>
   </p:clrMapOvr>
-  <mc:AlternateContent xmlns:mc="http://schemas.openxmlformats.org/markup-compatibility/2006" xmlns:p14="http://schemas.microsoft.com/office/powerpoint/2010/main">
-    <mc:Choice Requires="p14">
-      <p:transition spd="med" p14:dur="700">
-        <p:fade/>
-      </p:transition>
-    </mc:Choice>
-    <mc:Fallback xmlns="">
-      <p:transition spd="med">
-        <p:fade/>
-      </p:transition>
-    </mc:Fallback>
-  </mc:AlternateContent>
+  <p:transition>
+    <p:fade/>
+  </p:transition>
 </p:sld>
 </file>
 
@@ -13966,7 +18013,13 @@
       </p:grpSpPr>
       <p:sp>
         <p:nvSpPr>
-          <p:cNvPr id="2" name="Title 1"/>
+          <p:cNvPr id="8" name="Title 16">
+            <a:extLst>
+              <a:ext uri="{FF2B5EF4-FFF2-40B4-BE49-F238E27FC236}">
+                <a16:creationId xmlns:a16="http://schemas.microsoft.com/office/drawing/2014/main" id="{0ECFF0C9-E3D4-4ADA-8A80-1E5189FD3D01}"/>
+              </a:ext>
+            </a:extLst>
+          </p:cNvPr>
           <p:cNvSpPr>
             <a:spLocks noGrp="1"/>
           </p:cNvSpPr>
@@ -13980,23 +18033,28 @@
           <a:lstStyle/>
           <a:p>
             <a:r>
-              <a:rPr lang="en-US"/>
-              <a:t>POC Conclusion Checklist</a:t>
-            </a:r>
-            <a:endParaRPr lang="en-US" dirty="0"/>
+              <a:rPr lang="en-US" dirty="0"/>
+              <a:t>Define POC scope checklist</a:t>
+            </a:r>
           </a:p>
         </p:txBody>
       </p:sp>
       <p:sp>
         <p:nvSpPr>
-          <p:cNvPr id="11" name="TextBox 10"/>
+          <p:cNvPr id="12" name="TextBox 11">
+            <a:extLst>
+              <a:ext uri="{FF2B5EF4-FFF2-40B4-BE49-F238E27FC236}">
+                <a16:creationId xmlns:a16="http://schemas.microsoft.com/office/drawing/2014/main" id="{87FEBA4D-1C35-4109-AC9F-B392EA9004E2}"/>
+              </a:ext>
+            </a:extLst>
+          </p:cNvPr>
           <p:cNvSpPr txBox="1"/>
           <p:nvPr/>
         </p:nvSpPr>
         <p:spPr>
           <a:xfrm>
-            <a:off x="2198194" y="1051422"/>
-            <a:ext cx="8129681" cy="1541961"/>
+            <a:off x="340886" y="1326282"/>
+            <a:ext cx="11724733" cy="5192191"/>
           </a:xfrm>
           <a:prstGeom prst="rect">
             <a:avLst/>
@@ -14018,136 +18076,201 @@
               </a:spcAft>
             </a:pPr>
             <a:r>
-              <a:rPr lang="en-US" dirty="0">
-                <a:latin typeface="+mj-lt"/>
-              </a:rPr>
-              <a:t>After your team has met the success criteria of the POC, it is time to move into the next phase of the project. Make certain you clearly outline what went well with the POC, and what should be addressed when planning the production development process. If the POC failed, address the shortcomings and be prepared to conduct a new ADS to work on a new strategy.</a:t>
-            </a:r>
-          </a:p>
-        </p:txBody>
-      </p:sp>
-      <p:sp>
-        <p:nvSpPr>
-          <p:cNvPr id="6" name="Rectangle 5"/>
-          <p:cNvSpPr/>
-          <p:nvPr/>
-        </p:nvSpPr>
-        <p:spPr>
-          <a:xfrm>
-            <a:off x="2661450" y="2806348"/>
-            <a:ext cx="8494230" cy="2068259"/>
-          </a:xfrm>
-          <a:prstGeom prst="rect">
-            <a:avLst/>
-          </a:prstGeom>
-        </p:spPr>
-        <p:txBody>
-          <a:bodyPr wrap="square">
-            <a:spAutoFit/>
-          </a:bodyPr>
-          <a:lstStyle/>
-          <a:p>
-            <a:pPr marL="285750" indent="-285750">
+              <a:rPr lang="en-US" sz="2400" dirty="0"/>
+              <a:t>Always establish a clear and concrete scope before starting work on a POC. Work with your group to review and whiteboard POC requirements based on data gathered from the ADS. Be sure to do the following:</a:t>
+            </a:r>
+          </a:p>
+          <a:p>
+            <a:pPr>
               <a:lnSpc>
                 <a:spcPct val="90000"/>
               </a:lnSpc>
               <a:spcAft>
                 <a:spcPts val="600"/>
               </a:spcAft>
-              <a:buFont typeface="Wingdings" charset="2"/>
-              <a:buChar char="q"/>
             </a:pPr>
-            <a:r>
-              <a:rPr lang="en-US" dirty="0"/>
-              <a:t>Create a report that explains the overall status of the POC and any issues identified during the execution phase</a:t>
-            </a:r>
-          </a:p>
-          <a:p>
-            <a:pPr marL="285750" indent="-285750">
+            <a:endParaRPr lang="en-US" sz="2400" dirty="0"/>
+          </a:p>
+          <a:p>
+            <a:pPr marL="1371600" lvl="2" indent="-457200">
               <a:lnSpc>
                 <a:spcPct val="90000"/>
               </a:lnSpc>
               <a:spcAft>
                 <a:spcPts val="600"/>
               </a:spcAft>
+              <a:buClr>
+                <a:srgbClr val="107BD4"/>
+              </a:buClr>
               <a:buFont typeface="Wingdings" charset="2"/>
               <a:buChar char="q"/>
             </a:pPr>
             <a:r>
               <a:rPr lang="en-US" dirty="0"/>
-              <a:t>Explain the value proposition of moving forward with a real implementation</a:t>
-            </a:r>
-          </a:p>
-          <a:p>
-            <a:pPr marL="742950" lvl="1" indent="-285750">
+              <a:t>Go over established business and technical requirements from the ADS.</a:t>
+            </a:r>
+          </a:p>
+          <a:p>
+            <a:pPr marL="1371600" lvl="2" indent="-457200">
               <a:lnSpc>
                 <a:spcPct val="90000"/>
               </a:lnSpc>
               <a:spcAft>
                 <a:spcPts val="600"/>
               </a:spcAft>
+              <a:buClr>
+                <a:srgbClr val="107BD4"/>
+              </a:buClr>
               <a:buFont typeface="Wingdings" charset="2"/>
               <a:buChar char="q"/>
             </a:pPr>
             <a:r>
               <a:rPr lang="en-US" dirty="0"/>
-              <a:t>Stress to stakeholders that a POC should </a:t>
-            </a:r>
-            <a:r>
-              <a:rPr lang="en-US" dirty="0" err="1"/>
-              <a:t>ot</a:t>
-            </a:r>
-            <a:r>
-              <a:rPr lang="en-US" dirty="0"/>
-              <a:t> be used in production</a:t>
-            </a:r>
-          </a:p>
-          <a:p>
-            <a:pPr marL="285750" indent="-285750">
+              <a:t>Condense full set of requirements down to workloads and features of the POC.</a:t>
+            </a:r>
+          </a:p>
+          <a:p>
+            <a:pPr marL="1371600" lvl="2" indent="-457200">
               <a:lnSpc>
                 <a:spcPct val="90000"/>
               </a:lnSpc>
               <a:spcAft>
                 <a:spcPts val="600"/>
               </a:spcAft>
+              <a:buClr>
+                <a:srgbClr val="107BD4"/>
+              </a:buClr>
               <a:buFont typeface="Wingdings" charset="2"/>
               <a:buChar char="q"/>
             </a:pPr>
             <a:r>
               <a:rPr lang="en-US" dirty="0"/>
-              <a:t>Upon agreeing to move to the production phase, create a plan to implement learnings from the POC, delivery schedule, and the cost of the production solution</a:t>
+              <a:t>Select proof points and address objections to overcome.</a:t>
+            </a:r>
+          </a:p>
+          <a:p>
+            <a:pPr marL="1371600" lvl="2" indent="-457200">
+              <a:lnSpc>
+                <a:spcPct val="90000"/>
+              </a:lnSpc>
+              <a:spcAft>
+                <a:spcPts val="600"/>
+              </a:spcAft>
+              <a:buClr>
+                <a:srgbClr val="107BD4"/>
+              </a:buClr>
+              <a:buFont typeface="Wingdings" charset="2"/>
+              <a:buChar char="q"/>
+            </a:pPr>
+            <a:r>
+              <a:rPr lang="en-US" dirty="0"/>
+              <a:t>Be able to answer </a:t>
+            </a:r>
+            <a:r>
+              <a:rPr lang="mr-IN" dirty="0"/>
+              <a:t>–</a:t>
+            </a:r>
+            <a:r>
+              <a:rPr lang="en-US" dirty="0"/>
+              <a:t> what are you trying prove with the POC?</a:t>
+            </a:r>
+          </a:p>
+          <a:p>
+            <a:pPr marL="1371600" lvl="2" indent="-457200">
+              <a:lnSpc>
+                <a:spcPct val="90000"/>
+              </a:lnSpc>
+              <a:spcAft>
+                <a:spcPts val="600"/>
+              </a:spcAft>
+              <a:buClr>
+                <a:srgbClr val="107BD4"/>
+              </a:buClr>
+              <a:buFont typeface="Wingdings" charset="2"/>
+              <a:buChar char="q"/>
+            </a:pPr>
+            <a:r>
+              <a:rPr lang="en-US" dirty="0"/>
+              <a:t>Establish team responsibilities and organization.</a:t>
+            </a:r>
+          </a:p>
+          <a:p>
+            <a:pPr marL="1371600" lvl="2" indent="-457200">
+              <a:lnSpc>
+                <a:spcPct val="90000"/>
+              </a:lnSpc>
+              <a:spcAft>
+                <a:spcPts val="600"/>
+              </a:spcAft>
+              <a:buClr>
+                <a:srgbClr val="107BD4"/>
+              </a:buClr>
+              <a:buFont typeface="Wingdings" charset="2"/>
+              <a:buChar char="q"/>
+            </a:pPr>
+            <a:r>
+              <a:rPr lang="en-US" dirty="0"/>
+              <a:t>Perform Azure cost estimates.</a:t>
+            </a:r>
+          </a:p>
+          <a:p>
+            <a:pPr marL="1371600" lvl="2" indent="-457200">
+              <a:lnSpc>
+                <a:spcPct val="90000"/>
+              </a:lnSpc>
+              <a:spcAft>
+                <a:spcPts val="600"/>
+              </a:spcAft>
+              <a:buClr>
+                <a:srgbClr val="107BD4"/>
+              </a:buClr>
+              <a:buFont typeface="Wingdings" charset="2"/>
+              <a:buChar char="q"/>
+            </a:pPr>
+            <a:r>
+              <a:rPr lang="en-US" dirty="0"/>
+              <a:t>Outline next steps after the success criteria is met.</a:t>
+            </a:r>
+          </a:p>
+          <a:p>
+            <a:pPr>
+              <a:lnSpc>
+                <a:spcPct val="90000"/>
+              </a:lnSpc>
+              <a:spcAft>
+                <a:spcPts val="600"/>
+              </a:spcAft>
+            </a:pPr>
+            <a:endParaRPr lang="en-US" sz="2800" dirty="0"/>
+          </a:p>
+          <a:p>
+            <a:pPr>
+              <a:lnSpc>
+                <a:spcPct val="90000"/>
+              </a:lnSpc>
+              <a:spcAft>
+                <a:spcPts val="600"/>
+              </a:spcAft>
+            </a:pPr>
+            <a:r>
+              <a:rPr lang="en-US" sz="2400" b="1" u="sng" dirty="0"/>
+              <a:t>Remember:</a:t>
+            </a:r>
+            <a:r>
+              <a:rPr lang="en-US" sz="2400" b="1" dirty="0"/>
+              <a:t> </a:t>
+            </a:r>
+            <a:r>
+              <a:rPr lang="en-US" sz="2400" dirty="0"/>
+              <a:t>Plan your POC development strategy with speed of execution in mind, not durability and longevity. This is not to become the production solution.</a:t>
             </a:r>
           </a:p>
         </p:txBody>
       </p:sp>
-      <p:pic>
-        <p:nvPicPr>
-          <p:cNvPr id="3" name="Picture 2"/>
-          <p:cNvPicPr>
-            <a:picLocks noChangeAspect="1"/>
-          </p:cNvPicPr>
-          <p:nvPr/>
-        </p:nvPicPr>
-        <p:blipFill>
-          <a:blip r:embed="rId3"/>
-          <a:stretch>
-            <a:fillRect/>
-          </a:stretch>
-        </p:blipFill>
-        <p:spPr>
-          <a:xfrm>
-            <a:off x="466342" y="2947414"/>
-            <a:ext cx="1786129" cy="1786129"/>
-          </a:xfrm>
-          <a:prstGeom prst="rect">
-            <a:avLst/>
-          </a:prstGeom>
-        </p:spPr>
-      </p:pic>
     </p:spTree>
     <p:extLst>
       <p:ext uri="{BB962C8B-B14F-4D97-AF65-F5344CB8AC3E}">
-        <p14:creationId xmlns:p14="http://schemas.microsoft.com/office/powerpoint/2010/main" val="2361099267"/>
+        <p14:creationId xmlns:p14="http://schemas.microsoft.com/office/powerpoint/2010/main" val="1930487689"/>
       </p:ext>
     </p:extLst>
   </p:cSld>
@@ -14156,14 +18279,10 @@
   </p:clrMapOvr>
   <mc:AlternateContent xmlns:mc="http://schemas.openxmlformats.org/markup-compatibility/2006" xmlns:p14="http://schemas.microsoft.com/office/powerpoint/2010/main">
     <mc:Choice Requires="p14">
-      <p:transition spd="med" p14:dur="700">
-        <p:fade/>
-      </p:transition>
+      <p:transition p14:dur="0"/>
     </mc:Choice>
     <mc:Fallback xmlns="">
-      <p:transition spd="med">
-        <p:fade/>
-      </p:transition>
+      <p:transition/>
     </mc:Fallback>
   </mc:AlternateContent>
 </p:sld>
@@ -14188,91 +18307,10 @@
       </p:grpSpPr>
       <p:sp>
         <p:nvSpPr>
-          <p:cNvPr id="3" name="Text Placeholder 2">
+          <p:cNvPr id="8" name="Title 16">
             <a:extLst>
               <a:ext uri="{FF2B5EF4-FFF2-40B4-BE49-F238E27FC236}">
-                <a16:creationId xmlns:a16="http://schemas.microsoft.com/office/drawing/2014/main" id="{9BD2098E-56DC-4A07-88D8-DA878A5C191B}"/>
-              </a:ext>
-            </a:extLst>
-          </p:cNvPr>
-          <p:cNvSpPr>
-            <a:spLocks noGrp="1"/>
-          </p:cNvSpPr>
-          <p:nvPr>
-            <p:ph type="body" sz="quarter" idx="10"/>
-          </p:nvPr>
-        </p:nvSpPr>
-        <p:spPr>
-          <a:xfrm>
-            <a:off x="269239" y="1189177"/>
-            <a:ext cx="11653523" cy="4323941"/>
-          </a:xfrm>
-        </p:spPr>
-        <p:txBody>
-          <a:bodyPr/>
-          <a:lstStyle/>
-          <a:p>
-            <a:r>
-              <a:rPr lang="en-US" dirty="0"/>
-              <a:t>You have limited time</a:t>
-            </a:r>
-          </a:p>
-          <a:p>
-            <a:pPr lvl="1"/>
-            <a:r>
-              <a:rPr lang="en-US" dirty="0"/>
-              <a:t>About 6 hours</a:t>
-            </a:r>
-          </a:p>
-          <a:p>
-            <a:pPr lvl="1"/>
-            <a:r>
-              <a:rPr lang="en-US" dirty="0"/>
-              <a:t>Design your scope so that you can complete it and show value</a:t>
-            </a:r>
-          </a:p>
-          <a:p>
-            <a:r>
-              <a:rPr lang="en-US" dirty="0"/>
-              <a:t>You can leverage previously built artifacts to accelerate your effort</a:t>
-            </a:r>
-          </a:p>
-          <a:p>
-            <a:pPr lvl="1"/>
-            <a:r>
-              <a:rPr lang="en-US" dirty="0"/>
-              <a:t>We will provide a set of starter artifacts</a:t>
-            </a:r>
-          </a:p>
-          <a:p>
-            <a:pPr lvl="1"/>
-            <a:r>
-              <a:rPr lang="en-US" dirty="0"/>
-              <a:t>You may have some you’ve built</a:t>
-            </a:r>
-          </a:p>
-          <a:p>
-            <a:pPr lvl="1"/>
-            <a:r>
-              <a:rPr lang="en-US" dirty="0"/>
-              <a:t>Use whatever helps shorten your delivery time</a:t>
-            </a:r>
-          </a:p>
-          <a:p>
-            <a:pPr lvl="1"/>
-            <a:r>
-              <a:rPr lang="en-US" dirty="0"/>
-              <a:t>You are not required to use any starters, but keep the time limits in mind</a:t>
-            </a:r>
-          </a:p>
-        </p:txBody>
-      </p:sp>
-      <p:sp>
-        <p:nvSpPr>
-          <p:cNvPr id="2" name="Title 1">
-            <a:extLst>
-              <a:ext uri="{FF2B5EF4-FFF2-40B4-BE49-F238E27FC236}">
-                <a16:creationId xmlns:a16="http://schemas.microsoft.com/office/drawing/2014/main" id="{0E5AD2F5-7734-4014-8FEB-5DAC5EC839CD}"/>
+                <a16:creationId xmlns:a16="http://schemas.microsoft.com/office/drawing/2014/main" id="{0ECFF0C9-E3D4-4ADA-8A80-1E5189FD3D01}"/>
               </a:ext>
             </a:extLst>
           </p:cNvPr>
@@ -14290,15 +18328,175 @@
           <a:p>
             <a:r>
               <a:rPr lang="en-US" dirty="0"/>
-              <a:t>Tips for the Design Challenge - </a:t>
-            </a:r>
-            <a:r>
-              <a:rPr lang="en-US" dirty="0" err="1"/>
-              <a:t>PoC</a:t>
-            </a:r>
+              <a:t>Execute POC implementation checklist</a:t>
+            </a:r>
+          </a:p>
+        </p:txBody>
+      </p:sp>
+      <p:sp>
+        <p:nvSpPr>
+          <p:cNvPr id="12" name="TextBox 11">
+            <a:extLst>
+              <a:ext uri="{FF2B5EF4-FFF2-40B4-BE49-F238E27FC236}">
+                <a16:creationId xmlns:a16="http://schemas.microsoft.com/office/drawing/2014/main" id="{87FEBA4D-1C35-4109-AC9F-B392EA9004E2}"/>
+              </a:ext>
+            </a:extLst>
+          </p:cNvPr>
+          <p:cNvSpPr txBox="1"/>
+          <p:nvPr/>
+        </p:nvSpPr>
+        <p:spPr>
+          <a:xfrm>
+            <a:off x="340887" y="1326282"/>
+            <a:ext cx="10746214" cy="4074962"/>
+          </a:xfrm>
+          <a:prstGeom prst="rect">
+            <a:avLst/>
+          </a:prstGeom>
+          <a:noFill/>
+        </p:spPr>
+        <p:txBody>
+          <a:bodyPr wrap="square" lIns="182880" tIns="146304" rIns="182880" bIns="146304" rtlCol="0">
+            <a:spAutoFit/>
+          </a:bodyPr>
+          <a:lstStyle/>
+          <a:p>
+            <a:pPr>
+              <a:lnSpc>
+                <a:spcPct val="90000"/>
+              </a:lnSpc>
+              <a:spcAft>
+                <a:spcPts val="600"/>
+              </a:spcAft>
+            </a:pPr>
+            <a:r>
+              <a:rPr lang="en-US" sz="2400" dirty="0"/>
+              <a:t>Work with your group to draw out the POC architecture, components, technical resources, and success criteria. Be sure to do the following:</a:t>
+            </a:r>
+          </a:p>
+          <a:p>
+            <a:pPr>
+              <a:lnSpc>
+                <a:spcPct val="90000"/>
+              </a:lnSpc>
+              <a:spcAft>
+                <a:spcPts val="600"/>
+              </a:spcAft>
+            </a:pPr>
+            <a:endParaRPr lang="en-US" sz="2400" dirty="0"/>
+          </a:p>
+          <a:p>
+            <a:pPr marL="1371600" lvl="2" indent="-457200">
+              <a:lnSpc>
+                <a:spcPct val="90000"/>
+              </a:lnSpc>
+              <a:spcAft>
+                <a:spcPts val="600"/>
+              </a:spcAft>
+              <a:buClr>
+                <a:srgbClr val="107BD4"/>
+              </a:buClr>
+              <a:buFont typeface="Wingdings" charset="2"/>
+              <a:buChar char="q"/>
+            </a:pPr>
             <a:r>
               <a:rPr lang="en-US" dirty="0"/>
-              <a:t> Scoping</a:t>
+              <a:t>List all required technical resources.</a:t>
+            </a:r>
+          </a:p>
+          <a:p>
+            <a:pPr marL="1371600" lvl="2" indent="-457200">
+              <a:lnSpc>
+                <a:spcPct val="90000"/>
+              </a:lnSpc>
+              <a:spcAft>
+                <a:spcPts val="600"/>
+              </a:spcAft>
+              <a:buClr>
+                <a:srgbClr val="107BD4"/>
+              </a:buClr>
+              <a:buFont typeface="Wingdings" charset="2"/>
+              <a:buChar char="q"/>
+            </a:pPr>
+            <a:r>
+              <a:rPr lang="en-US" dirty="0"/>
+              <a:t>Identify existing templates that can be used to jump-start POC development, such as ARM templates and Visual Studio project templates.</a:t>
+            </a:r>
+          </a:p>
+          <a:p>
+            <a:pPr marL="1371600" lvl="2" indent="-457200">
+              <a:lnSpc>
+                <a:spcPct val="90000"/>
+              </a:lnSpc>
+              <a:spcAft>
+                <a:spcPts val="600"/>
+              </a:spcAft>
+              <a:buClr>
+                <a:srgbClr val="107BD4"/>
+              </a:buClr>
+              <a:buFont typeface="Wingdings" charset="2"/>
+              <a:buChar char="q"/>
+            </a:pPr>
+            <a:r>
+              <a:rPr lang="en-US" dirty="0"/>
+              <a:t>List PaaS services that will be used.</a:t>
+            </a:r>
+          </a:p>
+          <a:p>
+            <a:pPr marL="1371600" lvl="2" indent="-457200">
+              <a:lnSpc>
+                <a:spcPct val="90000"/>
+              </a:lnSpc>
+              <a:spcAft>
+                <a:spcPts val="600"/>
+              </a:spcAft>
+              <a:buClr>
+                <a:srgbClr val="107BD4"/>
+              </a:buClr>
+              <a:buFont typeface="Wingdings" charset="2"/>
+              <a:buChar char="q"/>
+            </a:pPr>
+            <a:r>
+              <a:rPr lang="en-US" dirty="0"/>
+              <a:t>Figure out which functionality should be implemented, and which should be stubbed out for reference only.</a:t>
+            </a:r>
+          </a:p>
+          <a:p>
+            <a:pPr marL="1371600" lvl="2" indent="-457200">
+              <a:lnSpc>
+                <a:spcPct val="90000"/>
+              </a:lnSpc>
+              <a:spcAft>
+                <a:spcPts val="600"/>
+              </a:spcAft>
+              <a:buClr>
+                <a:srgbClr val="107BD4"/>
+              </a:buClr>
+              <a:buFont typeface="Wingdings" charset="2"/>
+              <a:buChar char="q"/>
+            </a:pPr>
+            <a:r>
+              <a:rPr lang="en-US" dirty="0"/>
+              <a:t>Create a testing plan, both automated and acceptance tests.</a:t>
+            </a:r>
+          </a:p>
+          <a:p>
+            <a:pPr marL="1371600" lvl="2" indent="-457200">
+              <a:lnSpc>
+                <a:spcPct val="90000"/>
+              </a:lnSpc>
+              <a:spcAft>
+                <a:spcPts val="600"/>
+              </a:spcAft>
+              <a:buClr>
+                <a:srgbClr val="107BD4"/>
+              </a:buClr>
+              <a:buFont typeface="Wingdings" charset="2"/>
+              <a:buChar char="q"/>
+            </a:pPr>
+            <a:r>
+              <a:rPr lang="en-US" dirty="0"/>
+              <a:t>Discuss how you will involve the customer and/or users in your testing process, to help identify bugs, surface usability issues, and validate business requirements.</a:t>
             </a:r>
           </a:p>
         </p:txBody>
@@ -14306,7 +18504,941 @@
     </p:spTree>
     <p:extLst>
       <p:ext uri="{BB962C8B-B14F-4D97-AF65-F5344CB8AC3E}">
-        <p14:creationId xmlns:p14="http://schemas.microsoft.com/office/powerpoint/2010/main" val="2009777930"/>
+        <p14:creationId xmlns:p14="http://schemas.microsoft.com/office/powerpoint/2010/main" val="2048995905"/>
+      </p:ext>
+    </p:extLst>
+  </p:cSld>
+  <p:clrMapOvr>
+    <a:masterClrMapping/>
+  </p:clrMapOvr>
+  <mc:AlternateContent xmlns:mc="http://schemas.openxmlformats.org/markup-compatibility/2006" xmlns:p14="http://schemas.microsoft.com/office/powerpoint/2010/main">
+    <mc:Choice Requires="p14">
+      <p:transition p14:dur="0"/>
+    </mc:Choice>
+    <mc:Fallback xmlns="">
+      <p:transition/>
+    </mc:Fallback>
+  </mc:AlternateContent>
+</p:sld>
+</file>
+
+<file path=ppt/slides/slide7.xml><?xml version="1.0" encoding="utf-8"?>
+<p:sld xmlns:a="http://schemas.openxmlformats.org/drawingml/2006/main" xmlns:r="http://schemas.openxmlformats.org/officeDocument/2006/relationships" xmlns:p="http://schemas.openxmlformats.org/presentationml/2006/main">
+  <p:cSld>
+    <p:spTree>
+      <p:nvGrpSpPr>
+        <p:cNvPr id="1" name=""/>
+        <p:cNvGrpSpPr/>
+        <p:nvPr/>
+      </p:nvGrpSpPr>
+      <p:grpSpPr>
+        <a:xfrm>
+          <a:off x="0" y="0"/>
+          <a:ext cx="0" cy="0"/>
+          <a:chOff x="0" y="0"/>
+          <a:chExt cx="0" cy="0"/>
+        </a:xfrm>
+      </p:grpSpPr>
+      <p:sp>
+        <p:nvSpPr>
+          <p:cNvPr id="8" name="Title 16">
+            <a:extLst>
+              <a:ext uri="{FF2B5EF4-FFF2-40B4-BE49-F238E27FC236}">
+                <a16:creationId xmlns:a16="http://schemas.microsoft.com/office/drawing/2014/main" id="{0ECFF0C9-E3D4-4ADA-8A80-1E5189FD3D01}"/>
+              </a:ext>
+            </a:extLst>
+          </p:cNvPr>
+          <p:cNvSpPr>
+            <a:spLocks noGrp="1"/>
+          </p:cNvSpPr>
+          <p:nvPr>
+            <p:ph type="title"/>
+          </p:nvPr>
+        </p:nvSpPr>
+        <p:spPr/>
+        <p:txBody>
+          <a:bodyPr/>
+          <a:lstStyle/>
+          <a:p>
+            <a:r>
+              <a:rPr lang="en-US" dirty="0"/>
+              <a:t>POC conclusion checklist</a:t>
+            </a:r>
+          </a:p>
+        </p:txBody>
+      </p:sp>
+      <p:sp>
+        <p:nvSpPr>
+          <p:cNvPr id="12" name="TextBox 11">
+            <a:extLst>
+              <a:ext uri="{FF2B5EF4-FFF2-40B4-BE49-F238E27FC236}">
+                <a16:creationId xmlns:a16="http://schemas.microsoft.com/office/drawing/2014/main" id="{87FEBA4D-1C35-4109-AC9F-B392EA9004E2}"/>
+              </a:ext>
+            </a:extLst>
+          </p:cNvPr>
+          <p:cNvSpPr txBox="1"/>
+          <p:nvPr/>
+        </p:nvSpPr>
+        <p:spPr>
+          <a:xfrm>
+            <a:off x="340887" y="1326282"/>
+            <a:ext cx="10200114" cy="4989058"/>
+          </a:xfrm>
+          <a:prstGeom prst="rect">
+            <a:avLst/>
+          </a:prstGeom>
+          <a:noFill/>
+        </p:spPr>
+        <p:txBody>
+          <a:bodyPr wrap="square" lIns="182880" tIns="146304" rIns="182880" bIns="146304" rtlCol="0">
+            <a:spAutoFit/>
+          </a:bodyPr>
+          <a:lstStyle/>
+          <a:p>
+            <a:pPr>
+              <a:lnSpc>
+                <a:spcPct val="90000"/>
+              </a:lnSpc>
+              <a:spcAft>
+                <a:spcPts val="600"/>
+              </a:spcAft>
+            </a:pPr>
+            <a:r>
+              <a:rPr lang="en-US" sz="2400" dirty="0"/>
+              <a:t>After your team has met the success criteria of the POC, it is time to move into the next phase of the project. Make certain you clearly outline what went well with the POC, and what should be addressed when planning the production development process. </a:t>
+            </a:r>
+          </a:p>
+          <a:p>
+            <a:pPr>
+              <a:lnSpc>
+                <a:spcPct val="90000"/>
+              </a:lnSpc>
+              <a:spcAft>
+                <a:spcPts val="600"/>
+              </a:spcAft>
+            </a:pPr>
+            <a:endParaRPr lang="en-US" sz="2400" dirty="0"/>
+          </a:p>
+          <a:p>
+            <a:pPr>
+              <a:lnSpc>
+                <a:spcPct val="90000"/>
+              </a:lnSpc>
+              <a:spcAft>
+                <a:spcPts val="600"/>
+              </a:spcAft>
+            </a:pPr>
+            <a:r>
+              <a:rPr lang="en-US" sz="2400" dirty="0"/>
+              <a:t>If the POC failed, address the shortcomings and be prepared to conduct a new ADS to work on a new strategy:</a:t>
+            </a:r>
+          </a:p>
+          <a:p>
+            <a:pPr>
+              <a:lnSpc>
+                <a:spcPct val="90000"/>
+              </a:lnSpc>
+              <a:spcAft>
+                <a:spcPts val="600"/>
+              </a:spcAft>
+            </a:pPr>
+            <a:endParaRPr lang="en-US" sz="2400" dirty="0"/>
+          </a:p>
+          <a:p>
+            <a:pPr marL="1371600" lvl="2" indent="-457200">
+              <a:lnSpc>
+                <a:spcPct val="90000"/>
+              </a:lnSpc>
+              <a:spcAft>
+                <a:spcPts val="600"/>
+              </a:spcAft>
+              <a:buClr>
+                <a:srgbClr val="107BD4"/>
+              </a:buClr>
+              <a:buFont typeface="Wingdings" charset="2"/>
+              <a:buChar char="q"/>
+            </a:pPr>
+            <a:r>
+              <a:rPr lang="en-US" dirty="0"/>
+              <a:t>Create a report that explains the overall status of the POC and any issues identified during the execution phase</a:t>
+            </a:r>
+          </a:p>
+          <a:p>
+            <a:pPr marL="1371600" lvl="2" indent="-457200">
+              <a:lnSpc>
+                <a:spcPct val="90000"/>
+              </a:lnSpc>
+              <a:spcAft>
+                <a:spcPts val="600"/>
+              </a:spcAft>
+              <a:buClr>
+                <a:srgbClr val="107BD4"/>
+              </a:buClr>
+              <a:buFont typeface="Wingdings" charset="2"/>
+              <a:buChar char="q"/>
+            </a:pPr>
+            <a:r>
+              <a:rPr lang="en-US" dirty="0"/>
+              <a:t>Explain the value proposition of moving forward with a real implementation</a:t>
+            </a:r>
+          </a:p>
+          <a:p>
+            <a:pPr marL="1371600" lvl="2" indent="-457200">
+              <a:lnSpc>
+                <a:spcPct val="90000"/>
+              </a:lnSpc>
+              <a:spcAft>
+                <a:spcPts val="600"/>
+              </a:spcAft>
+              <a:buClr>
+                <a:srgbClr val="107BD4"/>
+              </a:buClr>
+              <a:buFont typeface="Wingdings" charset="2"/>
+              <a:buChar char="q"/>
+            </a:pPr>
+            <a:r>
+              <a:rPr lang="en-US" dirty="0"/>
+              <a:t>Stress to stakeholders that a POC should not be used in production</a:t>
+            </a:r>
+          </a:p>
+          <a:p>
+            <a:pPr marL="1371600" lvl="2" indent="-457200">
+              <a:lnSpc>
+                <a:spcPct val="90000"/>
+              </a:lnSpc>
+              <a:spcAft>
+                <a:spcPts val="600"/>
+              </a:spcAft>
+              <a:buClr>
+                <a:srgbClr val="107BD4"/>
+              </a:buClr>
+              <a:buFont typeface="Wingdings" charset="2"/>
+              <a:buChar char="q"/>
+            </a:pPr>
+            <a:r>
+              <a:rPr lang="en-US" dirty="0"/>
+              <a:t>Upon agreeing to move to the production phase, create a plan to implement learnings from the POC, delivery schedule, and the cost of the production solution</a:t>
+            </a:r>
+          </a:p>
+        </p:txBody>
+      </p:sp>
+    </p:spTree>
+    <p:extLst>
+      <p:ext uri="{BB962C8B-B14F-4D97-AF65-F5344CB8AC3E}">
+        <p14:creationId xmlns:p14="http://schemas.microsoft.com/office/powerpoint/2010/main" val="707311269"/>
+      </p:ext>
+    </p:extLst>
+  </p:cSld>
+  <p:clrMapOvr>
+    <a:masterClrMapping/>
+  </p:clrMapOvr>
+  <mc:AlternateContent xmlns:mc="http://schemas.openxmlformats.org/markup-compatibility/2006" xmlns:p14="http://schemas.microsoft.com/office/powerpoint/2010/main">
+    <mc:Choice Requires="p14">
+      <p:transition p14:dur="0"/>
+    </mc:Choice>
+    <mc:Fallback xmlns="">
+      <p:transition/>
+    </mc:Fallback>
+  </mc:AlternateContent>
+</p:sld>
+</file>
+
+<file path=ppt/slides/slide8.xml><?xml version="1.0" encoding="utf-8"?>
+<p:sld xmlns:a="http://schemas.openxmlformats.org/drawingml/2006/main" xmlns:r="http://schemas.openxmlformats.org/officeDocument/2006/relationships" xmlns:p="http://schemas.openxmlformats.org/presentationml/2006/main">
+  <p:cSld>
+    <p:spTree>
+      <p:nvGrpSpPr>
+        <p:cNvPr id="1" name=""/>
+        <p:cNvGrpSpPr/>
+        <p:nvPr/>
+      </p:nvGrpSpPr>
+      <p:grpSpPr>
+        <a:xfrm>
+          <a:off x="0" y="0"/>
+          <a:ext cx="0" cy="0"/>
+          <a:chOff x="0" y="0"/>
+          <a:chExt cx="0" cy="0"/>
+        </a:xfrm>
+      </p:grpSpPr>
+      <p:sp>
+        <p:nvSpPr>
+          <p:cNvPr id="13" name="Rectangle 12">
+            <a:extLst>
+              <a:ext uri="{FF2B5EF4-FFF2-40B4-BE49-F238E27FC236}">
+                <a16:creationId xmlns:a16="http://schemas.microsoft.com/office/drawing/2014/main" id="{806FF753-7093-0745-8AA4-5FB52774B0D2}"/>
+              </a:ext>
+            </a:extLst>
+          </p:cNvPr>
+          <p:cNvSpPr/>
+          <p:nvPr/>
+        </p:nvSpPr>
+        <p:spPr bwMode="auto">
+          <a:xfrm flipV="1">
+            <a:off x="0" y="5140274"/>
+            <a:ext cx="12192000" cy="1833074"/>
+          </a:xfrm>
+          <a:prstGeom prst="rect">
+            <a:avLst/>
+          </a:prstGeom>
+          <a:solidFill>
+            <a:schemeClr val="bg1">
+              <a:lumMod val="95000"/>
+            </a:schemeClr>
+          </a:solidFill>
+          <a:ln>
+            <a:noFill/>
+            <a:headEnd type="none" w="med" len="med"/>
+            <a:tailEnd type="none" w="med" len="med"/>
+          </a:ln>
+          <a:effectLst/>
+        </p:spPr>
+        <p:style>
+          <a:lnRef idx="1">
+            <a:schemeClr val="accent2"/>
+          </a:lnRef>
+          <a:fillRef idx="3">
+            <a:schemeClr val="accent2"/>
+          </a:fillRef>
+          <a:effectRef idx="2">
+            <a:schemeClr val="accent2"/>
+          </a:effectRef>
+          <a:fontRef idx="minor">
+            <a:schemeClr val="lt1"/>
+          </a:fontRef>
+        </p:style>
+        <p:txBody>
+          <a:bodyPr rot="0" spcFirstLastPara="0" vertOverflow="overflow" horzOverflow="overflow" vert="horz" wrap="square" lIns="182880" tIns="146304" rIns="182880" bIns="146304" numCol="1" spcCol="0" rtlCol="0" fromWordArt="0" anchor="t" anchorCtr="0" forceAA="0" compatLnSpc="1">
+            <a:prstTxWarp prst="textNoShape">
+              <a:avLst/>
+            </a:prstTxWarp>
+            <a:noAutofit/>
+          </a:bodyPr>
+          <a:lstStyle/>
+          <a:p>
+            <a:pPr algn="ctr" defTabSz="932472" fontAlgn="base">
+              <a:lnSpc>
+                <a:spcPct val="90000"/>
+              </a:lnSpc>
+              <a:spcBef>
+                <a:spcPct val="0"/>
+              </a:spcBef>
+              <a:spcAft>
+                <a:spcPct val="0"/>
+              </a:spcAft>
+            </a:pPr>
+            <a:endParaRPr lang="en-US" sz="2400" dirty="0" err="1">
+              <a:gradFill>
+                <a:gsLst>
+                  <a:gs pos="0">
+                    <a:srgbClr val="FFFFFF"/>
+                  </a:gs>
+                  <a:gs pos="100000">
+                    <a:srgbClr val="FFFFFF"/>
+                  </a:gs>
+                </a:gsLst>
+                <a:lin ang="5400000" scaled="0"/>
+              </a:gradFill>
+              <a:ea typeface="Segoe UI" pitchFamily="34" charset="0"/>
+              <a:cs typeface="Segoe UI" pitchFamily="34" charset="0"/>
+            </a:endParaRPr>
+          </a:p>
+        </p:txBody>
+      </p:sp>
+      <p:sp>
+        <p:nvSpPr>
+          <p:cNvPr id="2" name="Title 1"/>
+          <p:cNvSpPr>
+            <a:spLocks noGrp="1"/>
+          </p:cNvSpPr>
+          <p:nvPr>
+            <p:ph type="title"/>
+          </p:nvPr>
+        </p:nvSpPr>
+        <p:spPr/>
+        <p:txBody>
+          <a:bodyPr/>
+          <a:lstStyle/>
+          <a:p>
+            <a:r>
+              <a:rPr lang="en-US" dirty="0"/>
+              <a:t>Tips for </a:t>
+            </a:r>
+            <a:r>
+              <a:rPr lang="en-US"/>
+              <a:t>the Design </a:t>
+            </a:r>
+            <a:r>
+              <a:rPr lang="en-US" dirty="0"/>
+              <a:t>C</a:t>
+            </a:r>
+            <a:r>
+              <a:rPr lang="en-US"/>
+              <a:t>hallenge </a:t>
+            </a:r>
+            <a:r>
+              <a:rPr lang="en-US" dirty="0"/>
+              <a:t>– POC scoping</a:t>
+            </a:r>
+          </a:p>
+        </p:txBody>
+      </p:sp>
+      <p:sp>
+        <p:nvSpPr>
+          <p:cNvPr id="4" name="Oval 3"/>
+          <p:cNvSpPr/>
+          <p:nvPr/>
+        </p:nvSpPr>
+        <p:spPr bwMode="auto">
+          <a:xfrm>
+            <a:off x="671065" y="2236124"/>
+            <a:ext cx="512679" cy="512679"/>
+          </a:xfrm>
+          <a:prstGeom prst="ellipse">
+            <a:avLst/>
+          </a:prstGeom>
+          <a:solidFill>
+            <a:srgbClr val="0078D7"/>
+          </a:solidFill>
+          <a:ln w="19050" cap="flat" cmpd="sng" algn="ctr">
+            <a:noFill/>
+            <a:prstDash val="solid"/>
+            <a:headEnd type="none" w="med" len="med"/>
+            <a:tailEnd type="none" w="med" len="med"/>
+          </a:ln>
+          <a:effectLst/>
+        </p:spPr>
+        <p:txBody>
+          <a:bodyPr rot="0" spcFirstLastPara="0" vertOverflow="overflow" horzOverflow="overflow" vert="horz" wrap="square" lIns="182750" tIns="146201" rIns="182750" bIns="146201" numCol="1" spcCol="0" rtlCol="0" fromWordArt="0" anchor="t" anchorCtr="0" forceAA="0" compatLnSpc="1">
+            <a:prstTxWarp prst="textNoShape">
+              <a:avLst/>
+            </a:prstTxWarp>
+            <a:noAutofit/>
+          </a:bodyPr>
+          <a:lstStyle/>
+          <a:p>
+            <a:pPr algn="ctr" defTabSz="931578" fontAlgn="base">
+              <a:lnSpc>
+                <a:spcPct val="90000"/>
+              </a:lnSpc>
+              <a:spcBef>
+                <a:spcPct val="0"/>
+              </a:spcBef>
+              <a:spcAft>
+                <a:spcPct val="0"/>
+              </a:spcAft>
+              <a:defRPr/>
+            </a:pPr>
+            <a:endParaRPr lang="en-US" sz="2400" kern="0" dirty="0">
+              <a:gradFill>
+                <a:gsLst>
+                  <a:gs pos="0">
+                    <a:srgbClr val="FFFFFF"/>
+                  </a:gs>
+                  <a:gs pos="100000">
+                    <a:srgbClr val="FFFFFF"/>
+                  </a:gs>
+                </a:gsLst>
+                <a:lin ang="5400000" scaled="0"/>
+              </a:gradFill>
+              <a:latin typeface="Segoe UI"/>
+              <a:ea typeface="Segoe UI" pitchFamily="34" charset="0"/>
+              <a:cs typeface="Segoe UI" pitchFamily="34" charset="0"/>
+            </a:endParaRPr>
+          </a:p>
+        </p:txBody>
+      </p:sp>
+      <p:sp>
+        <p:nvSpPr>
+          <p:cNvPr id="14" name="Oval 13"/>
+          <p:cNvSpPr/>
+          <p:nvPr/>
+        </p:nvSpPr>
+        <p:spPr bwMode="auto">
+          <a:xfrm>
+            <a:off x="5099676" y="2232791"/>
+            <a:ext cx="516012" cy="516012"/>
+          </a:xfrm>
+          <a:prstGeom prst="ellipse">
+            <a:avLst/>
+          </a:prstGeom>
+          <a:solidFill>
+            <a:srgbClr val="0078D7"/>
+          </a:solidFill>
+          <a:ln w="19050" cap="flat" cmpd="sng" algn="ctr">
+            <a:noFill/>
+            <a:prstDash val="solid"/>
+            <a:headEnd type="none" w="med" len="med"/>
+            <a:tailEnd type="none" w="med" len="med"/>
+          </a:ln>
+          <a:effectLst/>
+        </p:spPr>
+        <p:txBody>
+          <a:bodyPr rot="0" spcFirstLastPara="0" vertOverflow="overflow" horzOverflow="overflow" vert="horz" wrap="square" lIns="182750" tIns="146201" rIns="182750" bIns="146201" numCol="1" spcCol="0" rtlCol="0" fromWordArt="0" anchor="t" anchorCtr="0" forceAA="0" compatLnSpc="1">
+            <a:prstTxWarp prst="textNoShape">
+              <a:avLst/>
+            </a:prstTxWarp>
+            <a:noAutofit/>
+          </a:bodyPr>
+          <a:lstStyle/>
+          <a:p>
+            <a:pPr algn="ctr" defTabSz="931578" fontAlgn="base">
+              <a:lnSpc>
+                <a:spcPct val="90000"/>
+              </a:lnSpc>
+              <a:spcBef>
+                <a:spcPct val="0"/>
+              </a:spcBef>
+              <a:spcAft>
+                <a:spcPct val="0"/>
+              </a:spcAft>
+              <a:defRPr/>
+            </a:pPr>
+            <a:endParaRPr lang="en-US" sz="2400" kern="0" err="1">
+              <a:gradFill>
+                <a:gsLst>
+                  <a:gs pos="0">
+                    <a:srgbClr val="FFFFFF"/>
+                  </a:gs>
+                  <a:gs pos="100000">
+                    <a:srgbClr val="FFFFFF"/>
+                  </a:gs>
+                </a:gsLst>
+                <a:lin ang="5400000" scaled="0"/>
+              </a:gradFill>
+              <a:latin typeface="Segoe UI"/>
+              <a:ea typeface="Segoe UI" pitchFamily="34" charset="0"/>
+              <a:cs typeface="Segoe UI" pitchFamily="34" charset="0"/>
+            </a:endParaRPr>
+          </a:p>
+        </p:txBody>
+      </p:sp>
+      <p:sp>
+        <p:nvSpPr>
+          <p:cNvPr id="28" name="Rectangle 27">
+            <a:extLst>
+              <a:ext uri="{FF2B5EF4-FFF2-40B4-BE49-F238E27FC236}">
+                <a16:creationId xmlns:a16="http://schemas.microsoft.com/office/drawing/2014/main" id="{1DAF789C-CB8E-47E1-9D1D-4511579F2AD9}"/>
+              </a:ext>
+            </a:extLst>
+          </p:cNvPr>
+          <p:cNvSpPr/>
+          <p:nvPr/>
+        </p:nvSpPr>
+        <p:spPr bwMode="auto">
+          <a:xfrm>
+            <a:off x="1594656" y="2118281"/>
+            <a:ext cx="3211465" cy="2865114"/>
+          </a:xfrm>
+          <a:prstGeom prst="rect">
+            <a:avLst/>
+          </a:prstGeom>
+          <a:noFill/>
+          <a:ln>
+            <a:noFill/>
+            <a:headEnd type="none" w="med" len="med"/>
+            <a:tailEnd type="none" w="med" len="med"/>
+          </a:ln>
+          <a:effectLst/>
+        </p:spPr>
+        <p:style>
+          <a:lnRef idx="1">
+            <a:schemeClr val="accent2"/>
+          </a:lnRef>
+          <a:fillRef idx="3">
+            <a:schemeClr val="accent2"/>
+          </a:fillRef>
+          <a:effectRef idx="2">
+            <a:schemeClr val="accent2"/>
+          </a:effectRef>
+          <a:fontRef idx="minor">
+            <a:schemeClr val="lt1"/>
+          </a:fontRef>
+        </p:style>
+        <p:txBody>
+          <a:bodyPr rot="0" spcFirstLastPara="0" vertOverflow="overflow" horzOverflow="overflow" vert="horz" wrap="square" lIns="182776" tIns="146222" rIns="182776" bIns="146222" numCol="1" spcCol="0" rtlCol="0" fromWordArt="0" anchor="t" anchorCtr="0" forceAA="0" compatLnSpc="1">
+            <a:prstTxWarp prst="textNoShape">
+              <a:avLst/>
+            </a:prstTxWarp>
+            <a:noAutofit/>
+          </a:bodyPr>
+          <a:lstStyle/>
+          <a:p>
+            <a:pPr lvl="0" defTabSz="931757" fontAlgn="base">
+              <a:lnSpc>
+                <a:spcPct val="90000"/>
+              </a:lnSpc>
+              <a:spcBef>
+                <a:spcPct val="0"/>
+              </a:spcBef>
+              <a:spcAft>
+                <a:spcPct val="0"/>
+              </a:spcAft>
+              <a:defRPr/>
+            </a:pPr>
+            <a:r>
+              <a:rPr lang="en-US" sz="2800" dirty="0">
+                <a:solidFill>
+                  <a:schemeClr val="tx1"/>
+                </a:solidFill>
+                <a:latin typeface="+mj-lt"/>
+                <a:ea typeface="Segoe UI" pitchFamily="34" charset="0"/>
+                <a:cs typeface="Segoe UI" pitchFamily="34" charset="0"/>
+              </a:rPr>
+              <a:t>Limited Time</a:t>
+            </a:r>
+          </a:p>
+          <a:p>
+            <a:pPr defTabSz="931757" fontAlgn="base">
+              <a:lnSpc>
+                <a:spcPct val="90000"/>
+              </a:lnSpc>
+              <a:spcBef>
+                <a:spcPts val="588"/>
+              </a:spcBef>
+              <a:spcAft>
+                <a:spcPct val="0"/>
+              </a:spcAft>
+              <a:defRPr/>
+            </a:pPr>
+            <a:endParaRPr lang="en-US" sz="1000" b="1" dirty="0">
+              <a:solidFill>
+                <a:schemeClr val="tx1"/>
+              </a:solidFill>
+              <a:ea typeface="Segoe UI" pitchFamily="34" charset="0"/>
+              <a:cs typeface="Segoe UI" pitchFamily="34" charset="0"/>
+            </a:endParaRPr>
+          </a:p>
+          <a:p>
+            <a:pPr marL="173038" indent="-173038" defTabSz="931757" fontAlgn="base">
+              <a:spcAft>
+                <a:spcPts val="600"/>
+              </a:spcAft>
+              <a:buFont typeface="Arial" charset="0"/>
+              <a:buChar char="•"/>
+              <a:defRPr/>
+            </a:pPr>
+            <a:r>
+              <a:rPr lang="en-US" dirty="0">
+                <a:solidFill>
+                  <a:schemeClr val="tx1"/>
+                </a:solidFill>
+                <a:cs typeface="Segoe UI" panose="020B0502040204020203" pitchFamily="34" charset="0"/>
+              </a:rPr>
+              <a:t>You have about six hours.</a:t>
+            </a:r>
+          </a:p>
+          <a:p>
+            <a:pPr marL="173038" indent="-173038" defTabSz="931757" fontAlgn="base">
+              <a:spcAft>
+                <a:spcPts val="600"/>
+              </a:spcAft>
+              <a:buFont typeface="Arial" charset="0"/>
+              <a:buChar char="•"/>
+              <a:defRPr/>
+            </a:pPr>
+            <a:r>
+              <a:rPr lang="en-US" dirty="0">
+                <a:solidFill>
+                  <a:schemeClr val="tx1"/>
+                </a:solidFill>
+                <a:cs typeface="Segoe UI" panose="020B0502040204020203" pitchFamily="34" charset="0"/>
+              </a:rPr>
+              <a:t>Design your scope so that you can complete it and show value. </a:t>
+            </a:r>
+          </a:p>
+          <a:p>
+            <a:pPr defTabSz="931757" fontAlgn="base">
+              <a:spcAft>
+                <a:spcPts val="600"/>
+              </a:spcAft>
+              <a:defRPr/>
+            </a:pPr>
+            <a:endParaRPr lang="en-US" sz="1400" b="1" dirty="0">
+              <a:solidFill>
+                <a:schemeClr val="tx1"/>
+              </a:solidFill>
+              <a:ea typeface="Segoe UI" pitchFamily="34" charset="0"/>
+              <a:cs typeface="Segoe UI" pitchFamily="34" charset="0"/>
+            </a:endParaRPr>
+          </a:p>
+        </p:txBody>
+      </p:sp>
+      <p:sp>
+        <p:nvSpPr>
+          <p:cNvPr id="30" name="Rectangle 29">
+            <a:extLst>
+              <a:ext uri="{FF2B5EF4-FFF2-40B4-BE49-F238E27FC236}">
+                <a16:creationId xmlns:a16="http://schemas.microsoft.com/office/drawing/2014/main" id="{CCC2FAA6-677E-4534-9D6F-8379391B5D76}"/>
+              </a:ext>
+            </a:extLst>
+          </p:cNvPr>
+          <p:cNvSpPr/>
+          <p:nvPr/>
+        </p:nvSpPr>
+        <p:spPr bwMode="auto">
+          <a:xfrm>
+            <a:off x="6270584" y="2118281"/>
+            <a:ext cx="4657766" cy="2785752"/>
+          </a:xfrm>
+          <a:prstGeom prst="rect">
+            <a:avLst/>
+          </a:prstGeom>
+          <a:noFill/>
+          <a:ln>
+            <a:noFill/>
+            <a:headEnd type="none" w="med" len="med"/>
+            <a:tailEnd type="none" w="med" len="med"/>
+          </a:ln>
+          <a:effectLst/>
+        </p:spPr>
+        <p:style>
+          <a:lnRef idx="1">
+            <a:schemeClr val="accent2"/>
+          </a:lnRef>
+          <a:fillRef idx="3">
+            <a:schemeClr val="accent2"/>
+          </a:fillRef>
+          <a:effectRef idx="2">
+            <a:schemeClr val="accent2"/>
+          </a:effectRef>
+          <a:fontRef idx="minor">
+            <a:schemeClr val="lt1"/>
+          </a:fontRef>
+        </p:style>
+        <p:txBody>
+          <a:bodyPr rot="0" spcFirstLastPara="0" vertOverflow="overflow" horzOverflow="overflow" vert="horz" wrap="square" lIns="182776" tIns="146222" rIns="182776" bIns="146222" numCol="1" spcCol="0" rtlCol="0" fromWordArt="0" anchor="t" anchorCtr="0" forceAA="0" compatLnSpc="1">
+            <a:prstTxWarp prst="textNoShape">
+              <a:avLst/>
+            </a:prstTxWarp>
+            <a:noAutofit/>
+          </a:bodyPr>
+          <a:lstStyle/>
+          <a:p>
+            <a:pPr lvl="0" defTabSz="931757" fontAlgn="base">
+              <a:lnSpc>
+                <a:spcPct val="90000"/>
+              </a:lnSpc>
+              <a:spcBef>
+                <a:spcPct val="0"/>
+              </a:spcBef>
+              <a:spcAft>
+                <a:spcPct val="0"/>
+              </a:spcAft>
+              <a:defRPr/>
+            </a:pPr>
+            <a:r>
+              <a:rPr lang="en-US" sz="2800" dirty="0">
+                <a:solidFill>
+                  <a:srgbClr val="505050"/>
+                </a:solidFill>
+                <a:latin typeface="Segoe UI Light"/>
+                <a:ea typeface="Segoe UI" pitchFamily="34" charset="0"/>
+                <a:cs typeface="Segoe UI" pitchFamily="34" charset="0"/>
+              </a:rPr>
+              <a:t>Leverage Resources</a:t>
+            </a:r>
+          </a:p>
+          <a:p>
+            <a:pPr lvl="0" defTabSz="931757" fontAlgn="base">
+              <a:lnSpc>
+                <a:spcPct val="90000"/>
+              </a:lnSpc>
+              <a:spcBef>
+                <a:spcPts val="588"/>
+              </a:spcBef>
+              <a:spcAft>
+                <a:spcPct val="0"/>
+              </a:spcAft>
+              <a:defRPr/>
+            </a:pPr>
+            <a:endParaRPr lang="en-US" sz="1000" b="1" dirty="0">
+              <a:solidFill>
+                <a:srgbClr val="505050"/>
+              </a:solidFill>
+              <a:ea typeface="Segoe UI" pitchFamily="34" charset="0"/>
+              <a:cs typeface="Segoe UI" pitchFamily="34" charset="0"/>
+            </a:endParaRPr>
+          </a:p>
+          <a:p>
+            <a:pPr marL="173038" lvl="0" indent="-173038" defTabSz="931757" fontAlgn="base">
+              <a:spcAft>
+                <a:spcPts val="600"/>
+              </a:spcAft>
+              <a:buFont typeface="Arial" charset="0"/>
+              <a:buChar char="•"/>
+              <a:defRPr/>
+            </a:pPr>
+            <a:r>
+              <a:rPr lang="en-US" dirty="0">
+                <a:solidFill>
+                  <a:srgbClr val="505050"/>
+                </a:solidFill>
+                <a:cs typeface="Segoe UI" panose="020B0502040204020203" pitchFamily="34" charset="0"/>
+              </a:rPr>
+              <a:t>Use previously built artifacts to accelerate your effort. </a:t>
+            </a:r>
+          </a:p>
+          <a:p>
+            <a:pPr marL="173038" lvl="0" indent="-173038" defTabSz="931757" fontAlgn="base">
+              <a:spcAft>
+                <a:spcPts val="600"/>
+              </a:spcAft>
+              <a:buFont typeface="Arial" charset="0"/>
+              <a:buChar char="•"/>
+              <a:defRPr/>
+            </a:pPr>
+            <a:r>
+              <a:rPr lang="en-US" dirty="0">
+                <a:solidFill>
+                  <a:srgbClr val="505050"/>
+                </a:solidFill>
+                <a:cs typeface="Segoe UI" panose="020B0502040204020203" pitchFamily="34" charset="0"/>
+              </a:rPr>
+              <a:t>We will provide a set of starter artifacts. You are not required to use starters, but keep time limits in mind. </a:t>
+            </a:r>
+            <a:endParaRPr lang="en-US" b="1" dirty="0">
+              <a:solidFill>
+                <a:srgbClr val="505050"/>
+              </a:solidFill>
+              <a:ea typeface="Segoe UI" pitchFamily="34" charset="0"/>
+              <a:cs typeface="Segoe UI" pitchFamily="34" charset="0"/>
+            </a:endParaRPr>
+          </a:p>
+          <a:p>
+            <a:pPr marL="173038" lvl="0" indent="-173038" defTabSz="931757" fontAlgn="base">
+              <a:spcAft>
+                <a:spcPts val="600"/>
+              </a:spcAft>
+              <a:buFont typeface="Arial" charset="0"/>
+              <a:buChar char="•"/>
+              <a:defRPr/>
+            </a:pPr>
+            <a:r>
+              <a:rPr lang="en-US" dirty="0">
+                <a:solidFill>
+                  <a:srgbClr val="505050"/>
+                </a:solidFill>
+                <a:cs typeface="Segoe UI" panose="020B0502040204020203" pitchFamily="34" charset="0"/>
+              </a:rPr>
+              <a:t>Use whatever helps to shorten delivery time. </a:t>
+            </a:r>
+            <a:endParaRPr lang="en-US" b="1" dirty="0">
+              <a:solidFill>
+                <a:srgbClr val="505050"/>
+              </a:solidFill>
+              <a:ea typeface="Segoe UI" pitchFamily="34" charset="0"/>
+              <a:cs typeface="Segoe UI" pitchFamily="34" charset="0"/>
+            </a:endParaRPr>
+          </a:p>
+          <a:p>
+            <a:pPr marL="173038" lvl="0" indent="-173038" defTabSz="931757" fontAlgn="base">
+              <a:spcAft>
+                <a:spcPts val="600"/>
+              </a:spcAft>
+              <a:buFont typeface="Arial" charset="0"/>
+              <a:buChar char="•"/>
+              <a:defRPr/>
+            </a:pPr>
+            <a:endParaRPr lang="en-US" sz="1400" b="1" dirty="0">
+              <a:solidFill>
+                <a:srgbClr val="505050"/>
+              </a:solidFill>
+              <a:ea typeface="Segoe UI" pitchFamily="34" charset="0"/>
+              <a:cs typeface="Segoe UI" pitchFamily="34" charset="0"/>
+            </a:endParaRPr>
+          </a:p>
+        </p:txBody>
+      </p:sp>
+      <p:cxnSp>
+        <p:nvCxnSpPr>
+          <p:cNvPr id="17" name="Straight Connector 16">
+            <a:extLst>
+              <a:ext uri="{FF2B5EF4-FFF2-40B4-BE49-F238E27FC236}">
+                <a16:creationId xmlns:a16="http://schemas.microsoft.com/office/drawing/2014/main" id="{4F252526-F150-3F42-A0FF-34F41D5B3BCC}"/>
+              </a:ext>
+            </a:extLst>
+          </p:cNvPr>
+          <p:cNvCxnSpPr/>
+          <p:nvPr/>
+        </p:nvCxnSpPr>
+        <p:spPr>
+          <a:xfrm>
+            <a:off x="890188" y="2822426"/>
+            <a:ext cx="0" cy="2182884"/>
+          </a:xfrm>
+          <a:prstGeom prst="line">
+            <a:avLst/>
+          </a:prstGeom>
+          <a:ln>
+            <a:solidFill>
+              <a:schemeClr val="accent1"/>
+            </a:solidFill>
+            <a:headEnd type="none"/>
+            <a:tailEnd type="none"/>
+          </a:ln>
+        </p:spPr>
+        <p:style>
+          <a:lnRef idx="1">
+            <a:schemeClr val="accent1"/>
+          </a:lnRef>
+          <a:fillRef idx="0">
+            <a:schemeClr val="accent1"/>
+          </a:fillRef>
+          <a:effectRef idx="0">
+            <a:schemeClr val="accent1"/>
+          </a:effectRef>
+          <a:fontRef idx="minor">
+            <a:schemeClr val="tx1"/>
+          </a:fontRef>
+        </p:style>
+      </p:cxnSp>
+      <p:cxnSp>
+        <p:nvCxnSpPr>
+          <p:cNvPr id="41" name="Straight Connector 40">
+            <a:extLst>
+              <a:ext uri="{FF2B5EF4-FFF2-40B4-BE49-F238E27FC236}">
+                <a16:creationId xmlns:a16="http://schemas.microsoft.com/office/drawing/2014/main" id="{667C0F4B-7395-1F41-A1AA-8A943C5CC51B}"/>
+              </a:ext>
+            </a:extLst>
+          </p:cNvPr>
+          <p:cNvCxnSpPr/>
+          <p:nvPr/>
+        </p:nvCxnSpPr>
+        <p:spPr>
+          <a:xfrm>
+            <a:off x="5344065" y="2819093"/>
+            <a:ext cx="0" cy="2182884"/>
+          </a:xfrm>
+          <a:prstGeom prst="line">
+            <a:avLst/>
+          </a:prstGeom>
+          <a:ln>
+            <a:solidFill>
+              <a:schemeClr val="accent1"/>
+            </a:solidFill>
+            <a:headEnd type="none"/>
+            <a:tailEnd type="none"/>
+          </a:ln>
+        </p:spPr>
+        <p:style>
+          <a:lnRef idx="1">
+            <a:schemeClr val="accent1"/>
+          </a:lnRef>
+          <a:fillRef idx="0">
+            <a:schemeClr val="accent1"/>
+          </a:fillRef>
+          <a:effectRef idx="0">
+            <a:schemeClr val="accent1"/>
+          </a:effectRef>
+          <a:fontRef idx="minor">
+            <a:schemeClr val="tx1"/>
+          </a:fontRef>
+        </p:style>
+      </p:cxnSp>
+    </p:spTree>
+    <p:extLst>
+      <p:ext uri="{BB962C8B-B14F-4D97-AF65-F5344CB8AC3E}">
+        <p14:creationId xmlns:p14="http://schemas.microsoft.com/office/powerpoint/2010/main" val="560698804"/>
       </p:ext>
     </p:extLst>
   </p:cSld>
@@ -14316,6 +19448,48 @@
   <p:transition>
     <p:fade/>
   </p:transition>
+</p:sld>
+</file>
+
+<file path=ppt/slides/slide9.xml><?xml version="1.0" encoding="utf-8"?>
+<p:sld xmlns:a="http://schemas.openxmlformats.org/drawingml/2006/main" xmlns:r="http://schemas.openxmlformats.org/officeDocument/2006/relationships" xmlns:p="http://schemas.openxmlformats.org/presentationml/2006/main">
+  <p:cSld>
+    <p:spTree>
+      <p:nvGrpSpPr>
+        <p:cNvPr id="1" name=""/>
+        <p:cNvGrpSpPr/>
+        <p:nvPr/>
+      </p:nvGrpSpPr>
+      <p:grpSpPr>
+        <a:xfrm>
+          <a:off x="0" y="0"/>
+          <a:ext cx="0" cy="0"/>
+          <a:chOff x="0" y="0"/>
+          <a:chExt cx="0" cy="0"/>
+        </a:xfrm>
+      </p:grpSpPr>
+    </p:spTree>
+    <p:extLst>
+      <p:ext uri="{BB962C8B-B14F-4D97-AF65-F5344CB8AC3E}">
+        <p14:creationId xmlns:p14="http://schemas.microsoft.com/office/powerpoint/2010/main" val="1897784522"/>
+      </p:ext>
+    </p:extLst>
+  </p:cSld>
+  <p:clrMapOvr>
+    <a:masterClrMapping/>
+  </p:clrMapOvr>
+  <mc:AlternateContent xmlns:mc="http://schemas.openxmlformats.org/markup-compatibility/2006" xmlns:p14="http://schemas.microsoft.com/office/powerpoint/2010/main">
+    <mc:Choice Requires="p14">
+      <p:transition spd="med" p14:dur="700">
+        <p:fade/>
+      </p:transition>
+    </mc:Choice>
+    <mc:Fallback xmlns="">
+      <p:transition spd="med">
+        <p:fade/>
+      </p:transition>
+    </mc:Fallback>
+  </mc:AlternateContent>
 </p:sld>
 </file>
 
@@ -15185,26 +20359,29 @@
 </file>
 
 <file path=customXml/item1.xml><?xml version="1.0" encoding="utf-8"?>
-<ct:contentTypeSchema xmlns:ct="http://schemas.microsoft.com/office/2006/metadata/contentType" xmlns:ma="http://schemas.microsoft.com/office/2006/metadata/properties/metaAttributes" ct:_="" ma:_="" ma:contentTypeName="Document" ma:contentTypeID="0x010100D15DFA3690A15B4081582BBCC6BEAC3E" ma:contentTypeVersion="9" ma:contentTypeDescription="Create a new document." ma:contentTypeScope="" ma:versionID="642da1784587cbe85a7fdbbe4dc36103">
-  <xsd:schema xmlns:xsd="http://www.w3.org/2001/XMLSchema" xmlns:xs="http://www.w3.org/2001/XMLSchema" xmlns:p="http://schemas.microsoft.com/office/2006/metadata/properties" xmlns:ns1="http://schemas.microsoft.com/sharepoint/v3" xmlns:ns2="2023ac63-7b75-4916-a9ee-591457758eee" xmlns:ns3="d9c797ad-d7c3-4982-82b7-81352a75e4a5" targetNamespace="http://schemas.microsoft.com/office/2006/metadata/properties" ma:root="true" ma:fieldsID="91198b0246576053cc55dd2c67035a89" ns1:_="" ns2:_="" ns3:_="">
-    <xsd:import namespace="http://schemas.microsoft.com/sharepoint/v3"/>
-    <xsd:import namespace="2023ac63-7b75-4916-a9ee-591457758eee"/>
-    <xsd:import namespace="d9c797ad-d7c3-4982-82b7-81352a75e4a5"/>
+<p:properties xmlns:p="http://schemas.microsoft.com/office/2006/metadata/properties" xmlns:xsi="http://www.w3.org/2001/XMLSchema-instance" xmlns:pc="http://schemas.microsoft.com/office/infopath/2007/PartnerControls">
+  <documentManagement/>
+</p:properties>
+</file>
+
+<file path=customXml/item2.xml><?xml version="1.0" encoding="utf-8"?>
+<ct:contentTypeSchema xmlns:ct="http://schemas.microsoft.com/office/2006/metadata/contentType" xmlns:ma="http://schemas.microsoft.com/office/2006/metadata/properties/metaAttributes" ct:_="" ma:_="" ma:contentTypeName="Document" ma:contentTypeID="0x010100018E650FE5CEB04591B07F3CBB931F0F" ma:contentTypeVersion="7" ma:contentTypeDescription="Create a new document." ma:contentTypeScope="" ma:versionID="85022064ba5bed17569dc96faf4a677a">
+  <xsd:schema xmlns:xsd="http://www.w3.org/2001/XMLSchema" xmlns:xs="http://www.w3.org/2001/XMLSchema" xmlns:p="http://schemas.microsoft.com/office/2006/metadata/properties" xmlns:ns2="6431c2f2-b21e-494d-ae99-8a58deb350dc" xmlns:ns3="855a15ad-e539-40d1-9f72-905858bec509" targetNamespace="http://schemas.microsoft.com/office/2006/metadata/properties" ma:root="true" ma:fieldsID="f5d8b98cd0a0b4ad94dbeb40903eb4ef" ns2:_="" ns3:_="">
+    <xsd:import namespace="6431c2f2-b21e-494d-ae99-8a58deb350dc"/>
+    <xsd:import namespace="855a15ad-e539-40d1-9f72-905858bec509"/>
     <xsd:element name="properties">
       <xsd:complexType>
         <xsd:sequence>
           <xsd:element name="documentManagement">
             <xsd:complexType>
               <xsd:all>
-                <xsd:element ref="ns2:SharedWithUsers" minOccurs="0"/>
-                <xsd:element ref="ns2:SharedWithDetails" minOccurs="0"/>
-                <xsd:element ref="ns2:LastSharedByUser" minOccurs="0"/>
-                <xsd:element ref="ns2:LastSharedByTime" minOccurs="0"/>
-                <xsd:element ref="ns3:MediaServiceMetadata" minOccurs="0"/>
-                <xsd:element ref="ns3:MediaServiceFastMetadata" minOccurs="0"/>
-                <xsd:element ref="ns1:_ip_UnifiedCompliancePolicyProperties" minOccurs="0"/>
-                <xsd:element ref="ns1:_ip_UnifiedCompliancePolicyUIAction" minOccurs="0"/>
-                <xsd:element ref="ns3:MediaServiceDateTaken" minOccurs="0"/>
+                <xsd:element ref="ns2:MediaServiceMetadata" minOccurs="0"/>
+                <xsd:element ref="ns2:MediaServiceFastMetadata" minOccurs="0"/>
+                <xsd:element ref="ns3:SharedWithUsers" minOccurs="0"/>
+                <xsd:element ref="ns3:SharedWithDetails" minOccurs="0"/>
+                <xsd:element ref="ns2:MediaServiceAutoTags" minOccurs="0"/>
+                <xsd:element ref="ns2:MediaServiceEventHashCode" minOccurs="0"/>
+                <xsd:element ref="ns2:MediaServiceGenerationTime" minOccurs="0"/>
               </xsd:all>
             </xsd:complexType>
           </xsd:element>
@@ -15212,24 +20389,39 @@
       </xsd:complexType>
     </xsd:element>
   </xsd:schema>
-  <xsd:schema xmlns:xsd="http://www.w3.org/2001/XMLSchema" xmlns:xs="http://www.w3.org/2001/XMLSchema" xmlns:dms="http://schemas.microsoft.com/office/2006/documentManagement/types" xmlns:pc="http://schemas.microsoft.com/office/infopath/2007/PartnerControls" targetNamespace="http://schemas.microsoft.com/sharepoint/v3" elementFormDefault="qualified">
+  <xsd:schema xmlns:xsd="http://www.w3.org/2001/XMLSchema" xmlns:xs="http://www.w3.org/2001/XMLSchema" xmlns:dms="http://schemas.microsoft.com/office/2006/documentManagement/types" xmlns:pc="http://schemas.microsoft.com/office/infopath/2007/PartnerControls" targetNamespace="6431c2f2-b21e-494d-ae99-8a58deb350dc" elementFormDefault="qualified">
     <xsd:import namespace="http://schemas.microsoft.com/office/2006/documentManagement/types"/>
     <xsd:import namespace="http://schemas.microsoft.com/office/infopath/2007/PartnerControls"/>
-    <xsd:element name="_ip_UnifiedCompliancePolicyProperties" ma:index="14" nillable="true" ma:displayName="Unified Compliance Policy Properties" ma:description="" ma:hidden="true" ma:internalName="_ip_UnifiedCompliancePolicyProperties">
+    <xsd:element name="MediaServiceMetadata" ma:index="8" nillable="true" ma:displayName="MediaServiceMetadata" ma:hidden="true" ma:internalName="MediaServiceMetadata" ma:readOnly="true">
       <xsd:simpleType>
         <xsd:restriction base="dms:Note"/>
       </xsd:simpleType>
     </xsd:element>
-    <xsd:element name="_ip_UnifiedCompliancePolicyUIAction" ma:index="15" nillable="true" ma:displayName="Unified Compliance Policy UI Action" ma:description="" ma:hidden="true" ma:internalName="_ip_UnifiedCompliancePolicyUIAction">
+    <xsd:element name="MediaServiceFastMetadata" ma:index="9" nillable="true" ma:displayName="MediaServiceFastMetadata" ma:hidden="true" ma:internalName="MediaServiceFastMetadata" ma:readOnly="true">
+      <xsd:simpleType>
+        <xsd:restriction base="dms:Note"/>
+      </xsd:simpleType>
+    </xsd:element>
+    <xsd:element name="MediaServiceAutoTags" ma:index="12" nillable="true" ma:displayName="MediaServiceAutoTags" ma:internalName="MediaServiceAutoTags" ma:readOnly="true">
+      <xsd:simpleType>
+        <xsd:restriction base="dms:Text"/>
+      </xsd:simpleType>
+    </xsd:element>
+    <xsd:element name="MediaServiceEventHashCode" ma:index="13" nillable="true" ma:displayName="MediaServiceEventHashCode" ma:hidden="true" ma:internalName="MediaServiceEventHashCode" ma:readOnly="true">
+      <xsd:simpleType>
+        <xsd:restriction base="dms:Text"/>
+      </xsd:simpleType>
+    </xsd:element>
+    <xsd:element name="MediaServiceGenerationTime" ma:index="14" nillable="true" ma:displayName="MediaServiceGenerationTime" ma:hidden="true" ma:internalName="MediaServiceGenerationTime" ma:readOnly="true">
       <xsd:simpleType>
         <xsd:restriction base="dms:Text"/>
       </xsd:simpleType>
     </xsd:element>
   </xsd:schema>
-  <xsd:schema xmlns:xsd="http://www.w3.org/2001/XMLSchema" xmlns:xs="http://www.w3.org/2001/XMLSchema" xmlns:dms="http://schemas.microsoft.com/office/2006/documentManagement/types" xmlns:pc="http://schemas.microsoft.com/office/infopath/2007/PartnerControls" targetNamespace="2023ac63-7b75-4916-a9ee-591457758eee" elementFormDefault="qualified">
+  <xsd:schema xmlns:xsd="http://www.w3.org/2001/XMLSchema" xmlns:xs="http://www.w3.org/2001/XMLSchema" xmlns:dms="http://schemas.microsoft.com/office/2006/documentManagement/types" xmlns:pc="http://schemas.microsoft.com/office/infopath/2007/PartnerControls" targetNamespace="855a15ad-e539-40d1-9f72-905858bec509" elementFormDefault="qualified">
     <xsd:import namespace="http://schemas.microsoft.com/office/2006/documentManagement/types"/>
     <xsd:import namespace="http://schemas.microsoft.com/office/infopath/2007/PartnerControls"/>
-    <xsd:element name="SharedWithUsers" ma:index="8" nillable="true" ma:displayName="Shared With" ma:description="" ma:internalName="SharedWithUsers" ma:readOnly="true">
+    <xsd:element name="SharedWithUsers" ma:index="10" nillable="true" ma:displayName="Shared With" ma:internalName="SharedWithUsers" ma:readOnly="true">
       <xsd:complexType>
         <xsd:complexContent>
           <xsd:extension base="dms:UserMulti">
@@ -15248,42 +20440,11 @@
         </xsd:complexContent>
       </xsd:complexType>
     </xsd:element>
-    <xsd:element name="SharedWithDetails" ma:index="9" nillable="true" ma:displayName="Shared With Details" ma:description="" ma:internalName="SharedWithDetails" ma:readOnly="true">
+    <xsd:element name="SharedWithDetails" ma:index="11" nillable="true" ma:displayName="Shared With Details" ma:internalName="SharedWithDetails" ma:readOnly="true">
       <xsd:simpleType>
         <xsd:restriction base="dms:Note">
           <xsd:maxLength value="255"/>
         </xsd:restriction>
-      </xsd:simpleType>
-    </xsd:element>
-    <xsd:element name="LastSharedByUser" ma:index="10" nillable="true" ma:displayName="Last Shared By User" ma:description="" ma:internalName="LastSharedByUser" ma:readOnly="true">
-      <xsd:simpleType>
-        <xsd:restriction base="dms:Note">
-          <xsd:maxLength value="255"/>
-        </xsd:restriction>
-      </xsd:simpleType>
-    </xsd:element>
-    <xsd:element name="LastSharedByTime" ma:index="11" nillable="true" ma:displayName="Last Shared By Time" ma:description="" ma:internalName="LastSharedByTime" ma:readOnly="true">
-      <xsd:simpleType>
-        <xsd:restriction base="dms:DateTime"/>
-      </xsd:simpleType>
-    </xsd:element>
-  </xsd:schema>
-  <xsd:schema xmlns:xsd="http://www.w3.org/2001/XMLSchema" xmlns:xs="http://www.w3.org/2001/XMLSchema" xmlns:dms="http://schemas.microsoft.com/office/2006/documentManagement/types" xmlns:pc="http://schemas.microsoft.com/office/infopath/2007/PartnerControls" targetNamespace="d9c797ad-d7c3-4982-82b7-81352a75e4a5" elementFormDefault="qualified">
-    <xsd:import namespace="http://schemas.microsoft.com/office/2006/documentManagement/types"/>
-    <xsd:import namespace="http://schemas.microsoft.com/office/infopath/2007/PartnerControls"/>
-    <xsd:element name="MediaServiceMetadata" ma:index="12" nillable="true" ma:displayName="MediaServiceMetadata" ma:description="" ma:hidden="true" ma:internalName="MediaServiceMetadata" ma:readOnly="true">
-      <xsd:simpleType>
-        <xsd:restriction base="dms:Note"/>
-      </xsd:simpleType>
-    </xsd:element>
-    <xsd:element name="MediaServiceFastMetadata" ma:index="13" nillable="true" ma:displayName="MediaServiceFastMetadata" ma:description="" ma:hidden="true" ma:internalName="MediaServiceFastMetadata" ma:readOnly="true">
-      <xsd:simpleType>
-        <xsd:restriction base="dms:Note"/>
-      </xsd:simpleType>
-    </xsd:element>
-    <xsd:element name="MediaServiceDateTaken" ma:index="16" nillable="true" ma:displayName="MediaServiceDateTaken" ma:hidden="true" ma:internalName="MediaServiceDateTaken" ma:readOnly="true">
-      <xsd:simpleType>
-        <xsd:restriction base="dms:Text"/>
       </xsd:simpleType>
     </xsd:element>
   </xsd:schema>
@@ -15386,7 +20547,7 @@
 </ct:contentTypeSchema>
 </file>
 
-<file path=customXml/item2.xml><?xml version="1.0" encoding="utf-8"?>
+<file path=customXml/item3.xml><?xml version="1.0" encoding="utf-8"?>
 <?mso-contentType ?>
 <FormTemplates xmlns="http://schemas.microsoft.com/sharepoint/v3/contenttype/forms">
   <Display>DocumentLibraryForm</Display>
@@ -15395,25 +20556,32 @@
 </FormTemplates>
 </file>
 
-<file path=customXml/item3.xml><?xml version="1.0" encoding="utf-8"?>
-<p:properties xmlns:p="http://schemas.microsoft.com/office/2006/metadata/properties" xmlns:xsi="http://www.w3.org/2001/XMLSchema-instance" xmlns:pc="http://schemas.microsoft.com/office/infopath/2007/PartnerControls">
-  <documentManagement>
-    <_ip_UnifiedCompliancePolicyUIAction xmlns="http://schemas.microsoft.com/sharepoint/v3" xsi:nil="true"/>
-    <_ip_UnifiedCompliancePolicyProperties xmlns="http://schemas.microsoft.com/sharepoint/v3" xsi:nil="true"/>
-  </documentManagement>
-</p:properties>
+<file path=customXml/itemProps1.xml><?xml version="1.0" encoding="utf-8"?>
+<ds:datastoreItem xmlns:ds="http://schemas.openxmlformats.org/officeDocument/2006/customXml" ds:itemID="{BAF7D529-36AB-45DA-B239-2F912F2D1610}">
+  <ds:schemaRefs>
+    <ds:schemaRef ds:uri="http://schemas.microsoft.com/office/2006/metadata/properties"/>
+    <ds:schemaRef ds:uri="http://schemas.microsoft.com/office/2006/documentManagement/types"/>
+    <ds:schemaRef ds:uri="6431c2f2-b21e-494d-ae99-8a58deb350dc"/>
+    <ds:schemaRef ds:uri="http://purl.org/dc/elements/1.1/"/>
+    <ds:schemaRef ds:uri="http://schemas.openxmlformats.org/package/2006/metadata/core-properties"/>
+    <ds:schemaRef ds:uri="855a15ad-e539-40d1-9f72-905858bec509"/>
+    <ds:schemaRef ds:uri="http://purl.org/dc/dcmitype/"/>
+    <ds:schemaRef ds:uri="http://schemas.microsoft.com/office/infopath/2007/PartnerControls"/>
+    <ds:schemaRef ds:uri="http://www.w3.org/XML/1998/namespace"/>
+    <ds:schemaRef ds:uri="http://purl.org/dc/terms/"/>
+  </ds:schemaRefs>
+</ds:datastoreItem>
 </file>
 
-<file path=customXml/itemProps1.xml><?xml version="1.0" encoding="utf-8"?>
-<ds:datastoreItem xmlns:ds="http://schemas.openxmlformats.org/officeDocument/2006/customXml" ds:itemID="{255F5BEB-6AD6-480A-8556-C80C5EBC10F2}">
+<file path=customXml/itemProps2.xml><?xml version="1.0" encoding="utf-8"?>
+<ds:datastoreItem xmlns:ds="http://schemas.openxmlformats.org/officeDocument/2006/customXml" ds:itemID="{55DE6D9C-5445-4355-8FCE-322F7F320393}">
   <ds:schemaRefs>
     <ds:schemaRef ds:uri="http://schemas.microsoft.com/office/2006/metadata/contentType"/>
     <ds:schemaRef ds:uri="http://schemas.microsoft.com/office/2006/metadata/properties/metaAttributes"/>
     <ds:schemaRef ds:uri="http://www.w3.org/2001/XMLSchema"/>
     <ds:schemaRef ds:uri="http://schemas.microsoft.com/office/2006/metadata/properties"/>
-    <ds:schemaRef ds:uri="http://schemas.microsoft.com/sharepoint/v3"/>
-    <ds:schemaRef ds:uri="2023ac63-7b75-4916-a9ee-591457758eee"/>
-    <ds:schemaRef ds:uri="d9c797ad-d7c3-4982-82b7-81352a75e4a5"/>
+    <ds:schemaRef ds:uri="6431c2f2-b21e-494d-ae99-8a58deb350dc"/>
+    <ds:schemaRef ds:uri="855a15ad-e539-40d1-9f72-905858bec509"/>
     <ds:schemaRef ds:uri="http://schemas.microsoft.com/office/2006/documentManagement/types"/>
     <ds:schemaRef ds:uri="http://schemas.microsoft.com/office/infopath/2007/PartnerControls"/>
     <ds:schemaRef ds:uri="http://schemas.openxmlformats.org/package/2006/metadata/core-properties"/>
@@ -15424,28 +20592,10 @@
 </ds:datastoreItem>
 </file>
 
-<file path=customXml/itemProps2.xml><?xml version="1.0" encoding="utf-8"?>
+<file path=customXml/itemProps3.xml><?xml version="1.0" encoding="utf-8"?>
 <ds:datastoreItem xmlns:ds="http://schemas.openxmlformats.org/officeDocument/2006/customXml" ds:itemID="{F18501AF-04CF-4482-BAE1-607B49DDC378}">
   <ds:schemaRefs>
     <ds:schemaRef ds:uri="http://schemas.microsoft.com/sharepoint/v3/contenttype/forms"/>
   </ds:schemaRefs>
 </ds:datastoreItem>
-</file>
-
-<file path=customXml/itemProps3.xml><?xml version="1.0" encoding="utf-8"?>
-<ds:datastoreItem xmlns:ds="http://schemas.openxmlformats.org/officeDocument/2006/customXml" ds:itemID="{BAF7D529-36AB-45DA-B239-2F912F2D1610}">
-  <ds:schemaRefs>
-    <ds:schemaRef ds:uri="http://purl.org/dc/elements/1.1/"/>
-    <ds:schemaRef ds:uri="http://schemas.microsoft.com/office/2006/metadata/properties"/>
-    <ds:schemaRef ds:uri="http://purl.org/dc/terms/"/>
-    <ds:schemaRef ds:uri="http://schemas.microsoft.com/office/infopath/2007/PartnerControls"/>
-    <ds:schemaRef ds:uri="http://purl.org/dc/dcmitype/"/>
-    <ds:schemaRef ds:uri="http://schemas.openxmlformats.org/package/2006/metadata/core-properties"/>
-    <ds:schemaRef ds:uri="http://schemas.microsoft.com/office/2006/documentManagement/types"/>
-    <ds:schemaRef ds:uri="d9c797ad-d7c3-4982-82b7-81352a75e4a5"/>
-    <ds:schemaRef ds:uri="2023ac63-7b75-4916-a9ee-591457758eee"/>
-    <ds:schemaRef ds:uri="http://schemas.microsoft.com/sharepoint/v3"/>
-    <ds:schemaRef ds:uri="http://www.w3.org/XML/1998/namespace"/>
-  </ds:schemaRefs>
-</ds:datastoreItem>
 </file>